--- a/Fig. 10.pptx
+++ b/Fig. 10.pptx
@@ -192,7 +192,7 @@
           <a:p>
             <a:fld id="{FC38EABC-6C4D-4F1A-8263-82F1F8615404}" type="datetimeFigureOut">
               <a:rPr lang="de-DE" smtClean="0"/>
-              <a:t>20.08.2015</a:t>
+              <a:t>21.08.2015</a:t>
             </a:fld>
             <a:endParaRPr lang="de-DE"/>
           </a:p>
@@ -725,7 +725,7 @@
           <a:p>
             <a:fld id="{B410A92C-BAED-4158-BF36-472EEE26D0BC}" type="datetimeFigureOut">
               <a:rPr lang="de-DE" smtClean="0"/>
-              <a:t>20.08.2015</a:t>
+              <a:t>21.08.2015</a:t>
             </a:fld>
             <a:endParaRPr lang="de-DE"/>
           </a:p>
@@ -895,7 +895,7 @@
           <a:p>
             <a:fld id="{B410A92C-BAED-4158-BF36-472EEE26D0BC}" type="datetimeFigureOut">
               <a:rPr lang="de-DE" smtClean="0"/>
-              <a:t>20.08.2015</a:t>
+              <a:t>21.08.2015</a:t>
             </a:fld>
             <a:endParaRPr lang="de-DE"/>
           </a:p>
@@ -1075,7 +1075,7 @@
           <a:p>
             <a:fld id="{B410A92C-BAED-4158-BF36-472EEE26D0BC}" type="datetimeFigureOut">
               <a:rPr lang="de-DE" smtClean="0"/>
-              <a:t>20.08.2015</a:t>
+              <a:t>21.08.2015</a:t>
             </a:fld>
             <a:endParaRPr lang="de-DE"/>
           </a:p>
@@ -1245,7 +1245,7 @@
           <a:p>
             <a:fld id="{B410A92C-BAED-4158-BF36-472EEE26D0BC}" type="datetimeFigureOut">
               <a:rPr lang="de-DE" smtClean="0"/>
-              <a:t>20.08.2015</a:t>
+              <a:t>21.08.2015</a:t>
             </a:fld>
             <a:endParaRPr lang="de-DE"/>
           </a:p>
@@ -1491,7 +1491,7 @@
           <a:p>
             <a:fld id="{B410A92C-BAED-4158-BF36-472EEE26D0BC}" type="datetimeFigureOut">
               <a:rPr lang="de-DE" smtClean="0"/>
-              <a:t>20.08.2015</a:t>
+              <a:t>21.08.2015</a:t>
             </a:fld>
             <a:endParaRPr lang="de-DE"/>
           </a:p>
@@ -1779,7 +1779,7 @@
           <a:p>
             <a:fld id="{B410A92C-BAED-4158-BF36-472EEE26D0BC}" type="datetimeFigureOut">
               <a:rPr lang="de-DE" smtClean="0"/>
-              <a:t>20.08.2015</a:t>
+              <a:t>21.08.2015</a:t>
             </a:fld>
             <a:endParaRPr lang="de-DE"/>
           </a:p>
@@ -2201,7 +2201,7 @@
           <a:p>
             <a:fld id="{B410A92C-BAED-4158-BF36-472EEE26D0BC}" type="datetimeFigureOut">
               <a:rPr lang="de-DE" smtClean="0"/>
-              <a:t>20.08.2015</a:t>
+              <a:t>21.08.2015</a:t>
             </a:fld>
             <a:endParaRPr lang="de-DE"/>
           </a:p>
@@ -2319,7 +2319,7 @@
           <a:p>
             <a:fld id="{B410A92C-BAED-4158-BF36-472EEE26D0BC}" type="datetimeFigureOut">
               <a:rPr lang="de-DE" smtClean="0"/>
-              <a:t>20.08.2015</a:t>
+              <a:t>21.08.2015</a:t>
             </a:fld>
             <a:endParaRPr lang="de-DE"/>
           </a:p>
@@ -2414,7 +2414,7 @@
           <a:p>
             <a:fld id="{B410A92C-BAED-4158-BF36-472EEE26D0BC}" type="datetimeFigureOut">
               <a:rPr lang="de-DE" smtClean="0"/>
-              <a:t>20.08.2015</a:t>
+              <a:t>21.08.2015</a:t>
             </a:fld>
             <a:endParaRPr lang="de-DE"/>
           </a:p>
@@ -2691,7 +2691,7 @@
           <a:p>
             <a:fld id="{B410A92C-BAED-4158-BF36-472EEE26D0BC}" type="datetimeFigureOut">
               <a:rPr lang="de-DE" smtClean="0"/>
-              <a:t>20.08.2015</a:t>
+              <a:t>21.08.2015</a:t>
             </a:fld>
             <a:endParaRPr lang="de-DE"/>
           </a:p>
@@ -2944,7 +2944,7 @@
           <a:p>
             <a:fld id="{B410A92C-BAED-4158-BF36-472EEE26D0BC}" type="datetimeFigureOut">
               <a:rPr lang="de-DE" smtClean="0"/>
-              <a:t>20.08.2015</a:t>
+              <a:t>21.08.2015</a:t>
             </a:fld>
             <a:endParaRPr lang="de-DE"/>
           </a:p>
@@ -3157,7 +3157,7 @@
           <a:p>
             <a:fld id="{B410A92C-BAED-4158-BF36-472EEE26D0BC}" type="datetimeFigureOut">
               <a:rPr lang="de-DE" smtClean="0"/>
-              <a:t>20.08.2015</a:t>
+              <a:t>21.08.2015</a:t>
             </a:fld>
             <a:endParaRPr lang="de-DE"/>
           </a:p>
@@ -3741,8 +3741,8 @@
         </p:nvSpPr>
         <p:spPr>
           <a:xfrm>
-            <a:off x="85748" y="1348004"/>
-            <a:ext cx="936104" cy="323165"/>
+            <a:off x="94404" y="1321925"/>
+            <a:ext cx="1309244" cy="369332"/>
           </a:xfrm>
           <a:prstGeom prst="rect">
             <a:avLst/>
@@ -3756,13 +3756,13 @@
           <a:lstStyle/>
           <a:p>
             <a:r>
-              <a:rPr lang="de-CH" sz="1500" b="1" dirty="0" smtClean="0">
+              <a:rPr lang="de-CH" b="1" dirty="0" smtClean="0">
                 <a:latin typeface="Arial" panose="020B0604020202020204" pitchFamily="34" charset="0"/>
                 <a:cs typeface="Arial" panose="020B0604020202020204" pitchFamily="34" charset="0"/>
               </a:rPr>
               <a:t>5SG</a:t>
             </a:r>
-            <a:endParaRPr lang="de-DE" sz="1500" b="1" dirty="0">
+            <a:endParaRPr lang="de-DE" b="1" dirty="0">
               <a:latin typeface="Arial" panose="020B0604020202020204" pitchFamily="34" charset="0"/>
               <a:cs typeface="Arial" panose="020B0604020202020204" pitchFamily="34" charset="0"/>
             </a:endParaRPr>
@@ -4858,8 +4858,8 @@
         </p:nvSpPr>
         <p:spPr>
           <a:xfrm>
-            <a:off x="85748" y="2097778"/>
-            <a:ext cx="792088" cy="323165"/>
+            <a:off x="94404" y="2076512"/>
+            <a:ext cx="1107822" cy="369332"/>
           </a:xfrm>
           <a:prstGeom prst="rect">
             <a:avLst/>
@@ -4873,13 +4873,13 @@
           <a:lstStyle/>
           <a:p>
             <a:r>
-              <a:rPr lang="de-CH" sz="1500" b="1" dirty="0" smtClean="0">
+              <a:rPr lang="de-CH" b="1" dirty="0" smtClean="0">
                 <a:latin typeface="Arial" panose="020B0604020202020204" pitchFamily="34" charset="0"/>
                 <a:cs typeface="Arial" panose="020B0604020202020204" pitchFamily="34" charset="0"/>
               </a:rPr>
               <a:t>G33F</a:t>
             </a:r>
-            <a:endParaRPr lang="de-DE" sz="1500" b="1" dirty="0">
+            <a:endParaRPr lang="de-DE" b="1" dirty="0">
               <a:latin typeface="Arial" panose="020B0604020202020204" pitchFamily="34" charset="0"/>
               <a:cs typeface="Arial" panose="020B0604020202020204" pitchFamily="34" charset="0"/>
             </a:endParaRPr>
@@ -5678,7 +5678,7 @@
         <p:spPr>
           <a:xfrm>
             <a:off x="85748" y="158408"/>
-            <a:ext cx="957860" cy="338554"/>
+            <a:ext cx="1339672" cy="400110"/>
           </a:xfrm>
           <a:prstGeom prst="rect">
             <a:avLst/>
@@ -5692,13 +5692,13 @@
           <a:lstStyle/>
           <a:p>
             <a:r>
-              <a:rPr lang="de-CH" sz="1600" b="1" dirty="0" smtClean="0">
+              <a:rPr lang="de-CH" sz="2000" b="1" dirty="0" smtClean="0">
                 <a:latin typeface="Arial" panose="020B0604020202020204" pitchFamily="34" charset="0"/>
                 <a:cs typeface="Arial" panose="020B0604020202020204" pitchFamily="34" charset="0"/>
               </a:rPr>
               <a:t>Mutant</a:t>
             </a:r>
-            <a:endParaRPr lang="de-DE" sz="1600" b="1" dirty="0">
+            <a:endParaRPr lang="de-DE" sz="2000" b="1" dirty="0">
               <a:latin typeface="Arial" panose="020B0604020202020204" pitchFamily="34" charset="0"/>
               <a:cs typeface="Arial" panose="020B0604020202020204" pitchFamily="34" charset="0"/>
             </a:endParaRPr>
@@ -5713,8 +5713,8 @@
         </p:nvSpPr>
         <p:spPr>
           <a:xfrm>
-            <a:off x="3923928" y="155408"/>
-            <a:ext cx="1978744" cy="338554"/>
+            <a:off x="3779912" y="158408"/>
+            <a:ext cx="2767490" cy="400110"/>
           </a:xfrm>
           <a:prstGeom prst="rect">
             <a:avLst/>
@@ -5728,20 +5728,20 @@
           <a:lstStyle/>
           <a:p>
             <a:r>
-              <a:rPr lang="de-CH" sz="1600" b="1" dirty="0" smtClean="0">
+              <a:rPr lang="de-CH" sz="2000" b="1" dirty="0" smtClean="0">
                 <a:latin typeface="Arial" panose="020B0604020202020204" pitchFamily="34" charset="0"/>
                 <a:cs typeface="Arial" panose="020B0604020202020204" pitchFamily="34" charset="0"/>
               </a:rPr>
               <a:t>N-VP2 </a:t>
             </a:r>
             <a:r>
-              <a:rPr lang="de-CH" sz="1600" b="1" dirty="0" err="1" smtClean="0">
+              <a:rPr lang="de-CH" sz="2000" b="1" dirty="0" err="1" smtClean="0">
                 <a:latin typeface="Arial" panose="020B0604020202020204" pitchFamily="34" charset="0"/>
                 <a:cs typeface="Arial" panose="020B0604020202020204" pitchFamily="34" charset="0"/>
               </a:rPr>
               <a:t>sequence</a:t>
             </a:r>
-            <a:endParaRPr lang="de-DE" sz="1600" b="1" dirty="0">
+            <a:endParaRPr lang="de-DE" sz="2000" b="1" dirty="0">
               <a:latin typeface="Arial" panose="020B0604020202020204" pitchFamily="34" charset="0"/>
               <a:cs typeface="Arial" panose="020B0604020202020204" pitchFamily="34" charset="0"/>
             </a:endParaRPr>
@@ -5756,7 +5756,7 @@
         </p:nvGrpSpPr>
         <p:grpSpPr>
           <a:xfrm rot="-360000">
-            <a:off x="1686886" y="6026232"/>
+            <a:off x="1560058" y="6013364"/>
             <a:ext cx="385701" cy="144000"/>
             <a:chOff x="1833287" y="6390465"/>
             <a:chExt cx="385701" cy="144000"/>
@@ -6103,7 +6103,7 @@
         </p:nvCxnSpPr>
         <p:spPr>
           <a:xfrm rot="1140000" flipV="1">
-            <a:off x="767806" y="6065915"/>
+            <a:off x="1586218" y="6421901"/>
             <a:ext cx="324000" cy="144000"/>
           </a:xfrm>
           <a:prstGeom prst="curvedConnector3">
@@ -6160,7 +6160,7 @@
         </p:blipFill>
         <p:spPr>
           <a:xfrm>
-            <a:off x="1851482" y="3249105"/>
+            <a:off x="1851482" y="2961574"/>
             <a:ext cx="972208" cy="1116000"/>
           </a:xfrm>
           <a:prstGeom prst="rect">
@@ -6176,7 +6176,7 @@
         </p:nvSpPr>
         <p:spPr>
           <a:xfrm rot="13873920">
-            <a:off x="1913969" y="3725210"/>
+            <a:off x="1956501" y="3427046"/>
             <a:ext cx="828254" cy="158662"/>
           </a:xfrm>
           <a:custGeom>
@@ -6337,307 +6337,13 @@
       </p:sp>
       <p:grpSp>
         <p:nvGrpSpPr>
-          <p:cNvPr id="89" name="Gruppieren 88"/>
-          <p:cNvGrpSpPr/>
-          <p:nvPr/>
-        </p:nvGrpSpPr>
-        <p:grpSpPr>
-          <a:xfrm rot="20102054">
-            <a:off x="1854507" y="3959099"/>
-            <a:ext cx="331137" cy="72000"/>
-            <a:chOff x="1806392" y="6031563"/>
-            <a:chExt cx="331137" cy="72000"/>
-          </a:xfrm>
-        </p:grpSpPr>
-        <p:cxnSp>
-          <p:nvCxnSpPr>
-            <p:cNvPr id="77" name="Gerade Verbindung 76"/>
-            <p:cNvCxnSpPr/>
-            <p:nvPr/>
-          </p:nvCxnSpPr>
-          <p:spPr>
-            <a:xfrm>
-              <a:off x="1806392" y="6068098"/>
-              <a:ext cx="144000" cy="0"/>
-            </a:xfrm>
-            <a:prstGeom prst="line">
-              <a:avLst/>
-            </a:prstGeom>
-            <a:ln w="19050">
-              <a:solidFill>
-                <a:schemeClr val="tx1"/>
-              </a:solidFill>
-            </a:ln>
-          </p:spPr>
-          <p:style>
-            <a:lnRef idx="1">
-              <a:schemeClr val="accent1"/>
-            </a:lnRef>
-            <a:fillRef idx="0">
-              <a:schemeClr val="accent1"/>
-            </a:fillRef>
-            <a:effectRef idx="0">
-              <a:schemeClr val="accent1"/>
-            </a:effectRef>
-            <a:fontRef idx="minor">
-              <a:schemeClr val="tx1"/>
-            </a:fontRef>
-          </p:style>
-        </p:cxnSp>
-        <p:sp>
-          <p:nvSpPr>
-            <p:cNvPr id="78" name="Richtungspfeil 77"/>
-            <p:cNvSpPr/>
-            <p:nvPr/>
-          </p:nvSpPr>
-          <p:spPr>
-            <a:xfrm>
-              <a:off x="1957529" y="6031563"/>
-              <a:ext cx="180000" cy="72000"/>
-            </a:xfrm>
-            <a:prstGeom prst="homePlate">
-              <a:avLst/>
-            </a:prstGeom>
-            <a:solidFill>
-              <a:schemeClr val="tx1"/>
-            </a:solidFill>
-            <a:ln>
-              <a:solidFill>
-                <a:schemeClr val="tx1"/>
-              </a:solidFill>
-            </a:ln>
-          </p:spPr>
-          <p:style>
-            <a:lnRef idx="2">
-              <a:schemeClr val="accent1">
-                <a:shade val="50000"/>
-              </a:schemeClr>
-            </a:lnRef>
-            <a:fillRef idx="1">
-              <a:schemeClr val="accent1"/>
-            </a:fillRef>
-            <a:effectRef idx="0">
-              <a:schemeClr val="accent1"/>
-            </a:effectRef>
-            <a:fontRef idx="minor">
-              <a:schemeClr val="lt1"/>
-            </a:fontRef>
-          </p:style>
-          <p:txBody>
-            <a:bodyPr rtlCol="0" anchor="ctr"/>
-            <a:lstStyle/>
-            <a:p>
-              <a:pPr algn="ctr"/>
-              <a:endParaRPr lang="de-DE"/>
-            </a:p>
-          </p:txBody>
-        </p:sp>
-      </p:grpSp>
-      <p:grpSp>
-        <p:nvGrpSpPr>
-          <p:cNvPr id="90" name="Gruppieren 89"/>
-          <p:cNvGrpSpPr/>
-          <p:nvPr/>
-        </p:nvGrpSpPr>
-        <p:grpSpPr>
-          <a:xfrm rot="13227227">
-            <a:off x="2516323" y="3915827"/>
-            <a:ext cx="328214" cy="72000"/>
-            <a:chOff x="1812956" y="6023743"/>
-            <a:chExt cx="328214" cy="72000"/>
-          </a:xfrm>
-        </p:grpSpPr>
-        <p:cxnSp>
-          <p:nvCxnSpPr>
-            <p:cNvPr id="91" name="Gerade Verbindung 90"/>
-            <p:cNvCxnSpPr/>
-            <p:nvPr/>
-          </p:nvCxnSpPr>
-          <p:spPr>
-            <a:xfrm>
-              <a:off x="1812956" y="6062501"/>
-              <a:ext cx="144000" cy="0"/>
-            </a:xfrm>
-            <a:prstGeom prst="line">
-              <a:avLst/>
-            </a:prstGeom>
-            <a:ln w="19050">
-              <a:solidFill>
-                <a:schemeClr val="tx1"/>
-              </a:solidFill>
-            </a:ln>
-          </p:spPr>
-          <p:style>
-            <a:lnRef idx="1">
-              <a:schemeClr val="accent1"/>
-            </a:lnRef>
-            <a:fillRef idx="0">
-              <a:schemeClr val="accent1"/>
-            </a:fillRef>
-            <a:effectRef idx="0">
-              <a:schemeClr val="accent1"/>
-            </a:effectRef>
-            <a:fontRef idx="minor">
-              <a:schemeClr val="tx1"/>
-            </a:fontRef>
-          </p:style>
-        </p:cxnSp>
-        <p:sp>
-          <p:nvSpPr>
-            <p:cNvPr id="92" name="Richtungspfeil 91"/>
-            <p:cNvSpPr/>
-            <p:nvPr/>
-          </p:nvSpPr>
-          <p:spPr>
-            <a:xfrm>
-              <a:off x="1961170" y="6023743"/>
-              <a:ext cx="180000" cy="72000"/>
-            </a:xfrm>
-            <a:prstGeom prst="homePlate">
-              <a:avLst/>
-            </a:prstGeom>
-            <a:solidFill>
-              <a:schemeClr val="tx1"/>
-            </a:solidFill>
-            <a:ln>
-              <a:solidFill>
-                <a:schemeClr val="tx1"/>
-              </a:solidFill>
-            </a:ln>
-          </p:spPr>
-          <p:style>
-            <a:lnRef idx="2">
-              <a:schemeClr val="accent1">
-                <a:shade val="50000"/>
-              </a:schemeClr>
-            </a:lnRef>
-            <a:fillRef idx="1">
-              <a:schemeClr val="accent1"/>
-            </a:fillRef>
-            <a:effectRef idx="0">
-              <a:schemeClr val="accent1"/>
-            </a:effectRef>
-            <a:fontRef idx="minor">
-              <a:schemeClr val="lt1"/>
-            </a:fontRef>
-          </p:style>
-          <p:txBody>
-            <a:bodyPr rtlCol="0" anchor="ctr"/>
-            <a:lstStyle/>
-            <a:p>
-              <a:pPr algn="ctr"/>
-              <a:endParaRPr lang="de-DE"/>
-            </a:p>
-          </p:txBody>
-        </p:sp>
-      </p:grpSp>
-      <p:grpSp>
-        <p:nvGrpSpPr>
-          <p:cNvPr id="93" name="Gruppieren 92"/>
-          <p:cNvGrpSpPr/>
-          <p:nvPr/>
-        </p:nvGrpSpPr>
-        <p:grpSpPr>
-          <a:xfrm rot="5400000">
-            <a:off x="2165404" y="3383994"/>
-            <a:ext cx="331138" cy="72000"/>
-            <a:chOff x="1806392" y="6040189"/>
-            <a:chExt cx="331138" cy="72000"/>
-          </a:xfrm>
-        </p:grpSpPr>
-        <p:cxnSp>
-          <p:nvCxnSpPr>
-            <p:cNvPr id="94" name="Gerade Verbindung 93"/>
-            <p:cNvCxnSpPr/>
-            <p:nvPr/>
-          </p:nvCxnSpPr>
-          <p:spPr>
-            <a:xfrm>
-              <a:off x="1806392" y="6068098"/>
-              <a:ext cx="144000" cy="0"/>
-            </a:xfrm>
-            <a:prstGeom prst="line">
-              <a:avLst/>
-            </a:prstGeom>
-            <a:ln w="19050">
-              <a:solidFill>
-                <a:schemeClr val="tx1"/>
-              </a:solidFill>
-            </a:ln>
-          </p:spPr>
-          <p:style>
-            <a:lnRef idx="1">
-              <a:schemeClr val="accent1"/>
-            </a:lnRef>
-            <a:fillRef idx="0">
-              <a:schemeClr val="accent1"/>
-            </a:fillRef>
-            <a:effectRef idx="0">
-              <a:schemeClr val="accent1"/>
-            </a:effectRef>
-            <a:fontRef idx="minor">
-              <a:schemeClr val="tx1"/>
-            </a:fontRef>
-          </p:style>
-        </p:cxnSp>
-        <p:sp>
-          <p:nvSpPr>
-            <p:cNvPr id="95" name="Richtungspfeil 94"/>
-            <p:cNvSpPr/>
-            <p:nvPr/>
-          </p:nvSpPr>
-          <p:spPr>
-            <a:xfrm>
-              <a:off x="1957530" y="6040189"/>
-              <a:ext cx="180000" cy="72000"/>
-            </a:xfrm>
-            <a:prstGeom prst="homePlate">
-              <a:avLst/>
-            </a:prstGeom>
-            <a:solidFill>
-              <a:schemeClr val="tx1"/>
-            </a:solidFill>
-            <a:ln>
-              <a:solidFill>
-                <a:schemeClr val="tx1"/>
-              </a:solidFill>
-            </a:ln>
-          </p:spPr>
-          <p:style>
-            <a:lnRef idx="2">
-              <a:schemeClr val="accent1">
-                <a:shade val="50000"/>
-              </a:schemeClr>
-            </a:lnRef>
-            <a:fillRef idx="1">
-              <a:schemeClr val="accent1"/>
-            </a:fillRef>
-            <a:effectRef idx="0">
-              <a:schemeClr val="accent1"/>
-            </a:effectRef>
-            <a:fontRef idx="minor">
-              <a:schemeClr val="lt1"/>
-            </a:fontRef>
-          </p:style>
-          <p:txBody>
-            <a:bodyPr rtlCol="0" anchor="ctr"/>
-            <a:lstStyle/>
-            <a:p>
-              <a:pPr algn="ctr"/>
-              <a:endParaRPr lang="de-DE"/>
-            </a:p>
-          </p:txBody>
-        </p:sp>
-      </p:grpSp>
-      <p:grpSp>
-        <p:nvGrpSpPr>
           <p:cNvPr id="163" name="Gruppieren 162"/>
           <p:cNvGrpSpPr/>
           <p:nvPr/>
         </p:nvGrpSpPr>
         <p:grpSpPr>
           <a:xfrm rot="15946922">
-            <a:off x="2109367" y="2978059"/>
+            <a:off x="2109367" y="2690528"/>
             <a:ext cx="385701" cy="144000"/>
             <a:chOff x="1833287" y="6390465"/>
             <a:chExt cx="385701" cy="144000"/>
@@ -6984,7 +6690,7 @@
         </p:nvGrpSpPr>
         <p:grpSpPr>
           <a:xfrm rot="19329006">
-            <a:off x="2768888" y="3317206"/>
+            <a:off x="2768888" y="3029675"/>
             <a:ext cx="385701" cy="144000"/>
             <a:chOff x="1833287" y="6390465"/>
             <a:chExt cx="385701" cy="144000"/>
@@ -7331,7 +7037,7 @@
         </p:nvGrpSpPr>
         <p:grpSpPr>
           <a:xfrm rot="2204428">
-            <a:off x="2787293" y="4102794"/>
+            <a:off x="2787293" y="3815263"/>
             <a:ext cx="385701" cy="144000"/>
             <a:chOff x="1833287" y="6390465"/>
             <a:chExt cx="385701" cy="144000"/>
@@ -7678,7 +7384,7 @@
         </p:nvGrpSpPr>
         <p:grpSpPr>
           <a:xfrm rot="5400000">
-            <a:off x="2157626" y="4460294"/>
+            <a:off x="2157626" y="4172763"/>
             <a:ext cx="385701" cy="144000"/>
             <a:chOff x="1833287" y="6390465"/>
             <a:chExt cx="385701" cy="144000"/>
@@ -8025,7 +7731,7 @@
         </p:nvGrpSpPr>
         <p:grpSpPr>
           <a:xfrm rot="8522858">
-            <a:off x="1520612" y="4125695"/>
+            <a:off x="1520612" y="3838164"/>
             <a:ext cx="385701" cy="144000"/>
             <a:chOff x="1833287" y="6390465"/>
             <a:chExt cx="385701" cy="144000"/>
@@ -8372,7 +8078,7 @@
         </p:nvGrpSpPr>
         <p:grpSpPr>
           <a:xfrm rot="12514432">
-            <a:off x="1475656" y="3374081"/>
+            <a:off x="1475656" y="3086550"/>
             <a:ext cx="385701" cy="144000"/>
             <a:chOff x="1833287" y="6390465"/>
             <a:chExt cx="385701" cy="144000"/>
@@ -8719,7 +8425,7 @@
         </p:nvGrpSpPr>
         <p:grpSpPr>
           <a:xfrm rot="12514432">
-            <a:off x="1773743" y="3584449"/>
+            <a:off x="1773743" y="3296918"/>
             <a:ext cx="385701" cy="144000"/>
             <a:chOff x="1833287" y="6390465"/>
             <a:chExt cx="385701" cy="144000"/>
@@ -9068,7 +8774,7 @@
         </p:nvCxnSpPr>
         <p:spPr>
           <a:xfrm rot="20821342" flipV="1">
-            <a:off x="2502157" y="3404155"/>
+            <a:off x="2502157" y="3116624"/>
             <a:ext cx="324000" cy="144000"/>
           </a:xfrm>
           <a:prstGeom prst="curvedConnector3">
@@ -9117,7 +8823,7 @@
         </p:nvGrpSpPr>
         <p:grpSpPr>
           <a:xfrm>
-            <a:off x="2643126" y="3308710"/>
+            <a:off x="2643126" y="3021179"/>
             <a:ext cx="130276" cy="206116"/>
             <a:chOff x="3729766" y="5756981"/>
             <a:chExt cx="130276" cy="206116"/>
@@ -9447,7 +9153,7 @@
         </p:nvGrpSpPr>
         <p:grpSpPr>
           <a:xfrm rot="12514432">
-            <a:off x="2080598" y="4108757"/>
+            <a:off x="2080598" y="3821226"/>
             <a:ext cx="385701" cy="144000"/>
             <a:chOff x="1833287" y="6390465"/>
             <a:chExt cx="385701" cy="144000"/>
@@ -9806,7 +9512,7 @@
         </p:blipFill>
         <p:spPr>
           <a:xfrm>
-            <a:off x="4310345" y="3245041"/>
+            <a:off x="4310345" y="2961574"/>
             <a:ext cx="972208" cy="1116000"/>
           </a:xfrm>
           <a:prstGeom prst="rect">
@@ -9822,7 +9528,7 @@
         </p:nvSpPr>
         <p:spPr>
           <a:xfrm rot="13873920">
-            <a:off x="4372832" y="3721146"/>
+            <a:off x="4404731" y="3422982"/>
             <a:ext cx="828254" cy="158662"/>
           </a:xfrm>
           <a:custGeom>
@@ -9981,300 +9687,6 @@
           </a:p>
         </p:txBody>
       </p:sp>
-      <p:grpSp>
-        <p:nvGrpSpPr>
-          <p:cNvPr id="230" name="Gruppieren 229"/>
-          <p:cNvGrpSpPr/>
-          <p:nvPr/>
-        </p:nvGrpSpPr>
-        <p:grpSpPr>
-          <a:xfrm rot="20102054">
-            <a:off x="4313370" y="3955035"/>
-            <a:ext cx="331137" cy="72000"/>
-            <a:chOff x="1806392" y="6031563"/>
-            <a:chExt cx="331137" cy="72000"/>
-          </a:xfrm>
-        </p:grpSpPr>
-        <p:cxnSp>
-          <p:nvCxnSpPr>
-            <p:cNvPr id="231" name="Gerade Verbindung 230"/>
-            <p:cNvCxnSpPr/>
-            <p:nvPr/>
-          </p:nvCxnSpPr>
-          <p:spPr>
-            <a:xfrm>
-              <a:off x="1806392" y="6068098"/>
-              <a:ext cx="144000" cy="0"/>
-            </a:xfrm>
-            <a:prstGeom prst="line">
-              <a:avLst/>
-            </a:prstGeom>
-            <a:ln w="19050">
-              <a:solidFill>
-                <a:schemeClr val="tx1"/>
-              </a:solidFill>
-            </a:ln>
-          </p:spPr>
-          <p:style>
-            <a:lnRef idx="1">
-              <a:schemeClr val="accent1"/>
-            </a:lnRef>
-            <a:fillRef idx="0">
-              <a:schemeClr val="accent1"/>
-            </a:fillRef>
-            <a:effectRef idx="0">
-              <a:schemeClr val="accent1"/>
-            </a:effectRef>
-            <a:fontRef idx="minor">
-              <a:schemeClr val="tx1"/>
-            </a:fontRef>
-          </p:style>
-        </p:cxnSp>
-        <p:sp>
-          <p:nvSpPr>
-            <p:cNvPr id="232" name="Richtungspfeil 231"/>
-            <p:cNvSpPr/>
-            <p:nvPr/>
-          </p:nvSpPr>
-          <p:spPr>
-            <a:xfrm>
-              <a:off x="1957529" y="6031563"/>
-              <a:ext cx="180000" cy="72000"/>
-            </a:xfrm>
-            <a:prstGeom prst="homePlate">
-              <a:avLst/>
-            </a:prstGeom>
-            <a:solidFill>
-              <a:schemeClr val="tx1"/>
-            </a:solidFill>
-            <a:ln>
-              <a:solidFill>
-                <a:schemeClr val="tx1"/>
-              </a:solidFill>
-            </a:ln>
-          </p:spPr>
-          <p:style>
-            <a:lnRef idx="2">
-              <a:schemeClr val="accent1">
-                <a:shade val="50000"/>
-              </a:schemeClr>
-            </a:lnRef>
-            <a:fillRef idx="1">
-              <a:schemeClr val="accent1"/>
-            </a:fillRef>
-            <a:effectRef idx="0">
-              <a:schemeClr val="accent1"/>
-            </a:effectRef>
-            <a:fontRef idx="minor">
-              <a:schemeClr val="lt1"/>
-            </a:fontRef>
-          </p:style>
-          <p:txBody>
-            <a:bodyPr rtlCol="0" anchor="ctr"/>
-            <a:lstStyle/>
-            <a:p>
-              <a:pPr algn="ctr"/>
-              <a:endParaRPr lang="de-DE"/>
-            </a:p>
-          </p:txBody>
-        </p:sp>
-      </p:grpSp>
-      <p:grpSp>
-        <p:nvGrpSpPr>
-          <p:cNvPr id="233" name="Gruppieren 232"/>
-          <p:cNvGrpSpPr/>
-          <p:nvPr/>
-        </p:nvGrpSpPr>
-        <p:grpSpPr>
-          <a:xfrm rot="13227227">
-            <a:off x="4975186" y="3911763"/>
-            <a:ext cx="328214" cy="72000"/>
-            <a:chOff x="1812956" y="6023743"/>
-            <a:chExt cx="328214" cy="72000"/>
-          </a:xfrm>
-        </p:grpSpPr>
-        <p:cxnSp>
-          <p:nvCxnSpPr>
-            <p:cNvPr id="234" name="Gerade Verbindung 233"/>
-            <p:cNvCxnSpPr/>
-            <p:nvPr/>
-          </p:nvCxnSpPr>
-          <p:spPr>
-            <a:xfrm>
-              <a:off x="1812956" y="6062501"/>
-              <a:ext cx="144000" cy="0"/>
-            </a:xfrm>
-            <a:prstGeom prst="line">
-              <a:avLst/>
-            </a:prstGeom>
-            <a:ln w="19050">
-              <a:solidFill>
-                <a:schemeClr val="tx1"/>
-              </a:solidFill>
-            </a:ln>
-          </p:spPr>
-          <p:style>
-            <a:lnRef idx="1">
-              <a:schemeClr val="accent1"/>
-            </a:lnRef>
-            <a:fillRef idx="0">
-              <a:schemeClr val="accent1"/>
-            </a:fillRef>
-            <a:effectRef idx="0">
-              <a:schemeClr val="accent1"/>
-            </a:effectRef>
-            <a:fontRef idx="minor">
-              <a:schemeClr val="tx1"/>
-            </a:fontRef>
-          </p:style>
-        </p:cxnSp>
-        <p:sp>
-          <p:nvSpPr>
-            <p:cNvPr id="235" name="Richtungspfeil 234"/>
-            <p:cNvSpPr/>
-            <p:nvPr/>
-          </p:nvSpPr>
-          <p:spPr>
-            <a:xfrm>
-              <a:off x="1961170" y="6023743"/>
-              <a:ext cx="180000" cy="72000"/>
-            </a:xfrm>
-            <a:prstGeom prst="homePlate">
-              <a:avLst/>
-            </a:prstGeom>
-            <a:solidFill>
-              <a:schemeClr val="tx1"/>
-            </a:solidFill>
-            <a:ln>
-              <a:solidFill>
-                <a:schemeClr val="tx1"/>
-              </a:solidFill>
-            </a:ln>
-          </p:spPr>
-          <p:style>
-            <a:lnRef idx="2">
-              <a:schemeClr val="accent1">
-                <a:shade val="50000"/>
-              </a:schemeClr>
-            </a:lnRef>
-            <a:fillRef idx="1">
-              <a:schemeClr val="accent1"/>
-            </a:fillRef>
-            <a:effectRef idx="0">
-              <a:schemeClr val="accent1"/>
-            </a:effectRef>
-            <a:fontRef idx="minor">
-              <a:schemeClr val="lt1"/>
-            </a:fontRef>
-          </p:style>
-          <p:txBody>
-            <a:bodyPr rtlCol="0" anchor="ctr"/>
-            <a:lstStyle/>
-            <a:p>
-              <a:pPr algn="ctr"/>
-              <a:endParaRPr lang="de-DE"/>
-            </a:p>
-          </p:txBody>
-        </p:sp>
-      </p:grpSp>
-      <p:grpSp>
-        <p:nvGrpSpPr>
-          <p:cNvPr id="236" name="Gruppieren 235"/>
-          <p:cNvGrpSpPr/>
-          <p:nvPr/>
-        </p:nvGrpSpPr>
-        <p:grpSpPr>
-          <a:xfrm rot="5400000">
-            <a:off x="4624267" y="3379930"/>
-            <a:ext cx="331138" cy="72000"/>
-            <a:chOff x="1806392" y="6040189"/>
-            <a:chExt cx="331138" cy="72000"/>
-          </a:xfrm>
-        </p:grpSpPr>
-        <p:cxnSp>
-          <p:nvCxnSpPr>
-            <p:cNvPr id="237" name="Gerade Verbindung 236"/>
-            <p:cNvCxnSpPr/>
-            <p:nvPr/>
-          </p:nvCxnSpPr>
-          <p:spPr>
-            <a:xfrm>
-              <a:off x="1806392" y="6068098"/>
-              <a:ext cx="144000" cy="0"/>
-            </a:xfrm>
-            <a:prstGeom prst="line">
-              <a:avLst/>
-            </a:prstGeom>
-            <a:ln w="19050">
-              <a:solidFill>
-                <a:schemeClr val="tx1"/>
-              </a:solidFill>
-            </a:ln>
-          </p:spPr>
-          <p:style>
-            <a:lnRef idx="1">
-              <a:schemeClr val="accent1"/>
-            </a:lnRef>
-            <a:fillRef idx="0">
-              <a:schemeClr val="accent1"/>
-            </a:fillRef>
-            <a:effectRef idx="0">
-              <a:schemeClr val="accent1"/>
-            </a:effectRef>
-            <a:fontRef idx="minor">
-              <a:schemeClr val="tx1"/>
-            </a:fontRef>
-          </p:style>
-        </p:cxnSp>
-        <p:sp>
-          <p:nvSpPr>
-            <p:cNvPr id="238" name="Richtungspfeil 237"/>
-            <p:cNvSpPr/>
-            <p:nvPr/>
-          </p:nvSpPr>
-          <p:spPr>
-            <a:xfrm>
-              <a:off x="1957530" y="6040189"/>
-              <a:ext cx="180000" cy="72000"/>
-            </a:xfrm>
-            <a:prstGeom prst="homePlate">
-              <a:avLst/>
-            </a:prstGeom>
-            <a:solidFill>
-              <a:schemeClr val="tx1"/>
-            </a:solidFill>
-            <a:ln>
-              <a:solidFill>
-                <a:schemeClr val="tx1"/>
-              </a:solidFill>
-            </a:ln>
-          </p:spPr>
-          <p:style>
-            <a:lnRef idx="2">
-              <a:schemeClr val="accent1">
-                <a:shade val="50000"/>
-              </a:schemeClr>
-            </a:lnRef>
-            <a:fillRef idx="1">
-              <a:schemeClr val="accent1"/>
-            </a:fillRef>
-            <a:effectRef idx="0">
-              <a:schemeClr val="accent1"/>
-            </a:effectRef>
-            <a:fontRef idx="minor">
-              <a:schemeClr val="lt1"/>
-            </a:fontRef>
-          </p:style>
-          <p:txBody>
-            <a:bodyPr rtlCol="0" anchor="ctr"/>
-            <a:lstStyle/>
-            <a:p>
-              <a:pPr algn="ctr"/>
-              <a:endParaRPr lang="de-DE"/>
-            </a:p>
-          </p:txBody>
-        </p:sp>
-      </p:grpSp>
       <p:cxnSp>
         <p:nvCxnSpPr>
           <p:cNvPr id="240" name="Curved Connector 4"/>
@@ -10283,7 +9695,7 @@
         </p:nvCxnSpPr>
         <p:spPr>
           <a:xfrm rot="17086922" flipV="1">
-            <a:off x="4601350" y="3004762"/>
+            <a:off x="4601350" y="2727864"/>
             <a:ext cx="324000" cy="144000"/>
           </a:xfrm>
           <a:prstGeom prst="curvedConnector3">
@@ -10330,7 +9742,7 @@
         </p:nvCxnSpPr>
         <p:spPr>
           <a:xfrm rot="20469006" flipV="1">
-            <a:off x="5234241" y="3332072"/>
+            <a:off x="5234241" y="3044541"/>
             <a:ext cx="324000" cy="144000"/>
           </a:xfrm>
           <a:prstGeom prst="curvedConnector3">
@@ -10377,7 +9789,7 @@
         </p:nvCxnSpPr>
         <p:spPr>
           <a:xfrm rot="3344428" flipV="1">
-            <a:off x="5252284" y="4080276"/>
+            <a:off x="5262917" y="3792745"/>
             <a:ext cx="324000" cy="144000"/>
           </a:xfrm>
           <a:prstGeom prst="curvedConnector3">
@@ -10424,7 +9836,7 @@
         </p:nvCxnSpPr>
         <p:spPr>
           <a:xfrm rot="6540000" flipV="1">
-            <a:off x="4647340" y="4425380"/>
+            <a:off x="4647340" y="4148482"/>
             <a:ext cx="324000" cy="144000"/>
           </a:xfrm>
           <a:prstGeom prst="curvedConnector3">
@@ -10471,7 +9883,7 @@
         </p:nvCxnSpPr>
         <p:spPr>
           <a:xfrm rot="9662858" flipV="1">
-            <a:off x="4034652" y="4102658"/>
+            <a:off x="4034652" y="3815127"/>
             <a:ext cx="324000" cy="144000"/>
           </a:xfrm>
           <a:prstGeom prst="curvedConnector3">
@@ -10518,7 +9930,7 @@
         </p:nvCxnSpPr>
         <p:spPr>
           <a:xfrm rot="13654432" flipV="1">
-            <a:off x="3992462" y="3384773"/>
+            <a:off x="3992462" y="3097242"/>
             <a:ext cx="324000" cy="144000"/>
           </a:xfrm>
           <a:prstGeom prst="curvedConnector3">
@@ -10565,7 +9977,7 @@
         </p:nvCxnSpPr>
         <p:spPr>
           <a:xfrm rot="13654432" flipV="1">
-            <a:off x="4264671" y="3621019"/>
+            <a:off x="4264671" y="3333488"/>
             <a:ext cx="324000" cy="144000"/>
           </a:xfrm>
           <a:prstGeom prst="curvedConnector3">
@@ -10614,7 +10026,7 @@
         </p:nvCxnSpPr>
         <p:spPr>
           <a:xfrm rot="20821342" flipV="1">
-            <a:off x="4961020" y="3400091"/>
+            <a:off x="4961020" y="3112560"/>
             <a:ext cx="324000" cy="144000"/>
           </a:xfrm>
           <a:prstGeom prst="curvedConnector3">
@@ -10663,7 +10075,7 @@
         </p:nvCxnSpPr>
         <p:spPr>
           <a:xfrm rot="13654432" flipV="1">
-            <a:off x="4597404" y="4119449"/>
+            <a:off x="4597404" y="3831918"/>
             <a:ext cx="324000" cy="144000"/>
           </a:xfrm>
           <a:prstGeom prst="curvedConnector3">
@@ -10704,416 +10116,6 @@
           </a:fontRef>
         </p:style>
       </p:cxnSp>
-      <p:grpSp>
-        <p:nvGrpSpPr>
-          <p:cNvPr id="322" name="Gruppieren 321"/>
-          <p:cNvGrpSpPr/>
-          <p:nvPr/>
-        </p:nvGrpSpPr>
-        <p:grpSpPr>
-          <a:xfrm rot="-4380000">
-            <a:off x="2687396" y="5912432"/>
-            <a:ext cx="208340" cy="385701"/>
-            <a:chOff x="7425730" y="4128955"/>
-            <a:chExt cx="208340" cy="385701"/>
-          </a:xfrm>
-        </p:grpSpPr>
-        <p:grpSp>
-          <p:nvGrpSpPr>
-            <p:cNvPr id="323" name="Gruppieren 322"/>
-            <p:cNvGrpSpPr/>
-            <p:nvPr/>
-          </p:nvGrpSpPr>
-          <p:grpSpPr>
-            <a:xfrm rot="3870544">
-              <a:off x="7369219" y="4249806"/>
-              <a:ext cx="385701" cy="144000"/>
-              <a:chOff x="1833287" y="6390465"/>
-              <a:chExt cx="385701" cy="144000"/>
-            </a:xfrm>
-          </p:grpSpPr>
-          <p:cxnSp>
-            <p:nvCxnSpPr>
-              <p:cNvPr id="325" name="Curved Connector 4"/>
-              <p:cNvCxnSpPr/>
-              <p:nvPr/>
-            </p:nvCxnSpPr>
-            <p:spPr>
-              <a:xfrm rot="1140000" flipV="1">
-                <a:off x="1833287" y="6390465"/>
-                <a:ext cx="324000" cy="144000"/>
-              </a:xfrm>
-              <a:prstGeom prst="curvedConnector3">
-                <a:avLst>
-                  <a:gd name="adj1" fmla="val 50000"/>
-                </a:avLst>
-              </a:prstGeom>
-              <a:ln w="19050" cmpd="sng"/>
-              <a:effectLst>
-                <a:outerShdw blurRad="40000" dist="23000" dir="5400000" rotWithShape="0">
-                  <a:srgbClr val="000000">
-                    <a:alpha val="35000"/>
-                  </a:srgbClr>
-                </a:outerShdw>
-              </a:effectLst>
-              <a:scene3d>
-                <a:camera prst="orthographicFront"/>
-                <a:lightRig rig="threePt" dir="t"/>
-              </a:scene3d>
-              <a:sp3d>
-                <a:bevelT/>
-              </a:sp3d>
-            </p:spPr>
-            <p:style>
-              <a:lnRef idx="3">
-                <a:schemeClr val="dk1"/>
-              </a:lnRef>
-              <a:fillRef idx="0">
-                <a:schemeClr val="dk1"/>
-              </a:fillRef>
-              <a:effectRef idx="2">
-                <a:schemeClr val="dk1"/>
-              </a:effectRef>
-              <a:fontRef idx="minor">
-                <a:schemeClr val="tx1"/>
-              </a:fontRef>
-            </p:style>
-          </p:cxnSp>
-          <p:sp>
-            <p:nvSpPr>
-              <p:cNvPr id="326" name="Ellipse 325"/>
-              <p:cNvSpPr/>
-              <p:nvPr/>
-            </p:nvSpPr>
-            <p:spPr>
-              <a:xfrm>
-                <a:off x="2131120" y="6435512"/>
-                <a:ext cx="36000" cy="36000"/>
-              </a:xfrm>
-              <a:prstGeom prst="ellipse">
-                <a:avLst/>
-              </a:prstGeom>
-              <a:solidFill>
-                <a:schemeClr val="tx1"/>
-              </a:solidFill>
-              <a:ln>
-                <a:solidFill>
-                  <a:schemeClr val="tx1"/>
-                </a:solidFill>
-              </a:ln>
-            </p:spPr>
-            <p:style>
-              <a:lnRef idx="2">
-                <a:schemeClr val="accent1">
-                  <a:shade val="50000"/>
-                </a:schemeClr>
-              </a:lnRef>
-              <a:fillRef idx="1">
-                <a:schemeClr val="accent1"/>
-              </a:fillRef>
-              <a:effectRef idx="0">
-                <a:schemeClr val="accent1"/>
-              </a:effectRef>
-              <a:fontRef idx="minor">
-                <a:schemeClr val="lt1"/>
-              </a:fontRef>
-            </p:style>
-            <p:txBody>
-              <a:bodyPr rtlCol="0" anchor="ctr"/>
-              <a:lstStyle/>
-              <a:p>
-                <a:pPr algn="ctr"/>
-                <a:endParaRPr lang="de-DE">
-                  <a:ln>
-                    <a:solidFill>
-                      <a:schemeClr val="tx1"/>
-                    </a:solidFill>
-                  </a:ln>
-                  <a:solidFill>
-                    <a:schemeClr val="tx1"/>
-                  </a:solidFill>
-                </a:endParaRPr>
-              </a:p>
-            </p:txBody>
-          </p:sp>
-          <p:sp>
-            <p:nvSpPr>
-              <p:cNvPr id="327" name="Ellipse 326"/>
-              <p:cNvSpPr/>
-              <p:nvPr/>
-            </p:nvSpPr>
-            <p:spPr>
-              <a:xfrm>
-                <a:off x="2067208" y="6404836"/>
-                <a:ext cx="36000" cy="36000"/>
-              </a:xfrm>
-              <a:prstGeom prst="ellipse">
-                <a:avLst/>
-              </a:prstGeom>
-              <a:solidFill>
-                <a:schemeClr val="tx1"/>
-              </a:solidFill>
-              <a:ln>
-                <a:solidFill>
-                  <a:schemeClr val="tx1"/>
-                </a:solidFill>
-              </a:ln>
-            </p:spPr>
-            <p:style>
-              <a:lnRef idx="2">
-                <a:schemeClr val="accent1">
-                  <a:shade val="50000"/>
-                </a:schemeClr>
-              </a:lnRef>
-              <a:fillRef idx="1">
-                <a:schemeClr val="accent1"/>
-              </a:fillRef>
-              <a:effectRef idx="0">
-                <a:schemeClr val="accent1"/>
-              </a:effectRef>
-              <a:fontRef idx="minor">
-                <a:schemeClr val="lt1"/>
-              </a:fontRef>
-            </p:style>
-            <p:txBody>
-              <a:bodyPr rtlCol="0" anchor="ctr"/>
-              <a:lstStyle/>
-              <a:p>
-                <a:pPr algn="ctr"/>
-                <a:endParaRPr lang="de-DE">
-                  <a:ln>
-                    <a:solidFill>
-                      <a:schemeClr val="tx1"/>
-                    </a:solidFill>
-                  </a:ln>
-                  <a:solidFill>
-                    <a:schemeClr val="tx1"/>
-                  </a:solidFill>
-                </a:endParaRPr>
-              </a:p>
-            </p:txBody>
-          </p:sp>
-          <p:sp>
-            <p:nvSpPr>
-              <p:cNvPr id="328" name="Ellipse 327"/>
-              <p:cNvSpPr/>
-              <p:nvPr/>
-            </p:nvSpPr>
-            <p:spPr>
-              <a:xfrm>
-                <a:off x="2010966" y="6420602"/>
-                <a:ext cx="36000" cy="36000"/>
-              </a:xfrm>
-              <a:prstGeom prst="ellipse">
-                <a:avLst/>
-              </a:prstGeom>
-              <a:solidFill>
-                <a:schemeClr val="tx1"/>
-              </a:solidFill>
-              <a:ln>
-                <a:solidFill>
-                  <a:schemeClr val="tx1"/>
-                </a:solidFill>
-              </a:ln>
-            </p:spPr>
-            <p:style>
-              <a:lnRef idx="2">
-                <a:schemeClr val="accent1">
-                  <a:shade val="50000"/>
-                </a:schemeClr>
-              </a:lnRef>
-              <a:fillRef idx="1">
-                <a:schemeClr val="accent1"/>
-              </a:fillRef>
-              <a:effectRef idx="0">
-                <a:schemeClr val="accent1"/>
-              </a:effectRef>
-              <a:fontRef idx="minor">
-                <a:schemeClr val="lt1"/>
-              </a:fontRef>
-            </p:style>
-            <p:txBody>
-              <a:bodyPr rtlCol="0" anchor="ctr"/>
-              <a:lstStyle/>
-              <a:p>
-                <a:pPr algn="ctr"/>
-                <a:endParaRPr lang="de-DE">
-                  <a:ln>
-                    <a:solidFill>
-                      <a:schemeClr val="tx1"/>
-                    </a:solidFill>
-                  </a:ln>
-                  <a:solidFill>
-                    <a:schemeClr val="tx1"/>
-                  </a:solidFill>
-                </a:endParaRPr>
-              </a:p>
-            </p:txBody>
-          </p:sp>
-          <p:sp>
-            <p:nvSpPr>
-              <p:cNvPr id="329" name="Ellipse 328"/>
-              <p:cNvSpPr/>
-              <p:nvPr/>
-            </p:nvSpPr>
-            <p:spPr>
-              <a:xfrm>
-                <a:off x="1971086" y="6464962"/>
-                <a:ext cx="36000" cy="36000"/>
-              </a:xfrm>
-              <a:prstGeom prst="ellipse">
-                <a:avLst/>
-              </a:prstGeom>
-              <a:solidFill>
-                <a:schemeClr val="tx1"/>
-              </a:solidFill>
-              <a:ln>
-                <a:solidFill>
-                  <a:schemeClr val="tx1"/>
-                </a:solidFill>
-              </a:ln>
-            </p:spPr>
-            <p:style>
-              <a:lnRef idx="2">
-                <a:schemeClr val="accent1">
-                  <a:shade val="50000"/>
-                </a:schemeClr>
-              </a:lnRef>
-              <a:fillRef idx="1">
-                <a:schemeClr val="accent1"/>
-              </a:fillRef>
-              <a:effectRef idx="0">
-                <a:schemeClr val="accent1"/>
-              </a:effectRef>
-              <a:fontRef idx="minor">
-                <a:schemeClr val="lt1"/>
-              </a:fontRef>
-            </p:style>
-            <p:txBody>
-              <a:bodyPr rtlCol="0" anchor="ctr"/>
-              <a:lstStyle/>
-              <a:p>
-                <a:pPr algn="ctr"/>
-                <a:endParaRPr lang="de-DE">
-                  <a:ln>
-                    <a:solidFill>
-                      <a:schemeClr val="tx1"/>
-                    </a:solidFill>
-                  </a:ln>
-                  <a:solidFill>
-                    <a:schemeClr val="tx1"/>
-                  </a:solidFill>
-                </a:endParaRPr>
-              </a:p>
-            </p:txBody>
-          </p:sp>
-          <p:sp>
-            <p:nvSpPr>
-              <p:cNvPr id="330" name="Ellipse 329"/>
-              <p:cNvSpPr/>
-              <p:nvPr/>
-            </p:nvSpPr>
-            <p:spPr>
-              <a:xfrm>
-                <a:off x="2182988" y="6453336"/>
-                <a:ext cx="36000" cy="36000"/>
-              </a:xfrm>
-              <a:prstGeom prst="ellipse">
-                <a:avLst/>
-              </a:prstGeom>
-              <a:solidFill>
-                <a:schemeClr val="tx1"/>
-              </a:solidFill>
-              <a:ln>
-                <a:solidFill>
-                  <a:schemeClr val="tx1"/>
-                </a:solidFill>
-              </a:ln>
-            </p:spPr>
-            <p:style>
-              <a:lnRef idx="2">
-                <a:schemeClr val="accent1">
-                  <a:shade val="50000"/>
-                </a:schemeClr>
-              </a:lnRef>
-              <a:fillRef idx="1">
-                <a:schemeClr val="accent1"/>
-              </a:fillRef>
-              <a:effectRef idx="0">
-                <a:schemeClr val="accent1"/>
-              </a:effectRef>
-              <a:fontRef idx="minor">
-                <a:schemeClr val="lt1"/>
-              </a:fontRef>
-            </p:style>
-            <p:txBody>
-              <a:bodyPr rtlCol="0" anchor="ctr"/>
-              <a:lstStyle/>
-              <a:p>
-                <a:pPr algn="ctr"/>
-                <a:endParaRPr lang="de-DE">
-                  <a:ln>
-                    <a:solidFill>
-                      <a:schemeClr val="tx1"/>
-                    </a:solidFill>
-                  </a:ln>
-                  <a:solidFill>
-                    <a:schemeClr val="tx1"/>
-                  </a:solidFill>
-                </a:endParaRPr>
-              </a:p>
-            </p:txBody>
-          </p:sp>
-        </p:grpSp>
-        <p:sp>
-          <p:nvSpPr>
-            <p:cNvPr id="324" name="Ellipse 323"/>
-            <p:cNvSpPr/>
-            <p:nvPr/>
-          </p:nvSpPr>
-          <p:spPr>
-            <a:xfrm rot="19286316">
-              <a:off x="7425730" y="4169975"/>
-              <a:ext cx="108000" cy="108000"/>
-            </a:xfrm>
-            <a:prstGeom prst="ellipse">
-              <a:avLst/>
-            </a:prstGeom>
-            <a:solidFill>
-              <a:schemeClr val="tx1">
-                <a:lumMod val="65000"/>
-                <a:lumOff val="35000"/>
-              </a:schemeClr>
-            </a:solidFill>
-          </p:spPr>
-          <p:style>
-            <a:lnRef idx="0">
-              <a:schemeClr val="accent2"/>
-            </a:lnRef>
-            <a:fillRef idx="3">
-              <a:schemeClr val="accent2"/>
-            </a:fillRef>
-            <a:effectRef idx="3">
-              <a:schemeClr val="accent2"/>
-            </a:effectRef>
-            <a:fontRef idx="minor">
-              <a:schemeClr val="lt1"/>
-            </a:fontRef>
-          </p:style>
-          <p:txBody>
-            <a:bodyPr rtlCol="0" anchor="ctr"/>
-            <a:lstStyle/>
-            <a:p>
-              <a:pPr algn="ctr"/>
-              <a:endParaRPr lang="de-DE">
-                <a:solidFill>
-                  <a:srgbClr val="FF0000"/>
-                </a:solidFill>
-              </a:endParaRPr>
-            </a:p>
-          </p:txBody>
-        </p:sp>
-      </p:grpSp>
       <p:pic>
         <p:nvPicPr>
           <p:cNvPr id="302" name="Picture 2"/>
@@ -11132,7 +10134,7 @@
         </p:blipFill>
         <p:spPr>
           <a:xfrm>
-            <a:off x="6395836" y="3195725"/>
+            <a:off x="6372200" y="2957510"/>
             <a:ext cx="972208" cy="1116000"/>
           </a:xfrm>
           <a:prstGeom prst="rect">
@@ -11142,13 +10144,121 @@
       </p:pic>
       <p:sp>
         <p:nvSpPr>
-          <p:cNvPr id="303" name="Freeform 40"/>
+          <p:cNvPr id="402" name="Textfeld 401"/>
+          <p:cNvSpPr txBox="1"/>
+          <p:nvPr/>
+        </p:nvSpPr>
+        <p:spPr>
+          <a:xfrm>
+            <a:off x="2045614" y="4509621"/>
+            <a:ext cx="766662" cy="369332"/>
+          </a:xfrm>
+          <a:prstGeom prst="rect">
+            <a:avLst/>
+          </a:prstGeom>
+          <a:noFill/>
+        </p:spPr>
+        <p:txBody>
+          <a:bodyPr wrap="square" rtlCol="0">
+            <a:spAutoFit/>
+          </a:bodyPr>
+          <a:lstStyle/>
+          <a:p>
+            <a:r>
+              <a:rPr lang="de-CH" b="1" dirty="0" smtClean="0">
+                <a:latin typeface="Arial" panose="020B0604020202020204" pitchFamily="34" charset="0"/>
+                <a:cs typeface="Arial" panose="020B0604020202020204" pitchFamily="34" charset="0"/>
+              </a:rPr>
+              <a:t>WT</a:t>
+            </a:r>
+            <a:endParaRPr lang="de-DE" b="1" dirty="0">
+              <a:latin typeface="Arial" panose="020B0604020202020204" pitchFamily="34" charset="0"/>
+              <a:cs typeface="Arial" panose="020B0604020202020204" pitchFamily="34" charset="0"/>
+            </a:endParaRPr>
+          </a:p>
+        </p:txBody>
+      </p:sp>
+      <p:sp>
+        <p:nvSpPr>
+          <p:cNvPr id="403" name="Textfeld 402"/>
+          <p:cNvSpPr txBox="1"/>
+          <p:nvPr/>
+        </p:nvSpPr>
+        <p:spPr>
+          <a:xfrm>
+            <a:off x="4493886" y="4509621"/>
+            <a:ext cx="766662" cy="369332"/>
+          </a:xfrm>
+          <a:prstGeom prst="rect">
+            <a:avLst/>
+          </a:prstGeom>
+          <a:noFill/>
+        </p:spPr>
+        <p:txBody>
+          <a:bodyPr wrap="square" rtlCol="0">
+            <a:spAutoFit/>
+          </a:bodyPr>
+          <a:lstStyle/>
+          <a:p>
+            <a:r>
+              <a:rPr lang="de-CH" b="1" dirty="0" smtClean="0">
+                <a:latin typeface="Arial" panose="020B0604020202020204" pitchFamily="34" charset="0"/>
+                <a:cs typeface="Arial" panose="020B0604020202020204" pitchFamily="34" charset="0"/>
+              </a:rPr>
+              <a:t>5SG</a:t>
+            </a:r>
+            <a:endParaRPr lang="de-DE" b="1" dirty="0">
+              <a:latin typeface="Arial" panose="020B0604020202020204" pitchFamily="34" charset="0"/>
+              <a:cs typeface="Arial" panose="020B0604020202020204" pitchFamily="34" charset="0"/>
+            </a:endParaRPr>
+          </a:p>
+        </p:txBody>
+      </p:sp>
+      <p:sp>
+        <p:nvSpPr>
+          <p:cNvPr id="404" name="Textfeld 403"/>
+          <p:cNvSpPr txBox="1"/>
+          <p:nvPr/>
+        </p:nvSpPr>
+        <p:spPr>
+          <a:xfrm>
+            <a:off x="6548530" y="4509621"/>
+            <a:ext cx="766662" cy="369332"/>
+          </a:xfrm>
+          <a:prstGeom prst="rect">
+            <a:avLst/>
+          </a:prstGeom>
+          <a:noFill/>
+        </p:spPr>
+        <p:txBody>
+          <a:bodyPr wrap="square" rtlCol="0">
+            <a:spAutoFit/>
+          </a:bodyPr>
+          <a:lstStyle/>
+          <a:p>
+            <a:r>
+              <a:rPr lang="de-CH" b="1" dirty="0" smtClean="0">
+                <a:latin typeface="Arial" panose="020B0604020202020204" pitchFamily="34" charset="0"/>
+                <a:cs typeface="Arial" panose="020B0604020202020204" pitchFamily="34" charset="0"/>
+              </a:rPr>
+              <a:t>G33F</a:t>
+            </a:r>
+            <a:endParaRPr lang="de-DE" b="1" dirty="0">
+              <a:latin typeface="Arial" panose="020B0604020202020204" pitchFamily="34" charset="0"/>
+              <a:cs typeface="Arial" panose="020B0604020202020204" pitchFamily="34" charset="0"/>
+            </a:endParaRPr>
+          </a:p>
+        </p:txBody>
+      </p:sp>
+      <p:sp>
+        <p:nvSpPr>
+          <p:cNvPr id="250" name="Freeform 40"/>
           <p:cNvSpPr/>
           <p:nvPr/>
         </p:nvSpPr>
         <p:spPr>
           <a:xfrm rot="13873920">
-            <a:off x="6458323" y="3671830"/>
+            <a:off x="6458470" y="3437153"/>
             <a:ext cx="828254" cy="158662"/>
           </a:xfrm>
           <a:custGeom>
@@ -11307,61 +10417,193 @@
           </a:p>
         </p:txBody>
       </p:sp>
-      <p:cxnSp>
-        <p:nvCxnSpPr>
-          <p:cNvPr id="305" name="Gerade Verbindung 304"/>
-          <p:cNvCxnSpPr/>
+      <p:sp>
+        <p:nvSpPr>
+          <p:cNvPr id="251" name="Freeform 40"/>
+          <p:cNvSpPr/>
           <p:nvPr/>
-        </p:nvCxnSpPr>
+        </p:nvSpPr>
         <p:spPr>
-          <a:xfrm rot="167044">
-            <a:off x="6407571" y="4011811"/>
-            <a:ext cx="144000" cy="0"/>
-          </a:xfrm>
-          <a:prstGeom prst="line">
+          <a:xfrm rot="10800000">
+            <a:off x="1175565" y="5572944"/>
+            <a:ext cx="828254" cy="158662"/>
+          </a:xfrm>
+          <a:custGeom>
             <a:avLst/>
-          </a:prstGeom>
-          <a:ln w="19050">
+            <a:gdLst>
+              <a:gd name="connsiteX0" fmla="*/ 0 w 3017212"/>
+              <a:gd name="connsiteY0" fmla="*/ 446425 h 885159"/>
+              <a:gd name="connsiteX1" fmla="*/ 323272 w 3017212"/>
+              <a:gd name="connsiteY1" fmla="*/ 15395 h 885159"/>
+              <a:gd name="connsiteX2" fmla="*/ 692727 w 3017212"/>
+              <a:gd name="connsiteY2" fmla="*/ 885153 h 885159"/>
+              <a:gd name="connsiteX3" fmla="*/ 1016000 w 3017212"/>
+              <a:gd name="connsiteY3" fmla="*/ 1 h 885159"/>
+              <a:gd name="connsiteX4" fmla="*/ 1354666 w 3017212"/>
+              <a:gd name="connsiteY4" fmla="*/ 885153 h 885159"/>
+              <a:gd name="connsiteX5" fmla="*/ 1662545 w 3017212"/>
+              <a:gd name="connsiteY5" fmla="*/ 1 h 885159"/>
+              <a:gd name="connsiteX6" fmla="*/ 1893454 w 3017212"/>
+              <a:gd name="connsiteY6" fmla="*/ 885153 h 885159"/>
+              <a:gd name="connsiteX7" fmla="*/ 2201333 w 3017212"/>
+              <a:gd name="connsiteY7" fmla="*/ 1 h 885159"/>
+              <a:gd name="connsiteX8" fmla="*/ 2493818 w 3017212"/>
+              <a:gd name="connsiteY8" fmla="*/ 877456 h 885159"/>
+              <a:gd name="connsiteX9" fmla="*/ 2770909 w 3017212"/>
+              <a:gd name="connsiteY9" fmla="*/ 15395 h 885159"/>
+              <a:gd name="connsiteX10" fmla="*/ 3017212 w 3017212"/>
+              <a:gd name="connsiteY10" fmla="*/ 523395 h 885159"/>
+            </a:gdLst>
+            <a:ahLst/>
+            <a:cxnLst>
+              <a:cxn ang="0">
+                <a:pos x="connsiteX0" y="connsiteY0"/>
+              </a:cxn>
+              <a:cxn ang="0">
+                <a:pos x="connsiteX1" y="connsiteY1"/>
+              </a:cxn>
+              <a:cxn ang="0">
+                <a:pos x="connsiteX2" y="connsiteY2"/>
+              </a:cxn>
+              <a:cxn ang="0">
+                <a:pos x="connsiteX3" y="connsiteY3"/>
+              </a:cxn>
+              <a:cxn ang="0">
+                <a:pos x="connsiteX4" y="connsiteY4"/>
+              </a:cxn>
+              <a:cxn ang="0">
+                <a:pos x="connsiteX5" y="connsiteY5"/>
+              </a:cxn>
+              <a:cxn ang="0">
+                <a:pos x="connsiteX6" y="connsiteY6"/>
+              </a:cxn>
+              <a:cxn ang="0">
+                <a:pos x="connsiteX7" y="connsiteY7"/>
+              </a:cxn>
+              <a:cxn ang="0">
+                <a:pos x="connsiteX8" y="connsiteY8"/>
+              </a:cxn>
+              <a:cxn ang="0">
+                <a:pos x="connsiteX9" y="connsiteY9"/>
+              </a:cxn>
+              <a:cxn ang="0">
+                <a:pos x="connsiteX10" y="connsiteY10"/>
+              </a:cxn>
+            </a:cxnLst>
+            <a:rect l="l" t="t" r="r" b="b"/>
+            <a:pathLst>
+              <a:path w="3017212" h="885159">
+                <a:moveTo>
+                  <a:pt x="0" y="446425"/>
+                </a:moveTo>
+                <a:cubicBezTo>
+                  <a:pt x="103909" y="194349"/>
+                  <a:pt x="207818" y="-57726"/>
+                  <a:pt x="323272" y="15395"/>
+                </a:cubicBezTo>
+                <a:cubicBezTo>
+                  <a:pt x="438727" y="88516"/>
+                  <a:pt x="577272" y="887719"/>
+                  <a:pt x="692727" y="885153"/>
+                </a:cubicBezTo>
+                <a:cubicBezTo>
+                  <a:pt x="808182" y="882587"/>
+                  <a:pt x="905677" y="1"/>
+                  <a:pt x="1016000" y="1"/>
+                </a:cubicBezTo>
+                <a:cubicBezTo>
+                  <a:pt x="1126323" y="1"/>
+                  <a:pt x="1246909" y="885153"/>
+                  <a:pt x="1354666" y="885153"/>
+                </a:cubicBezTo>
+                <a:cubicBezTo>
+                  <a:pt x="1462423" y="885153"/>
+                  <a:pt x="1572747" y="1"/>
+                  <a:pt x="1662545" y="1"/>
+                </a:cubicBezTo>
+                <a:cubicBezTo>
+                  <a:pt x="1752343" y="1"/>
+                  <a:pt x="1803656" y="885153"/>
+                  <a:pt x="1893454" y="885153"/>
+                </a:cubicBezTo>
+                <a:cubicBezTo>
+                  <a:pt x="1983252" y="885153"/>
+                  <a:pt x="2101272" y="1284"/>
+                  <a:pt x="2201333" y="1"/>
+                </a:cubicBezTo>
+                <a:cubicBezTo>
+                  <a:pt x="2301394" y="-1282"/>
+                  <a:pt x="2398889" y="874890"/>
+                  <a:pt x="2493818" y="877456"/>
+                </a:cubicBezTo>
+                <a:cubicBezTo>
+                  <a:pt x="2588747" y="880022"/>
+                  <a:pt x="2683677" y="74405"/>
+                  <a:pt x="2770909" y="15395"/>
+                </a:cubicBezTo>
+                <a:cubicBezTo>
+                  <a:pt x="2858141" y="-43615"/>
+                  <a:pt x="3017212" y="523395"/>
+                  <a:pt x="3017212" y="523395"/>
+                </a:cubicBezTo>
+              </a:path>
+            </a:pathLst>
+          </a:custGeom>
+          <a:ln>
             <a:solidFill>
-              <a:schemeClr val="tx1"/>
+              <a:schemeClr val="dk1">
+                <a:alpha val="40000"/>
+              </a:schemeClr>
             </a:solidFill>
           </a:ln>
         </p:spPr>
         <p:style>
-          <a:lnRef idx="1">
-            <a:schemeClr val="accent1"/>
+          <a:lnRef idx="3">
+            <a:schemeClr val="dk1"/>
           </a:lnRef>
           <a:fillRef idx="0">
-            <a:schemeClr val="accent1"/>
+            <a:schemeClr val="dk1"/>
           </a:fillRef>
-          <a:effectRef idx="0">
-            <a:schemeClr val="accent1"/>
+          <a:effectRef idx="2">
+            <a:schemeClr val="dk1"/>
           </a:effectRef>
           <a:fontRef idx="minor">
             <a:schemeClr val="tx1"/>
           </a:fontRef>
         </p:style>
-      </p:cxnSp>
+        <p:txBody>
+          <a:bodyPr rtlCol="0" anchor="ctr"/>
+          <a:lstStyle/>
+          <a:p>
+            <a:pPr algn="ctr"/>
+            <a:endParaRPr lang="en-US">
+              <a:solidFill>
+                <a:srgbClr val="000000"/>
+              </a:solidFill>
+            </a:endParaRPr>
+          </a:p>
+        </p:txBody>
+      </p:sp>
       <p:sp>
         <p:nvSpPr>
-          <p:cNvPr id="306" name="Richtungspfeil 305"/>
+          <p:cNvPr id="2" name="Rechteck 1"/>
           <p:cNvSpPr/>
           <p:nvPr/>
         </p:nvSpPr>
         <p:spPr>
-          <a:xfrm rot="167044">
-            <a:off x="6558535" y="3983492"/>
-            <a:ext cx="180000" cy="72000"/>
-          </a:xfrm>
-          <a:prstGeom prst="homePlate">
+          <a:xfrm>
+            <a:off x="773821" y="5530412"/>
+            <a:ext cx="776684" cy="428865"/>
+          </a:xfrm>
+          <a:prstGeom prst="rect">
             <a:avLst/>
           </a:prstGeom>
           <a:solidFill>
-            <a:schemeClr val="tx1"/>
+            <a:schemeClr val="bg1"/>
           </a:solidFill>
           <a:ln>
             <a:solidFill>
-              <a:schemeClr val="tx1"/>
+              <a:schemeClr val="bg1"/>
             </a:solidFill>
           </a:ln>
         </p:spPr>
@@ -11390,3860 +10632,16 @@
           </a:p>
         </p:txBody>
       </p:sp>
-      <p:cxnSp>
-        <p:nvCxnSpPr>
-          <p:cNvPr id="308" name="Gerade Verbindung 307"/>
-          <p:cNvCxnSpPr/>
-          <p:nvPr/>
-        </p:nvCxnSpPr>
-        <p:spPr>
-          <a:xfrm rot="14814961">
-            <a:off x="7260442" y="3947594"/>
-            <a:ext cx="144000" cy="0"/>
-          </a:xfrm>
-          <a:prstGeom prst="line">
-            <a:avLst/>
-          </a:prstGeom>
-          <a:ln w="19050">
-            <a:solidFill>
-              <a:schemeClr val="tx1"/>
-            </a:solidFill>
-          </a:ln>
-        </p:spPr>
-        <p:style>
-          <a:lnRef idx="1">
-            <a:schemeClr val="accent1"/>
-          </a:lnRef>
-          <a:fillRef idx="0">
-            <a:schemeClr val="accent1"/>
-          </a:fillRef>
-          <a:effectRef idx="0">
-            <a:schemeClr val="accent1"/>
-          </a:effectRef>
-          <a:fontRef idx="minor">
-            <a:schemeClr val="tx1"/>
-          </a:fontRef>
-        </p:style>
-      </p:cxnSp>
       <p:sp>
         <p:nvSpPr>
-          <p:cNvPr id="309" name="Richtungspfeil 308"/>
-          <p:cNvSpPr/>
-          <p:nvPr/>
-        </p:nvSpPr>
-        <p:spPr>
-          <a:xfrm rot="14814961">
-            <a:off x="7174736" y="3759770"/>
-            <a:ext cx="180000" cy="72000"/>
-          </a:xfrm>
-          <a:prstGeom prst="homePlate">
-            <a:avLst/>
-          </a:prstGeom>
-          <a:solidFill>
-            <a:schemeClr val="tx1"/>
-          </a:solidFill>
-          <a:ln>
-            <a:solidFill>
-              <a:schemeClr val="tx1"/>
-            </a:solidFill>
-          </a:ln>
-        </p:spPr>
-        <p:style>
-          <a:lnRef idx="2">
-            <a:schemeClr val="accent1">
-              <a:shade val="50000"/>
-            </a:schemeClr>
-          </a:lnRef>
-          <a:fillRef idx="1">
-            <a:schemeClr val="accent1"/>
-          </a:fillRef>
-          <a:effectRef idx="0">
-            <a:schemeClr val="accent1"/>
-          </a:effectRef>
-          <a:fontRef idx="minor">
-            <a:schemeClr val="lt1"/>
-          </a:fontRef>
-        </p:style>
-        <p:txBody>
-          <a:bodyPr rtlCol="0" anchor="ctr"/>
-          <a:lstStyle/>
-          <a:p>
-            <a:pPr algn="ctr"/>
-            <a:endParaRPr lang="de-DE"/>
-          </a:p>
-        </p:txBody>
-      </p:sp>
-      <p:cxnSp>
-        <p:nvCxnSpPr>
-          <p:cNvPr id="311" name="Gerade Verbindung 310"/>
-          <p:cNvCxnSpPr/>
-          <p:nvPr/>
-        </p:nvCxnSpPr>
-        <p:spPr>
-          <a:xfrm rot="7017824">
-            <a:off x="6772238" y="3269633"/>
-            <a:ext cx="144000" cy="0"/>
-          </a:xfrm>
-          <a:prstGeom prst="line">
-            <a:avLst/>
-          </a:prstGeom>
-          <a:ln w="19050">
-            <a:solidFill>
-              <a:schemeClr val="tx1"/>
-            </a:solidFill>
-          </a:ln>
-        </p:spPr>
-        <p:style>
-          <a:lnRef idx="1">
-            <a:schemeClr val="accent1"/>
-          </a:lnRef>
-          <a:fillRef idx="0">
-            <a:schemeClr val="accent1"/>
-          </a:fillRef>
-          <a:effectRef idx="0">
-            <a:schemeClr val="accent1"/>
-          </a:effectRef>
-          <a:fontRef idx="minor">
-            <a:schemeClr val="tx1"/>
-          </a:fontRef>
-        </p:style>
-      </p:cxnSp>
-      <p:sp>
-        <p:nvSpPr>
-          <p:cNvPr id="312" name="Richtungspfeil 311"/>
-          <p:cNvSpPr/>
-          <p:nvPr/>
-        </p:nvSpPr>
-        <p:spPr>
-          <a:xfrm rot="7017824">
-            <a:off x="6670335" y="3380716"/>
-            <a:ext cx="180000" cy="72000"/>
-          </a:xfrm>
-          <a:prstGeom prst="homePlate">
-            <a:avLst/>
-          </a:prstGeom>
-          <a:solidFill>
-            <a:schemeClr val="tx1"/>
-          </a:solidFill>
-          <a:ln>
-            <a:solidFill>
-              <a:schemeClr val="tx1"/>
-            </a:solidFill>
-          </a:ln>
-        </p:spPr>
-        <p:style>
-          <a:lnRef idx="2">
-            <a:schemeClr val="accent1">
-              <a:shade val="50000"/>
-            </a:schemeClr>
-          </a:lnRef>
-          <a:fillRef idx="1">
-            <a:schemeClr val="accent1"/>
-          </a:fillRef>
-          <a:effectRef idx="0">
-            <a:schemeClr val="accent1"/>
-          </a:effectRef>
-          <a:fontRef idx="minor">
-            <a:schemeClr val="lt1"/>
-          </a:fontRef>
-        </p:style>
-        <p:txBody>
-          <a:bodyPr rtlCol="0" anchor="ctr"/>
-          <a:lstStyle/>
-          <a:p>
-            <a:pPr algn="ctr"/>
-            <a:endParaRPr lang="de-DE"/>
-          </a:p>
-        </p:txBody>
-      </p:sp>
-      <p:cxnSp>
-        <p:nvCxnSpPr>
-          <p:cNvPr id="314" name="Curved Connector 4"/>
-          <p:cNvCxnSpPr/>
-          <p:nvPr/>
-        </p:nvCxnSpPr>
-        <p:spPr>
-          <a:xfrm rot="5010544" flipV="1">
-            <a:off x="6812770" y="3282725"/>
-            <a:ext cx="324000" cy="144000"/>
-          </a:xfrm>
-          <a:prstGeom prst="curvedConnector3">
-            <a:avLst>
-              <a:gd name="adj1" fmla="val 50000"/>
-            </a:avLst>
-          </a:prstGeom>
-          <a:ln w="19050" cmpd="sng">
-            <a:solidFill>
-              <a:schemeClr val="tx1">
-                <a:lumMod val="75000"/>
-                <a:lumOff val="25000"/>
-                <a:alpha val="70000"/>
-              </a:schemeClr>
-            </a:solidFill>
-          </a:ln>
-          <a:effectLst>
-            <a:outerShdw blurRad="40000" dist="23000" dir="5400000" rotWithShape="0">
-              <a:srgbClr val="000000">
-                <a:alpha val="35000"/>
-              </a:srgbClr>
-            </a:outerShdw>
-          </a:effectLst>
-          <a:scene3d>
-            <a:camera prst="orthographicFront"/>
-            <a:lightRig rig="threePt" dir="t"/>
-          </a:scene3d>
-          <a:sp3d>
-            <a:bevelT/>
-          </a:sp3d>
-        </p:spPr>
-        <p:style>
-          <a:lnRef idx="3">
-            <a:schemeClr val="dk1"/>
-          </a:lnRef>
-          <a:fillRef idx="0">
-            <a:schemeClr val="dk1"/>
-          </a:fillRef>
-          <a:effectRef idx="2">
-            <a:schemeClr val="dk1"/>
-          </a:effectRef>
-          <a:fontRef idx="minor">
-            <a:schemeClr val="tx1"/>
-          </a:fontRef>
-        </p:style>
-      </p:cxnSp>
-      <p:sp>
-        <p:nvSpPr>
-          <p:cNvPr id="315" name="Ellipse 314"/>
-          <p:cNvSpPr/>
-          <p:nvPr/>
-        </p:nvSpPr>
-        <p:spPr>
-          <a:xfrm rot="3870544">
-            <a:off x="7031057" y="3471729"/>
-            <a:ext cx="36000" cy="36000"/>
-          </a:xfrm>
-          <a:prstGeom prst="ellipse">
-            <a:avLst/>
-          </a:prstGeom>
-          <a:noFill/>
-          <a:ln>
-            <a:solidFill>
-              <a:schemeClr val="tx1">
-                <a:lumMod val="75000"/>
-                <a:lumOff val="25000"/>
-                <a:alpha val="70000"/>
-              </a:schemeClr>
-            </a:solidFill>
-          </a:ln>
-        </p:spPr>
-        <p:style>
-          <a:lnRef idx="2">
-            <a:schemeClr val="accent1">
-              <a:shade val="50000"/>
-            </a:schemeClr>
-          </a:lnRef>
-          <a:fillRef idx="1">
-            <a:schemeClr val="accent1"/>
-          </a:fillRef>
-          <a:effectRef idx="0">
-            <a:schemeClr val="accent1"/>
-          </a:effectRef>
-          <a:fontRef idx="minor">
-            <a:schemeClr val="lt1"/>
-          </a:fontRef>
-        </p:style>
-        <p:txBody>
-          <a:bodyPr rtlCol="0" anchor="ctr"/>
-          <a:lstStyle/>
-          <a:p>
-            <a:pPr algn="ctr"/>
-            <a:endParaRPr lang="de-DE">
-              <a:ln>
-                <a:solidFill>
-                  <a:schemeClr val="tx1"/>
-                </a:solidFill>
-              </a:ln>
-              <a:solidFill>
-                <a:schemeClr val="tx1"/>
-              </a:solidFill>
-            </a:endParaRPr>
-          </a:p>
-        </p:txBody>
-      </p:sp>
-      <p:sp>
-        <p:nvSpPr>
-          <p:cNvPr id="316" name="Ellipse 315"/>
-          <p:cNvSpPr/>
-          <p:nvPr/>
-        </p:nvSpPr>
-        <p:spPr>
-          <a:xfrm rot="3870544">
-            <a:off x="7031241" y="3400837"/>
-            <a:ext cx="36000" cy="36000"/>
-          </a:xfrm>
-          <a:prstGeom prst="ellipse">
-            <a:avLst/>
-          </a:prstGeom>
-          <a:noFill/>
-          <a:ln>
-            <a:solidFill>
-              <a:schemeClr val="tx1">
-                <a:lumMod val="75000"/>
-                <a:lumOff val="25000"/>
-                <a:alpha val="70000"/>
-              </a:schemeClr>
-            </a:solidFill>
-          </a:ln>
-        </p:spPr>
-        <p:style>
-          <a:lnRef idx="2">
-            <a:schemeClr val="accent1">
-              <a:shade val="50000"/>
-            </a:schemeClr>
-          </a:lnRef>
-          <a:fillRef idx="1">
-            <a:schemeClr val="accent1"/>
-          </a:fillRef>
-          <a:effectRef idx="0">
-            <a:schemeClr val="accent1"/>
-          </a:effectRef>
-          <a:fontRef idx="minor">
-            <a:schemeClr val="lt1"/>
-          </a:fontRef>
-        </p:style>
-        <p:txBody>
-          <a:bodyPr rtlCol="0" anchor="ctr"/>
-          <a:lstStyle/>
-          <a:p>
-            <a:pPr algn="ctr"/>
-            <a:endParaRPr lang="de-DE">
-              <a:ln>
-                <a:solidFill>
-                  <a:schemeClr val="tx1"/>
-                </a:solidFill>
-              </a:ln>
-              <a:solidFill>
-                <a:schemeClr val="tx1"/>
-              </a:solidFill>
-            </a:endParaRPr>
-          </a:p>
-        </p:txBody>
-      </p:sp>
-      <p:sp>
-        <p:nvSpPr>
-          <p:cNvPr id="317" name="Ellipse 316"/>
-          <p:cNvSpPr/>
-          <p:nvPr/>
-        </p:nvSpPr>
-        <p:spPr>
-          <a:xfrm rot="3870544">
-            <a:off x="6992805" y="3356855"/>
-            <a:ext cx="36000" cy="36000"/>
-          </a:xfrm>
-          <a:prstGeom prst="ellipse">
-            <a:avLst/>
-          </a:prstGeom>
-          <a:noFill/>
-          <a:ln>
-            <a:solidFill>
-              <a:schemeClr val="tx1">
-                <a:lumMod val="75000"/>
-                <a:lumOff val="25000"/>
-                <a:alpha val="70000"/>
-              </a:schemeClr>
-            </a:solidFill>
-          </a:ln>
-        </p:spPr>
-        <p:style>
-          <a:lnRef idx="2">
-            <a:schemeClr val="accent1">
-              <a:shade val="50000"/>
-            </a:schemeClr>
-          </a:lnRef>
-          <a:fillRef idx="1">
-            <a:schemeClr val="accent1"/>
-          </a:fillRef>
-          <a:effectRef idx="0">
-            <a:schemeClr val="accent1"/>
-          </a:effectRef>
-          <a:fontRef idx="minor">
-            <a:schemeClr val="lt1"/>
-          </a:fontRef>
-        </p:style>
-        <p:txBody>
-          <a:bodyPr rtlCol="0" anchor="ctr"/>
-          <a:lstStyle/>
-          <a:p>
-            <a:pPr algn="ctr"/>
-            <a:endParaRPr lang="de-DE">
-              <a:ln>
-                <a:solidFill>
-                  <a:schemeClr val="tx1"/>
-                </a:solidFill>
-              </a:ln>
-              <a:solidFill>
-                <a:schemeClr val="tx1"/>
-              </a:solidFill>
-            </a:endParaRPr>
-          </a:p>
-        </p:txBody>
-      </p:sp>
-      <p:sp>
-        <p:nvSpPr>
-          <p:cNvPr id="318" name="Ellipse 317"/>
-          <p:cNvSpPr/>
-          <p:nvPr/>
-        </p:nvSpPr>
-        <p:spPr>
-          <a:xfrm rot="3870544">
-            <a:off x="6935600" y="3339949"/>
-            <a:ext cx="36000" cy="36000"/>
-          </a:xfrm>
-          <a:prstGeom prst="ellipse">
-            <a:avLst/>
-          </a:prstGeom>
-          <a:noFill/>
-          <a:ln>
-            <a:solidFill>
-              <a:schemeClr val="tx1">
-                <a:lumMod val="75000"/>
-                <a:lumOff val="25000"/>
-                <a:alpha val="70000"/>
-              </a:schemeClr>
-            </a:solidFill>
-          </a:ln>
-        </p:spPr>
-        <p:style>
-          <a:lnRef idx="2">
-            <a:schemeClr val="accent1">
-              <a:shade val="50000"/>
-            </a:schemeClr>
-          </a:lnRef>
-          <a:fillRef idx="1">
-            <a:schemeClr val="accent1"/>
-          </a:fillRef>
-          <a:effectRef idx="0">
-            <a:schemeClr val="accent1"/>
-          </a:effectRef>
-          <a:fontRef idx="minor">
-            <a:schemeClr val="lt1"/>
-          </a:fontRef>
-        </p:style>
-        <p:txBody>
-          <a:bodyPr rtlCol="0" anchor="ctr"/>
-          <a:lstStyle/>
-          <a:p>
-            <a:pPr algn="ctr"/>
-            <a:endParaRPr lang="de-DE">
-              <a:ln>
-                <a:solidFill>
-                  <a:schemeClr val="tx1"/>
-                </a:solidFill>
-              </a:ln>
-              <a:solidFill>
-                <a:schemeClr val="tx1"/>
-              </a:solidFill>
-            </a:endParaRPr>
-          </a:p>
-        </p:txBody>
-      </p:sp>
-      <p:sp>
-        <p:nvSpPr>
-          <p:cNvPr id="319" name="Ellipse 318"/>
-          <p:cNvSpPr/>
-          <p:nvPr/>
-        </p:nvSpPr>
-        <p:spPr>
-          <a:xfrm rot="3870544">
-            <a:off x="7037290" y="3526219"/>
-            <a:ext cx="36000" cy="36000"/>
-          </a:xfrm>
-          <a:prstGeom prst="ellipse">
-            <a:avLst/>
-          </a:prstGeom>
-          <a:noFill/>
-          <a:ln>
-            <a:solidFill>
-              <a:schemeClr val="tx1">
-                <a:lumMod val="75000"/>
-                <a:lumOff val="25000"/>
-                <a:alpha val="70000"/>
-              </a:schemeClr>
-            </a:solidFill>
-          </a:ln>
-        </p:spPr>
-        <p:style>
-          <a:lnRef idx="2">
-            <a:schemeClr val="accent1">
-              <a:shade val="50000"/>
-            </a:schemeClr>
-          </a:lnRef>
-          <a:fillRef idx="1">
-            <a:schemeClr val="accent1"/>
-          </a:fillRef>
-          <a:effectRef idx="0">
-            <a:schemeClr val="accent1"/>
-          </a:effectRef>
-          <a:fontRef idx="minor">
-            <a:schemeClr val="lt1"/>
-          </a:fontRef>
-        </p:style>
-        <p:txBody>
-          <a:bodyPr rtlCol="0" anchor="ctr"/>
-          <a:lstStyle/>
-          <a:p>
-            <a:pPr algn="ctr"/>
-            <a:endParaRPr lang="de-DE">
-              <a:ln>
-                <a:solidFill>
-                  <a:schemeClr val="tx1"/>
-                </a:solidFill>
-              </a:ln>
-              <a:solidFill>
-                <a:schemeClr val="tx1"/>
-              </a:solidFill>
-            </a:endParaRPr>
-          </a:p>
-        </p:txBody>
-      </p:sp>
-      <p:sp>
-        <p:nvSpPr>
-          <p:cNvPr id="320" name="Ellipse 319"/>
-          <p:cNvSpPr/>
-          <p:nvPr/>
-        </p:nvSpPr>
-        <p:spPr>
-          <a:xfrm rot="19286316">
-            <a:off x="6851708" y="3230741"/>
-            <a:ext cx="108000" cy="108000"/>
-          </a:xfrm>
-          <a:prstGeom prst="ellipse">
-            <a:avLst/>
-          </a:prstGeom>
-          <a:solidFill>
-            <a:schemeClr val="tx1">
-              <a:lumMod val="85000"/>
-              <a:lumOff val="15000"/>
-            </a:schemeClr>
-          </a:solidFill>
-        </p:spPr>
-        <p:style>
-          <a:lnRef idx="0">
-            <a:schemeClr val="dk1"/>
-          </a:lnRef>
-          <a:fillRef idx="3">
-            <a:schemeClr val="dk1"/>
-          </a:fillRef>
-          <a:effectRef idx="3">
-            <a:schemeClr val="dk1"/>
-          </a:effectRef>
-          <a:fontRef idx="minor">
-            <a:schemeClr val="lt1"/>
-          </a:fontRef>
-        </p:style>
-        <p:txBody>
-          <a:bodyPr rtlCol="0" anchor="ctr"/>
-          <a:lstStyle/>
-          <a:p>
-            <a:pPr algn="ctr"/>
-            <a:endParaRPr lang="de-DE">
-              <a:solidFill>
-                <a:srgbClr val="FF0000"/>
-              </a:solidFill>
-            </a:endParaRPr>
-          </a:p>
-        </p:txBody>
-      </p:sp>
-      <p:cxnSp>
-        <p:nvCxnSpPr>
-          <p:cNvPr id="335" name="Curved Connector 4"/>
-          <p:cNvCxnSpPr/>
-          <p:nvPr/>
-        </p:nvCxnSpPr>
-        <p:spPr>
-          <a:xfrm rot="12637536" flipV="1">
-            <a:off x="7016508" y="3919743"/>
-            <a:ext cx="324000" cy="144000"/>
-          </a:xfrm>
-          <a:prstGeom prst="curvedConnector3">
-            <a:avLst>
-              <a:gd name="adj1" fmla="val 50000"/>
-            </a:avLst>
-          </a:prstGeom>
-          <a:ln w="19050" cmpd="sng">
-            <a:solidFill>
-              <a:schemeClr val="tx1">
-                <a:lumMod val="75000"/>
-                <a:lumOff val="25000"/>
-                <a:alpha val="70000"/>
-              </a:schemeClr>
-            </a:solidFill>
-          </a:ln>
-          <a:effectLst>
-            <a:outerShdw blurRad="40000" dist="23000" dir="5400000" rotWithShape="0">
-              <a:srgbClr val="000000">
-                <a:alpha val="35000"/>
-              </a:srgbClr>
-            </a:outerShdw>
-          </a:effectLst>
-          <a:scene3d>
-            <a:camera prst="orthographicFront"/>
-            <a:lightRig rig="threePt" dir="t"/>
-          </a:scene3d>
-          <a:sp3d>
-            <a:bevelT/>
-          </a:sp3d>
-        </p:spPr>
-        <p:style>
-          <a:lnRef idx="3">
-            <a:schemeClr val="dk1"/>
-          </a:lnRef>
-          <a:fillRef idx="0">
-            <a:schemeClr val="dk1"/>
-          </a:fillRef>
-          <a:effectRef idx="2">
-            <a:schemeClr val="dk1"/>
-          </a:effectRef>
-          <a:fontRef idx="minor">
-            <a:schemeClr val="tx1"/>
-          </a:fontRef>
-        </p:style>
-      </p:cxnSp>
-      <p:sp>
-        <p:nvSpPr>
-          <p:cNvPr id="336" name="Ellipse 335"/>
-          <p:cNvSpPr/>
-          <p:nvPr/>
-        </p:nvSpPr>
-        <p:spPr>
-          <a:xfrm rot="11497536">
-            <a:off x="7008027" y="3951514"/>
-            <a:ext cx="36000" cy="36000"/>
-          </a:xfrm>
-          <a:prstGeom prst="ellipse">
-            <a:avLst/>
-          </a:prstGeom>
-          <a:noFill/>
-          <a:ln>
-            <a:solidFill>
-              <a:schemeClr val="tx1">
-                <a:lumMod val="75000"/>
-                <a:lumOff val="25000"/>
-                <a:alpha val="70000"/>
-              </a:schemeClr>
-            </a:solidFill>
-          </a:ln>
-        </p:spPr>
-        <p:style>
-          <a:lnRef idx="2">
-            <a:schemeClr val="accent1">
-              <a:shade val="50000"/>
-            </a:schemeClr>
-          </a:lnRef>
-          <a:fillRef idx="1">
-            <a:schemeClr val="accent1"/>
-          </a:fillRef>
-          <a:effectRef idx="0">
-            <a:schemeClr val="accent1"/>
-          </a:effectRef>
-          <a:fontRef idx="minor">
-            <a:schemeClr val="lt1"/>
-          </a:fontRef>
-        </p:style>
-        <p:txBody>
-          <a:bodyPr rtlCol="0" anchor="ctr"/>
-          <a:lstStyle/>
-          <a:p>
-            <a:pPr algn="ctr"/>
-            <a:endParaRPr lang="de-DE">
-              <a:ln>
-                <a:solidFill>
-                  <a:schemeClr val="tx1"/>
-                </a:solidFill>
-              </a:ln>
-              <a:solidFill>
-                <a:schemeClr val="tx1"/>
-              </a:solidFill>
-            </a:endParaRPr>
-          </a:p>
-        </p:txBody>
-      </p:sp>
-      <p:sp>
-        <p:nvSpPr>
-          <p:cNvPr id="337" name="Ellipse 336"/>
-          <p:cNvSpPr/>
-          <p:nvPr/>
-        </p:nvSpPr>
-        <p:spPr>
-          <a:xfrm rot="11497536">
-            <a:off x="7064446" y="3994440"/>
-            <a:ext cx="36000" cy="36000"/>
-          </a:xfrm>
-          <a:prstGeom prst="ellipse">
-            <a:avLst/>
-          </a:prstGeom>
-          <a:noFill/>
-          <a:ln>
-            <a:solidFill>
-              <a:schemeClr val="tx1">
-                <a:lumMod val="75000"/>
-                <a:lumOff val="25000"/>
-                <a:alpha val="70000"/>
-              </a:schemeClr>
-            </a:solidFill>
-          </a:ln>
-        </p:spPr>
-        <p:style>
-          <a:lnRef idx="2">
-            <a:schemeClr val="accent1">
-              <a:shade val="50000"/>
-            </a:schemeClr>
-          </a:lnRef>
-          <a:fillRef idx="1">
-            <a:schemeClr val="accent1"/>
-          </a:fillRef>
-          <a:effectRef idx="0">
-            <a:schemeClr val="accent1"/>
-          </a:effectRef>
-          <a:fontRef idx="minor">
-            <a:schemeClr val="lt1"/>
-          </a:fontRef>
-        </p:style>
-        <p:txBody>
-          <a:bodyPr rtlCol="0" anchor="ctr"/>
-          <a:lstStyle/>
-          <a:p>
-            <a:pPr algn="ctr"/>
-            <a:endParaRPr lang="de-DE">
-              <a:ln>
-                <a:solidFill>
-                  <a:schemeClr val="tx1"/>
-                </a:solidFill>
-              </a:ln>
-              <a:solidFill>
-                <a:schemeClr val="tx1"/>
-              </a:solidFill>
-            </a:endParaRPr>
-          </a:p>
-        </p:txBody>
-      </p:sp>
-      <p:sp>
-        <p:nvSpPr>
-          <p:cNvPr id="338" name="Ellipse 337"/>
-          <p:cNvSpPr/>
-          <p:nvPr/>
-        </p:nvSpPr>
-        <p:spPr>
-          <a:xfrm rot="11497536">
-            <a:off x="7122711" y="3990331"/>
-            <a:ext cx="36000" cy="36000"/>
-          </a:xfrm>
-          <a:prstGeom prst="ellipse">
-            <a:avLst/>
-          </a:prstGeom>
-          <a:noFill/>
-          <a:ln>
-            <a:solidFill>
-              <a:schemeClr val="tx1">
-                <a:lumMod val="75000"/>
-                <a:lumOff val="25000"/>
-                <a:alpha val="70000"/>
-              </a:schemeClr>
-            </a:solidFill>
-          </a:ln>
-        </p:spPr>
-        <p:style>
-          <a:lnRef idx="2">
-            <a:schemeClr val="accent1">
-              <a:shade val="50000"/>
-            </a:schemeClr>
-          </a:lnRef>
-          <a:fillRef idx="1">
-            <a:schemeClr val="accent1"/>
-          </a:fillRef>
-          <a:effectRef idx="0">
-            <a:schemeClr val="accent1"/>
-          </a:effectRef>
-          <a:fontRef idx="minor">
-            <a:schemeClr val="lt1"/>
-          </a:fontRef>
-        </p:style>
-        <p:txBody>
-          <a:bodyPr rtlCol="0" anchor="ctr"/>
-          <a:lstStyle/>
-          <a:p>
-            <a:pPr algn="ctr"/>
-            <a:endParaRPr lang="de-DE">
-              <a:ln>
-                <a:solidFill>
-                  <a:schemeClr val="tx1"/>
-                </a:solidFill>
-              </a:ln>
-              <a:solidFill>
-                <a:schemeClr val="tx1"/>
-              </a:solidFill>
-            </a:endParaRPr>
-          </a:p>
-        </p:txBody>
-      </p:sp>
-      <p:sp>
-        <p:nvSpPr>
-          <p:cNvPr id="339" name="Ellipse 338"/>
-          <p:cNvSpPr/>
-          <p:nvPr/>
-        </p:nvSpPr>
-        <p:spPr>
-          <a:xfrm rot="11497536">
-            <a:off x="7170712" y="3954917"/>
-            <a:ext cx="36000" cy="36000"/>
-          </a:xfrm>
-          <a:prstGeom prst="ellipse">
-            <a:avLst/>
-          </a:prstGeom>
-          <a:noFill/>
-          <a:ln>
-            <a:solidFill>
-              <a:schemeClr val="tx1">
-                <a:lumMod val="75000"/>
-                <a:lumOff val="25000"/>
-                <a:alpha val="70000"/>
-              </a:schemeClr>
-            </a:solidFill>
-          </a:ln>
-        </p:spPr>
-        <p:style>
-          <a:lnRef idx="2">
-            <a:schemeClr val="accent1">
-              <a:shade val="50000"/>
-            </a:schemeClr>
-          </a:lnRef>
-          <a:fillRef idx="1">
-            <a:schemeClr val="accent1"/>
-          </a:fillRef>
-          <a:effectRef idx="0">
-            <a:schemeClr val="accent1"/>
-          </a:effectRef>
-          <a:fontRef idx="minor">
-            <a:schemeClr val="lt1"/>
-          </a:fontRef>
-        </p:style>
-        <p:txBody>
-          <a:bodyPr rtlCol="0" anchor="ctr"/>
-          <a:lstStyle/>
-          <a:p>
-            <a:pPr algn="ctr"/>
-            <a:endParaRPr lang="de-DE">
-              <a:ln>
-                <a:solidFill>
-                  <a:schemeClr val="tx1"/>
-                </a:solidFill>
-              </a:ln>
-              <a:solidFill>
-                <a:schemeClr val="tx1"/>
-              </a:solidFill>
-            </a:endParaRPr>
-          </a:p>
-        </p:txBody>
-      </p:sp>
-      <p:sp>
-        <p:nvSpPr>
-          <p:cNvPr id="340" name="Ellipse 339"/>
-          <p:cNvSpPr/>
-          <p:nvPr/>
-        </p:nvSpPr>
-        <p:spPr>
-          <a:xfrm rot="11497536">
-            <a:off x="6960815" y="3923603"/>
-            <a:ext cx="36000" cy="36000"/>
-          </a:xfrm>
-          <a:prstGeom prst="ellipse">
-            <a:avLst/>
-          </a:prstGeom>
-          <a:noFill/>
-          <a:ln>
-            <a:solidFill>
-              <a:schemeClr val="tx1">
-                <a:lumMod val="75000"/>
-                <a:lumOff val="25000"/>
-                <a:alpha val="70000"/>
-              </a:schemeClr>
-            </a:solidFill>
-          </a:ln>
-        </p:spPr>
-        <p:style>
-          <a:lnRef idx="2">
-            <a:schemeClr val="accent1">
-              <a:shade val="50000"/>
-            </a:schemeClr>
-          </a:lnRef>
-          <a:fillRef idx="1">
-            <a:schemeClr val="accent1"/>
-          </a:fillRef>
-          <a:effectRef idx="0">
-            <a:schemeClr val="accent1"/>
-          </a:effectRef>
-          <a:fontRef idx="minor">
-            <a:schemeClr val="lt1"/>
-          </a:fontRef>
-        </p:style>
-        <p:txBody>
-          <a:bodyPr rtlCol="0" anchor="ctr"/>
-          <a:lstStyle/>
-          <a:p>
-            <a:pPr algn="ctr"/>
-            <a:endParaRPr lang="de-DE">
-              <a:ln>
-                <a:solidFill>
-                  <a:schemeClr val="tx1"/>
-                </a:solidFill>
-              </a:ln>
-              <a:solidFill>
-                <a:schemeClr val="tx1"/>
-              </a:solidFill>
-            </a:endParaRPr>
-          </a:p>
-        </p:txBody>
-      </p:sp>
-      <p:sp>
-        <p:nvSpPr>
-          <p:cNvPr id="341" name="Ellipse 340"/>
-          <p:cNvSpPr/>
-          <p:nvPr/>
-        </p:nvSpPr>
-        <p:spPr>
-          <a:xfrm rot="5313308">
-            <a:off x="7221988" y="3924904"/>
-            <a:ext cx="108000" cy="108000"/>
-          </a:xfrm>
-          <a:prstGeom prst="ellipse">
-            <a:avLst/>
-          </a:prstGeom>
-          <a:solidFill>
-            <a:schemeClr val="tx1">
-              <a:lumMod val="85000"/>
-              <a:lumOff val="15000"/>
-            </a:schemeClr>
-          </a:solidFill>
-        </p:spPr>
-        <p:style>
-          <a:lnRef idx="0">
-            <a:schemeClr val="dk1"/>
-          </a:lnRef>
-          <a:fillRef idx="3">
-            <a:schemeClr val="dk1"/>
-          </a:fillRef>
-          <a:effectRef idx="3">
-            <a:schemeClr val="dk1"/>
-          </a:effectRef>
-          <a:fontRef idx="minor">
-            <a:schemeClr val="lt1"/>
-          </a:fontRef>
-        </p:style>
-        <p:txBody>
-          <a:bodyPr rtlCol="0" anchor="ctr"/>
-          <a:lstStyle/>
-          <a:p>
-            <a:pPr algn="ctr"/>
-            <a:endParaRPr lang="de-DE">
-              <a:solidFill>
-                <a:srgbClr val="FF0000"/>
-              </a:solidFill>
-            </a:endParaRPr>
-          </a:p>
-        </p:txBody>
-      </p:sp>
-      <p:cxnSp>
-        <p:nvCxnSpPr>
-          <p:cNvPr id="343" name="Curved Connector 4"/>
-          <p:cNvCxnSpPr/>
-          <p:nvPr/>
-        </p:nvCxnSpPr>
-        <p:spPr>
-          <a:xfrm rot="20363569" flipV="1">
-            <a:off x="6372866" y="3815305"/>
-            <a:ext cx="324000" cy="144000"/>
-          </a:xfrm>
-          <a:prstGeom prst="curvedConnector3">
-            <a:avLst>
-              <a:gd name="adj1" fmla="val 50000"/>
-            </a:avLst>
-          </a:prstGeom>
-          <a:ln w="19050" cmpd="sng">
-            <a:solidFill>
-              <a:schemeClr val="tx1">
-                <a:lumMod val="75000"/>
-                <a:lumOff val="25000"/>
-                <a:alpha val="70000"/>
-              </a:schemeClr>
-            </a:solidFill>
-          </a:ln>
-          <a:effectLst>
-            <a:outerShdw blurRad="40000" dist="23000" dir="5400000" rotWithShape="0">
-              <a:srgbClr val="000000">
-                <a:alpha val="35000"/>
-              </a:srgbClr>
-            </a:outerShdw>
-          </a:effectLst>
-          <a:scene3d>
-            <a:camera prst="orthographicFront"/>
-            <a:lightRig rig="threePt" dir="t"/>
-          </a:scene3d>
-          <a:sp3d>
-            <a:bevelT/>
-          </a:sp3d>
-        </p:spPr>
-        <p:style>
-          <a:lnRef idx="3">
-            <a:schemeClr val="dk1"/>
-          </a:lnRef>
-          <a:fillRef idx="0">
-            <a:schemeClr val="dk1"/>
-          </a:fillRef>
-          <a:effectRef idx="2">
-            <a:schemeClr val="dk1"/>
-          </a:effectRef>
-          <a:fontRef idx="minor">
-            <a:schemeClr val="tx1"/>
-          </a:fontRef>
-        </p:style>
-      </p:cxnSp>
-      <p:sp>
-        <p:nvSpPr>
-          <p:cNvPr id="344" name="Ellipse 343"/>
-          <p:cNvSpPr/>
-          <p:nvPr/>
-        </p:nvSpPr>
-        <p:spPr>
-          <a:xfrm rot="19223569">
-            <a:off x="6629676" y="3764335"/>
-            <a:ext cx="36000" cy="36000"/>
-          </a:xfrm>
-          <a:prstGeom prst="ellipse">
-            <a:avLst/>
-          </a:prstGeom>
-          <a:noFill/>
-          <a:ln>
-            <a:solidFill>
-              <a:schemeClr val="tx1">
-                <a:lumMod val="75000"/>
-                <a:lumOff val="25000"/>
-                <a:alpha val="70000"/>
-              </a:schemeClr>
-            </a:solidFill>
-          </a:ln>
-        </p:spPr>
-        <p:style>
-          <a:lnRef idx="2">
-            <a:schemeClr val="accent1">
-              <a:shade val="50000"/>
-            </a:schemeClr>
-          </a:lnRef>
-          <a:fillRef idx="1">
-            <a:schemeClr val="accent1"/>
-          </a:fillRef>
-          <a:effectRef idx="0">
-            <a:schemeClr val="accent1"/>
-          </a:effectRef>
-          <a:fontRef idx="minor">
-            <a:schemeClr val="lt1"/>
-          </a:fontRef>
-        </p:style>
-        <p:txBody>
-          <a:bodyPr rtlCol="0" anchor="ctr"/>
-          <a:lstStyle/>
-          <a:p>
-            <a:pPr algn="ctr"/>
-            <a:endParaRPr lang="de-DE">
-              <a:ln>
-                <a:solidFill>
-                  <a:schemeClr val="tx1"/>
-                </a:solidFill>
-              </a:ln>
-              <a:solidFill>
-                <a:schemeClr val="tx1"/>
-              </a:solidFill>
-            </a:endParaRPr>
-          </a:p>
-        </p:txBody>
-      </p:sp>
-      <p:sp>
-        <p:nvSpPr>
-          <p:cNvPr id="345" name="Ellipse 344"/>
-          <p:cNvSpPr/>
-          <p:nvPr/>
-        </p:nvSpPr>
-        <p:spPr>
-          <a:xfrm rot="19223569">
-            <a:off x="6560879" y="3781447"/>
-            <a:ext cx="36000" cy="36000"/>
-          </a:xfrm>
-          <a:prstGeom prst="ellipse">
-            <a:avLst/>
-          </a:prstGeom>
-          <a:noFill/>
-          <a:ln>
-            <a:solidFill>
-              <a:schemeClr val="tx1">
-                <a:lumMod val="75000"/>
-                <a:lumOff val="25000"/>
-                <a:alpha val="70000"/>
-              </a:schemeClr>
-            </a:solidFill>
-          </a:ln>
-        </p:spPr>
-        <p:style>
-          <a:lnRef idx="2">
-            <a:schemeClr val="accent1">
-              <a:shade val="50000"/>
-            </a:schemeClr>
-          </a:lnRef>
-          <a:fillRef idx="1">
-            <a:schemeClr val="accent1"/>
-          </a:fillRef>
-          <a:effectRef idx="0">
-            <a:schemeClr val="accent1"/>
-          </a:effectRef>
-          <a:fontRef idx="minor">
-            <a:schemeClr val="lt1"/>
-          </a:fontRef>
-        </p:style>
-        <p:txBody>
-          <a:bodyPr rtlCol="0" anchor="ctr"/>
-          <a:lstStyle/>
-          <a:p>
-            <a:pPr algn="ctr"/>
-            <a:endParaRPr lang="de-DE">
-              <a:ln>
-                <a:solidFill>
-                  <a:schemeClr val="tx1"/>
-                </a:solidFill>
-              </a:ln>
-              <a:solidFill>
-                <a:schemeClr val="tx1"/>
-              </a:solidFill>
-            </a:endParaRPr>
-          </a:p>
-        </p:txBody>
-      </p:sp>
-      <p:sp>
-        <p:nvSpPr>
-          <p:cNvPr id="346" name="Ellipse 345"/>
-          <p:cNvSpPr/>
-          <p:nvPr/>
-        </p:nvSpPr>
-        <p:spPr>
-          <a:xfrm rot="19223569">
-            <a:off x="6527600" y="3829449"/>
-            <a:ext cx="36000" cy="36000"/>
-          </a:xfrm>
-          <a:prstGeom prst="ellipse">
-            <a:avLst/>
-          </a:prstGeom>
-          <a:noFill/>
-          <a:ln>
-            <a:solidFill>
-              <a:schemeClr val="tx1">
-                <a:lumMod val="75000"/>
-                <a:lumOff val="25000"/>
-                <a:alpha val="70000"/>
-              </a:schemeClr>
-            </a:solidFill>
-          </a:ln>
-        </p:spPr>
-        <p:style>
-          <a:lnRef idx="2">
-            <a:schemeClr val="accent1">
-              <a:shade val="50000"/>
-            </a:schemeClr>
-          </a:lnRef>
-          <a:fillRef idx="1">
-            <a:schemeClr val="accent1"/>
-          </a:fillRef>
-          <a:effectRef idx="0">
-            <a:schemeClr val="accent1"/>
-          </a:effectRef>
-          <a:fontRef idx="minor">
-            <a:schemeClr val="lt1"/>
-          </a:fontRef>
-        </p:style>
-        <p:txBody>
-          <a:bodyPr rtlCol="0" anchor="ctr"/>
-          <a:lstStyle/>
-          <a:p>
-            <a:pPr algn="ctr"/>
-            <a:endParaRPr lang="de-DE">
-              <a:ln>
-                <a:solidFill>
-                  <a:schemeClr val="tx1"/>
-                </a:solidFill>
-              </a:ln>
-              <a:solidFill>
-                <a:schemeClr val="tx1"/>
-              </a:solidFill>
-            </a:endParaRPr>
-          </a:p>
-        </p:txBody>
-      </p:sp>
-      <p:sp>
-        <p:nvSpPr>
-          <p:cNvPr id="347" name="Ellipse 346"/>
-          <p:cNvSpPr/>
-          <p:nvPr/>
-        </p:nvSpPr>
-        <p:spPr>
-          <a:xfrm rot="19223569">
-            <a:off x="6525156" y="3889050"/>
-            <a:ext cx="36000" cy="36000"/>
-          </a:xfrm>
-          <a:prstGeom prst="ellipse">
-            <a:avLst/>
-          </a:prstGeom>
-          <a:noFill/>
-          <a:ln>
-            <a:solidFill>
-              <a:schemeClr val="tx1">
-                <a:lumMod val="75000"/>
-                <a:lumOff val="25000"/>
-                <a:alpha val="70000"/>
-              </a:schemeClr>
-            </a:solidFill>
-          </a:ln>
-        </p:spPr>
-        <p:style>
-          <a:lnRef idx="2">
-            <a:schemeClr val="accent1">
-              <a:shade val="50000"/>
-            </a:schemeClr>
-          </a:lnRef>
-          <a:fillRef idx="1">
-            <a:schemeClr val="accent1"/>
-          </a:fillRef>
-          <a:effectRef idx="0">
-            <a:schemeClr val="accent1"/>
-          </a:effectRef>
-          <a:fontRef idx="minor">
-            <a:schemeClr val="lt1"/>
-          </a:fontRef>
-        </p:style>
-        <p:txBody>
-          <a:bodyPr rtlCol="0" anchor="ctr"/>
-          <a:lstStyle/>
-          <a:p>
-            <a:pPr algn="ctr"/>
-            <a:endParaRPr lang="de-DE">
-              <a:ln>
-                <a:solidFill>
-                  <a:schemeClr val="tx1"/>
-                </a:solidFill>
-              </a:ln>
-              <a:solidFill>
-                <a:schemeClr val="tx1"/>
-              </a:solidFill>
-            </a:endParaRPr>
-          </a:p>
-        </p:txBody>
-      </p:sp>
-      <p:sp>
-        <p:nvSpPr>
-          <p:cNvPr id="348" name="Ellipse 347"/>
-          <p:cNvSpPr/>
-          <p:nvPr/>
-        </p:nvSpPr>
-        <p:spPr>
-          <a:xfrm rot="19223569">
-            <a:off x="6681000" y="3745001"/>
-            <a:ext cx="36000" cy="36000"/>
-          </a:xfrm>
-          <a:prstGeom prst="ellipse">
-            <a:avLst/>
-          </a:prstGeom>
-          <a:noFill/>
-          <a:ln>
-            <a:solidFill>
-              <a:schemeClr val="tx1">
-                <a:lumMod val="75000"/>
-                <a:lumOff val="25000"/>
-                <a:alpha val="70000"/>
-              </a:schemeClr>
-            </a:solidFill>
-          </a:ln>
-        </p:spPr>
-        <p:style>
-          <a:lnRef idx="2">
-            <a:schemeClr val="accent1">
-              <a:shade val="50000"/>
-            </a:schemeClr>
-          </a:lnRef>
-          <a:fillRef idx="1">
-            <a:schemeClr val="accent1"/>
-          </a:fillRef>
-          <a:effectRef idx="0">
-            <a:schemeClr val="accent1"/>
-          </a:effectRef>
-          <a:fontRef idx="minor">
-            <a:schemeClr val="lt1"/>
-          </a:fontRef>
-        </p:style>
-        <p:txBody>
-          <a:bodyPr rtlCol="0" anchor="ctr"/>
-          <a:lstStyle/>
-          <a:p>
-            <a:pPr algn="ctr"/>
-            <a:endParaRPr lang="de-DE">
-              <a:ln>
-                <a:solidFill>
-                  <a:schemeClr val="tx1"/>
-                </a:solidFill>
-              </a:ln>
-              <a:solidFill>
-                <a:schemeClr val="tx1"/>
-              </a:solidFill>
-            </a:endParaRPr>
-          </a:p>
-        </p:txBody>
-      </p:sp>
-      <p:sp>
-        <p:nvSpPr>
-          <p:cNvPr id="349" name="Ellipse 348"/>
-          <p:cNvSpPr/>
-          <p:nvPr/>
-        </p:nvSpPr>
-        <p:spPr>
-          <a:xfrm rot="13039341">
-            <a:off x="6429839" y="3917350"/>
-            <a:ext cx="108000" cy="108000"/>
-          </a:xfrm>
-          <a:prstGeom prst="ellipse">
-            <a:avLst/>
-          </a:prstGeom>
-          <a:solidFill>
-            <a:schemeClr val="tx1">
-              <a:lumMod val="85000"/>
-              <a:lumOff val="15000"/>
-            </a:schemeClr>
-          </a:solidFill>
-        </p:spPr>
-        <p:style>
-          <a:lnRef idx="0">
-            <a:schemeClr val="dk1"/>
-          </a:lnRef>
-          <a:fillRef idx="3">
-            <a:schemeClr val="dk1"/>
-          </a:fillRef>
-          <a:effectRef idx="3">
-            <a:schemeClr val="dk1"/>
-          </a:effectRef>
-          <a:fontRef idx="minor">
-            <a:schemeClr val="lt1"/>
-          </a:fontRef>
-        </p:style>
-        <p:txBody>
-          <a:bodyPr rtlCol="0" anchor="ctr"/>
-          <a:lstStyle/>
-          <a:p>
-            <a:pPr algn="ctr"/>
-            <a:endParaRPr lang="de-DE">
-              <a:solidFill>
-                <a:srgbClr val="FF0000"/>
-              </a:solidFill>
-            </a:endParaRPr>
-          </a:p>
-        </p:txBody>
-      </p:sp>
-      <p:cxnSp>
-        <p:nvCxnSpPr>
-          <p:cNvPr id="351" name="Curved Connector 4"/>
-          <p:cNvCxnSpPr/>
-          <p:nvPr/>
-        </p:nvCxnSpPr>
-        <p:spPr>
-          <a:xfrm rot="4475302" flipV="1">
-            <a:off x="6369237" y="3542647"/>
-            <a:ext cx="324000" cy="144000"/>
-          </a:xfrm>
-          <a:prstGeom prst="curvedConnector3">
-            <a:avLst>
-              <a:gd name="adj1" fmla="val 50000"/>
-            </a:avLst>
-          </a:prstGeom>
-          <a:ln w="19050" cmpd="sng">
-            <a:solidFill>
-              <a:schemeClr val="tx1">
-                <a:lumMod val="75000"/>
-                <a:lumOff val="25000"/>
-                <a:alpha val="70000"/>
-              </a:schemeClr>
-            </a:solidFill>
-          </a:ln>
-          <a:effectLst>
-            <a:outerShdw blurRad="40000" dist="23000" dir="5400000" rotWithShape="0">
-              <a:srgbClr val="000000">
-                <a:alpha val="35000"/>
-              </a:srgbClr>
-            </a:outerShdw>
-          </a:effectLst>
-          <a:scene3d>
-            <a:camera prst="orthographicFront"/>
-            <a:lightRig rig="threePt" dir="t"/>
-          </a:scene3d>
-          <a:sp3d>
-            <a:bevelT/>
-          </a:sp3d>
-        </p:spPr>
-        <p:style>
-          <a:lnRef idx="3">
-            <a:schemeClr val="dk1"/>
-          </a:lnRef>
-          <a:fillRef idx="0">
-            <a:schemeClr val="dk1"/>
-          </a:fillRef>
-          <a:effectRef idx="2">
-            <a:schemeClr val="dk1"/>
-          </a:effectRef>
-          <a:fontRef idx="minor">
-            <a:schemeClr val="tx1"/>
-          </a:fontRef>
-        </p:style>
-      </p:cxnSp>
-      <p:sp>
-        <p:nvSpPr>
-          <p:cNvPr id="352" name="Ellipse 351"/>
-          <p:cNvSpPr/>
-          <p:nvPr/>
-        </p:nvSpPr>
-        <p:spPr>
-          <a:xfrm rot="3335302">
-            <a:off x="6607560" y="3718499"/>
-            <a:ext cx="36000" cy="36000"/>
-          </a:xfrm>
-          <a:prstGeom prst="ellipse">
-            <a:avLst/>
-          </a:prstGeom>
-          <a:noFill/>
-          <a:ln>
-            <a:solidFill>
-              <a:schemeClr val="tx1">
-                <a:lumMod val="75000"/>
-                <a:lumOff val="25000"/>
-                <a:alpha val="70000"/>
-              </a:schemeClr>
-            </a:solidFill>
-          </a:ln>
-        </p:spPr>
-        <p:style>
-          <a:lnRef idx="2">
-            <a:schemeClr val="accent1">
-              <a:shade val="50000"/>
-            </a:schemeClr>
-          </a:lnRef>
-          <a:fillRef idx="1">
-            <a:schemeClr val="accent1"/>
-          </a:fillRef>
-          <a:effectRef idx="0">
-            <a:schemeClr val="accent1"/>
-          </a:effectRef>
-          <a:fontRef idx="minor">
-            <a:schemeClr val="lt1"/>
-          </a:fontRef>
-        </p:style>
-        <p:txBody>
-          <a:bodyPr rtlCol="0" anchor="ctr"/>
-          <a:lstStyle/>
-          <a:p>
-            <a:pPr algn="ctr"/>
-            <a:endParaRPr lang="de-DE">
-              <a:ln>
-                <a:solidFill>
-                  <a:schemeClr val="tx1"/>
-                </a:solidFill>
-              </a:ln>
-              <a:solidFill>
-                <a:schemeClr val="tx1"/>
-              </a:solidFill>
-            </a:endParaRPr>
-          </a:p>
-        </p:txBody>
-      </p:sp>
-      <p:sp>
-        <p:nvSpPr>
-          <p:cNvPr id="353" name="Ellipse 352"/>
-          <p:cNvSpPr/>
-          <p:nvPr/>
-        </p:nvSpPr>
-        <p:spPr>
-          <a:xfrm rot="3335302">
-            <a:off x="6596749" y="3648436"/>
-            <a:ext cx="36000" cy="36000"/>
-          </a:xfrm>
-          <a:prstGeom prst="ellipse">
-            <a:avLst/>
-          </a:prstGeom>
-          <a:noFill/>
-          <a:ln>
-            <a:solidFill>
-              <a:schemeClr val="tx1">
-                <a:lumMod val="75000"/>
-                <a:lumOff val="25000"/>
-                <a:alpha val="70000"/>
-              </a:schemeClr>
-            </a:solidFill>
-          </a:ln>
-        </p:spPr>
-        <p:style>
-          <a:lnRef idx="2">
-            <a:schemeClr val="accent1">
-              <a:shade val="50000"/>
-            </a:schemeClr>
-          </a:lnRef>
-          <a:fillRef idx="1">
-            <a:schemeClr val="accent1"/>
-          </a:fillRef>
-          <a:effectRef idx="0">
-            <a:schemeClr val="accent1"/>
-          </a:effectRef>
-          <a:fontRef idx="minor">
-            <a:schemeClr val="lt1"/>
-          </a:fontRef>
-        </p:style>
-        <p:txBody>
-          <a:bodyPr rtlCol="0" anchor="ctr"/>
-          <a:lstStyle/>
-          <a:p>
-            <a:pPr algn="ctr"/>
-            <a:endParaRPr lang="de-DE">
-              <a:ln>
-                <a:solidFill>
-                  <a:schemeClr val="tx1"/>
-                </a:solidFill>
-              </a:ln>
-              <a:solidFill>
-                <a:schemeClr val="tx1"/>
-              </a:solidFill>
-            </a:endParaRPr>
-          </a:p>
-        </p:txBody>
-      </p:sp>
-      <p:sp>
-        <p:nvSpPr>
-          <p:cNvPr id="354" name="Ellipse 353"/>
-          <p:cNvSpPr/>
-          <p:nvPr/>
-        </p:nvSpPr>
-        <p:spPr>
-          <a:xfrm rot="3335302">
-            <a:off x="6551958" y="3610946"/>
-            <a:ext cx="36000" cy="36000"/>
-          </a:xfrm>
-          <a:prstGeom prst="ellipse">
-            <a:avLst/>
-          </a:prstGeom>
-          <a:noFill/>
-          <a:ln>
-            <a:solidFill>
-              <a:schemeClr val="tx1">
-                <a:lumMod val="75000"/>
-                <a:lumOff val="25000"/>
-                <a:alpha val="70000"/>
-              </a:schemeClr>
-            </a:solidFill>
-          </a:ln>
-        </p:spPr>
-        <p:style>
-          <a:lnRef idx="2">
-            <a:schemeClr val="accent1">
-              <a:shade val="50000"/>
-            </a:schemeClr>
-          </a:lnRef>
-          <a:fillRef idx="1">
-            <a:schemeClr val="accent1"/>
-          </a:fillRef>
-          <a:effectRef idx="0">
-            <a:schemeClr val="accent1"/>
-          </a:effectRef>
-          <a:fontRef idx="minor">
-            <a:schemeClr val="lt1"/>
-          </a:fontRef>
-        </p:style>
-        <p:txBody>
-          <a:bodyPr rtlCol="0" anchor="ctr"/>
-          <a:lstStyle/>
-          <a:p>
-            <a:pPr algn="ctr"/>
-            <a:endParaRPr lang="de-DE">
-              <a:ln>
-                <a:solidFill>
-                  <a:schemeClr val="tx1"/>
-                </a:solidFill>
-              </a:ln>
-              <a:solidFill>
-                <a:schemeClr val="tx1"/>
-              </a:solidFill>
-            </a:endParaRPr>
-          </a:p>
-        </p:txBody>
-      </p:sp>
-      <p:sp>
-        <p:nvSpPr>
-          <p:cNvPr id="355" name="Ellipse 354"/>
-          <p:cNvSpPr/>
-          <p:nvPr/>
-        </p:nvSpPr>
-        <p:spPr>
-          <a:xfrm rot="3335302">
-            <a:off x="6492823" y="3603115"/>
-            <a:ext cx="36000" cy="36000"/>
-          </a:xfrm>
-          <a:prstGeom prst="ellipse">
-            <a:avLst/>
-          </a:prstGeom>
-          <a:noFill/>
-          <a:ln>
-            <a:solidFill>
-              <a:schemeClr val="tx1">
-                <a:lumMod val="75000"/>
-                <a:lumOff val="25000"/>
-                <a:alpha val="70000"/>
-              </a:schemeClr>
-            </a:solidFill>
-          </a:ln>
-        </p:spPr>
-        <p:style>
-          <a:lnRef idx="2">
-            <a:schemeClr val="accent1">
-              <a:shade val="50000"/>
-            </a:schemeClr>
-          </a:lnRef>
-          <a:fillRef idx="1">
-            <a:schemeClr val="accent1"/>
-          </a:fillRef>
-          <a:effectRef idx="0">
-            <a:schemeClr val="accent1"/>
-          </a:effectRef>
-          <a:fontRef idx="minor">
-            <a:schemeClr val="lt1"/>
-          </a:fontRef>
-        </p:style>
-        <p:txBody>
-          <a:bodyPr rtlCol="0" anchor="ctr"/>
-          <a:lstStyle/>
-          <a:p>
-            <a:pPr algn="ctr"/>
-            <a:endParaRPr lang="de-DE">
-              <a:ln>
-                <a:solidFill>
-                  <a:schemeClr val="tx1"/>
-                </a:solidFill>
-              </a:ln>
-              <a:solidFill>
-                <a:schemeClr val="tx1"/>
-              </a:solidFill>
-            </a:endParaRPr>
-          </a:p>
-        </p:txBody>
-      </p:sp>
-      <p:sp>
-        <p:nvSpPr>
-          <p:cNvPr id="356" name="Ellipse 355"/>
-          <p:cNvSpPr/>
-          <p:nvPr/>
-        </p:nvSpPr>
-        <p:spPr>
-          <a:xfrm rot="3335302">
-            <a:off x="6622168" y="3771363"/>
-            <a:ext cx="36000" cy="36000"/>
-          </a:xfrm>
-          <a:prstGeom prst="ellipse">
-            <a:avLst/>
-          </a:prstGeom>
-          <a:noFill/>
-          <a:ln>
-            <a:solidFill>
-              <a:schemeClr val="tx1">
-                <a:lumMod val="75000"/>
-                <a:lumOff val="25000"/>
-                <a:alpha val="70000"/>
-              </a:schemeClr>
-            </a:solidFill>
-          </a:ln>
-        </p:spPr>
-        <p:style>
-          <a:lnRef idx="2">
-            <a:schemeClr val="accent1">
-              <a:shade val="50000"/>
-            </a:schemeClr>
-          </a:lnRef>
-          <a:fillRef idx="1">
-            <a:schemeClr val="accent1"/>
-          </a:fillRef>
-          <a:effectRef idx="0">
-            <a:schemeClr val="accent1"/>
-          </a:effectRef>
-          <a:fontRef idx="minor">
-            <a:schemeClr val="lt1"/>
-          </a:fontRef>
-        </p:style>
-        <p:txBody>
-          <a:bodyPr rtlCol="0" anchor="ctr"/>
-          <a:lstStyle/>
-          <a:p>
-            <a:pPr algn="ctr"/>
-            <a:endParaRPr lang="de-DE">
-              <a:ln>
-                <a:solidFill>
-                  <a:schemeClr val="tx1"/>
-                </a:solidFill>
-              </a:ln>
-              <a:solidFill>
-                <a:schemeClr val="tx1"/>
-              </a:solidFill>
-            </a:endParaRPr>
-          </a:p>
-        </p:txBody>
-      </p:sp>
-      <p:sp>
-        <p:nvSpPr>
-          <p:cNvPr id="357" name="Ellipse 356"/>
-          <p:cNvSpPr/>
-          <p:nvPr/>
-        </p:nvSpPr>
-        <p:spPr>
-          <a:xfrm rot="18751074">
-            <a:off x="6398158" y="3502219"/>
-            <a:ext cx="108000" cy="108000"/>
-          </a:xfrm>
-          <a:prstGeom prst="ellipse">
-            <a:avLst/>
-          </a:prstGeom>
-          <a:solidFill>
-            <a:schemeClr val="tx1">
-              <a:lumMod val="85000"/>
-              <a:lumOff val="15000"/>
-            </a:schemeClr>
-          </a:solidFill>
-        </p:spPr>
-        <p:style>
-          <a:lnRef idx="0">
-            <a:schemeClr val="dk1"/>
-          </a:lnRef>
-          <a:fillRef idx="3">
-            <a:schemeClr val="dk1"/>
-          </a:fillRef>
-          <a:effectRef idx="3">
-            <a:schemeClr val="dk1"/>
-          </a:effectRef>
-          <a:fontRef idx="minor">
-            <a:schemeClr val="lt1"/>
-          </a:fontRef>
-        </p:style>
-        <p:txBody>
-          <a:bodyPr rtlCol="0" anchor="ctr"/>
-          <a:lstStyle/>
-          <a:p>
-            <a:pPr algn="ctr"/>
-            <a:endParaRPr lang="de-DE">
-              <a:solidFill>
-                <a:srgbClr val="FF0000"/>
-              </a:solidFill>
-            </a:endParaRPr>
-          </a:p>
-        </p:txBody>
-      </p:sp>
-      <p:cxnSp>
-        <p:nvCxnSpPr>
-          <p:cNvPr id="359" name="Curved Connector 4"/>
-          <p:cNvCxnSpPr/>
-          <p:nvPr/>
-        </p:nvCxnSpPr>
-        <p:spPr>
-          <a:xfrm rot="11121843" flipV="1">
-            <a:off x="7025194" y="3486244"/>
-            <a:ext cx="324000" cy="144000"/>
-          </a:xfrm>
-          <a:prstGeom prst="curvedConnector3">
-            <a:avLst>
-              <a:gd name="adj1" fmla="val 50000"/>
-            </a:avLst>
-          </a:prstGeom>
-          <a:ln w="19050" cmpd="sng">
-            <a:solidFill>
-              <a:schemeClr val="tx1">
-                <a:lumMod val="75000"/>
-                <a:lumOff val="25000"/>
-                <a:alpha val="70000"/>
-              </a:schemeClr>
-            </a:solidFill>
-          </a:ln>
-          <a:effectLst>
-            <a:outerShdw blurRad="40000" dist="23000" dir="5400000" rotWithShape="0">
-              <a:srgbClr val="000000">
-                <a:alpha val="35000"/>
-              </a:srgbClr>
-            </a:outerShdw>
-          </a:effectLst>
-          <a:scene3d>
-            <a:camera prst="orthographicFront"/>
-            <a:lightRig rig="threePt" dir="t"/>
-          </a:scene3d>
-          <a:sp3d>
-            <a:bevelT/>
-          </a:sp3d>
-        </p:spPr>
-        <p:style>
-          <a:lnRef idx="3">
-            <a:schemeClr val="dk1"/>
-          </a:lnRef>
-          <a:fillRef idx="0">
-            <a:schemeClr val="dk1"/>
-          </a:fillRef>
-          <a:effectRef idx="2">
-            <a:schemeClr val="dk1"/>
-          </a:effectRef>
-          <a:fontRef idx="minor">
-            <a:schemeClr val="tx1"/>
-          </a:fontRef>
-        </p:style>
-      </p:cxnSp>
-      <p:sp>
-        <p:nvSpPr>
-          <p:cNvPr id="360" name="Ellipse 359"/>
-          <p:cNvSpPr/>
-          <p:nvPr/>
-        </p:nvSpPr>
-        <p:spPr>
-          <a:xfrm rot="9981843">
-            <a:off x="7021808" y="3585212"/>
-            <a:ext cx="36000" cy="36000"/>
-          </a:xfrm>
-          <a:prstGeom prst="ellipse">
-            <a:avLst/>
-          </a:prstGeom>
-          <a:noFill/>
-          <a:ln>
-            <a:solidFill>
-              <a:schemeClr val="tx1">
-                <a:lumMod val="75000"/>
-                <a:lumOff val="25000"/>
-                <a:alpha val="70000"/>
-              </a:schemeClr>
-            </a:solidFill>
-          </a:ln>
-        </p:spPr>
-        <p:style>
-          <a:lnRef idx="2">
-            <a:schemeClr val="accent1">
-              <a:shade val="50000"/>
-            </a:schemeClr>
-          </a:lnRef>
-          <a:fillRef idx="1">
-            <a:schemeClr val="accent1"/>
-          </a:fillRef>
-          <a:effectRef idx="0">
-            <a:schemeClr val="accent1"/>
-          </a:effectRef>
-          <a:fontRef idx="minor">
-            <a:schemeClr val="lt1"/>
-          </a:fontRef>
-        </p:style>
-        <p:txBody>
-          <a:bodyPr rtlCol="0" anchor="ctr"/>
-          <a:lstStyle/>
-          <a:p>
-            <a:pPr algn="ctr"/>
-            <a:endParaRPr lang="de-DE">
-              <a:ln>
-                <a:solidFill>
-                  <a:schemeClr val="tx1"/>
-                </a:solidFill>
-              </a:ln>
-              <a:solidFill>
-                <a:schemeClr val="tx1"/>
-              </a:solidFill>
-            </a:endParaRPr>
-          </a:p>
-        </p:txBody>
-      </p:sp>
-      <p:sp>
-        <p:nvSpPr>
-          <p:cNvPr id="361" name="Ellipse 360"/>
-          <p:cNvSpPr/>
-          <p:nvPr/>
-        </p:nvSpPr>
-        <p:spPr>
-          <a:xfrm rot="9981843">
-            <a:off x="7091150" y="3599956"/>
-            <a:ext cx="36000" cy="36000"/>
-          </a:xfrm>
-          <a:prstGeom prst="ellipse">
-            <a:avLst/>
-          </a:prstGeom>
-          <a:noFill/>
-          <a:ln>
-            <a:solidFill>
-              <a:schemeClr val="tx1">
-                <a:lumMod val="75000"/>
-                <a:lumOff val="25000"/>
-                <a:alpha val="70000"/>
-              </a:schemeClr>
-            </a:solidFill>
-          </a:ln>
-        </p:spPr>
-        <p:style>
-          <a:lnRef idx="2">
-            <a:schemeClr val="accent1">
-              <a:shade val="50000"/>
-            </a:schemeClr>
-          </a:lnRef>
-          <a:fillRef idx="1">
-            <a:schemeClr val="accent1"/>
-          </a:fillRef>
-          <a:effectRef idx="0">
-            <a:schemeClr val="accent1"/>
-          </a:effectRef>
-          <a:fontRef idx="minor">
-            <a:schemeClr val="lt1"/>
-          </a:fontRef>
-        </p:style>
-        <p:txBody>
-          <a:bodyPr rtlCol="0" anchor="ctr"/>
-          <a:lstStyle/>
-          <a:p>
-            <a:pPr algn="ctr"/>
-            <a:endParaRPr lang="de-DE">
-              <a:ln>
-                <a:solidFill>
-                  <a:schemeClr val="tx1"/>
-                </a:solidFill>
-              </a:ln>
-              <a:solidFill>
-                <a:schemeClr val="tx1"/>
-              </a:solidFill>
-            </a:endParaRPr>
-          </a:p>
-        </p:txBody>
-      </p:sp>
-      <p:sp>
-        <p:nvSpPr>
-          <p:cNvPr id="362" name="Ellipse 361"/>
-          <p:cNvSpPr/>
-          <p:nvPr/>
-        </p:nvSpPr>
-        <p:spPr>
-          <a:xfrm rot="9981843">
-            <a:off x="7142090" y="3571375"/>
-            <a:ext cx="36000" cy="36000"/>
-          </a:xfrm>
-          <a:prstGeom prst="ellipse">
-            <a:avLst/>
-          </a:prstGeom>
-          <a:noFill/>
-          <a:ln>
-            <a:solidFill>
-              <a:schemeClr val="tx1">
-                <a:lumMod val="75000"/>
-                <a:lumOff val="25000"/>
-                <a:alpha val="70000"/>
-              </a:schemeClr>
-            </a:solidFill>
-          </a:ln>
-        </p:spPr>
-        <p:style>
-          <a:lnRef idx="2">
-            <a:schemeClr val="accent1">
-              <a:shade val="50000"/>
-            </a:schemeClr>
-          </a:lnRef>
-          <a:fillRef idx="1">
-            <a:schemeClr val="accent1"/>
-          </a:fillRef>
-          <a:effectRef idx="0">
-            <a:schemeClr val="accent1"/>
-          </a:effectRef>
-          <a:fontRef idx="minor">
-            <a:schemeClr val="lt1"/>
-          </a:fontRef>
-        </p:style>
-        <p:txBody>
-          <a:bodyPr rtlCol="0" anchor="ctr"/>
-          <a:lstStyle/>
-          <a:p>
-            <a:pPr algn="ctr"/>
-            <a:endParaRPr lang="de-DE">
-              <a:ln>
-                <a:solidFill>
-                  <a:schemeClr val="tx1"/>
-                </a:solidFill>
-              </a:ln>
-              <a:solidFill>
-                <a:schemeClr val="tx1"/>
-              </a:solidFill>
-            </a:endParaRPr>
-          </a:p>
-        </p:txBody>
-      </p:sp>
-      <p:sp>
-        <p:nvSpPr>
-          <p:cNvPr id="363" name="Ellipse 362"/>
-          <p:cNvSpPr/>
-          <p:nvPr/>
-        </p:nvSpPr>
-        <p:spPr>
-          <a:xfrm rot="9981843">
-            <a:off x="7170388" y="3518864"/>
-            <a:ext cx="36000" cy="36000"/>
-          </a:xfrm>
-          <a:prstGeom prst="ellipse">
-            <a:avLst/>
-          </a:prstGeom>
-          <a:noFill/>
-          <a:ln>
-            <a:solidFill>
-              <a:schemeClr val="tx1">
-                <a:lumMod val="75000"/>
-                <a:lumOff val="25000"/>
-                <a:alpha val="70000"/>
-              </a:schemeClr>
-            </a:solidFill>
-          </a:ln>
-        </p:spPr>
-        <p:style>
-          <a:lnRef idx="2">
-            <a:schemeClr val="accent1">
-              <a:shade val="50000"/>
-            </a:schemeClr>
-          </a:lnRef>
-          <a:fillRef idx="1">
-            <a:schemeClr val="accent1"/>
-          </a:fillRef>
-          <a:effectRef idx="0">
-            <a:schemeClr val="accent1"/>
-          </a:effectRef>
-          <a:fontRef idx="minor">
-            <a:schemeClr val="lt1"/>
-          </a:fontRef>
-        </p:style>
-        <p:txBody>
-          <a:bodyPr rtlCol="0" anchor="ctr"/>
-          <a:lstStyle/>
-          <a:p>
-            <a:pPr algn="ctr"/>
-            <a:endParaRPr lang="de-DE">
-              <a:ln>
-                <a:solidFill>
-                  <a:schemeClr val="tx1"/>
-                </a:solidFill>
-              </a:ln>
-              <a:solidFill>
-                <a:schemeClr val="tx1"/>
-              </a:solidFill>
-            </a:endParaRPr>
-          </a:p>
-        </p:txBody>
-      </p:sp>
-      <p:sp>
-        <p:nvSpPr>
-          <p:cNvPr id="364" name="Ellipse 363"/>
-          <p:cNvSpPr/>
-          <p:nvPr/>
-        </p:nvSpPr>
-        <p:spPr>
-          <a:xfrm rot="9981843">
-            <a:off x="6967200" y="3580118"/>
-            <a:ext cx="36000" cy="36000"/>
-          </a:xfrm>
-          <a:prstGeom prst="ellipse">
-            <a:avLst/>
-          </a:prstGeom>
-          <a:noFill/>
-          <a:ln>
-            <a:solidFill>
-              <a:schemeClr val="tx1">
-                <a:lumMod val="75000"/>
-                <a:lumOff val="25000"/>
-                <a:alpha val="70000"/>
-              </a:schemeClr>
-            </a:solidFill>
-          </a:ln>
-        </p:spPr>
-        <p:style>
-          <a:lnRef idx="2">
-            <a:schemeClr val="accent1">
-              <a:shade val="50000"/>
-            </a:schemeClr>
-          </a:lnRef>
-          <a:fillRef idx="1">
-            <a:schemeClr val="accent1"/>
-          </a:fillRef>
-          <a:effectRef idx="0">
-            <a:schemeClr val="accent1"/>
-          </a:effectRef>
-          <a:fontRef idx="minor">
-            <a:schemeClr val="lt1"/>
-          </a:fontRef>
-        </p:style>
-        <p:txBody>
-          <a:bodyPr rtlCol="0" anchor="ctr"/>
-          <a:lstStyle/>
-          <a:p>
-            <a:pPr algn="ctr"/>
-            <a:endParaRPr lang="de-DE">
-              <a:ln>
-                <a:solidFill>
-                  <a:schemeClr val="tx1"/>
-                </a:solidFill>
-              </a:ln>
-              <a:solidFill>
-                <a:schemeClr val="tx1"/>
-              </a:solidFill>
-            </a:endParaRPr>
-          </a:p>
-        </p:txBody>
-      </p:sp>
-      <p:sp>
-        <p:nvSpPr>
-          <p:cNvPr id="365" name="Ellipse 364"/>
-          <p:cNvSpPr/>
-          <p:nvPr/>
-        </p:nvSpPr>
-        <p:spPr>
-          <a:xfrm rot="3797615">
-            <a:off x="7215873" y="3451033"/>
-            <a:ext cx="108000" cy="108000"/>
-          </a:xfrm>
-          <a:prstGeom prst="ellipse">
-            <a:avLst/>
-          </a:prstGeom>
-          <a:solidFill>
-            <a:schemeClr val="tx1">
-              <a:lumMod val="85000"/>
-              <a:lumOff val="15000"/>
-            </a:schemeClr>
-          </a:solidFill>
-        </p:spPr>
-        <p:style>
-          <a:lnRef idx="0">
-            <a:schemeClr val="dk1"/>
-          </a:lnRef>
-          <a:fillRef idx="3">
-            <a:schemeClr val="dk1"/>
-          </a:fillRef>
-          <a:effectRef idx="3">
-            <a:schemeClr val="dk1"/>
-          </a:effectRef>
-          <a:fontRef idx="minor">
-            <a:schemeClr val="lt1"/>
-          </a:fontRef>
-        </p:style>
-        <p:txBody>
-          <a:bodyPr rtlCol="0" anchor="ctr"/>
-          <a:lstStyle/>
-          <a:p>
-            <a:pPr algn="ctr"/>
-            <a:endParaRPr lang="de-DE">
-              <a:solidFill>
-                <a:srgbClr val="FF0000"/>
-              </a:solidFill>
-            </a:endParaRPr>
-          </a:p>
-        </p:txBody>
-      </p:sp>
-      <p:cxnSp>
-        <p:nvCxnSpPr>
-          <p:cNvPr id="367" name="Curved Connector 4"/>
-          <p:cNvCxnSpPr/>
-          <p:nvPr/>
-        </p:nvCxnSpPr>
-        <p:spPr>
-          <a:xfrm rot="16908925" flipV="1">
-            <a:off x="6665937" y="4041975"/>
-            <a:ext cx="324000" cy="144000"/>
-          </a:xfrm>
-          <a:prstGeom prst="curvedConnector3">
-            <a:avLst>
-              <a:gd name="adj1" fmla="val 50000"/>
-            </a:avLst>
-          </a:prstGeom>
-          <a:ln w="19050" cmpd="sng">
-            <a:solidFill>
-              <a:schemeClr val="tx1">
-                <a:lumMod val="75000"/>
-                <a:lumOff val="25000"/>
-                <a:alpha val="70000"/>
-              </a:schemeClr>
-            </a:solidFill>
-          </a:ln>
-          <a:effectLst>
-            <a:outerShdw blurRad="40000" dist="23000" dir="5400000" rotWithShape="0">
-              <a:srgbClr val="000000">
-                <a:alpha val="35000"/>
-              </a:srgbClr>
-            </a:outerShdw>
-          </a:effectLst>
-          <a:scene3d>
-            <a:camera prst="orthographicFront"/>
-            <a:lightRig rig="threePt" dir="t"/>
-          </a:scene3d>
-          <a:sp3d>
-            <a:bevelT/>
-          </a:sp3d>
-        </p:spPr>
-        <p:style>
-          <a:lnRef idx="3">
-            <a:schemeClr val="dk1"/>
-          </a:lnRef>
-          <a:fillRef idx="0">
-            <a:schemeClr val="dk1"/>
-          </a:fillRef>
-          <a:effectRef idx="2">
-            <a:schemeClr val="dk1"/>
-          </a:effectRef>
-          <a:fontRef idx="minor">
-            <a:schemeClr val="tx1"/>
-          </a:fontRef>
-        </p:style>
-      </p:cxnSp>
-      <p:sp>
-        <p:nvSpPr>
-          <p:cNvPr id="368" name="Ellipse 367"/>
-          <p:cNvSpPr/>
-          <p:nvPr/>
-        </p:nvSpPr>
-        <p:spPr>
-          <a:xfrm rot="15768925">
-            <a:off x="6781814" y="3944471"/>
-            <a:ext cx="36000" cy="36000"/>
-          </a:xfrm>
-          <a:prstGeom prst="ellipse">
-            <a:avLst/>
-          </a:prstGeom>
-          <a:noFill/>
-          <a:ln>
-            <a:solidFill>
-              <a:schemeClr val="tx1">
-                <a:lumMod val="75000"/>
-                <a:lumOff val="25000"/>
-                <a:alpha val="70000"/>
-              </a:schemeClr>
-            </a:solidFill>
-          </a:ln>
-        </p:spPr>
-        <p:style>
-          <a:lnRef idx="2">
-            <a:schemeClr val="accent1">
-              <a:shade val="50000"/>
-            </a:schemeClr>
-          </a:lnRef>
-          <a:fillRef idx="1">
-            <a:schemeClr val="accent1"/>
-          </a:fillRef>
-          <a:effectRef idx="0">
-            <a:schemeClr val="accent1"/>
-          </a:effectRef>
-          <a:fontRef idx="minor">
-            <a:schemeClr val="lt1"/>
-          </a:fontRef>
-        </p:style>
-        <p:txBody>
-          <a:bodyPr rtlCol="0" anchor="ctr"/>
-          <a:lstStyle/>
-          <a:p>
-            <a:pPr algn="ctr"/>
-            <a:endParaRPr lang="de-DE">
-              <a:ln>
-                <a:solidFill>
-                  <a:schemeClr val="tx1"/>
-                </a:solidFill>
-              </a:ln>
-              <a:solidFill>
-                <a:schemeClr val="tx1"/>
-              </a:solidFill>
-            </a:endParaRPr>
-          </a:p>
-        </p:txBody>
-      </p:sp>
-      <p:sp>
-        <p:nvSpPr>
-          <p:cNvPr id="369" name="Ellipse 368"/>
-          <p:cNvSpPr/>
-          <p:nvPr/>
-        </p:nvSpPr>
-        <p:spPr>
-          <a:xfrm rot="15768925">
-            <a:off x="6759373" y="4011717"/>
-            <a:ext cx="36000" cy="36000"/>
-          </a:xfrm>
-          <a:prstGeom prst="ellipse">
-            <a:avLst/>
-          </a:prstGeom>
-          <a:noFill/>
-          <a:ln>
-            <a:solidFill>
-              <a:schemeClr val="tx1">
-                <a:lumMod val="75000"/>
-                <a:lumOff val="25000"/>
-                <a:alpha val="70000"/>
-              </a:schemeClr>
-            </a:solidFill>
-          </a:ln>
-        </p:spPr>
-        <p:style>
-          <a:lnRef idx="2">
-            <a:schemeClr val="accent1">
-              <a:shade val="50000"/>
-            </a:schemeClr>
-          </a:lnRef>
-          <a:fillRef idx="1">
-            <a:schemeClr val="accent1"/>
-          </a:fillRef>
-          <a:effectRef idx="0">
-            <a:schemeClr val="accent1"/>
-          </a:effectRef>
-          <a:fontRef idx="minor">
-            <a:schemeClr val="lt1"/>
-          </a:fontRef>
-        </p:style>
-        <p:txBody>
-          <a:bodyPr rtlCol="0" anchor="ctr"/>
-          <a:lstStyle/>
-          <a:p>
-            <a:pPr algn="ctr"/>
-            <a:endParaRPr lang="de-DE">
-              <a:ln>
-                <a:solidFill>
-                  <a:schemeClr val="tx1"/>
-                </a:solidFill>
-              </a:ln>
-              <a:solidFill>
-                <a:schemeClr val="tx1"/>
-              </a:solidFill>
-            </a:endParaRPr>
-          </a:p>
-        </p:txBody>
-      </p:sp>
-      <p:sp>
-        <p:nvSpPr>
-          <p:cNvPr id="370" name="Ellipse 369"/>
-          <p:cNvSpPr/>
-          <p:nvPr/>
-        </p:nvSpPr>
-        <p:spPr>
-          <a:xfrm rot="15768925">
-            <a:off x="6782049" y="4065546"/>
-            <a:ext cx="36000" cy="36000"/>
-          </a:xfrm>
-          <a:prstGeom prst="ellipse">
-            <a:avLst/>
-          </a:prstGeom>
-          <a:noFill/>
-          <a:ln>
-            <a:solidFill>
-              <a:schemeClr val="tx1">
-                <a:lumMod val="75000"/>
-                <a:lumOff val="25000"/>
-                <a:alpha val="70000"/>
-              </a:schemeClr>
-            </a:solidFill>
-          </a:ln>
-        </p:spPr>
-        <p:style>
-          <a:lnRef idx="2">
-            <a:schemeClr val="accent1">
-              <a:shade val="50000"/>
-            </a:schemeClr>
-          </a:lnRef>
-          <a:fillRef idx="1">
-            <a:schemeClr val="accent1"/>
-          </a:fillRef>
-          <a:effectRef idx="0">
-            <a:schemeClr val="accent1"/>
-          </a:effectRef>
-          <a:fontRef idx="minor">
-            <a:schemeClr val="lt1"/>
-          </a:fontRef>
-        </p:style>
-        <p:txBody>
-          <a:bodyPr rtlCol="0" anchor="ctr"/>
-          <a:lstStyle/>
-          <a:p>
-            <a:pPr algn="ctr"/>
-            <a:endParaRPr lang="de-DE">
-              <a:ln>
-                <a:solidFill>
-                  <a:schemeClr val="tx1"/>
-                </a:solidFill>
-              </a:ln>
-              <a:solidFill>
-                <a:schemeClr val="tx1"/>
-              </a:solidFill>
-            </a:endParaRPr>
-          </a:p>
-        </p:txBody>
-      </p:sp>
-      <p:sp>
-        <p:nvSpPr>
-          <p:cNvPr id="371" name="Ellipse 370"/>
-          <p:cNvSpPr/>
-          <p:nvPr/>
-        </p:nvSpPr>
-        <p:spPr>
-          <a:xfrm rot="15768925">
-            <a:off x="6831048" y="4099564"/>
-            <a:ext cx="36000" cy="36000"/>
-          </a:xfrm>
-          <a:prstGeom prst="ellipse">
-            <a:avLst/>
-          </a:prstGeom>
-          <a:noFill/>
-          <a:ln>
-            <a:solidFill>
-              <a:schemeClr val="tx1">
-                <a:lumMod val="75000"/>
-                <a:lumOff val="25000"/>
-                <a:alpha val="70000"/>
-              </a:schemeClr>
-            </a:solidFill>
-          </a:ln>
-        </p:spPr>
-        <p:style>
-          <a:lnRef idx="2">
-            <a:schemeClr val="accent1">
-              <a:shade val="50000"/>
-            </a:schemeClr>
-          </a:lnRef>
-          <a:fillRef idx="1">
-            <a:schemeClr val="accent1"/>
-          </a:fillRef>
-          <a:effectRef idx="0">
-            <a:schemeClr val="accent1"/>
-          </a:effectRef>
-          <a:fontRef idx="minor">
-            <a:schemeClr val="lt1"/>
-          </a:fontRef>
-        </p:style>
-        <p:txBody>
-          <a:bodyPr rtlCol="0" anchor="ctr"/>
-          <a:lstStyle/>
-          <a:p>
-            <a:pPr algn="ctr"/>
-            <a:endParaRPr lang="de-DE">
-              <a:ln>
-                <a:solidFill>
-                  <a:schemeClr val="tx1"/>
-                </a:solidFill>
-              </a:ln>
-              <a:solidFill>
-                <a:schemeClr val="tx1"/>
-              </a:solidFill>
-            </a:endParaRPr>
-          </a:p>
-        </p:txBody>
-      </p:sp>
-      <p:sp>
-        <p:nvSpPr>
-          <p:cNvPr id="372" name="Ellipse 371"/>
-          <p:cNvSpPr/>
-          <p:nvPr/>
-        </p:nvSpPr>
-        <p:spPr>
-          <a:xfrm rot="15768925">
-            <a:off x="6793012" y="3890781"/>
-            <a:ext cx="36000" cy="36000"/>
-          </a:xfrm>
-          <a:prstGeom prst="ellipse">
-            <a:avLst/>
-          </a:prstGeom>
-          <a:noFill/>
-          <a:ln>
-            <a:solidFill>
-              <a:schemeClr val="tx1">
-                <a:lumMod val="75000"/>
-                <a:lumOff val="25000"/>
-                <a:alpha val="70000"/>
-              </a:schemeClr>
-            </a:solidFill>
-          </a:ln>
-        </p:spPr>
-        <p:style>
-          <a:lnRef idx="2">
-            <a:schemeClr val="accent1">
-              <a:shade val="50000"/>
-            </a:schemeClr>
-          </a:lnRef>
-          <a:fillRef idx="1">
-            <a:schemeClr val="accent1"/>
-          </a:fillRef>
-          <a:effectRef idx="0">
-            <a:schemeClr val="accent1"/>
-          </a:effectRef>
-          <a:fontRef idx="minor">
-            <a:schemeClr val="lt1"/>
-          </a:fontRef>
-        </p:style>
-        <p:txBody>
-          <a:bodyPr rtlCol="0" anchor="ctr"/>
-          <a:lstStyle/>
-          <a:p>
-            <a:pPr algn="ctr"/>
-            <a:endParaRPr lang="de-DE">
-              <a:ln>
-                <a:solidFill>
-                  <a:schemeClr val="tx1"/>
-                </a:solidFill>
-              </a:ln>
-              <a:solidFill>
-                <a:schemeClr val="tx1"/>
-              </a:solidFill>
-            </a:endParaRPr>
-          </a:p>
-        </p:txBody>
-      </p:sp>
-      <p:sp>
-        <p:nvSpPr>
-          <p:cNvPr id="373" name="Ellipse 372"/>
-          <p:cNvSpPr/>
-          <p:nvPr/>
-        </p:nvSpPr>
-        <p:spPr>
-          <a:xfrm rot="9584697">
-            <a:off x="6817522" y="4148110"/>
-            <a:ext cx="108000" cy="108000"/>
-          </a:xfrm>
-          <a:prstGeom prst="ellipse">
-            <a:avLst/>
-          </a:prstGeom>
-          <a:solidFill>
-            <a:schemeClr val="tx1">
-              <a:lumMod val="85000"/>
-              <a:lumOff val="15000"/>
-            </a:schemeClr>
-          </a:solidFill>
-        </p:spPr>
-        <p:style>
-          <a:lnRef idx="0">
-            <a:schemeClr val="dk1"/>
-          </a:lnRef>
-          <a:fillRef idx="3">
-            <a:schemeClr val="dk1"/>
-          </a:fillRef>
-          <a:effectRef idx="3">
-            <a:schemeClr val="dk1"/>
-          </a:effectRef>
-          <a:fontRef idx="minor">
-            <a:schemeClr val="lt1"/>
-          </a:fontRef>
-        </p:style>
-        <p:txBody>
-          <a:bodyPr rtlCol="0" anchor="ctr"/>
-          <a:lstStyle/>
-          <a:p>
-            <a:pPr algn="ctr"/>
-            <a:endParaRPr lang="de-DE">
-              <a:solidFill>
-                <a:srgbClr val="FF0000"/>
-              </a:solidFill>
-            </a:endParaRPr>
-          </a:p>
-        </p:txBody>
-      </p:sp>
-      <p:cxnSp>
-        <p:nvCxnSpPr>
-          <p:cNvPr id="375" name="Curved Connector 4"/>
-          <p:cNvCxnSpPr/>
-          <p:nvPr/>
-        </p:nvCxnSpPr>
-        <p:spPr>
-          <a:xfrm rot="16908925" flipV="1">
-            <a:off x="6612476" y="3826841"/>
-            <a:ext cx="324000" cy="144000"/>
-          </a:xfrm>
-          <a:prstGeom prst="curvedConnector3">
-            <a:avLst>
-              <a:gd name="adj1" fmla="val 50000"/>
-            </a:avLst>
-          </a:prstGeom>
-          <a:ln w="19050" cmpd="sng">
-            <a:solidFill>
-              <a:schemeClr val="tx1">
-                <a:lumMod val="75000"/>
-                <a:lumOff val="25000"/>
-                <a:alpha val="70000"/>
-              </a:schemeClr>
-            </a:solidFill>
-          </a:ln>
-          <a:effectLst>
-            <a:outerShdw blurRad="40000" dist="23000" dir="5400000" rotWithShape="0">
-              <a:srgbClr val="000000">
-                <a:alpha val="35000"/>
-              </a:srgbClr>
-            </a:outerShdw>
-          </a:effectLst>
-          <a:scene3d>
-            <a:camera prst="orthographicFront">
-              <a:rot lat="2400000" lon="0" rev="1200000"/>
-            </a:camera>
-            <a:lightRig rig="threePt" dir="t"/>
-          </a:scene3d>
-          <a:sp3d>
-            <a:bevelT/>
-          </a:sp3d>
-        </p:spPr>
-        <p:style>
-          <a:lnRef idx="3">
-            <a:schemeClr val="dk1"/>
-          </a:lnRef>
-          <a:fillRef idx="0">
-            <a:schemeClr val="dk1"/>
-          </a:fillRef>
-          <a:effectRef idx="2">
-            <a:schemeClr val="dk1"/>
-          </a:effectRef>
-          <a:fontRef idx="minor">
-            <a:schemeClr val="tx1"/>
-          </a:fontRef>
-        </p:style>
-      </p:cxnSp>
-      <p:sp>
-        <p:nvSpPr>
-          <p:cNvPr id="376" name="Ellipse 375"/>
-          <p:cNvSpPr/>
-          <p:nvPr/>
-        </p:nvSpPr>
-        <p:spPr>
-          <a:xfrm rot="15768925">
-            <a:off x="6728353" y="3729337"/>
-            <a:ext cx="36000" cy="36000"/>
-          </a:xfrm>
-          <a:prstGeom prst="ellipse">
-            <a:avLst/>
-          </a:prstGeom>
-          <a:noFill/>
-          <a:ln>
-            <a:solidFill>
-              <a:schemeClr val="tx1">
-                <a:lumMod val="75000"/>
-                <a:lumOff val="25000"/>
-                <a:alpha val="70000"/>
-              </a:schemeClr>
-            </a:solidFill>
-          </a:ln>
-          <a:scene3d>
-            <a:camera prst="orthographicFront">
-              <a:rot lat="2400000" lon="0" rev="1200000"/>
-            </a:camera>
-            <a:lightRig rig="threePt" dir="t"/>
-          </a:scene3d>
-        </p:spPr>
-        <p:style>
-          <a:lnRef idx="2">
-            <a:schemeClr val="accent1">
-              <a:shade val="50000"/>
-            </a:schemeClr>
-          </a:lnRef>
-          <a:fillRef idx="1">
-            <a:schemeClr val="accent1"/>
-          </a:fillRef>
-          <a:effectRef idx="0">
-            <a:schemeClr val="accent1"/>
-          </a:effectRef>
-          <a:fontRef idx="minor">
-            <a:schemeClr val="lt1"/>
-          </a:fontRef>
-        </p:style>
-        <p:txBody>
-          <a:bodyPr rtlCol="0" anchor="ctr"/>
-          <a:lstStyle/>
-          <a:p>
-            <a:pPr algn="ctr"/>
-            <a:endParaRPr lang="de-DE">
-              <a:ln>
-                <a:solidFill>
-                  <a:schemeClr val="tx1"/>
-                </a:solidFill>
-              </a:ln>
-              <a:solidFill>
-                <a:schemeClr val="tx1"/>
-              </a:solidFill>
-            </a:endParaRPr>
-          </a:p>
-        </p:txBody>
-      </p:sp>
-      <p:sp>
-        <p:nvSpPr>
-          <p:cNvPr id="377" name="Ellipse 376"/>
-          <p:cNvSpPr/>
-          <p:nvPr/>
-        </p:nvSpPr>
-        <p:spPr>
-          <a:xfrm rot="15768925">
-            <a:off x="6705912" y="3796583"/>
-            <a:ext cx="36000" cy="36000"/>
-          </a:xfrm>
-          <a:prstGeom prst="ellipse">
-            <a:avLst/>
-          </a:prstGeom>
-          <a:noFill/>
-          <a:ln>
-            <a:solidFill>
-              <a:schemeClr val="tx1">
-                <a:lumMod val="75000"/>
-                <a:lumOff val="25000"/>
-                <a:alpha val="70000"/>
-              </a:schemeClr>
-            </a:solidFill>
-          </a:ln>
-          <a:scene3d>
-            <a:camera prst="orthographicFront">
-              <a:rot lat="2400000" lon="0" rev="1200000"/>
-            </a:camera>
-            <a:lightRig rig="threePt" dir="t"/>
-          </a:scene3d>
-        </p:spPr>
-        <p:style>
-          <a:lnRef idx="2">
-            <a:schemeClr val="accent1">
-              <a:shade val="50000"/>
-            </a:schemeClr>
-          </a:lnRef>
-          <a:fillRef idx="1">
-            <a:schemeClr val="accent1"/>
-          </a:fillRef>
-          <a:effectRef idx="0">
-            <a:schemeClr val="accent1"/>
-          </a:effectRef>
-          <a:fontRef idx="minor">
-            <a:schemeClr val="lt1"/>
-          </a:fontRef>
-        </p:style>
-        <p:txBody>
-          <a:bodyPr rtlCol="0" anchor="ctr"/>
-          <a:lstStyle/>
-          <a:p>
-            <a:pPr algn="ctr"/>
-            <a:endParaRPr lang="de-DE">
-              <a:ln>
-                <a:solidFill>
-                  <a:schemeClr val="tx1"/>
-                </a:solidFill>
-              </a:ln>
-              <a:solidFill>
-                <a:schemeClr val="tx1"/>
-              </a:solidFill>
-            </a:endParaRPr>
-          </a:p>
-        </p:txBody>
-      </p:sp>
-      <p:sp>
-        <p:nvSpPr>
-          <p:cNvPr id="378" name="Ellipse 377"/>
-          <p:cNvSpPr/>
-          <p:nvPr/>
-        </p:nvSpPr>
-        <p:spPr>
-          <a:xfrm rot="15768925">
-            <a:off x="6728588" y="3850412"/>
-            <a:ext cx="36000" cy="36000"/>
-          </a:xfrm>
-          <a:prstGeom prst="ellipse">
-            <a:avLst/>
-          </a:prstGeom>
-          <a:noFill/>
-          <a:ln>
-            <a:solidFill>
-              <a:schemeClr val="tx1">
-                <a:lumMod val="75000"/>
-                <a:lumOff val="25000"/>
-                <a:alpha val="70000"/>
-              </a:schemeClr>
-            </a:solidFill>
-          </a:ln>
-          <a:scene3d>
-            <a:camera prst="orthographicFront">
-              <a:rot lat="2400000" lon="0" rev="1200000"/>
-            </a:camera>
-            <a:lightRig rig="threePt" dir="t"/>
-          </a:scene3d>
-        </p:spPr>
-        <p:style>
-          <a:lnRef idx="2">
-            <a:schemeClr val="accent1">
-              <a:shade val="50000"/>
-            </a:schemeClr>
-          </a:lnRef>
-          <a:fillRef idx="1">
-            <a:schemeClr val="accent1"/>
-          </a:fillRef>
-          <a:effectRef idx="0">
-            <a:schemeClr val="accent1"/>
-          </a:effectRef>
-          <a:fontRef idx="minor">
-            <a:schemeClr val="lt1"/>
-          </a:fontRef>
-        </p:style>
-        <p:txBody>
-          <a:bodyPr rtlCol="0" anchor="ctr"/>
-          <a:lstStyle/>
-          <a:p>
-            <a:pPr algn="ctr"/>
-            <a:endParaRPr lang="de-DE">
-              <a:ln>
-                <a:solidFill>
-                  <a:schemeClr val="tx1"/>
-                </a:solidFill>
-              </a:ln>
-              <a:solidFill>
-                <a:schemeClr val="tx1"/>
-              </a:solidFill>
-            </a:endParaRPr>
-          </a:p>
-        </p:txBody>
-      </p:sp>
-      <p:sp>
-        <p:nvSpPr>
-          <p:cNvPr id="379" name="Ellipse 378"/>
-          <p:cNvSpPr/>
-          <p:nvPr/>
-        </p:nvSpPr>
-        <p:spPr>
-          <a:xfrm rot="15768925">
-            <a:off x="6777587" y="3884430"/>
-            <a:ext cx="36000" cy="36000"/>
-          </a:xfrm>
-          <a:prstGeom prst="ellipse">
-            <a:avLst/>
-          </a:prstGeom>
-          <a:noFill/>
-          <a:ln>
-            <a:solidFill>
-              <a:schemeClr val="tx1">
-                <a:lumMod val="75000"/>
-                <a:lumOff val="25000"/>
-                <a:alpha val="70000"/>
-              </a:schemeClr>
-            </a:solidFill>
-          </a:ln>
-          <a:scene3d>
-            <a:camera prst="orthographicFront">
-              <a:rot lat="2400000" lon="0" rev="1200000"/>
-            </a:camera>
-            <a:lightRig rig="threePt" dir="t"/>
-          </a:scene3d>
-        </p:spPr>
-        <p:style>
-          <a:lnRef idx="2">
-            <a:schemeClr val="accent1">
-              <a:shade val="50000"/>
-            </a:schemeClr>
-          </a:lnRef>
-          <a:fillRef idx="1">
-            <a:schemeClr val="accent1"/>
-          </a:fillRef>
-          <a:effectRef idx="0">
-            <a:schemeClr val="accent1"/>
-          </a:effectRef>
-          <a:fontRef idx="minor">
-            <a:schemeClr val="lt1"/>
-          </a:fontRef>
-        </p:style>
-        <p:txBody>
-          <a:bodyPr rtlCol="0" anchor="ctr"/>
-          <a:lstStyle/>
-          <a:p>
-            <a:pPr algn="ctr"/>
-            <a:endParaRPr lang="de-DE">
-              <a:ln>
-                <a:solidFill>
-                  <a:schemeClr val="tx1"/>
-                </a:solidFill>
-              </a:ln>
-              <a:solidFill>
-                <a:schemeClr val="tx1"/>
-              </a:solidFill>
-            </a:endParaRPr>
-          </a:p>
-        </p:txBody>
-      </p:sp>
-      <p:sp>
-        <p:nvSpPr>
-          <p:cNvPr id="380" name="Ellipse 379"/>
-          <p:cNvSpPr/>
-          <p:nvPr/>
-        </p:nvSpPr>
-        <p:spPr>
-          <a:xfrm rot="15768925">
-            <a:off x="6739551" y="3675647"/>
-            <a:ext cx="36000" cy="36000"/>
-          </a:xfrm>
-          <a:prstGeom prst="ellipse">
-            <a:avLst/>
-          </a:prstGeom>
-          <a:noFill/>
-          <a:ln>
-            <a:solidFill>
-              <a:schemeClr val="tx1">
-                <a:lumMod val="75000"/>
-                <a:lumOff val="25000"/>
-                <a:alpha val="70000"/>
-              </a:schemeClr>
-            </a:solidFill>
-          </a:ln>
-          <a:scene3d>
-            <a:camera prst="orthographicFront">
-              <a:rot lat="2400000" lon="0" rev="1200000"/>
-            </a:camera>
-            <a:lightRig rig="threePt" dir="t"/>
-          </a:scene3d>
-        </p:spPr>
-        <p:style>
-          <a:lnRef idx="2">
-            <a:schemeClr val="accent1">
-              <a:shade val="50000"/>
-            </a:schemeClr>
-          </a:lnRef>
-          <a:fillRef idx="1">
-            <a:schemeClr val="accent1"/>
-          </a:fillRef>
-          <a:effectRef idx="0">
-            <a:schemeClr val="accent1"/>
-          </a:effectRef>
-          <a:fontRef idx="minor">
-            <a:schemeClr val="lt1"/>
-          </a:fontRef>
-        </p:style>
-        <p:txBody>
-          <a:bodyPr rtlCol="0" anchor="ctr"/>
-          <a:lstStyle/>
-          <a:p>
-            <a:pPr algn="ctr"/>
-            <a:endParaRPr lang="de-DE">
-              <a:ln>
-                <a:solidFill>
-                  <a:schemeClr val="tx1"/>
-                </a:solidFill>
-              </a:ln>
-              <a:solidFill>
-                <a:schemeClr val="tx1"/>
-              </a:solidFill>
-            </a:endParaRPr>
-          </a:p>
-        </p:txBody>
-      </p:sp>
-      <p:sp>
-        <p:nvSpPr>
-          <p:cNvPr id="381" name="Ellipse 380"/>
-          <p:cNvSpPr/>
-          <p:nvPr/>
-        </p:nvSpPr>
-        <p:spPr>
-          <a:xfrm rot="9584697">
-            <a:off x="6785327" y="3932976"/>
-            <a:ext cx="108000" cy="108000"/>
-          </a:xfrm>
-          <a:prstGeom prst="ellipse">
-            <a:avLst/>
-          </a:prstGeom>
-          <a:solidFill>
-            <a:schemeClr val="tx1">
-              <a:lumMod val="85000"/>
-              <a:lumOff val="15000"/>
-            </a:schemeClr>
-          </a:solidFill>
-        </p:spPr>
-        <p:style>
-          <a:lnRef idx="0">
-            <a:schemeClr val="dk1"/>
-          </a:lnRef>
-          <a:fillRef idx="3">
-            <a:schemeClr val="dk1"/>
-          </a:fillRef>
-          <a:effectRef idx="3">
-            <a:schemeClr val="dk1"/>
-          </a:effectRef>
-          <a:fontRef idx="minor">
-            <a:schemeClr val="lt1"/>
-          </a:fontRef>
-        </p:style>
-        <p:txBody>
-          <a:bodyPr rtlCol="0" anchor="ctr"/>
-          <a:lstStyle/>
-          <a:p>
-            <a:pPr algn="ctr"/>
-            <a:endParaRPr lang="de-DE">
-              <a:solidFill>
-                <a:srgbClr val="FF0000"/>
-              </a:solidFill>
-            </a:endParaRPr>
-          </a:p>
-        </p:txBody>
-      </p:sp>
-      <p:cxnSp>
-        <p:nvCxnSpPr>
-          <p:cNvPr id="383" name="Curved Connector 4"/>
-          <p:cNvCxnSpPr/>
-          <p:nvPr/>
-        </p:nvCxnSpPr>
-        <p:spPr>
-          <a:xfrm rot="9860064" flipV="1">
-            <a:off x="6931422" y="3684583"/>
-            <a:ext cx="324000" cy="144000"/>
-          </a:xfrm>
-          <a:prstGeom prst="curvedConnector3">
-            <a:avLst>
-              <a:gd name="adj1" fmla="val 50000"/>
-            </a:avLst>
-          </a:prstGeom>
-          <a:ln w="19050" cmpd="sng">
-            <a:solidFill>
-              <a:schemeClr val="tx1">
-                <a:lumMod val="75000"/>
-                <a:lumOff val="25000"/>
-                <a:alpha val="70000"/>
-              </a:schemeClr>
-            </a:solidFill>
-          </a:ln>
-          <a:effectLst>
-            <a:outerShdw blurRad="40000" dist="23000" dir="5400000" rotWithShape="0">
-              <a:srgbClr val="000000">
-                <a:alpha val="35000"/>
-              </a:srgbClr>
-            </a:outerShdw>
-          </a:effectLst>
-          <a:scene3d>
-            <a:camera prst="orthographicFront">
-              <a:rot lat="2400000" lon="0" rev="1200000"/>
-            </a:camera>
-            <a:lightRig rig="threePt" dir="t"/>
-          </a:scene3d>
-          <a:sp3d>
-            <a:bevelT/>
-          </a:sp3d>
-        </p:spPr>
-        <p:style>
-          <a:lnRef idx="3">
-            <a:schemeClr val="dk1"/>
-          </a:lnRef>
-          <a:fillRef idx="0">
-            <a:schemeClr val="dk1"/>
-          </a:fillRef>
-          <a:effectRef idx="2">
-            <a:schemeClr val="dk1"/>
-          </a:effectRef>
-          <a:fontRef idx="minor">
-            <a:schemeClr val="tx1"/>
-          </a:fontRef>
-        </p:style>
-      </p:cxnSp>
-      <p:sp>
-        <p:nvSpPr>
-          <p:cNvPr id="384" name="Ellipse 383"/>
-          <p:cNvSpPr/>
-          <p:nvPr/>
-        </p:nvSpPr>
-        <p:spPr>
-          <a:xfrm rot="8720064">
-            <a:off x="6953989" y="3833445"/>
-            <a:ext cx="36000" cy="36000"/>
-          </a:xfrm>
-          <a:prstGeom prst="ellipse">
-            <a:avLst/>
-          </a:prstGeom>
-          <a:noFill/>
-          <a:ln>
-            <a:solidFill>
-              <a:schemeClr val="tx1">
-                <a:lumMod val="75000"/>
-                <a:lumOff val="25000"/>
-                <a:alpha val="70000"/>
-              </a:schemeClr>
-            </a:solidFill>
-          </a:ln>
-          <a:scene3d>
-            <a:camera prst="orthographicFront">
-              <a:rot lat="2400000" lon="0" rev="1200000"/>
-            </a:camera>
-            <a:lightRig rig="threePt" dir="t"/>
-          </a:scene3d>
-        </p:spPr>
-        <p:style>
-          <a:lnRef idx="2">
-            <a:schemeClr val="accent1">
-              <a:shade val="50000"/>
-            </a:schemeClr>
-          </a:lnRef>
-          <a:fillRef idx="1">
-            <a:schemeClr val="accent1"/>
-          </a:fillRef>
-          <a:effectRef idx="0">
-            <a:schemeClr val="accent1"/>
-          </a:effectRef>
-          <a:fontRef idx="minor">
-            <a:schemeClr val="lt1"/>
-          </a:fontRef>
-        </p:style>
-        <p:txBody>
-          <a:bodyPr rtlCol="0" anchor="ctr"/>
-          <a:lstStyle/>
-          <a:p>
-            <a:pPr algn="ctr"/>
-            <a:endParaRPr lang="de-DE">
-              <a:ln>
-                <a:solidFill>
-                  <a:schemeClr val="tx1"/>
-                </a:solidFill>
-              </a:ln>
-              <a:solidFill>
-                <a:schemeClr val="tx1"/>
-              </a:solidFill>
-            </a:endParaRPr>
-          </a:p>
-        </p:txBody>
-      </p:sp>
-      <p:sp>
-        <p:nvSpPr>
-          <p:cNvPr id="385" name="Ellipse 384"/>
-          <p:cNvSpPr/>
-          <p:nvPr/>
-        </p:nvSpPr>
-        <p:spPr>
-          <a:xfrm rot="8720064">
-            <a:off x="7049882" y="3830950"/>
-            <a:ext cx="36000" cy="36000"/>
-          </a:xfrm>
-          <a:prstGeom prst="ellipse">
-            <a:avLst/>
-          </a:prstGeom>
-          <a:noFill/>
-          <a:ln>
-            <a:solidFill>
-              <a:schemeClr val="tx1">
-                <a:lumMod val="75000"/>
-                <a:lumOff val="25000"/>
-                <a:alpha val="70000"/>
-              </a:schemeClr>
-            </a:solidFill>
-          </a:ln>
-          <a:scene3d>
-            <a:camera prst="orthographicFront">
-              <a:rot lat="2400000" lon="0" rev="1200000"/>
-            </a:camera>
-            <a:lightRig rig="threePt" dir="t"/>
-          </a:scene3d>
-        </p:spPr>
-        <p:style>
-          <a:lnRef idx="2">
-            <a:schemeClr val="accent1">
-              <a:shade val="50000"/>
-            </a:schemeClr>
-          </a:lnRef>
-          <a:fillRef idx="1">
-            <a:schemeClr val="accent1"/>
-          </a:fillRef>
-          <a:effectRef idx="0">
-            <a:schemeClr val="accent1"/>
-          </a:effectRef>
-          <a:fontRef idx="minor">
-            <a:schemeClr val="lt1"/>
-          </a:fontRef>
-        </p:style>
-        <p:txBody>
-          <a:bodyPr rtlCol="0" anchor="ctr"/>
-          <a:lstStyle/>
-          <a:p>
-            <a:pPr algn="ctr"/>
-            <a:endParaRPr lang="de-DE">
-              <a:ln>
-                <a:solidFill>
-                  <a:schemeClr val="tx1"/>
-                </a:solidFill>
-              </a:ln>
-              <a:solidFill>
-                <a:schemeClr val="tx1"/>
-              </a:solidFill>
-            </a:endParaRPr>
-          </a:p>
-        </p:txBody>
-      </p:sp>
-      <p:sp>
-        <p:nvSpPr>
-          <p:cNvPr id="386" name="Ellipse 385"/>
-          <p:cNvSpPr/>
-          <p:nvPr/>
-        </p:nvSpPr>
-        <p:spPr>
-          <a:xfrm rot="8720064">
-            <a:off x="7078547" y="3785993"/>
-            <a:ext cx="36000" cy="36000"/>
-          </a:xfrm>
-          <a:prstGeom prst="ellipse">
-            <a:avLst/>
-          </a:prstGeom>
-          <a:noFill/>
-          <a:ln>
-            <a:solidFill>
-              <a:schemeClr val="tx1">
-                <a:lumMod val="75000"/>
-                <a:lumOff val="25000"/>
-                <a:alpha val="70000"/>
-              </a:schemeClr>
-            </a:solidFill>
-          </a:ln>
-          <a:scene3d>
-            <a:camera prst="orthographicFront">
-              <a:rot lat="2400000" lon="0" rev="1200000"/>
-            </a:camera>
-            <a:lightRig rig="threePt" dir="t"/>
-          </a:scene3d>
-        </p:spPr>
-        <p:style>
-          <a:lnRef idx="2">
-            <a:schemeClr val="accent1">
-              <a:shade val="50000"/>
-            </a:schemeClr>
-          </a:lnRef>
-          <a:fillRef idx="1">
-            <a:schemeClr val="accent1"/>
-          </a:fillRef>
-          <a:effectRef idx="0">
-            <a:schemeClr val="accent1"/>
-          </a:effectRef>
-          <a:fontRef idx="minor">
-            <a:schemeClr val="lt1"/>
-          </a:fontRef>
-        </p:style>
-        <p:txBody>
-          <a:bodyPr rtlCol="0" anchor="ctr"/>
-          <a:lstStyle/>
-          <a:p>
-            <a:pPr algn="ctr"/>
-            <a:endParaRPr lang="de-DE">
-              <a:ln>
-                <a:solidFill>
-                  <a:schemeClr val="tx1"/>
-                </a:solidFill>
-              </a:ln>
-              <a:solidFill>
-                <a:schemeClr val="tx1"/>
-              </a:solidFill>
-            </a:endParaRPr>
-          </a:p>
-        </p:txBody>
-      </p:sp>
-      <p:sp>
-        <p:nvSpPr>
-          <p:cNvPr id="387" name="Ellipse 386"/>
-          <p:cNvSpPr/>
-          <p:nvPr/>
-        </p:nvSpPr>
-        <p:spPr>
-          <a:xfrm rot="8720064">
-            <a:off x="7086115" y="3726824"/>
-            <a:ext cx="36000" cy="36000"/>
-          </a:xfrm>
-          <a:prstGeom prst="ellipse">
-            <a:avLst/>
-          </a:prstGeom>
-          <a:noFill/>
-          <a:ln>
-            <a:solidFill>
-              <a:schemeClr val="tx1">
-                <a:lumMod val="75000"/>
-                <a:lumOff val="25000"/>
-                <a:alpha val="70000"/>
-              </a:schemeClr>
-            </a:solidFill>
-          </a:ln>
-          <a:scene3d>
-            <a:camera prst="orthographicFront">
-              <a:rot lat="2400000" lon="0" rev="1200000"/>
-            </a:camera>
-            <a:lightRig rig="threePt" dir="t"/>
-          </a:scene3d>
-        </p:spPr>
-        <p:style>
-          <a:lnRef idx="2">
-            <a:schemeClr val="accent1">
-              <a:shade val="50000"/>
-            </a:schemeClr>
-          </a:lnRef>
-          <a:fillRef idx="1">
-            <a:schemeClr val="accent1"/>
-          </a:fillRef>
-          <a:effectRef idx="0">
-            <a:schemeClr val="accent1"/>
-          </a:effectRef>
-          <a:fontRef idx="minor">
-            <a:schemeClr val="lt1"/>
-          </a:fontRef>
-        </p:style>
-        <p:txBody>
-          <a:bodyPr rtlCol="0" anchor="ctr"/>
-          <a:lstStyle/>
-          <a:p>
-            <a:pPr algn="ctr"/>
-            <a:endParaRPr lang="de-DE">
-              <a:ln>
-                <a:solidFill>
-                  <a:schemeClr val="tx1"/>
-                </a:solidFill>
-              </a:ln>
-              <a:solidFill>
-                <a:schemeClr val="tx1"/>
-              </a:solidFill>
-            </a:endParaRPr>
-          </a:p>
-        </p:txBody>
-      </p:sp>
-      <p:sp>
-        <p:nvSpPr>
-          <p:cNvPr id="388" name="Ellipse 387"/>
-          <p:cNvSpPr/>
-          <p:nvPr/>
-        </p:nvSpPr>
-        <p:spPr>
-          <a:xfrm rot="8720064">
-            <a:off x="6901190" y="3848287"/>
-            <a:ext cx="36000" cy="36000"/>
-          </a:xfrm>
-          <a:prstGeom prst="ellipse">
-            <a:avLst/>
-          </a:prstGeom>
-          <a:noFill/>
-          <a:ln>
-            <a:solidFill>
-              <a:schemeClr val="tx1">
-                <a:lumMod val="75000"/>
-                <a:lumOff val="25000"/>
-                <a:alpha val="70000"/>
-              </a:schemeClr>
-            </a:solidFill>
-          </a:ln>
-          <a:scene3d>
-            <a:camera prst="orthographicFront">
-              <a:rot lat="2400000" lon="0" rev="1200000"/>
-            </a:camera>
-            <a:lightRig rig="threePt" dir="t"/>
-          </a:scene3d>
-        </p:spPr>
-        <p:style>
-          <a:lnRef idx="2">
-            <a:schemeClr val="accent1">
-              <a:shade val="50000"/>
-            </a:schemeClr>
-          </a:lnRef>
-          <a:fillRef idx="1">
-            <a:schemeClr val="accent1"/>
-          </a:fillRef>
-          <a:effectRef idx="0">
-            <a:schemeClr val="accent1"/>
-          </a:effectRef>
-          <a:fontRef idx="minor">
-            <a:schemeClr val="lt1"/>
-          </a:fontRef>
-        </p:style>
-        <p:txBody>
-          <a:bodyPr rtlCol="0" anchor="ctr"/>
-          <a:lstStyle/>
-          <a:p>
-            <a:pPr algn="ctr"/>
-            <a:endParaRPr lang="de-DE">
-              <a:ln>
-                <a:solidFill>
-                  <a:schemeClr val="tx1"/>
-                </a:solidFill>
-              </a:ln>
-              <a:solidFill>
-                <a:schemeClr val="tx1"/>
-              </a:solidFill>
-            </a:endParaRPr>
-          </a:p>
-        </p:txBody>
-      </p:sp>
-      <p:sp>
-        <p:nvSpPr>
-          <p:cNvPr id="389" name="Ellipse 388"/>
-          <p:cNvSpPr/>
-          <p:nvPr/>
-        </p:nvSpPr>
-        <p:spPr>
-          <a:xfrm rot="2535836">
-            <a:off x="7086866" y="3612613"/>
-            <a:ext cx="108000" cy="108000"/>
-          </a:xfrm>
-          <a:prstGeom prst="ellipse">
-            <a:avLst/>
-          </a:prstGeom>
-          <a:solidFill>
-            <a:schemeClr val="tx1">
-              <a:lumMod val="85000"/>
-              <a:lumOff val="15000"/>
-            </a:schemeClr>
-          </a:solidFill>
-        </p:spPr>
-        <p:style>
-          <a:lnRef idx="0">
-            <a:schemeClr val="dk1"/>
-          </a:lnRef>
-          <a:fillRef idx="3">
-            <a:schemeClr val="dk1"/>
-          </a:fillRef>
-          <a:effectRef idx="3">
-            <a:schemeClr val="dk1"/>
-          </a:effectRef>
-          <a:fontRef idx="minor">
-            <a:schemeClr val="lt1"/>
-          </a:fontRef>
-        </p:style>
-        <p:txBody>
-          <a:bodyPr rtlCol="0" anchor="ctr"/>
-          <a:lstStyle/>
-          <a:p>
-            <a:pPr algn="ctr"/>
-            <a:endParaRPr lang="de-DE">
-              <a:solidFill>
-                <a:srgbClr val="FF0000"/>
-              </a:solidFill>
-            </a:endParaRPr>
-          </a:p>
-        </p:txBody>
-      </p:sp>
-      <p:cxnSp>
-        <p:nvCxnSpPr>
-          <p:cNvPr id="391" name="Curved Connector 4"/>
-          <p:cNvCxnSpPr/>
-          <p:nvPr/>
-        </p:nvCxnSpPr>
-        <p:spPr>
-          <a:xfrm rot="5010544" flipV="1">
-            <a:off x="6561043" y="3616887"/>
-            <a:ext cx="324000" cy="144000"/>
-          </a:xfrm>
-          <a:prstGeom prst="curvedConnector3">
-            <a:avLst>
-              <a:gd name="adj1" fmla="val 50000"/>
-            </a:avLst>
-          </a:prstGeom>
-          <a:ln w="19050" cmpd="sng">
-            <a:solidFill>
-              <a:schemeClr val="tx1">
-                <a:lumMod val="75000"/>
-                <a:lumOff val="25000"/>
-                <a:alpha val="70000"/>
-              </a:schemeClr>
-            </a:solidFill>
-          </a:ln>
-          <a:effectLst>
-            <a:outerShdw blurRad="40000" dist="23000" dir="5400000" rotWithShape="0">
-              <a:srgbClr val="000000">
-                <a:alpha val="35000"/>
-              </a:srgbClr>
-            </a:outerShdw>
-          </a:effectLst>
-          <a:scene3d>
-            <a:camera prst="orthographicFront">
-              <a:rot lat="2400000" lon="0" rev="1200000"/>
-            </a:camera>
-            <a:lightRig rig="threePt" dir="t"/>
-          </a:scene3d>
-          <a:sp3d>
-            <a:bevelT/>
-          </a:sp3d>
-        </p:spPr>
-        <p:style>
-          <a:lnRef idx="3">
-            <a:schemeClr val="dk1"/>
-          </a:lnRef>
-          <a:fillRef idx="0">
-            <a:schemeClr val="dk1"/>
-          </a:fillRef>
-          <a:effectRef idx="2">
-            <a:schemeClr val="dk1"/>
-          </a:effectRef>
-          <a:fontRef idx="minor">
-            <a:schemeClr val="tx1"/>
-          </a:fontRef>
-        </p:style>
-      </p:cxnSp>
-      <p:sp>
-        <p:nvSpPr>
-          <p:cNvPr id="392" name="Ellipse 391"/>
-          <p:cNvSpPr/>
-          <p:nvPr/>
-        </p:nvSpPr>
-        <p:spPr>
-          <a:xfrm rot="3870544">
-            <a:off x="6839712" y="3762761"/>
-            <a:ext cx="36000" cy="36000"/>
-          </a:xfrm>
-          <a:prstGeom prst="ellipse">
-            <a:avLst/>
-          </a:prstGeom>
-          <a:noFill/>
-          <a:ln>
-            <a:solidFill>
-              <a:schemeClr val="tx1">
-                <a:lumMod val="75000"/>
-                <a:lumOff val="25000"/>
-                <a:alpha val="70000"/>
-              </a:schemeClr>
-            </a:solidFill>
-          </a:ln>
-          <a:scene3d>
-            <a:camera prst="orthographicFront">
-              <a:rot lat="2400000" lon="0" rev="1200000"/>
-            </a:camera>
-            <a:lightRig rig="threePt" dir="t"/>
-          </a:scene3d>
-        </p:spPr>
-        <p:style>
-          <a:lnRef idx="2">
-            <a:schemeClr val="accent1">
-              <a:shade val="50000"/>
-            </a:schemeClr>
-          </a:lnRef>
-          <a:fillRef idx="1">
-            <a:schemeClr val="accent1"/>
-          </a:fillRef>
-          <a:effectRef idx="0">
-            <a:schemeClr val="accent1"/>
-          </a:effectRef>
-          <a:fontRef idx="minor">
-            <a:schemeClr val="lt1"/>
-          </a:fontRef>
-        </p:style>
-        <p:txBody>
-          <a:bodyPr rtlCol="0" anchor="ctr"/>
-          <a:lstStyle/>
-          <a:p>
-            <a:pPr algn="ctr"/>
-            <a:endParaRPr lang="de-DE">
-              <a:ln>
-                <a:solidFill>
-                  <a:schemeClr val="tx1"/>
-                </a:solidFill>
-              </a:ln>
-              <a:solidFill>
-                <a:schemeClr val="tx1"/>
-              </a:solidFill>
-            </a:endParaRPr>
-          </a:p>
-        </p:txBody>
-      </p:sp>
-      <p:sp>
-        <p:nvSpPr>
-          <p:cNvPr id="393" name="Ellipse 392"/>
-          <p:cNvSpPr/>
-          <p:nvPr/>
-        </p:nvSpPr>
-        <p:spPr>
-          <a:xfrm rot="3870544">
-            <a:off x="6788140" y="3717747"/>
-            <a:ext cx="36000" cy="36000"/>
-          </a:xfrm>
-          <a:prstGeom prst="ellipse">
-            <a:avLst/>
-          </a:prstGeom>
-          <a:noFill/>
-          <a:ln>
-            <a:solidFill>
-              <a:schemeClr val="tx1">
-                <a:lumMod val="75000"/>
-                <a:lumOff val="25000"/>
-                <a:alpha val="70000"/>
-              </a:schemeClr>
-            </a:solidFill>
-          </a:ln>
-          <a:scene3d>
-            <a:camera prst="orthographicFront">
-              <a:rot lat="2400000" lon="0" rev="1200000"/>
-            </a:camera>
-            <a:lightRig rig="threePt" dir="t"/>
-          </a:scene3d>
-        </p:spPr>
-        <p:style>
-          <a:lnRef idx="2">
-            <a:schemeClr val="accent1">
-              <a:shade val="50000"/>
-            </a:schemeClr>
-          </a:lnRef>
-          <a:fillRef idx="1">
-            <a:schemeClr val="accent1"/>
-          </a:fillRef>
-          <a:effectRef idx="0">
-            <a:schemeClr val="accent1"/>
-          </a:effectRef>
-          <a:fontRef idx="minor">
-            <a:schemeClr val="lt1"/>
-          </a:fontRef>
-        </p:style>
-        <p:txBody>
-          <a:bodyPr rtlCol="0" anchor="ctr"/>
-          <a:lstStyle/>
-          <a:p>
-            <a:pPr algn="ctr"/>
-            <a:endParaRPr lang="de-DE">
-              <a:ln>
-                <a:solidFill>
-                  <a:schemeClr val="tx1"/>
-                </a:solidFill>
-              </a:ln>
-              <a:solidFill>
-                <a:schemeClr val="tx1"/>
-              </a:solidFill>
-            </a:endParaRPr>
-          </a:p>
-        </p:txBody>
-      </p:sp>
-      <p:sp>
-        <p:nvSpPr>
-          <p:cNvPr id="394" name="Ellipse 393"/>
-          <p:cNvSpPr/>
-          <p:nvPr/>
-        </p:nvSpPr>
-        <p:spPr>
-          <a:xfrm rot="3870544">
-            <a:off x="6749704" y="3673765"/>
-            <a:ext cx="36000" cy="36000"/>
-          </a:xfrm>
-          <a:prstGeom prst="ellipse">
-            <a:avLst/>
-          </a:prstGeom>
-          <a:noFill/>
-          <a:ln>
-            <a:solidFill>
-              <a:schemeClr val="tx1">
-                <a:lumMod val="75000"/>
-                <a:lumOff val="25000"/>
-                <a:alpha val="70000"/>
-              </a:schemeClr>
-            </a:solidFill>
-          </a:ln>
-          <a:scene3d>
-            <a:camera prst="orthographicFront">
-              <a:rot lat="2400000" lon="0" rev="1200000"/>
-            </a:camera>
-            <a:lightRig rig="threePt" dir="t"/>
-          </a:scene3d>
-        </p:spPr>
-        <p:style>
-          <a:lnRef idx="2">
-            <a:schemeClr val="accent1">
-              <a:shade val="50000"/>
-            </a:schemeClr>
-          </a:lnRef>
-          <a:fillRef idx="1">
-            <a:schemeClr val="accent1"/>
-          </a:fillRef>
-          <a:effectRef idx="0">
-            <a:schemeClr val="accent1"/>
-          </a:effectRef>
-          <a:fontRef idx="minor">
-            <a:schemeClr val="lt1"/>
-          </a:fontRef>
-        </p:style>
-        <p:txBody>
-          <a:bodyPr rtlCol="0" anchor="ctr"/>
-          <a:lstStyle/>
-          <a:p>
-            <a:pPr algn="ctr"/>
-            <a:endParaRPr lang="de-DE">
-              <a:ln>
-                <a:solidFill>
-                  <a:schemeClr val="tx1"/>
-                </a:solidFill>
-              </a:ln>
-              <a:solidFill>
-                <a:schemeClr val="tx1"/>
-              </a:solidFill>
-            </a:endParaRPr>
-          </a:p>
-        </p:txBody>
-      </p:sp>
-      <p:sp>
-        <p:nvSpPr>
-          <p:cNvPr id="395" name="Ellipse 394"/>
-          <p:cNvSpPr/>
-          <p:nvPr/>
-        </p:nvSpPr>
-        <p:spPr>
-          <a:xfrm rot="3870544">
-            <a:off x="6692499" y="3656859"/>
-            <a:ext cx="36000" cy="36000"/>
-          </a:xfrm>
-          <a:prstGeom prst="ellipse">
-            <a:avLst/>
-          </a:prstGeom>
-          <a:noFill/>
-          <a:ln>
-            <a:solidFill>
-              <a:schemeClr val="tx1">
-                <a:lumMod val="75000"/>
-                <a:lumOff val="25000"/>
-                <a:alpha val="70000"/>
-              </a:schemeClr>
-            </a:solidFill>
-          </a:ln>
-          <a:scene3d>
-            <a:camera prst="orthographicFront">
-              <a:rot lat="2400000" lon="0" rev="1200000"/>
-            </a:camera>
-            <a:lightRig rig="threePt" dir="t"/>
-          </a:scene3d>
-        </p:spPr>
-        <p:style>
-          <a:lnRef idx="2">
-            <a:schemeClr val="accent1">
-              <a:shade val="50000"/>
-            </a:schemeClr>
-          </a:lnRef>
-          <a:fillRef idx="1">
-            <a:schemeClr val="accent1"/>
-          </a:fillRef>
-          <a:effectRef idx="0">
-            <a:schemeClr val="accent1"/>
-          </a:effectRef>
-          <a:fontRef idx="minor">
-            <a:schemeClr val="lt1"/>
-          </a:fontRef>
-        </p:style>
-        <p:txBody>
-          <a:bodyPr rtlCol="0" anchor="ctr"/>
-          <a:lstStyle/>
-          <a:p>
-            <a:pPr algn="ctr"/>
-            <a:endParaRPr lang="de-DE">
-              <a:ln>
-                <a:solidFill>
-                  <a:schemeClr val="tx1"/>
-                </a:solidFill>
-              </a:ln>
-              <a:solidFill>
-                <a:schemeClr val="tx1"/>
-              </a:solidFill>
-            </a:endParaRPr>
-          </a:p>
-        </p:txBody>
-      </p:sp>
-      <p:sp>
-        <p:nvSpPr>
-          <p:cNvPr id="396" name="Ellipse 395"/>
-          <p:cNvSpPr/>
-          <p:nvPr/>
-        </p:nvSpPr>
-        <p:spPr>
-          <a:xfrm rot="3870544">
-            <a:off x="6870464" y="3801090"/>
-            <a:ext cx="36000" cy="36000"/>
-          </a:xfrm>
-          <a:prstGeom prst="ellipse">
-            <a:avLst/>
-          </a:prstGeom>
-          <a:noFill/>
-          <a:ln>
-            <a:solidFill>
-              <a:schemeClr val="tx1">
-                <a:lumMod val="75000"/>
-                <a:lumOff val="25000"/>
-                <a:alpha val="70000"/>
-              </a:schemeClr>
-            </a:solidFill>
-          </a:ln>
-          <a:scene3d>
-            <a:camera prst="orthographicFront">
-              <a:rot lat="2400000" lon="0" rev="1200000"/>
-            </a:camera>
-            <a:lightRig rig="threePt" dir="t"/>
-          </a:scene3d>
-        </p:spPr>
-        <p:style>
-          <a:lnRef idx="2">
-            <a:schemeClr val="accent1">
-              <a:shade val="50000"/>
-            </a:schemeClr>
-          </a:lnRef>
-          <a:fillRef idx="1">
-            <a:schemeClr val="accent1"/>
-          </a:fillRef>
-          <a:effectRef idx="0">
-            <a:schemeClr val="accent1"/>
-          </a:effectRef>
-          <a:fontRef idx="minor">
-            <a:schemeClr val="lt1"/>
-          </a:fontRef>
-        </p:style>
-        <p:txBody>
-          <a:bodyPr rtlCol="0" anchor="ctr"/>
-          <a:lstStyle/>
-          <a:p>
-            <a:pPr algn="ctr"/>
-            <a:endParaRPr lang="de-DE">
-              <a:ln>
-                <a:solidFill>
-                  <a:schemeClr val="tx1"/>
-                </a:solidFill>
-              </a:ln>
-              <a:solidFill>
-                <a:schemeClr val="tx1"/>
-              </a:solidFill>
-            </a:endParaRPr>
-          </a:p>
-        </p:txBody>
-      </p:sp>
-      <p:sp>
-        <p:nvSpPr>
-          <p:cNvPr id="397" name="Ellipse 396"/>
-          <p:cNvSpPr/>
-          <p:nvPr/>
-        </p:nvSpPr>
-        <p:spPr>
-          <a:xfrm rot="19286316">
-            <a:off x="6599981" y="3564903"/>
-            <a:ext cx="108000" cy="108000"/>
-          </a:xfrm>
-          <a:prstGeom prst="ellipse">
-            <a:avLst/>
-          </a:prstGeom>
-          <a:solidFill>
-            <a:schemeClr val="tx1">
-              <a:lumMod val="85000"/>
-              <a:lumOff val="15000"/>
-            </a:schemeClr>
-          </a:solidFill>
-        </p:spPr>
-        <p:style>
-          <a:lnRef idx="0">
-            <a:schemeClr val="dk1"/>
-          </a:lnRef>
-          <a:fillRef idx="3">
-            <a:schemeClr val="dk1"/>
-          </a:fillRef>
-          <a:effectRef idx="3">
-            <a:schemeClr val="dk1"/>
-          </a:effectRef>
-          <a:fontRef idx="minor">
-            <a:schemeClr val="lt1"/>
-          </a:fontRef>
-        </p:style>
-        <p:txBody>
-          <a:bodyPr rtlCol="0" anchor="ctr"/>
-          <a:lstStyle/>
-          <a:p>
-            <a:pPr algn="ctr"/>
-            <a:endParaRPr lang="de-DE">
-              <a:solidFill>
-                <a:srgbClr val="FF0000"/>
-              </a:solidFill>
-            </a:endParaRPr>
-          </a:p>
-        </p:txBody>
-      </p:sp>
-      <p:sp>
-        <p:nvSpPr>
-          <p:cNvPr id="402" name="Textfeld 401"/>
+          <p:cNvPr id="252" name="Textfeld 251"/>
           <p:cNvSpPr txBox="1"/>
           <p:nvPr/>
         </p:nvSpPr>
         <p:spPr>
           <a:xfrm>
-            <a:off x="2045614" y="4797152"/>
-            <a:ext cx="766662" cy="338554"/>
+            <a:off x="1130531" y="4934440"/>
+            <a:ext cx="5868475" cy="2246769"/>
           </a:xfrm>
           <a:prstGeom prst="rect">
             <a:avLst/>
@@ -15256,190 +10654,203 @@
           </a:bodyPr>
           <a:lstStyle/>
           <a:p>
+            <a:pPr>
+              <a:lnSpc>
+                <a:spcPct val="150000"/>
+              </a:lnSpc>
+            </a:pPr>
+            <a:r>
+              <a:rPr lang="de-CH" sz="2000" b="1" dirty="0" smtClean="0">
+                <a:latin typeface="Arial" panose="020B0604020202020204" pitchFamily="34" charset="0"/>
+                <a:cs typeface="Arial" panose="020B0604020202020204" pitchFamily="34" charset="0"/>
+              </a:rPr>
+              <a:t>       </a:t>
+            </a:r>
+            <a:r>
+              <a:rPr lang="de-CH" sz="2000" b="1" dirty="0" smtClean="0">
+                <a:latin typeface="Arial" panose="020B0604020202020204" pitchFamily="34" charset="0"/>
+                <a:cs typeface="Arial" panose="020B0604020202020204" pitchFamily="34" charset="0"/>
+              </a:rPr>
+              <a:t>	</a:t>
+            </a:r>
+            <a:r>
+              <a:rPr lang="de-CH" b="1" dirty="0" smtClean="0">
+                <a:latin typeface="Arial" panose="020B0604020202020204" pitchFamily="34" charset="0"/>
+                <a:cs typeface="Arial" panose="020B0604020202020204" pitchFamily="34" charset="0"/>
+              </a:rPr>
+              <a:t>Legend</a:t>
+            </a:r>
+            <a:r>
+              <a:rPr lang="de-CH" b="1" dirty="0" smtClean="0">
+                <a:latin typeface="Arial" panose="020B0604020202020204" pitchFamily="34" charset="0"/>
+                <a:cs typeface="Arial" panose="020B0604020202020204" pitchFamily="34" charset="0"/>
+              </a:rPr>
+              <a:t>:</a:t>
+            </a:r>
+            <a:endParaRPr lang="de-CH" dirty="0">
+              <a:latin typeface="Arial" panose="020B0604020202020204" pitchFamily="34" charset="0"/>
+              <a:cs typeface="Arial" panose="020B0604020202020204" pitchFamily="34" charset="0"/>
+            </a:endParaRPr>
+          </a:p>
+          <a:p>
+            <a:pPr>
+              <a:lnSpc>
+                <a:spcPct val="150000"/>
+              </a:lnSpc>
+              <a:spcAft>
+                <a:spcPts val="600"/>
+              </a:spcAft>
+            </a:pPr>
+            <a:r>
+              <a:rPr lang="de-CH" sz="1500" b="1" dirty="0" smtClean="0">
+                <a:latin typeface="Arial" panose="020B0604020202020204" pitchFamily="34" charset="0"/>
+                <a:cs typeface="Arial" panose="020B0604020202020204" pitchFamily="34" charset="0"/>
+              </a:rPr>
+              <a:t>	</a:t>
+            </a:r>
+            <a:r>
+              <a:rPr lang="de-CH" sz="1600" b="1" dirty="0" err="1" smtClean="0">
+                <a:latin typeface="Arial" panose="020B0604020202020204" pitchFamily="34" charset="0"/>
+                <a:cs typeface="Arial" panose="020B0604020202020204" pitchFamily="34" charset="0"/>
+              </a:rPr>
+              <a:t>ssDNA</a:t>
+            </a:r>
             <a:r>
               <a:rPr lang="de-CH" sz="1600" b="1" dirty="0" smtClean="0">
                 <a:latin typeface="Arial" panose="020B0604020202020204" pitchFamily="34" charset="0"/>
                 <a:cs typeface="Arial" panose="020B0604020202020204" pitchFamily="34" charset="0"/>
               </a:rPr>
-              <a:t>WT</a:t>
-            </a:r>
-            <a:endParaRPr lang="de-DE" sz="1600" b="1" dirty="0">
+              <a:t> </a:t>
+            </a:r>
+            <a:r>
+              <a:rPr lang="de-CH" sz="1600" b="1" dirty="0" err="1" smtClean="0">
+                <a:latin typeface="Arial" panose="020B0604020202020204" pitchFamily="34" charset="0"/>
+                <a:cs typeface="Arial" panose="020B0604020202020204" pitchFamily="34" charset="0"/>
+              </a:rPr>
+              <a:t>genome</a:t>
+            </a:r>
+            <a:endParaRPr lang="de-CH" sz="1600" b="1" dirty="0" smtClean="0">
               <a:latin typeface="Arial" panose="020B0604020202020204" pitchFamily="34" charset="0"/>
               <a:cs typeface="Arial" panose="020B0604020202020204" pitchFamily="34" charset="0"/>
             </a:endParaRPr>
           </a:p>
-        </p:txBody>
-      </p:sp>
-      <p:sp>
-        <p:nvSpPr>
-          <p:cNvPr id="403" name="Textfeld 402"/>
-          <p:cNvSpPr txBox="1"/>
-          <p:nvPr/>
-        </p:nvSpPr>
-        <p:spPr>
-          <a:xfrm>
-            <a:off x="4493886" y="4797152"/>
-            <a:ext cx="766662" cy="338554"/>
-          </a:xfrm>
-          <a:prstGeom prst="rect">
-            <a:avLst/>
-          </a:prstGeom>
-          <a:noFill/>
-        </p:spPr>
-        <p:txBody>
-          <a:bodyPr wrap="square" rtlCol="0">
-            <a:spAutoFit/>
-          </a:bodyPr>
-          <a:lstStyle/>
-          <a:p>
+          <a:p>
+            <a:pPr>
+              <a:lnSpc>
+                <a:spcPct val="150000"/>
+              </a:lnSpc>
+              <a:spcAft>
+                <a:spcPts val="600"/>
+              </a:spcAft>
+            </a:pPr>
+            <a:r>
+              <a:rPr lang="de-CH" sz="1600" b="1" dirty="0">
+                <a:latin typeface="Arial" panose="020B0604020202020204" pitchFamily="34" charset="0"/>
+                <a:cs typeface="Arial" panose="020B0604020202020204" pitchFamily="34" charset="0"/>
+              </a:rPr>
+              <a:t>	</a:t>
+            </a:r>
             <a:r>
               <a:rPr lang="de-CH" sz="1600" b="1" dirty="0" smtClean="0">
                 <a:latin typeface="Arial" panose="020B0604020202020204" pitchFamily="34" charset="0"/>
                 <a:cs typeface="Arial" panose="020B0604020202020204" pitchFamily="34" charset="0"/>
               </a:rPr>
-              <a:t>5SG</a:t>
-            </a:r>
-            <a:endParaRPr lang="de-DE" sz="1600" b="1" dirty="0">
-              <a:latin typeface="Arial" panose="020B0604020202020204" pitchFamily="34" charset="0"/>
-              <a:cs typeface="Arial" panose="020B0604020202020204" pitchFamily="34" charset="0"/>
-            </a:endParaRPr>
-          </a:p>
-        </p:txBody>
-      </p:sp>
-      <p:sp>
-        <p:nvSpPr>
-          <p:cNvPr id="404" name="Textfeld 403"/>
-          <p:cNvSpPr txBox="1"/>
-          <p:nvPr/>
-        </p:nvSpPr>
-        <p:spPr>
-          <a:xfrm>
-            <a:off x="6591062" y="4797152"/>
-            <a:ext cx="766662" cy="338554"/>
-          </a:xfrm>
-          <a:prstGeom prst="rect">
-            <a:avLst/>
-          </a:prstGeom>
-          <a:noFill/>
-        </p:spPr>
-        <p:txBody>
-          <a:bodyPr wrap="square" rtlCol="0">
-            <a:spAutoFit/>
-          </a:bodyPr>
-          <a:lstStyle/>
-          <a:p>
+              <a:t>N-VP2 </a:t>
+            </a:r>
+            <a:r>
+              <a:rPr lang="de-CH" sz="1600" b="1" dirty="0" err="1" smtClean="0">
+                <a:latin typeface="Arial" panose="020B0604020202020204" pitchFamily="34" charset="0"/>
+                <a:cs typeface="Arial" panose="020B0604020202020204" pitchFamily="34" charset="0"/>
+              </a:rPr>
+              <a:t>harboring</a:t>
+            </a:r>
             <a:r>
               <a:rPr lang="de-CH" sz="1600" b="1" dirty="0" smtClean="0">
                 <a:latin typeface="Arial" panose="020B0604020202020204" pitchFamily="34" charset="0"/>
                 <a:cs typeface="Arial" panose="020B0604020202020204" pitchFamily="34" charset="0"/>
               </a:rPr>
-              <a:t>G33F</a:t>
-            </a:r>
-            <a:endParaRPr lang="de-DE" sz="1600" b="1" dirty="0">
+              <a:t> distal </a:t>
+            </a:r>
+            <a:r>
+              <a:rPr lang="de-CH" sz="1600" b="1" dirty="0" err="1" smtClean="0">
+                <a:latin typeface="Arial" panose="020B0604020202020204" pitchFamily="34" charset="0"/>
+                <a:cs typeface="Arial" panose="020B0604020202020204" pitchFamily="34" charset="0"/>
+              </a:rPr>
+              <a:t>serine</a:t>
+            </a:r>
+            <a:r>
+              <a:rPr lang="de-CH" sz="1600" b="1" dirty="0" smtClean="0">
+                <a:latin typeface="Arial" panose="020B0604020202020204" pitchFamily="34" charset="0"/>
+                <a:cs typeface="Arial" panose="020B0604020202020204" pitchFamily="34" charset="0"/>
+              </a:rPr>
+              <a:t> </a:t>
+            </a:r>
+            <a:r>
+              <a:rPr lang="de-CH" sz="1600" b="1" dirty="0" err="1" smtClean="0">
+                <a:latin typeface="Arial" panose="020B0604020202020204" pitchFamily="34" charset="0"/>
+                <a:cs typeface="Arial" panose="020B0604020202020204" pitchFamily="34" charset="0"/>
+              </a:rPr>
+              <a:t>phosphorylations</a:t>
+            </a:r>
+            <a:endParaRPr lang="de-CH" sz="1600" b="1" dirty="0" smtClean="0">
               <a:latin typeface="Arial" panose="020B0604020202020204" pitchFamily="34" charset="0"/>
               <a:cs typeface="Arial" panose="020B0604020202020204" pitchFamily="34" charset="0"/>
             </a:endParaRPr>
           </a:p>
+          <a:p>
+            <a:pPr>
+              <a:lnSpc>
+                <a:spcPct val="150000"/>
+              </a:lnSpc>
+              <a:spcAft>
+                <a:spcPts val="600"/>
+              </a:spcAft>
+            </a:pPr>
+            <a:r>
+              <a:rPr lang="de-CH" sz="1600" b="1" dirty="0">
+                <a:latin typeface="Arial" panose="020B0604020202020204" pitchFamily="34" charset="0"/>
+                <a:cs typeface="Arial" panose="020B0604020202020204" pitchFamily="34" charset="0"/>
+              </a:rPr>
+              <a:t>	</a:t>
+            </a:r>
+            <a:r>
+              <a:rPr lang="de-CH" sz="1600" b="1" dirty="0" smtClean="0">
+                <a:latin typeface="Arial" panose="020B0604020202020204" pitchFamily="34" charset="0"/>
+                <a:cs typeface="Arial" panose="020B0604020202020204" pitchFamily="34" charset="0"/>
+              </a:rPr>
+              <a:t>N-VP2 </a:t>
+            </a:r>
+            <a:r>
+              <a:rPr lang="de-CH" sz="1600" b="1" dirty="0" err="1" smtClean="0">
+                <a:latin typeface="Arial" panose="020B0604020202020204" pitchFamily="34" charset="0"/>
+                <a:cs typeface="Arial" panose="020B0604020202020204" pitchFamily="34" charset="0"/>
+              </a:rPr>
+              <a:t>of</a:t>
+            </a:r>
+            <a:r>
+              <a:rPr lang="de-CH" sz="1600" b="1" dirty="0" smtClean="0">
+                <a:latin typeface="Arial" panose="020B0604020202020204" pitchFamily="34" charset="0"/>
+                <a:cs typeface="Arial" panose="020B0604020202020204" pitchFamily="34" charset="0"/>
+              </a:rPr>
+              <a:t> 5SG </a:t>
+            </a:r>
+            <a:r>
+              <a:rPr lang="de-CH" sz="1600" b="1" dirty="0" err="1" smtClean="0">
+                <a:latin typeface="Arial" panose="020B0604020202020204" pitchFamily="34" charset="0"/>
+                <a:cs typeface="Arial" panose="020B0604020202020204" pitchFamily="34" charset="0"/>
+              </a:rPr>
+              <a:t>mutant</a:t>
+            </a:r>
+            <a:endParaRPr lang="de-CH" sz="1600" b="1" dirty="0" smtClean="0">
+              <a:latin typeface="Arial" panose="020B0604020202020204" pitchFamily="34" charset="0"/>
+              <a:cs typeface="Arial" panose="020B0604020202020204" pitchFamily="34" charset="0"/>
+            </a:endParaRPr>
+          </a:p>
+          <a:p>
+            <a:endParaRPr lang="de-DE" dirty="0"/>
+          </a:p>
         </p:txBody>
       </p:sp>
-      <p:grpSp>
-        <p:nvGrpSpPr>
-          <p:cNvPr id="246" name="Gruppieren 245"/>
-          <p:cNvGrpSpPr/>
-          <p:nvPr/>
-        </p:nvGrpSpPr>
-        <p:grpSpPr>
-          <a:xfrm>
-            <a:off x="3573861" y="6089511"/>
-            <a:ext cx="331137" cy="72000"/>
-            <a:chOff x="1806392" y="6031563"/>
-            <a:chExt cx="331137" cy="72000"/>
-          </a:xfrm>
-        </p:grpSpPr>
-        <p:cxnSp>
-          <p:nvCxnSpPr>
-            <p:cNvPr id="248" name="Gerade Verbindung 247"/>
-            <p:cNvCxnSpPr/>
-            <p:nvPr/>
-          </p:nvCxnSpPr>
-          <p:spPr>
-            <a:xfrm>
-              <a:off x="1806392" y="6068098"/>
-              <a:ext cx="144000" cy="0"/>
-            </a:xfrm>
-            <a:prstGeom prst="line">
-              <a:avLst/>
-            </a:prstGeom>
-            <a:ln w="19050">
-              <a:solidFill>
-                <a:schemeClr val="tx1"/>
-              </a:solidFill>
-            </a:ln>
-          </p:spPr>
-          <p:style>
-            <a:lnRef idx="1">
-              <a:schemeClr val="accent1"/>
-            </a:lnRef>
-            <a:fillRef idx="0">
-              <a:schemeClr val="accent1"/>
-            </a:fillRef>
-            <a:effectRef idx="0">
-              <a:schemeClr val="accent1"/>
-            </a:effectRef>
-            <a:fontRef idx="minor">
-              <a:schemeClr val="tx1"/>
-            </a:fontRef>
-          </p:style>
-        </p:cxnSp>
-        <p:sp>
-          <p:nvSpPr>
-            <p:cNvPr id="249" name="Richtungspfeil 248"/>
-            <p:cNvSpPr/>
-            <p:nvPr/>
-          </p:nvSpPr>
-          <p:spPr>
-            <a:xfrm>
-              <a:off x="1957529" y="6031563"/>
-              <a:ext cx="180000" cy="72000"/>
-            </a:xfrm>
-            <a:prstGeom prst="homePlate">
-              <a:avLst/>
-            </a:prstGeom>
-            <a:solidFill>
-              <a:schemeClr val="tx1"/>
-            </a:solidFill>
-            <a:ln>
-              <a:solidFill>
-                <a:schemeClr val="tx1"/>
-              </a:solidFill>
-            </a:ln>
-          </p:spPr>
-          <p:style>
-            <a:lnRef idx="2">
-              <a:schemeClr val="accent1">
-                <a:shade val="50000"/>
-              </a:schemeClr>
-            </a:lnRef>
-            <a:fillRef idx="1">
-              <a:schemeClr val="accent1"/>
-            </a:fillRef>
-            <a:effectRef idx="0">
-              <a:schemeClr val="accent1"/>
-            </a:effectRef>
-            <a:fontRef idx="minor">
-              <a:schemeClr val="lt1"/>
-            </a:fontRef>
-          </p:style>
-          <p:txBody>
-            <a:bodyPr rtlCol="0" anchor="ctr"/>
-            <a:lstStyle/>
-            <a:p>
-              <a:pPr algn="ctr"/>
-              <a:endParaRPr lang="de-DE"/>
-            </a:p>
-          </p:txBody>
-        </p:sp>
-      </p:grpSp>
     </p:spTree>
     <p:extLst>
       <p:ext uri="{BB962C8B-B14F-4D97-AF65-F5344CB8AC3E}">

--- a/Fig. 10.pptx
+++ b/Fig. 10.pptx
@@ -192,7 +192,7 @@
           <a:p>
             <a:fld id="{FC38EABC-6C4D-4F1A-8263-82F1F8615404}" type="datetimeFigureOut">
               <a:rPr lang="de-DE" smtClean="0"/>
-              <a:t>21.08.2015</a:t>
+              <a:t>25.08.2015</a:t>
             </a:fld>
             <a:endParaRPr lang="de-DE"/>
           </a:p>
@@ -725,7 +725,7 @@
           <a:p>
             <a:fld id="{B410A92C-BAED-4158-BF36-472EEE26D0BC}" type="datetimeFigureOut">
               <a:rPr lang="de-DE" smtClean="0"/>
-              <a:t>21.08.2015</a:t>
+              <a:t>25.08.2015</a:t>
             </a:fld>
             <a:endParaRPr lang="de-DE"/>
           </a:p>
@@ -895,7 +895,7 @@
           <a:p>
             <a:fld id="{B410A92C-BAED-4158-BF36-472EEE26D0BC}" type="datetimeFigureOut">
               <a:rPr lang="de-DE" smtClean="0"/>
-              <a:t>21.08.2015</a:t>
+              <a:t>25.08.2015</a:t>
             </a:fld>
             <a:endParaRPr lang="de-DE"/>
           </a:p>
@@ -1075,7 +1075,7 @@
           <a:p>
             <a:fld id="{B410A92C-BAED-4158-BF36-472EEE26D0BC}" type="datetimeFigureOut">
               <a:rPr lang="de-DE" smtClean="0"/>
-              <a:t>21.08.2015</a:t>
+              <a:t>25.08.2015</a:t>
             </a:fld>
             <a:endParaRPr lang="de-DE"/>
           </a:p>
@@ -1245,7 +1245,7 @@
           <a:p>
             <a:fld id="{B410A92C-BAED-4158-BF36-472EEE26D0BC}" type="datetimeFigureOut">
               <a:rPr lang="de-DE" smtClean="0"/>
-              <a:t>21.08.2015</a:t>
+              <a:t>25.08.2015</a:t>
             </a:fld>
             <a:endParaRPr lang="de-DE"/>
           </a:p>
@@ -1491,7 +1491,7 @@
           <a:p>
             <a:fld id="{B410A92C-BAED-4158-BF36-472EEE26D0BC}" type="datetimeFigureOut">
               <a:rPr lang="de-DE" smtClean="0"/>
-              <a:t>21.08.2015</a:t>
+              <a:t>25.08.2015</a:t>
             </a:fld>
             <a:endParaRPr lang="de-DE"/>
           </a:p>
@@ -1779,7 +1779,7 @@
           <a:p>
             <a:fld id="{B410A92C-BAED-4158-BF36-472EEE26D0BC}" type="datetimeFigureOut">
               <a:rPr lang="de-DE" smtClean="0"/>
-              <a:t>21.08.2015</a:t>
+              <a:t>25.08.2015</a:t>
             </a:fld>
             <a:endParaRPr lang="de-DE"/>
           </a:p>
@@ -2201,7 +2201,7 @@
           <a:p>
             <a:fld id="{B410A92C-BAED-4158-BF36-472EEE26D0BC}" type="datetimeFigureOut">
               <a:rPr lang="de-DE" smtClean="0"/>
-              <a:t>21.08.2015</a:t>
+              <a:t>25.08.2015</a:t>
             </a:fld>
             <a:endParaRPr lang="de-DE"/>
           </a:p>
@@ -2319,7 +2319,7 @@
           <a:p>
             <a:fld id="{B410A92C-BAED-4158-BF36-472EEE26D0BC}" type="datetimeFigureOut">
               <a:rPr lang="de-DE" smtClean="0"/>
-              <a:t>21.08.2015</a:t>
+              <a:t>25.08.2015</a:t>
             </a:fld>
             <a:endParaRPr lang="de-DE"/>
           </a:p>
@@ -2414,7 +2414,7 @@
           <a:p>
             <a:fld id="{B410A92C-BAED-4158-BF36-472EEE26D0BC}" type="datetimeFigureOut">
               <a:rPr lang="de-DE" smtClean="0"/>
-              <a:t>21.08.2015</a:t>
+              <a:t>25.08.2015</a:t>
             </a:fld>
             <a:endParaRPr lang="de-DE"/>
           </a:p>
@@ -2691,7 +2691,7 @@
           <a:p>
             <a:fld id="{B410A92C-BAED-4158-BF36-472EEE26D0BC}" type="datetimeFigureOut">
               <a:rPr lang="de-DE" smtClean="0"/>
-              <a:t>21.08.2015</a:t>
+              <a:t>25.08.2015</a:t>
             </a:fld>
             <a:endParaRPr lang="de-DE"/>
           </a:p>
@@ -2944,7 +2944,7 @@
           <a:p>
             <a:fld id="{B410A92C-BAED-4158-BF36-472EEE26D0BC}" type="datetimeFigureOut">
               <a:rPr lang="de-DE" smtClean="0"/>
-              <a:t>21.08.2015</a:t>
+              <a:t>25.08.2015</a:t>
             </a:fld>
             <a:endParaRPr lang="de-DE"/>
           </a:p>
@@ -3157,7 +3157,7 @@
           <a:p>
             <a:fld id="{B410A92C-BAED-4158-BF36-472EEE26D0BC}" type="datetimeFigureOut">
               <a:rPr lang="de-DE" smtClean="0"/>
-              <a:t>21.08.2015</a:t>
+              <a:t>25.08.2015</a:t>
             </a:fld>
             <a:endParaRPr lang="de-DE"/>
           </a:p>
@@ -3540,7 +3540,7 @@
         </p:nvSpPr>
         <p:spPr>
           <a:xfrm>
-            <a:off x="960461" y="1345040"/>
+            <a:off x="991993" y="1121637"/>
             <a:ext cx="9379072" cy="323165"/>
           </a:xfrm>
           <a:prstGeom prst="rect">
@@ -3555,21 +3555,21 @@
           <a:lstStyle/>
           <a:p>
             <a:r>
-              <a:rPr lang="de-DE" sz="1500" dirty="0" smtClean="0">
+              <a:rPr lang="de-DE" sz="1500" b="1" dirty="0" smtClean="0">
                 <a:latin typeface="Arial" panose="020B0604020202020204" pitchFamily="34" charset="0"/>
                 <a:cs typeface="Arial" panose="020B0604020202020204" pitchFamily="34" charset="0"/>
               </a:rPr>
               <a:t>H</a:t>
             </a:r>
             <a:r>
-              <a:rPr lang="de-DE" sz="1500" baseline="-25000" dirty="0" smtClean="0">
+              <a:rPr lang="de-DE" sz="1500" b="1" baseline="-25000" dirty="0" smtClean="0">
                 <a:latin typeface="Arial" panose="020B0604020202020204" pitchFamily="34" charset="0"/>
                 <a:cs typeface="Arial" panose="020B0604020202020204" pitchFamily="34" charset="0"/>
               </a:rPr>
               <a:t>2</a:t>
             </a:r>
             <a:r>
-              <a:rPr lang="de-DE" sz="1500" dirty="0" smtClean="0">
+              <a:rPr lang="de-DE" sz="1500" b="1" dirty="0" smtClean="0">
                 <a:latin typeface="Arial" panose="020B0604020202020204" pitchFamily="34" charset="0"/>
                 <a:cs typeface="Arial" panose="020B0604020202020204" pitchFamily="34" charset="0"/>
               </a:rPr>
@@ -3586,7 +3586,7 @@
               <a:t>S</a:t>
             </a:r>
             <a:r>
-              <a:rPr lang="de-DE" sz="1500" dirty="0" smtClean="0">
+              <a:rPr lang="de-DE" sz="1500" b="1" dirty="0" smtClean="0">
                 <a:latin typeface="Arial" panose="020B0604020202020204" pitchFamily="34" charset="0"/>
                 <a:cs typeface="Arial" panose="020B0604020202020204" pitchFamily="34" charset="0"/>
               </a:rPr>
@@ -3603,7 +3603,7 @@
               <a:t>S</a:t>
             </a:r>
             <a:r>
-              <a:rPr lang="de-DE" sz="1500" dirty="0" smtClean="0">
+              <a:rPr lang="de-DE" sz="1500" b="1" dirty="0" smtClean="0">
                 <a:latin typeface="Arial" panose="020B0604020202020204" pitchFamily="34" charset="0"/>
                 <a:cs typeface="Arial" panose="020B0604020202020204" pitchFamily="34" charset="0"/>
               </a:rPr>
@@ -3620,7 +3620,7 @@
               <a:t>S</a:t>
             </a:r>
             <a:r>
-              <a:rPr lang="de-DE" sz="1500" dirty="0" smtClean="0">
+              <a:rPr lang="de-DE" sz="1500" b="1" dirty="0" smtClean="0">
                 <a:latin typeface="Arial" panose="020B0604020202020204" pitchFamily="34" charset="0"/>
                 <a:cs typeface="Arial" panose="020B0604020202020204" pitchFamily="34" charset="0"/>
               </a:rPr>
@@ -3637,7 +3637,7 @@
               <a:t>S</a:t>
             </a:r>
             <a:r>
-              <a:rPr lang="de-DE" sz="1500" dirty="0" smtClean="0">
+              <a:rPr lang="de-DE" sz="1500" b="1" dirty="0" smtClean="0">
                 <a:latin typeface="Arial" panose="020B0604020202020204" pitchFamily="34" charset="0"/>
                 <a:cs typeface="Arial" panose="020B0604020202020204" pitchFamily="34" charset="0"/>
               </a:rPr>
@@ -3654,13 +3654,20 @@
               <a:t>S</a:t>
             </a:r>
             <a:r>
-              <a:rPr lang="de-DE" sz="1500" dirty="0" smtClean="0">
+              <a:rPr lang="de-DE" sz="1500" b="1" dirty="0" smtClean="0">
                 <a:latin typeface="Arial" panose="020B0604020202020204" pitchFamily="34" charset="0"/>
                 <a:cs typeface="Arial" panose="020B0604020202020204" pitchFamily="34" charset="0"/>
               </a:rPr>
-              <a:t>GGGGSGGGGVGVSTGS           COOH</a:t>
-            </a:r>
-            <a:endParaRPr lang="de-DE" sz="1500" dirty="0">
+              <a:t>GGGGSGGGGVGVSTGS          </a:t>
+            </a:r>
+            <a:r>
+              <a:rPr lang="de-DE" sz="1500" b="1" dirty="0" smtClean="0">
+                <a:latin typeface="Arial" panose="020B0604020202020204" pitchFamily="34" charset="0"/>
+                <a:cs typeface="Arial" panose="020B0604020202020204" pitchFamily="34" charset="0"/>
+              </a:rPr>
+              <a:t>COOH</a:t>
+            </a:r>
+            <a:endParaRPr lang="de-DE" sz="1500" b="1" dirty="0">
               <a:latin typeface="Arial" panose="020B0604020202020204" pitchFamily="34" charset="0"/>
               <a:cs typeface="Arial" panose="020B0604020202020204" pitchFamily="34" charset="0"/>
             </a:endParaRPr>
@@ -3675,7 +3682,7 @@
         </p:nvCxnSpPr>
         <p:spPr>
           <a:xfrm>
-            <a:off x="1425420" y="1498701"/>
+            <a:off x="1456952" y="1275298"/>
             <a:ext cx="144000" cy="0"/>
           </a:xfrm>
           <a:prstGeom prst="line">
@@ -3708,7 +3715,7 @@
         </p:nvCxnSpPr>
         <p:spPr>
           <a:xfrm flipH="1">
-            <a:off x="7895254" y="1498701"/>
+            <a:off x="7955361" y="1275298"/>
             <a:ext cx="432000" cy="0"/>
           </a:xfrm>
           <a:prstGeom prst="line">
@@ -3741,8 +3748,8 @@
         </p:nvSpPr>
         <p:spPr>
           <a:xfrm>
-            <a:off x="94404" y="1321925"/>
-            <a:ext cx="1309244" cy="369332"/>
+            <a:off x="85748" y="1069947"/>
+            <a:ext cx="1309244" cy="400110"/>
           </a:xfrm>
           <a:prstGeom prst="rect">
             <a:avLst/>
@@ -3756,13 +3763,13 @@
           <a:lstStyle/>
           <a:p>
             <a:r>
-              <a:rPr lang="de-CH" b="1" dirty="0" smtClean="0">
+              <a:rPr lang="de-CH" sz="2000" dirty="0" smtClean="0">
                 <a:latin typeface="Arial" panose="020B0604020202020204" pitchFamily="34" charset="0"/>
                 <a:cs typeface="Arial" panose="020B0604020202020204" pitchFamily="34" charset="0"/>
               </a:rPr>
               <a:t>5SG</a:t>
             </a:r>
-            <a:endParaRPr lang="de-DE" b="1" dirty="0">
+            <a:endParaRPr lang="de-DE" sz="2000" dirty="0">
               <a:latin typeface="Arial" panose="020B0604020202020204" pitchFamily="34" charset="0"/>
               <a:cs typeface="Arial" panose="020B0604020202020204" pitchFamily="34" charset="0"/>
             </a:endParaRPr>
@@ -3777,7 +3784,7 @@
         </p:nvCxnSpPr>
         <p:spPr>
           <a:xfrm>
-            <a:off x="1680794" y="1616739"/>
+            <a:off x="1712326" y="1393336"/>
             <a:ext cx="0" cy="144000"/>
           </a:xfrm>
           <a:prstGeom prst="line">
@@ -3812,7 +3819,7 @@
         </p:nvCxnSpPr>
         <p:spPr>
           <a:xfrm>
-            <a:off x="2246225" y="1616739"/>
+            <a:off x="2277757" y="1393336"/>
             <a:ext cx="0" cy="144000"/>
           </a:xfrm>
           <a:prstGeom prst="line">
@@ -3847,7 +3854,7 @@
         </p:nvCxnSpPr>
         <p:spPr>
           <a:xfrm>
-            <a:off x="2926702" y="1616739"/>
+            <a:off x="2929659" y="1393336"/>
             <a:ext cx="0" cy="144000"/>
           </a:xfrm>
           <a:prstGeom prst="line">
@@ -3882,7 +3889,7 @@
         </p:nvCxnSpPr>
         <p:spPr>
           <a:xfrm>
-            <a:off x="3564394" y="1616739"/>
+            <a:off x="3576876" y="1393336"/>
             <a:ext cx="0" cy="144000"/>
           </a:xfrm>
           <a:prstGeom prst="line">
@@ -3917,7 +3924,7 @@
         </p:nvCxnSpPr>
         <p:spPr>
           <a:xfrm>
-            <a:off x="4186753" y="1616739"/>
+            <a:off x="4218285" y="1393336"/>
             <a:ext cx="0" cy="144000"/>
           </a:xfrm>
           <a:prstGeom prst="line">
@@ -3952,7 +3959,7 @@
         </p:nvCxnSpPr>
         <p:spPr>
           <a:xfrm>
-            <a:off x="4806867" y="1616739"/>
+            <a:off x="4886024" y="1393336"/>
             <a:ext cx="0" cy="144000"/>
           </a:xfrm>
           <a:prstGeom prst="line">
@@ -3987,7 +3994,7 @@
         </p:nvCxnSpPr>
         <p:spPr>
           <a:xfrm>
-            <a:off x="5520508" y="1616739"/>
+            <a:off x="5599665" y="1393336"/>
             <a:ext cx="0" cy="144000"/>
           </a:xfrm>
           <a:prstGeom prst="line">
@@ -4022,7 +4029,7 @@
         </p:nvCxnSpPr>
         <p:spPr>
           <a:xfrm>
-            <a:off x="6247027" y="1616739"/>
+            <a:off x="6326184" y="1393336"/>
             <a:ext cx="0" cy="144000"/>
           </a:xfrm>
           <a:prstGeom prst="line">
@@ -4057,7 +4064,7 @@
         </p:nvCxnSpPr>
         <p:spPr>
           <a:xfrm>
-            <a:off x="6960668" y="1616739"/>
+            <a:off x="7077925" y="1393336"/>
             <a:ext cx="0" cy="144000"/>
           </a:xfrm>
           <a:prstGeom prst="line">
@@ -4092,7 +4099,7 @@
         </p:nvCxnSpPr>
         <p:spPr>
           <a:xfrm>
-            <a:off x="7615432" y="1616739"/>
+            <a:off x="7742214" y="1393336"/>
             <a:ext cx="0" cy="144000"/>
           </a:xfrm>
           <a:prstGeom prst="line">
@@ -4127,7 +4134,7 @@
         </p:nvSpPr>
         <p:spPr>
           <a:xfrm>
-            <a:off x="1536762" y="1709274"/>
+            <a:off x="1568294" y="1485871"/>
             <a:ext cx="338284" cy="323165"/>
           </a:xfrm>
           <a:prstGeom prst="rect">
@@ -4157,7 +4164,7 @@
         </p:nvSpPr>
         <p:spPr>
           <a:xfrm>
-            <a:off x="2110328" y="1709274"/>
+            <a:off x="2141860" y="1485871"/>
             <a:ext cx="338284" cy="323165"/>
           </a:xfrm>
           <a:prstGeom prst="rect">
@@ -4187,7 +4194,7 @@
         </p:nvSpPr>
         <p:spPr>
           <a:xfrm>
-            <a:off x="2742072" y="1709274"/>
+            <a:off x="2745029" y="1485871"/>
             <a:ext cx="422426" cy="323165"/>
           </a:xfrm>
           <a:prstGeom prst="rect">
@@ -4217,7 +4224,7 @@
         </p:nvSpPr>
         <p:spPr>
           <a:xfrm>
-            <a:off x="3366376" y="1709274"/>
+            <a:off x="3388383" y="1485871"/>
             <a:ext cx="453392" cy="323165"/>
           </a:xfrm>
           <a:prstGeom prst="rect">
@@ -4247,7 +4254,7 @@
         </p:nvSpPr>
         <p:spPr>
           <a:xfrm>
-            <a:off x="4000007" y="1709274"/>
+            <a:off x="4031539" y="1485871"/>
             <a:ext cx="457200" cy="323165"/>
           </a:xfrm>
           <a:prstGeom prst="rect">
@@ -4277,7 +4284,7 @@
         </p:nvSpPr>
         <p:spPr>
           <a:xfrm>
-            <a:off x="4609487" y="1709274"/>
+            <a:off x="4688644" y="1485871"/>
             <a:ext cx="394760" cy="323165"/>
           </a:xfrm>
           <a:prstGeom prst="rect">
@@ -4307,7 +4314,7 @@
         </p:nvSpPr>
         <p:spPr>
           <a:xfrm>
-            <a:off x="5333602" y="1709274"/>
+            <a:off x="5412759" y="1485871"/>
             <a:ext cx="395584" cy="323165"/>
           </a:xfrm>
           <a:prstGeom prst="rect">
@@ -4337,7 +4344,7 @@
         </p:nvSpPr>
         <p:spPr>
           <a:xfrm>
-            <a:off x="6060315" y="1709274"/>
+            <a:off x="6139472" y="1485871"/>
             <a:ext cx="395196" cy="323165"/>
           </a:xfrm>
           <a:prstGeom prst="rect">
@@ -4367,7 +4374,7 @@
         </p:nvSpPr>
         <p:spPr>
           <a:xfrm>
-            <a:off x="6764720" y="1709274"/>
+            <a:off x="6881977" y="1485871"/>
             <a:ext cx="395196" cy="323165"/>
           </a:xfrm>
           <a:prstGeom prst="rect">
@@ -4397,7 +4404,7 @@
         </p:nvSpPr>
         <p:spPr>
           <a:xfrm>
-            <a:off x="7414741" y="1709274"/>
+            <a:off x="7541523" y="1485871"/>
             <a:ext cx="395196" cy="323165"/>
           </a:xfrm>
           <a:prstGeom prst="rect">
@@ -4427,7 +4434,7 @@
         </p:nvCxnSpPr>
         <p:spPr>
           <a:xfrm>
-            <a:off x="1680794" y="1997322"/>
+            <a:off x="1712326" y="1773919"/>
             <a:ext cx="0" cy="144000"/>
           </a:xfrm>
           <a:prstGeom prst="line">
@@ -4462,7 +4469,7 @@
         </p:nvCxnSpPr>
         <p:spPr>
           <a:xfrm>
-            <a:off x="2246225" y="1997322"/>
+            <a:off x="2277757" y="1773919"/>
             <a:ext cx="0" cy="144000"/>
           </a:xfrm>
           <a:prstGeom prst="line">
@@ -4497,7 +4504,7 @@
         </p:nvCxnSpPr>
         <p:spPr>
           <a:xfrm>
-            <a:off x="2926702" y="1997322"/>
+            <a:off x="2929659" y="1773919"/>
             <a:ext cx="0" cy="144000"/>
           </a:xfrm>
           <a:prstGeom prst="line">
@@ -4532,7 +4539,7 @@
         </p:nvCxnSpPr>
         <p:spPr>
           <a:xfrm>
-            <a:off x="3564394" y="1997322"/>
+            <a:off x="3576876" y="1773919"/>
             <a:ext cx="0" cy="144000"/>
           </a:xfrm>
           <a:prstGeom prst="line">
@@ -4567,7 +4574,7 @@
         </p:nvCxnSpPr>
         <p:spPr>
           <a:xfrm>
-            <a:off x="4186753" y="1997322"/>
+            <a:off x="4218285" y="1773919"/>
             <a:ext cx="0" cy="144000"/>
           </a:xfrm>
           <a:prstGeom prst="line">
@@ -4602,7 +4609,7 @@
         </p:nvCxnSpPr>
         <p:spPr>
           <a:xfrm>
-            <a:off x="4806867" y="1997322"/>
+            <a:off x="4886024" y="1773919"/>
             <a:ext cx="0" cy="144000"/>
           </a:xfrm>
           <a:prstGeom prst="line">
@@ -4637,7 +4644,7 @@
         </p:nvCxnSpPr>
         <p:spPr>
           <a:xfrm>
-            <a:off x="5520508" y="1997322"/>
+            <a:off x="5599665" y="1773919"/>
             <a:ext cx="0" cy="144000"/>
           </a:xfrm>
           <a:prstGeom prst="line">
@@ -4672,7 +4679,7 @@
         </p:nvCxnSpPr>
         <p:spPr>
           <a:xfrm>
-            <a:off x="6247027" y="1997322"/>
+            <a:off x="6326184" y="1773919"/>
             <a:ext cx="0" cy="144000"/>
           </a:xfrm>
           <a:prstGeom prst="line">
@@ -4707,7 +4714,7 @@
         </p:nvCxnSpPr>
         <p:spPr>
           <a:xfrm>
-            <a:off x="6960668" y="1997322"/>
+            <a:off x="7077925" y="1773919"/>
             <a:ext cx="0" cy="144000"/>
           </a:xfrm>
           <a:prstGeom prst="line">
@@ -4742,7 +4749,7 @@
         </p:nvCxnSpPr>
         <p:spPr>
           <a:xfrm>
-            <a:off x="7615432" y="1997322"/>
+            <a:off x="7742214" y="1773919"/>
             <a:ext cx="0" cy="144000"/>
           </a:xfrm>
           <a:prstGeom prst="line">
@@ -4777,7 +4784,7 @@
         </p:nvSpPr>
         <p:spPr>
           <a:xfrm>
-            <a:off x="960461" y="2097778"/>
+            <a:off x="991993" y="1874375"/>
             <a:ext cx="9379072" cy="323165"/>
           </a:xfrm>
           <a:prstGeom prst="rect">
@@ -4792,35 +4799,35 @@
           <a:lstStyle/>
           <a:p>
             <a:r>
-              <a:rPr lang="de-DE" sz="1500" dirty="0" smtClean="0">
+              <a:rPr lang="de-DE" sz="1500" b="1" dirty="0" smtClean="0">
                 <a:latin typeface="Arial" panose="020B0604020202020204" pitchFamily="34" charset="0"/>
                 <a:cs typeface="Arial" panose="020B0604020202020204" pitchFamily="34" charset="0"/>
               </a:rPr>
               <a:t>H</a:t>
             </a:r>
             <a:r>
-              <a:rPr lang="de-DE" sz="1500" baseline="-25000" dirty="0" smtClean="0">
+              <a:rPr lang="de-DE" sz="1500" b="1" baseline="-25000" dirty="0" smtClean="0">
                 <a:latin typeface="Arial" panose="020B0604020202020204" pitchFamily="34" charset="0"/>
                 <a:cs typeface="Arial" panose="020B0604020202020204" pitchFamily="34" charset="0"/>
               </a:rPr>
               <a:t>2</a:t>
             </a:r>
             <a:r>
-              <a:rPr lang="de-DE" sz="1500" dirty="0" smtClean="0">
+              <a:rPr lang="de-DE" sz="1500" b="1" dirty="0" smtClean="0">
                 <a:latin typeface="Arial" panose="020B0604020202020204" pitchFamily="34" charset="0"/>
                 <a:cs typeface="Arial" panose="020B0604020202020204" pitchFamily="34" charset="0"/>
               </a:rPr>
               <a:t>N    M</a:t>
             </a:r>
             <a:r>
-              <a:rPr lang="de-DE" sz="1500" dirty="0">
+              <a:rPr lang="de-DE" sz="1500" b="1" dirty="0">
                 <a:latin typeface="Arial" panose="020B0604020202020204" pitchFamily="34" charset="0"/>
                 <a:cs typeface="Arial" panose="020B0604020202020204" pitchFamily="34" charset="0"/>
               </a:rPr>
               <a:t>S</a:t>
             </a:r>
             <a:r>
-              <a:rPr lang="de-DE" sz="1500" dirty="0" smtClean="0">
+              <a:rPr lang="de-DE" sz="1500" b="1" dirty="0" smtClean="0">
                 <a:latin typeface="Arial" panose="020B0604020202020204" pitchFamily="34" charset="0"/>
                 <a:cs typeface="Arial" panose="020B0604020202020204" pitchFamily="34" charset="0"/>
               </a:rPr>
@@ -4837,13 +4844,20 @@
               <a:t>G</a:t>
             </a:r>
             <a:r>
-              <a:rPr lang="de-DE" sz="1500" dirty="0" smtClean="0">
+              <a:rPr lang="de-DE" sz="1500" b="1" dirty="0" smtClean="0">
                 <a:latin typeface="Arial" panose="020B0604020202020204" pitchFamily="34" charset="0"/>
                 <a:cs typeface="Arial" panose="020B0604020202020204" pitchFamily="34" charset="0"/>
               </a:rPr>
-              <a:t>GSGGGGVGVSTGS           COOH</a:t>
-            </a:r>
-            <a:endParaRPr lang="de-DE" sz="1500" dirty="0">
+              <a:t>GSGGGGVGVSTGS          </a:t>
+            </a:r>
+            <a:r>
+              <a:rPr lang="de-DE" sz="1500" b="1" dirty="0" smtClean="0">
+                <a:latin typeface="Arial" panose="020B0604020202020204" pitchFamily="34" charset="0"/>
+                <a:cs typeface="Arial" panose="020B0604020202020204" pitchFamily="34" charset="0"/>
+              </a:rPr>
+              <a:t>COOH</a:t>
+            </a:r>
+            <a:endParaRPr lang="de-DE" sz="1500" b="1" dirty="0">
               <a:latin typeface="Arial" panose="020B0604020202020204" pitchFamily="34" charset="0"/>
               <a:cs typeface="Arial" panose="020B0604020202020204" pitchFamily="34" charset="0"/>
             </a:endParaRPr>
@@ -4858,8 +4872,8 @@
         </p:nvSpPr>
         <p:spPr>
           <a:xfrm>
-            <a:off x="94404" y="2076512"/>
-            <a:ext cx="1107822" cy="369332"/>
+            <a:off x="85748" y="1815009"/>
+            <a:ext cx="1107822" cy="400110"/>
           </a:xfrm>
           <a:prstGeom prst="rect">
             <a:avLst/>
@@ -4873,13 +4887,13 @@
           <a:lstStyle/>
           <a:p>
             <a:r>
-              <a:rPr lang="de-CH" b="1" dirty="0" smtClean="0">
+              <a:rPr lang="de-CH" sz="2000" dirty="0" smtClean="0">
                 <a:latin typeface="Arial" panose="020B0604020202020204" pitchFamily="34" charset="0"/>
                 <a:cs typeface="Arial" panose="020B0604020202020204" pitchFamily="34" charset="0"/>
               </a:rPr>
               <a:t>G33F</a:t>
             </a:r>
-            <a:endParaRPr lang="de-DE" b="1" dirty="0">
+            <a:endParaRPr lang="de-DE" sz="2000" dirty="0">
               <a:latin typeface="Arial" panose="020B0604020202020204" pitchFamily="34" charset="0"/>
               <a:cs typeface="Arial" panose="020B0604020202020204" pitchFamily="34" charset="0"/>
             </a:endParaRPr>
@@ -4894,7 +4908,7 @@
         </p:nvCxnSpPr>
         <p:spPr>
           <a:xfrm>
-            <a:off x="1425420" y="2256874"/>
+            <a:off x="1456952" y="2033471"/>
             <a:ext cx="144000" cy="0"/>
           </a:xfrm>
           <a:prstGeom prst="line">
@@ -4927,7 +4941,7 @@
         </p:nvCxnSpPr>
         <p:spPr>
           <a:xfrm flipH="1">
-            <a:off x="7895254" y="2245988"/>
+            <a:off x="7955361" y="2022585"/>
             <a:ext cx="432000" cy="0"/>
           </a:xfrm>
           <a:prstGeom prst="line">
@@ -4960,7 +4974,7 @@
         </p:nvSpPr>
         <p:spPr>
           <a:xfrm>
-            <a:off x="1742459" y="974130"/>
+            <a:off x="1773991" y="750727"/>
             <a:ext cx="216000" cy="288000"/>
           </a:xfrm>
           <a:prstGeom prst="roundRect">
@@ -5003,7 +5017,7 @@
         </p:nvSpPr>
         <p:spPr>
           <a:xfrm>
-            <a:off x="1688841" y="956575"/>
+            <a:off x="1720373" y="733172"/>
             <a:ext cx="395196" cy="323165"/>
           </a:xfrm>
           <a:prstGeom prst="rect">
@@ -5042,7 +5056,7 @@
         </p:nvCxnSpPr>
         <p:spPr>
           <a:xfrm>
-            <a:off x="1843827" y="1268854"/>
+            <a:off x="1875359" y="1045451"/>
             <a:ext cx="0" cy="144000"/>
           </a:xfrm>
           <a:prstGeom prst="line">
@@ -5077,7 +5091,7 @@
         </p:nvSpPr>
         <p:spPr>
           <a:xfrm>
-            <a:off x="2260167" y="974130"/>
+            <a:off x="2291699" y="750727"/>
             <a:ext cx="216000" cy="288000"/>
           </a:xfrm>
           <a:prstGeom prst="roundRect">
@@ -5120,7 +5134,7 @@
         </p:nvSpPr>
         <p:spPr>
           <a:xfrm>
-            <a:off x="2193656" y="956575"/>
+            <a:off x="2225188" y="733172"/>
             <a:ext cx="395196" cy="323165"/>
           </a:xfrm>
           <a:prstGeom prst="rect">
@@ -5159,7 +5173,7 @@
         </p:nvCxnSpPr>
         <p:spPr>
           <a:xfrm>
-            <a:off x="2370161" y="1268854"/>
+            <a:off x="2401693" y="1045451"/>
             <a:ext cx="0" cy="144000"/>
           </a:xfrm>
           <a:prstGeom prst="line">
@@ -5194,7 +5208,7 @@
         </p:nvSpPr>
         <p:spPr>
           <a:xfrm>
-            <a:off x="3582603" y="974130"/>
+            <a:off x="3614135" y="750727"/>
             <a:ext cx="216000" cy="288000"/>
           </a:xfrm>
           <a:prstGeom prst="roundRect">
@@ -5237,7 +5251,7 @@
         </p:nvSpPr>
         <p:spPr>
           <a:xfrm>
-            <a:off x="3522458" y="956575"/>
+            <a:off x="3553990" y="733172"/>
             <a:ext cx="395196" cy="323165"/>
           </a:xfrm>
           <a:prstGeom prst="rect">
@@ -5276,7 +5290,7 @@
         </p:nvCxnSpPr>
         <p:spPr>
           <a:xfrm>
-            <a:off x="3688330" y="1268854"/>
+            <a:off x="3719862" y="1045451"/>
             <a:ext cx="0" cy="144000"/>
           </a:xfrm>
           <a:prstGeom prst="line">
@@ -5311,7 +5325,7 @@
         </p:nvSpPr>
         <p:spPr>
           <a:xfrm>
-            <a:off x="5397379" y="974130"/>
+            <a:off x="5428911" y="750727"/>
             <a:ext cx="216000" cy="288000"/>
           </a:xfrm>
           <a:prstGeom prst="roundRect">
@@ -5354,7 +5368,7 @@
         </p:nvSpPr>
         <p:spPr>
           <a:xfrm>
-            <a:off x="5341501" y="956575"/>
+            <a:off x="5373033" y="733172"/>
             <a:ext cx="395196" cy="323165"/>
           </a:xfrm>
           <a:prstGeom prst="rect">
@@ -5393,7 +5407,7 @@
         </p:nvCxnSpPr>
         <p:spPr>
           <a:xfrm>
-            <a:off x="5507373" y="1268854"/>
+            <a:off x="5538905" y="1045451"/>
             <a:ext cx="0" cy="144000"/>
           </a:xfrm>
           <a:prstGeom prst="line">
@@ -5428,7 +5442,7 @@
         </p:nvSpPr>
         <p:spPr>
           <a:xfrm>
-            <a:off x="2803646" y="974130"/>
+            <a:off x="2835178" y="750727"/>
             <a:ext cx="216000" cy="288000"/>
           </a:xfrm>
           <a:prstGeom prst="roundRect">
@@ -5471,7 +5485,7 @@
         </p:nvSpPr>
         <p:spPr>
           <a:xfrm>
-            <a:off x="2750028" y="956575"/>
+            <a:off x="2781560" y="733172"/>
             <a:ext cx="395196" cy="323165"/>
           </a:xfrm>
           <a:prstGeom prst="rect">
@@ -5510,7 +5524,7 @@
         </p:nvCxnSpPr>
         <p:spPr>
           <a:xfrm>
-            <a:off x="2920259" y="1268854"/>
+            <a:off x="2951791" y="1045451"/>
             <a:ext cx="0" cy="144000"/>
           </a:xfrm>
           <a:prstGeom prst="line">
@@ -5545,7 +5559,7 @@
         </p:nvGrpSpPr>
         <p:grpSpPr>
           <a:xfrm>
-            <a:off x="5838874" y="2344526"/>
+            <a:off x="5870406" y="2121123"/>
             <a:ext cx="216000" cy="432048"/>
             <a:chOff x="5464998" y="1196752"/>
             <a:chExt cx="216000" cy="432048"/>
@@ -5638,7 +5652,7 @@
         </p:nvSpPr>
         <p:spPr>
           <a:xfrm>
-            <a:off x="5793061" y="2476287"/>
+            <a:off x="5824593" y="2252884"/>
             <a:ext cx="395196" cy="323165"/>
           </a:xfrm>
           <a:prstGeom prst="rect">
@@ -5692,13 +5706,13 @@
           <a:lstStyle/>
           <a:p>
             <a:r>
-              <a:rPr lang="de-CH" sz="2000" b="1" dirty="0" smtClean="0">
+              <a:rPr lang="de-CH" sz="2000" dirty="0" smtClean="0">
                 <a:latin typeface="Arial" panose="020B0604020202020204" pitchFamily="34" charset="0"/>
                 <a:cs typeface="Arial" panose="020B0604020202020204" pitchFamily="34" charset="0"/>
               </a:rPr>
               <a:t>Mutant</a:t>
             </a:r>
-            <a:endParaRPr lang="de-DE" sz="2000" b="1" dirty="0">
+            <a:endParaRPr lang="de-DE" sz="2000" dirty="0">
               <a:latin typeface="Arial" panose="020B0604020202020204" pitchFamily="34" charset="0"/>
               <a:cs typeface="Arial" panose="020B0604020202020204" pitchFamily="34" charset="0"/>
             </a:endParaRPr>
@@ -5728,20 +5742,20 @@
           <a:lstStyle/>
           <a:p>
             <a:r>
-              <a:rPr lang="de-CH" sz="2000" b="1" dirty="0" smtClean="0">
+              <a:rPr lang="de-CH" sz="2000" dirty="0" smtClean="0">
                 <a:latin typeface="Arial" panose="020B0604020202020204" pitchFamily="34" charset="0"/>
                 <a:cs typeface="Arial" panose="020B0604020202020204" pitchFamily="34" charset="0"/>
               </a:rPr>
               <a:t>N-VP2 </a:t>
             </a:r>
             <a:r>
-              <a:rPr lang="de-CH" sz="2000" b="1" dirty="0" err="1" smtClean="0">
+              <a:rPr lang="de-CH" sz="2000" dirty="0" err="1" smtClean="0">
                 <a:latin typeface="Arial" panose="020B0604020202020204" pitchFamily="34" charset="0"/>
                 <a:cs typeface="Arial" panose="020B0604020202020204" pitchFamily="34" charset="0"/>
               </a:rPr>
               <a:t>sequence</a:t>
             </a:r>
-            <a:endParaRPr lang="de-DE" sz="2000" b="1" dirty="0">
+            <a:endParaRPr lang="de-DE" sz="2000" dirty="0">
               <a:latin typeface="Arial" panose="020B0604020202020204" pitchFamily="34" charset="0"/>
               <a:cs typeface="Arial" panose="020B0604020202020204" pitchFamily="34" charset="0"/>
             </a:endParaRPr>
@@ -5756,7 +5770,7 @@
         </p:nvGrpSpPr>
         <p:grpSpPr>
           <a:xfrm rot="-360000">
-            <a:off x="1560058" y="6013364"/>
+            <a:off x="1591590" y="6149350"/>
             <a:ext cx="385701" cy="144000"/>
             <a:chOff x="1833287" y="6390465"/>
             <a:chExt cx="385701" cy="144000"/>
@@ -6103,7 +6117,7 @@
         </p:nvCxnSpPr>
         <p:spPr>
           <a:xfrm rot="1140000" flipV="1">
-            <a:off x="1586218" y="6421901"/>
+            <a:off x="1617750" y="6694035"/>
             <a:ext cx="324000" cy="144000"/>
           </a:xfrm>
           <a:prstGeom prst="curvedConnector3">
@@ -6160,7 +6174,7 @@
         </p:blipFill>
         <p:spPr>
           <a:xfrm>
-            <a:off x="1851482" y="2961574"/>
+            <a:off x="1883014" y="2738171"/>
             <a:ext cx="972208" cy="1116000"/>
           </a:xfrm>
           <a:prstGeom prst="rect">
@@ -6176,7 +6190,7 @@
         </p:nvSpPr>
         <p:spPr>
           <a:xfrm rot="13873920">
-            <a:off x="1956501" y="3427046"/>
+            <a:off x="1988033" y="3203643"/>
             <a:ext cx="828254" cy="158662"/>
           </a:xfrm>
           <a:custGeom>
@@ -6343,7 +6357,7 @@
         </p:nvGrpSpPr>
         <p:grpSpPr>
           <a:xfrm rot="15946922">
-            <a:off x="2109367" y="2690528"/>
+            <a:off x="2140899" y="2467125"/>
             <a:ext cx="385701" cy="144000"/>
             <a:chOff x="1833287" y="6390465"/>
             <a:chExt cx="385701" cy="144000"/>
@@ -6690,7 +6704,7 @@
         </p:nvGrpSpPr>
         <p:grpSpPr>
           <a:xfrm rot="19329006">
-            <a:off x="2768888" y="3029675"/>
+            <a:off x="2800420" y="2806272"/>
             <a:ext cx="385701" cy="144000"/>
             <a:chOff x="1833287" y="6390465"/>
             <a:chExt cx="385701" cy="144000"/>
@@ -7037,7 +7051,7 @@
         </p:nvGrpSpPr>
         <p:grpSpPr>
           <a:xfrm rot="2204428">
-            <a:off x="2787293" y="3815263"/>
+            <a:off x="2818825" y="3591860"/>
             <a:ext cx="385701" cy="144000"/>
             <a:chOff x="1833287" y="6390465"/>
             <a:chExt cx="385701" cy="144000"/>
@@ -7384,7 +7398,7 @@
         </p:nvGrpSpPr>
         <p:grpSpPr>
           <a:xfrm rot="5400000">
-            <a:off x="2157626" y="4172763"/>
+            <a:off x="2189158" y="3949360"/>
             <a:ext cx="385701" cy="144000"/>
             <a:chOff x="1833287" y="6390465"/>
             <a:chExt cx="385701" cy="144000"/>
@@ -7731,7 +7745,7 @@
         </p:nvGrpSpPr>
         <p:grpSpPr>
           <a:xfrm rot="8522858">
-            <a:off x="1520612" y="3838164"/>
+            <a:off x="1552144" y="3614761"/>
             <a:ext cx="385701" cy="144000"/>
             <a:chOff x="1833287" y="6390465"/>
             <a:chExt cx="385701" cy="144000"/>
@@ -8078,7 +8092,7 @@
         </p:nvGrpSpPr>
         <p:grpSpPr>
           <a:xfrm rot="12514432">
-            <a:off x="1475656" y="3086550"/>
+            <a:off x="1507188" y="2863147"/>
             <a:ext cx="385701" cy="144000"/>
             <a:chOff x="1833287" y="6390465"/>
             <a:chExt cx="385701" cy="144000"/>
@@ -8425,7 +8439,7 @@
         </p:nvGrpSpPr>
         <p:grpSpPr>
           <a:xfrm rot="12514432">
-            <a:off x="1773743" y="3296918"/>
+            <a:off x="1805275" y="3073515"/>
             <a:ext cx="385701" cy="144000"/>
             <a:chOff x="1833287" y="6390465"/>
             <a:chExt cx="385701" cy="144000"/>
@@ -8774,7 +8788,7 @@
         </p:nvCxnSpPr>
         <p:spPr>
           <a:xfrm rot="20821342" flipV="1">
-            <a:off x="2502157" y="3116624"/>
+            <a:off x="2533689" y="2893221"/>
             <a:ext cx="324000" cy="144000"/>
           </a:xfrm>
           <a:prstGeom prst="curvedConnector3">
@@ -8823,7 +8837,7 @@
         </p:nvGrpSpPr>
         <p:grpSpPr>
           <a:xfrm>
-            <a:off x="2643126" y="3021179"/>
+            <a:off x="2674658" y="2797776"/>
             <a:ext cx="130276" cy="206116"/>
             <a:chOff x="3729766" y="5756981"/>
             <a:chExt cx="130276" cy="206116"/>
@@ -9153,7 +9167,7 @@
         </p:nvGrpSpPr>
         <p:grpSpPr>
           <a:xfrm rot="12514432">
-            <a:off x="2080598" y="3821226"/>
+            <a:off x="2112130" y="3597823"/>
             <a:ext cx="385701" cy="144000"/>
             <a:chOff x="1833287" y="6390465"/>
             <a:chExt cx="385701" cy="144000"/>
@@ -9512,7 +9526,7 @@
         </p:blipFill>
         <p:spPr>
           <a:xfrm>
-            <a:off x="4310345" y="2961574"/>
+            <a:off x="4341877" y="2738171"/>
             <a:ext cx="972208" cy="1116000"/>
           </a:xfrm>
           <a:prstGeom prst="rect">
@@ -9528,7 +9542,7 @@
         </p:nvSpPr>
         <p:spPr>
           <a:xfrm rot="13873920">
-            <a:off x="4404731" y="3422982"/>
+            <a:off x="4436263" y="3199579"/>
             <a:ext cx="828254" cy="158662"/>
           </a:xfrm>
           <a:custGeom>
@@ -9695,7 +9709,7 @@
         </p:nvCxnSpPr>
         <p:spPr>
           <a:xfrm rot="17086922" flipV="1">
-            <a:off x="4601350" y="2727864"/>
+            <a:off x="4651932" y="2504461"/>
             <a:ext cx="324000" cy="144000"/>
           </a:xfrm>
           <a:prstGeom prst="curvedConnector3">
@@ -9742,7 +9756,7 @@
         </p:nvCxnSpPr>
         <p:spPr>
           <a:xfrm rot="20469006" flipV="1">
-            <a:off x="5234241" y="3044541"/>
+            <a:off x="5265773" y="2821138"/>
             <a:ext cx="324000" cy="144000"/>
           </a:xfrm>
           <a:prstGeom prst="curvedConnector3">
@@ -9789,7 +9803,7 @@
         </p:nvCxnSpPr>
         <p:spPr>
           <a:xfrm rot="3344428" flipV="1">
-            <a:off x="5262917" y="3792745"/>
+            <a:off x="5294449" y="3569342"/>
             <a:ext cx="324000" cy="144000"/>
           </a:xfrm>
           <a:prstGeom prst="curvedConnector3">
@@ -9836,7 +9850,7 @@
         </p:nvCxnSpPr>
         <p:spPr>
           <a:xfrm rot="6540000" flipV="1">
-            <a:off x="4647340" y="4148482"/>
+            <a:off x="4678872" y="3925079"/>
             <a:ext cx="324000" cy="144000"/>
           </a:xfrm>
           <a:prstGeom prst="curvedConnector3">
@@ -9883,7 +9897,7 @@
         </p:nvCxnSpPr>
         <p:spPr>
           <a:xfrm rot="9662858" flipV="1">
-            <a:off x="4034652" y="3815127"/>
+            <a:off x="4066184" y="3591724"/>
             <a:ext cx="324000" cy="144000"/>
           </a:xfrm>
           <a:prstGeom prst="curvedConnector3">
@@ -9930,7 +9944,7 @@
         </p:nvCxnSpPr>
         <p:spPr>
           <a:xfrm rot="13654432" flipV="1">
-            <a:off x="3992462" y="3097242"/>
+            <a:off x="4023994" y="2873839"/>
             <a:ext cx="324000" cy="144000"/>
           </a:xfrm>
           <a:prstGeom prst="curvedConnector3">
@@ -9977,7 +9991,7 @@
         </p:nvCxnSpPr>
         <p:spPr>
           <a:xfrm rot="13654432" flipV="1">
-            <a:off x="4264671" y="3333488"/>
+            <a:off x="4296203" y="3110085"/>
             <a:ext cx="324000" cy="144000"/>
           </a:xfrm>
           <a:prstGeom prst="curvedConnector3">
@@ -10026,7 +10040,7 @@
         </p:nvCxnSpPr>
         <p:spPr>
           <a:xfrm rot="20821342" flipV="1">
-            <a:off x="4961020" y="3112560"/>
+            <a:off x="4992552" y="2889157"/>
             <a:ext cx="324000" cy="144000"/>
           </a:xfrm>
           <a:prstGeom prst="curvedConnector3">
@@ -10075,7 +10089,7 @@
         </p:nvCxnSpPr>
         <p:spPr>
           <a:xfrm rot="13654432" flipV="1">
-            <a:off x="4597404" y="3831918"/>
+            <a:off x="4628936" y="3608515"/>
             <a:ext cx="324000" cy="144000"/>
           </a:xfrm>
           <a:prstGeom prst="curvedConnector3">
@@ -10134,7 +10148,7 @@
         </p:blipFill>
         <p:spPr>
           <a:xfrm>
-            <a:off x="6372200" y="2957510"/>
+            <a:off x="6403732" y="2734107"/>
             <a:ext cx="972208" cy="1116000"/>
           </a:xfrm>
           <a:prstGeom prst="rect">
@@ -10150,8 +10164,8 @@
         </p:nvSpPr>
         <p:spPr>
           <a:xfrm>
-            <a:off x="2045614" y="4509621"/>
-            <a:ext cx="766662" cy="369332"/>
+            <a:off x="1979712" y="4286218"/>
+            <a:ext cx="1156111" cy="461665"/>
           </a:xfrm>
           <a:prstGeom prst="rect">
             <a:avLst/>
@@ -10165,13 +10179,13 @@
           <a:lstStyle/>
           <a:p>
             <a:r>
-              <a:rPr lang="de-CH" b="1" dirty="0" smtClean="0">
+              <a:rPr lang="de-CH" sz="2400" dirty="0" smtClean="0">
                 <a:latin typeface="Arial" panose="020B0604020202020204" pitchFamily="34" charset="0"/>
                 <a:cs typeface="Arial" panose="020B0604020202020204" pitchFamily="34" charset="0"/>
               </a:rPr>
               <a:t>WT</a:t>
             </a:r>
-            <a:endParaRPr lang="de-DE" b="1" dirty="0">
+            <a:endParaRPr lang="de-DE" sz="2400" dirty="0">
               <a:latin typeface="Arial" panose="020B0604020202020204" pitchFamily="34" charset="0"/>
               <a:cs typeface="Arial" panose="020B0604020202020204" pitchFamily="34" charset="0"/>
             </a:endParaRPr>
@@ -10186,8 +10200,8 @@
         </p:nvSpPr>
         <p:spPr>
           <a:xfrm>
-            <a:off x="4493886" y="4509621"/>
-            <a:ext cx="766662" cy="369332"/>
+            <a:off x="4427984" y="4286218"/>
+            <a:ext cx="1156111" cy="461665"/>
           </a:xfrm>
           <a:prstGeom prst="rect">
             <a:avLst/>
@@ -10201,13 +10215,13 @@
           <a:lstStyle/>
           <a:p>
             <a:r>
-              <a:rPr lang="de-CH" b="1" dirty="0" smtClean="0">
+              <a:rPr lang="de-CH" sz="2400" dirty="0" smtClean="0">
                 <a:latin typeface="Arial" panose="020B0604020202020204" pitchFamily="34" charset="0"/>
                 <a:cs typeface="Arial" panose="020B0604020202020204" pitchFamily="34" charset="0"/>
               </a:rPr>
               <a:t>5SG</a:t>
             </a:r>
-            <a:endParaRPr lang="de-DE" b="1" dirty="0">
+            <a:endParaRPr lang="de-DE" sz="2400" dirty="0">
               <a:latin typeface="Arial" panose="020B0604020202020204" pitchFamily="34" charset="0"/>
               <a:cs typeface="Arial" panose="020B0604020202020204" pitchFamily="34" charset="0"/>
             </a:endParaRPr>
@@ -10222,8 +10236,8 @@
         </p:nvSpPr>
         <p:spPr>
           <a:xfrm>
-            <a:off x="6548530" y="4509621"/>
-            <a:ext cx="766662" cy="369332"/>
+            <a:off x="6516216" y="4286218"/>
+            <a:ext cx="1156111" cy="461665"/>
           </a:xfrm>
           <a:prstGeom prst="rect">
             <a:avLst/>
@@ -10237,13 +10251,13 @@
           <a:lstStyle/>
           <a:p>
             <a:r>
-              <a:rPr lang="de-CH" b="1" dirty="0" smtClean="0">
+              <a:rPr lang="de-CH" sz="2400" dirty="0" smtClean="0">
                 <a:latin typeface="Arial" panose="020B0604020202020204" pitchFamily="34" charset="0"/>
                 <a:cs typeface="Arial" panose="020B0604020202020204" pitchFamily="34" charset="0"/>
               </a:rPr>
               <a:t>G33F</a:t>
             </a:r>
-            <a:endParaRPr lang="de-DE" b="1" dirty="0">
+            <a:endParaRPr lang="de-DE" sz="2400" dirty="0">
               <a:latin typeface="Arial" panose="020B0604020202020204" pitchFamily="34" charset="0"/>
               <a:cs typeface="Arial" panose="020B0604020202020204" pitchFamily="34" charset="0"/>
             </a:endParaRPr>
@@ -10258,7 +10272,7 @@
         </p:nvSpPr>
         <p:spPr>
           <a:xfrm rot="13873920">
-            <a:off x="6458470" y="3437153"/>
+            <a:off x="6490002" y="3213750"/>
             <a:ext cx="828254" cy="158662"/>
           </a:xfrm>
           <a:custGeom>
@@ -10425,7 +10439,7 @@
         </p:nvSpPr>
         <p:spPr>
           <a:xfrm rot="10800000">
-            <a:off x="1175565" y="5572944"/>
+            <a:off x="1207097" y="5598568"/>
             <a:ext cx="828254" cy="158662"/>
           </a:xfrm>
           <a:custGeom>
@@ -10592,7 +10606,7 @@
         </p:nvSpPr>
         <p:spPr>
           <a:xfrm>
-            <a:off x="773821" y="5530412"/>
+            <a:off x="805353" y="5556036"/>
             <a:ext cx="776684" cy="428865"/>
           </a:xfrm>
           <a:prstGeom prst="rect">
@@ -10640,8 +10654,8 @@
         </p:nvSpPr>
         <p:spPr>
           <a:xfrm>
-            <a:off x="1130531" y="4934440"/>
-            <a:ext cx="5868475" cy="2246769"/>
+            <a:off x="1162063" y="4912766"/>
+            <a:ext cx="7196723" cy="2539157"/>
           </a:xfrm>
           <a:prstGeom prst="rect">
             <a:avLst/>
@@ -10664,30 +10678,23 @@
                 <a:latin typeface="Arial" panose="020B0604020202020204" pitchFamily="34" charset="0"/>
                 <a:cs typeface="Arial" panose="020B0604020202020204" pitchFamily="34" charset="0"/>
               </a:rPr>
-              <a:t>       </a:t>
+              <a:t>       	</a:t>
+            </a:r>
+            <a:r>
+              <a:rPr lang="de-CH" sz="2000" dirty="0" smtClean="0">
+                <a:latin typeface="Arial" panose="020B0604020202020204" pitchFamily="34" charset="0"/>
+                <a:cs typeface="Arial" panose="020B0604020202020204" pitchFamily="34" charset="0"/>
+              </a:rPr>
+              <a:t>Legend</a:t>
             </a:r>
             <a:r>
               <a:rPr lang="de-CH" sz="2000" b="1" dirty="0" smtClean="0">
                 <a:latin typeface="Arial" panose="020B0604020202020204" pitchFamily="34" charset="0"/>
                 <a:cs typeface="Arial" panose="020B0604020202020204" pitchFamily="34" charset="0"/>
               </a:rPr>
-              <a:t>	</a:t>
-            </a:r>
-            <a:r>
-              <a:rPr lang="de-CH" b="1" dirty="0" smtClean="0">
-                <a:latin typeface="Arial" panose="020B0604020202020204" pitchFamily="34" charset="0"/>
-                <a:cs typeface="Arial" panose="020B0604020202020204" pitchFamily="34" charset="0"/>
-              </a:rPr>
-              <a:t>Legend</a:t>
-            </a:r>
-            <a:r>
-              <a:rPr lang="de-CH" b="1" dirty="0" smtClean="0">
-                <a:latin typeface="Arial" panose="020B0604020202020204" pitchFamily="34" charset="0"/>
-                <a:cs typeface="Arial" panose="020B0604020202020204" pitchFamily="34" charset="0"/>
-              </a:rPr>
               <a:t>:</a:t>
             </a:r>
-            <a:endParaRPr lang="de-CH" dirty="0">
+            <a:endParaRPr lang="de-CH" sz="2000" dirty="0">
               <a:latin typeface="Arial" panose="020B0604020202020204" pitchFamily="34" charset="0"/>
               <a:cs typeface="Arial" panose="020B0604020202020204" pitchFamily="34" charset="0"/>
             </a:endParaRPr>
@@ -10702,34 +10709,34 @@
               </a:spcAft>
             </a:pPr>
             <a:r>
-              <a:rPr lang="de-CH" sz="1500" b="1" dirty="0" smtClean="0">
+              <a:rPr lang="de-CH" b="1" dirty="0" smtClean="0">
                 <a:latin typeface="Arial" panose="020B0604020202020204" pitchFamily="34" charset="0"/>
                 <a:cs typeface="Arial" panose="020B0604020202020204" pitchFamily="34" charset="0"/>
               </a:rPr>
               <a:t>	</a:t>
             </a:r>
             <a:r>
-              <a:rPr lang="de-CH" sz="1600" b="1" dirty="0" err="1" smtClean="0">
+              <a:rPr lang="de-CH" sz="2000" dirty="0" err="1" smtClean="0">
                 <a:latin typeface="Arial" panose="020B0604020202020204" pitchFamily="34" charset="0"/>
                 <a:cs typeface="Arial" panose="020B0604020202020204" pitchFamily="34" charset="0"/>
               </a:rPr>
               <a:t>ssDNA</a:t>
             </a:r>
             <a:r>
-              <a:rPr lang="de-CH" sz="1600" b="1" dirty="0" smtClean="0">
+              <a:rPr lang="de-CH" sz="2000" dirty="0" smtClean="0">
                 <a:latin typeface="Arial" panose="020B0604020202020204" pitchFamily="34" charset="0"/>
                 <a:cs typeface="Arial" panose="020B0604020202020204" pitchFamily="34" charset="0"/>
               </a:rPr>
               <a:t> </a:t>
             </a:r>
             <a:r>
-              <a:rPr lang="de-CH" sz="1600" b="1" dirty="0" err="1" smtClean="0">
+              <a:rPr lang="de-CH" sz="2000" dirty="0" err="1" smtClean="0">
                 <a:latin typeface="Arial" panose="020B0604020202020204" pitchFamily="34" charset="0"/>
                 <a:cs typeface="Arial" panose="020B0604020202020204" pitchFamily="34" charset="0"/>
               </a:rPr>
               <a:t>genome</a:t>
             </a:r>
-            <a:endParaRPr lang="de-CH" sz="1600" b="1" dirty="0" smtClean="0">
+            <a:endParaRPr lang="de-CH" sz="2000" dirty="0" smtClean="0">
               <a:latin typeface="Arial" panose="020B0604020202020204" pitchFamily="34" charset="0"/>
               <a:cs typeface="Arial" panose="020B0604020202020204" pitchFamily="34" charset="0"/>
             </a:endParaRPr>
@@ -10744,55 +10751,55 @@
               </a:spcAft>
             </a:pPr>
             <a:r>
-              <a:rPr lang="de-CH" sz="1600" b="1" dirty="0">
+              <a:rPr lang="de-CH" sz="2000" dirty="0">
                 <a:latin typeface="Arial" panose="020B0604020202020204" pitchFamily="34" charset="0"/>
                 <a:cs typeface="Arial" panose="020B0604020202020204" pitchFamily="34" charset="0"/>
               </a:rPr>
               <a:t>	</a:t>
             </a:r>
             <a:r>
-              <a:rPr lang="de-CH" sz="1600" b="1" dirty="0" smtClean="0">
+              <a:rPr lang="de-CH" sz="2000" dirty="0" smtClean="0">
                 <a:latin typeface="Arial" panose="020B0604020202020204" pitchFamily="34" charset="0"/>
                 <a:cs typeface="Arial" panose="020B0604020202020204" pitchFamily="34" charset="0"/>
               </a:rPr>
               <a:t>N-VP2 </a:t>
             </a:r>
             <a:r>
-              <a:rPr lang="de-CH" sz="1600" b="1" dirty="0" err="1" smtClean="0">
+              <a:rPr lang="de-CH" sz="2000" dirty="0" err="1" smtClean="0">
                 <a:latin typeface="Arial" panose="020B0604020202020204" pitchFamily="34" charset="0"/>
                 <a:cs typeface="Arial" panose="020B0604020202020204" pitchFamily="34" charset="0"/>
               </a:rPr>
               <a:t>harboring</a:t>
             </a:r>
             <a:r>
-              <a:rPr lang="de-CH" sz="1600" b="1" dirty="0" smtClean="0">
+              <a:rPr lang="de-CH" sz="2000" dirty="0" smtClean="0">
                 <a:latin typeface="Arial" panose="020B0604020202020204" pitchFamily="34" charset="0"/>
                 <a:cs typeface="Arial" panose="020B0604020202020204" pitchFamily="34" charset="0"/>
               </a:rPr>
               <a:t> distal </a:t>
             </a:r>
             <a:r>
-              <a:rPr lang="de-CH" sz="1600" b="1" dirty="0" err="1" smtClean="0">
+              <a:rPr lang="de-CH" sz="2000" dirty="0" err="1" smtClean="0">
                 <a:latin typeface="Arial" panose="020B0604020202020204" pitchFamily="34" charset="0"/>
                 <a:cs typeface="Arial" panose="020B0604020202020204" pitchFamily="34" charset="0"/>
               </a:rPr>
               <a:t>serine</a:t>
             </a:r>
             <a:r>
-              <a:rPr lang="de-CH" sz="1600" b="1" dirty="0" smtClean="0">
+              <a:rPr lang="de-CH" sz="2000" dirty="0" smtClean="0">
                 <a:latin typeface="Arial" panose="020B0604020202020204" pitchFamily="34" charset="0"/>
                 <a:cs typeface="Arial" panose="020B0604020202020204" pitchFamily="34" charset="0"/>
               </a:rPr>
               <a:t> </a:t>
             </a:r>
             <a:r>
-              <a:rPr lang="de-CH" sz="1600" b="1" dirty="0" err="1" smtClean="0">
+              <a:rPr lang="de-CH" sz="2000" dirty="0" err="1" smtClean="0">
                 <a:latin typeface="Arial" panose="020B0604020202020204" pitchFamily="34" charset="0"/>
                 <a:cs typeface="Arial" panose="020B0604020202020204" pitchFamily="34" charset="0"/>
               </a:rPr>
               <a:t>phosphorylations</a:t>
             </a:r>
-            <a:endParaRPr lang="de-CH" sz="1600" b="1" dirty="0" smtClean="0">
+            <a:endParaRPr lang="de-CH" sz="2000" dirty="0" smtClean="0">
               <a:latin typeface="Arial" panose="020B0604020202020204" pitchFamily="34" charset="0"/>
               <a:cs typeface="Arial" panose="020B0604020202020204" pitchFamily="34" charset="0"/>
             </a:endParaRPr>
@@ -10807,41 +10814,41 @@
               </a:spcAft>
             </a:pPr>
             <a:r>
-              <a:rPr lang="de-CH" sz="1600" b="1" dirty="0">
+              <a:rPr lang="de-CH" sz="2000" dirty="0">
                 <a:latin typeface="Arial" panose="020B0604020202020204" pitchFamily="34" charset="0"/>
                 <a:cs typeface="Arial" panose="020B0604020202020204" pitchFamily="34" charset="0"/>
               </a:rPr>
               <a:t>	</a:t>
             </a:r>
             <a:r>
-              <a:rPr lang="de-CH" sz="1600" b="1" dirty="0" smtClean="0">
+              <a:rPr lang="de-CH" sz="2000" dirty="0" smtClean="0">
                 <a:latin typeface="Arial" panose="020B0604020202020204" pitchFamily="34" charset="0"/>
                 <a:cs typeface="Arial" panose="020B0604020202020204" pitchFamily="34" charset="0"/>
               </a:rPr>
               <a:t>N-VP2 </a:t>
             </a:r>
             <a:r>
-              <a:rPr lang="de-CH" sz="1600" b="1" dirty="0" err="1" smtClean="0">
+              <a:rPr lang="de-CH" sz="2000" dirty="0" err="1" smtClean="0">
                 <a:latin typeface="Arial" panose="020B0604020202020204" pitchFamily="34" charset="0"/>
                 <a:cs typeface="Arial" panose="020B0604020202020204" pitchFamily="34" charset="0"/>
               </a:rPr>
               <a:t>of</a:t>
             </a:r>
             <a:r>
-              <a:rPr lang="de-CH" sz="1600" b="1" dirty="0" smtClean="0">
+              <a:rPr lang="de-CH" sz="2000" dirty="0" smtClean="0">
                 <a:latin typeface="Arial" panose="020B0604020202020204" pitchFamily="34" charset="0"/>
                 <a:cs typeface="Arial" panose="020B0604020202020204" pitchFamily="34" charset="0"/>
               </a:rPr>
               <a:t> 5SG </a:t>
             </a:r>
             <a:r>
-              <a:rPr lang="de-CH" sz="1600" b="1" dirty="0" err="1" smtClean="0">
+              <a:rPr lang="de-CH" sz="2000" dirty="0" err="1" smtClean="0">
                 <a:latin typeface="Arial" panose="020B0604020202020204" pitchFamily="34" charset="0"/>
                 <a:cs typeface="Arial" panose="020B0604020202020204" pitchFamily="34" charset="0"/>
               </a:rPr>
               <a:t>mutant</a:t>
             </a:r>
-            <a:endParaRPr lang="de-CH" sz="1600" b="1" dirty="0" smtClean="0">
+            <a:endParaRPr lang="de-CH" sz="2000" dirty="0" smtClean="0">
               <a:latin typeface="Arial" panose="020B0604020202020204" pitchFamily="34" charset="0"/>
               <a:cs typeface="Arial" panose="020B0604020202020204" pitchFamily="34" charset="0"/>
             </a:endParaRPr>

--- a/Fig. 10.pptx
+++ b/Fig. 10.pptx
@@ -5,10 +5,11 @@
     <p:sldMasterId id="2147483648" r:id="rId1"/>
   </p:sldMasterIdLst>
   <p:notesMasterIdLst>
-    <p:notesMasterId r:id="rId3"/>
+    <p:notesMasterId r:id="rId4"/>
   </p:notesMasterIdLst>
   <p:sldIdLst>
     <p:sldId id="256" r:id="rId2"/>
+    <p:sldId id="257" r:id="rId3"/>
   </p:sldIdLst>
   <p:sldSz cx="9144000" cy="6858000" type="screen4x3"/>
   <p:notesSz cx="6858000" cy="9144000"/>
@@ -192,7 +193,7 @@
           <a:p>
             <a:fld id="{FC38EABC-6C4D-4F1A-8263-82F1F8615404}" type="datetimeFigureOut">
               <a:rPr lang="de-DE" smtClean="0"/>
-              <a:t>25.08.2015</a:t>
+              <a:t>03.09.2015</a:t>
             </a:fld>
             <a:endParaRPr lang="de-DE"/>
           </a:p>
@@ -725,7 +726,7 @@
           <a:p>
             <a:fld id="{B410A92C-BAED-4158-BF36-472EEE26D0BC}" type="datetimeFigureOut">
               <a:rPr lang="de-DE" smtClean="0"/>
-              <a:t>25.08.2015</a:t>
+              <a:t>03.09.2015</a:t>
             </a:fld>
             <a:endParaRPr lang="de-DE"/>
           </a:p>
@@ -895,7 +896,7 @@
           <a:p>
             <a:fld id="{B410A92C-BAED-4158-BF36-472EEE26D0BC}" type="datetimeFigureOut">
               <a:rPr lang="de-DE" smtClean="0"/>
-              <a:t>25.08.2015</a:t>
+              <a:t>03.09.2015</a:t>
             </a:fld>
             <a:endParaRPr lang="de-DE"/>
           </a:p>
@@ -1075,7 +1076,7 @@
           <a:p>
             <a:fld id="{B410A92C-BAED-4158-BF36-472EEE26D0BC}" type="datetimeFigureOut">
               <a:rPr lang="de-DE" smtClean="0"/>
-              <a:t>25.08.2015</a:t>
+              <a:t>03.09.2015</a:t>
             </a:fld>
             <a:endParaRPr lang="de-DE"/>
           </a:p>
@@ -1245,7 +1246,7 @@
           <a:p>
             <a:fld id="{B410A92C-BAED-4158-BF36-472EEE26D0BC}" type="datetimeFigureOut">
               <a:rPr lang="de-DE" smtClean="0"/>
-              <a:t>25.08.2015</a:t>
+              <a:t>03.09.2015</a:t>
             </a:fld>
             <a:endParaRPr lang="de-DE"/>
           </a:p>
@@ -1491,7 +1492,7 @@
           <a:p>
             <a:fld id="{B410A92C-BAED-4158-BF36-472EEE26D0BC}" type="datetimeFigureOut">
               <a:rPr lang="de-DE" smtClean="0"/>
-              <a:t>25.08.2015</a:t>
+              <a:t>03.09.2015</a:t>
             </a:fld>
             <a:endParaRPr lang="de-DE"/>
           </a:p>
@@ -1779,7 +1780,7 @@
           <a:p>
             <a:fld id="{B410A92C-BAED-4158-BF36-472EEE26D0BC}" type="datetimeFigureOut">
               <a:rPr lang="de-DE" smtClean="0"/>
-              <a:t>25.08.2015</a:t>
+              <a:t>03.09.2015</a:t>
             </a:fld>
             <a:endParaRPr lang="de-DE"/>
           </a:p>
@@ -2201,7 +2202,7 @@
           <a:p>
             <a:fld id="{B410A92C-BAED-4158-BF36-472EEE26D0BC}" type="datetimeFigureOut">
               <a:rPr lang="de-DE" smtClean="0"/>
-              <a:t>25.08.2015</a:t>
+              <a:t>03.09.2015</a:t>
             </a:fld>
             <a:endParaRPr lang="de-DE"/>
           </a:p>
@@ -2319,7 +2320,7 @@
           <a:p>
             <a:fld id="{B410A92C-BAED-4158-BF36-472EEE26D0BC}" type="datetimeFigureOut">
               <a:rPr lang="de-DE" smtClean="0"/>
-              <a:t>25.08.2015</a:t>
+              <a:t>03.09.2015</a:t>
             </a:fld>
             <a:endParaRPr lang="de-DE"/>
           </a:p>
@@ -2414,7 +2415,7 @@
           <a:p>
             <a:fld id="{B410A92C-BAED-4158-BF36-472EEE26D0BC}" type="datetimeFigureOut">
               <a:rPr lang="de-DE" smtClean="0"/>
-              <a:t>25.08.2015</a:t>
+              <a:t>03.09.2015</a:t>
             </a:fld>
             <a:endParaRPr lang="de-DE"/>
           </a:p>
@@ -2691,7 +2692,7 @@
           <a:p>
             <a:fld id="{B410A92C-BAED-4158-BF36-472EEE26D0BC}" type="datetimeFigureOut">
               <a:rPr lang="de-DE" smtClean="0"/>
-              <a:t>25.08.2015</a:t>
+              <a:t>03.09.2015</a:t>
             </a:fld>
             <a:endParaRPr lang="de-DE"/>
           </a:p>
@@ -2944,7 +2945,7 @@
           <a:p>
             <a:fld id="{B410A92C-BAED-4158-BF36-472EEE26D0BC}" type="datetimeFigureOut">
               <a:rPr lang="de-DE" smtClean="0"/>
-              <a:t>25.08.2015</a:t>
+              <a:t>03.09.2015</a:t>
             </a:fld>
             <a:endParaRPr lang="de-DE"/>
           </a:p>
@@ -3157,7 +3158,7 @@
           <a:p>
             <a:fld id="{B410A92C-BAED-4158-BF36-472EEE26D0BC}" type="datetimeFigureOut">
               <a:rPr lang="de-DE" smtClean="0"/>
-              <a:t>25.08.2015</a:t>
+              <a:t>03.09.2015</a:t>
             </a:fld>
             <a:endParaRPr lang="de-DE"/>
           </a:p>
@@ -3541,7 +3542,7 @@
         <p:spPr>
           <a:xfrm>
             <a:off x="991993" y="1121637"/>
-            <a:ext cx="9379072" cy="323165"/>
+            <a:ext cx="8044503" cy="323165"/>
           </a:xfrm>
           <a:prstGeom prst="rect">
             <a:avLst/>
@@ -3555,25 +3556,32 @@
           <a:lstStyle/>
           <a:p>
             <a:r>
-              <a:rPr lang="de-DE" sz="1500" b="1" dirty="0" smtClean="0">
+              <a:rPr lang="de-DE" sz="1500" dirty="0" smtClean="0">
                 <a:latin typeface="Arial" panose="020B0604020202020204" pitchFamily="34" charset="0"/>
                 <a:cs typeface="Arial" panose="020B0604020202020204" pitchFamily="34" charset="0"/>
               </a:rPr>
-              <a:t>H</a:t>
+              <a:t>  H</a:t>
             </a:r>
             <a:r>
-              <a:rPr lang="de-DE" sz="1500" b="1" baseline="-25000" dirty="0" smtClean="0">
+              <a:rPr lang="de-DE" sz="1500" baseline="-25000" dirty="0" smtClean="0">
                 <a:latin typeface="Arial" panose="020B0604020202020204" pitchFamily="34" charset="0"/>
                 <a:cs typeface="Arial" panose="020B0604020202020204" pitchFamily="34" charset="0"/>
               </a:rPr>
               <a:t>2</a:t>
             </a:r>
             <a:r>
+              <a:rPr lang="de-DE" sz="1500" dirty="0" smtClean="0">
+                <a:latin typeface="Arial" panose="020B0604020202020204" pitchFamily="34" charset="0"/>
+                <a:cs typeface="Arial" panose="020B0604020202020204" pitchFamily="34" charset="0"/>
+              </a:rPr>
+              <a:t>N</a:t>
+            </a:r>
+            <a:r>
               <a:rPr lang="de-DE" sz="1500" b="1" dirty="0" smtClean="0">
                 <a:latin typeface="Arial" panose="020B0604020202020204" pitchFamily="34" charset="0"/>
                 <a:cs typeface="Arial" panose="020B0604020202020204" pitchFamily="34" charset="0"/>
               </a:rPr>
-              <a:t>N    M</a:t>
+              <a:t>  M</a:t>
             </a:r>
             <a:r>
               <a:rPr lang="de-DE" sz="1500" b="1" dirty="0" smtClean="0">
@@ -3658,16 +3666,16 @@
                 <a:latin typeface="Arial" panose="020B0604020202020204" pitchFamily="34" charset="0"/>
                 <a:cs typeface="Arial" panose="020B0604020202020204" pitchFamily="34" charset="0"/>
               </a:rPr>
-              <a:t>GGGGSGGGGVGVSTGS          </a:t>
+              <a:t>GGGGSGGGGVGVSTGS      </a:t>
             </a:r>
             <a:r>
-              <a:rPr lang="de-DE" sz="1500" b="1" dirty="0" smtClean="0">
+              <a:rPr lang="de-DE" sz="1500" dirty="0" smtClean="0">
                 <a:latin typeface="Arial" panose="020B0604020202020204" pitchFamily="34" charset="0"/>
                 <a:cs typeface="Arial" panose="020B0604020202020204" pitchFamily="34" charset="0"/>
               </a:rPr>
               <a:t>COOH</a:t>
             </a:r>
-            <a:endParaRPr lang="de-DE" sz="1500" b="1" dirty="0">
+            <a:endParaRPr lang="de-DE" sz="1500" dirty="0">
               <a:latin typeface="Arial" panose="020B0604020202020204" pitchFamily="34" charset="0"/>
               <a:cs typeface="Arial" panose="020B0604020202020204" pitchFamily="34" charset="0"/>
             </a:endParaRPr>
@@ -3682,13 +3690,13 @@
         </p:nvCxnSpPr>
         <p:spPr>
           <a:xfrm>
-            <a:off x="1456952" y="1275298"/>
-            <a:ext cx="144000" cy="0"/>
+            <a:off x="1533152" y="1275298"/>
+            <a:ext cx="72000" cy="0"/>
           </a:xfrm>
           <a:prstGeom prst="line">
             <a:avLst/>
           </a:prstGeom>
-          <a:ln w="38100">
+          <a:ln w="12700">
             <a:prstDash val="solid"/>
           </a:ln>
         </p:spPr>
@@ -3715,13 +3723,13 @@
         </p:nvCxnSpPr>
         <p:spPr>
           <a:xfrm flipH="1">
-            <a:off x="7955361" y="1275298"/>
-            <a:ext cx="432000" cy="0"/>
+            <a:off x="7976627" y="1275298"/>
+            <a:ext cx="252000" cy="0"/>
           </a:xfrm>
           <a:prstGeom prst="line">
             <a:avLst/>
           </a:prstGeom>
-          <a:ln w="38100">
+          <a:ln w="12700">
             <a:prstDash val="dash"/>
           </a:ln>
         </p:spPr>
@@ -3748,8 +3756,8 @@
         </p:nvSpPr>
         <p:spPr>
           <a:xfrm>
-            <a:off x="85748" y="1069947"/>
-            <a:ext cx="1309244" cy="400110"/>
+            <a:off x="384053" y="1069947"/>
+            <a:ext cx="741290" cy="400110"/>
           </a:xfrm>
           <a:prstGeom prst="rect">
             <a:avLst/>
@@ -3762,14 +3770,15 @@
           </a:bodyPr>
           <a:lstStyle/>
           <a:p>
+            <a:pPr algn="r"/>
             <a:r>
-              <a:rPr lang="de-CH" sz="2000" dirty="0" smtClean="0">
+              <a:rPr lang="de-CH" sz="2000" b="1" dirty="0" smtClean="0">
                 <a:latin typeface="Arial" panose="020B0604020202020204" pitchFamily="34" charset="0"/>
                 <a:cs typeface="Arial" panose="020B0604020202020204" pitchFamily="34" charset="0"/>
               </a:rPr>
               <a:t>5SG</a:t>
             </a:r>
-            <a:endParaRPr lang="de-DE" sz="2000" dirty="0">
+            <a:endParaRPr lang="de-DE" sz="2000" b="1" dirty="0">
               <a:latin typeface="Arial" panose="020B0604020202020204" pitchFamily="34" charset="0"/>
               <a:cs typeface="Arial" panose="020B0604020202020204" pitchFamily="34" charset="0"/>
             </a:endParaRPr>
@@ -3784,13 +3793,13 @@
         </p:nvCxnSpPr>
         <p:spPr>
           <a:xfrm>
-            <a:off x="1712326" y="1393336"/>
-            <a:ext cx="0" cy="144000"/>
+            <a:off x="1712326" y="1412386"/>
+            <a:ext cx="0" cy="108000"/>
           </a:xfrm>
           <a:prstGeom prst="line">
             <a:avLst/>
           </a:prstGeom>
-          <a:ln w="19050">
+          <a:ln w="9525">
             <a:solidFill>
               <a:schemeClr val="tx1"/>
             </a:solidFill>
@@ -3819,13 +3828,13 @@
         </p:nvCxnSpPr>
         <p:spPr>
           <a:xfrm>
-            <a:off x="2277757" y="1393336"/>
-            <a:ext cx="0" cy="144000"/>
+            <a:off x="2277757" y="1412386"/>
+            <a:ext cx="0" cy="108000"/>
           </a:xfrm>
           <a:prstGeom prst="line">
             <a:avLst/>
           </a:prstGeom>
-          <a:ln w="19050">
+          <a:ln w="9525">
             <a:solidFill>
               <a:schemeClr val="tx1"/>
             </a:solidFill>
@@ -3854,13 +3863,13 @@
         </p:nvCxnSpPr>
         <p:spPr>
           <a:xfrm>
-            <a:off x="2929659" y="1393336"/>
-            <a:ext cx="0" cy="144000"/>
+            <a:off x="2940879" y="1412386"/>
+            <a:ext cx="0" cy="108000"/>
           </a:xfrm>
           <a:prstGeom prst="line">
             <a:avLst/>
           </a:prstGeom>
-          <a:ln w="19050">
+          <a:ln w="9525">
             <a:solidFill>
               <a:schemeClr val="tx1"/>
             </a:solidFill>
@@ -3889,13 +3898,13 @@
         </p:nvCxnSpPr>
         <p:spPr>
           <a:xfrm>
-            <a:off x="3576876" y="1393336"/>
-            <a:ext cx="0" cy="144000"/>
+            <a:off x="3610536" y="1412386"/>
+            <a:ext cx="0" cy="108000"/>
           </a:xfrm>
           <a:prstGeom prst="line">
             <a:avLst/>
           </a:prstGeom>
-          <a:ln w="19050">
+          <a:ln w="9525">
             <a:solidFill>
               <a:schemeClr val="tx1"/>
             </a:solidFill>
@@ -3924,13 +3933,13 @@
         </p:nvCxnSpPr>
         <p:spPr>
           <a:xfrm>
-            <a:off x="4218285" y="1393336"/>
-            <a:ext cx="0" cy="144000"/>
+            <a:off x="4263165" y="1412386"/>
+            <a:ext cx="0" cy="108000"/>
           </a:xfrm>
           <a:prstGeom prst="line">
             <a:avLst/>
           </a:prstGeom>
-          <a:ln w="19050">
+          <a:ln w="9525">
             <a:solidFill>
               <a:schemeClr val="tx1"/>
             </a:solidFill>
@@ -3959,13 +3968,13 @@
         </p:nvCxnSpPr>
         <p:spPr>
           <a:xfrm>
-            <a:off x="4886024" y="1393336"/>
-            <a:ext cx="0" cy="144000"/>
+            <a:off x="4919684" y="1412386"/>
+            <a:ext cx="0" cy="108000"/>
           </a:xfrm>
           <a:prstGeom prst="line">
             <a:avLst/>
           </a:prstGeom>
-          <a:ln w="19050">
+          <a:ln w="9525">
             <a:solidFill>
               <a:schemeClr val="tx1"/>
             </a:solidFill>
@@ -3994,13 +4003,13 @@
         </p:nvCxnSpPr>
         <p:spPr>
           <a:xfrm>
-            <a:off x="5599665" y="1393336"/>
-            <a:ext cx="0" cy="144000"/>
+            <a:off x="5626020" y="1412386"/>
+            <a:ext cx="0" cy="108000"/>
           </a:xfrm>
           <a:prstGeom prst="line">
             <a:avLst/>
           </a:prstGeom>
-          <a:ln w="19050">
+          <a:ln w="9525">
             <a:solidFill>
               <a:schemeClr val="tx1"/>
             </a:solidFill>
@@ -4029,13 +4038,13 @@
         </p:nvCxnSpPr>
         <p:spPr>
           <a:xfrm>
-            <a:off x="6326184" y="1393336"/>
-            <a:ext cx="0" cy="144000"/>
+            <a:off x="6341319" y="1412386"/>
+            <a:ext cx="0" cy="108000"/>
           </a:xfrm>
           <a:prstGeom prst="line">
             <a:avLst/>
           </a:prstGeom>
-          <a:ln w="19050">
+          <a:ln w="9525">
             <a:solidFill>
               <a:schemeClr val="tx1"/>
             </a:solidFill>
@@ -4064,13 +4073,13 @@
         </p:nvCxnSpPr>
         <p:spPr>
           <a:xfrm>
-            <a:off x="7077925" y="1393336"/>
-            <a:ext cx="0" cy="144000"/>
+            <a:off x="7055485" y="1412386"/>
+            <a:ext cx="0" cy="108000"/>
           </a:xfrm>
           <a:prstGeom prst="line">
             <a:avLst/>
           </a:prstGeom>
-          <a:ln w="19050">
+          <a:ln w="9525">
             <a:solidFill>
               <a:schemeClr val="tx1"/>
             </a:solidFill>
@@ -4099,13 +4108,13 @@
         </p:nvCxnSpPr>
         <p:spPr>
           <a:xfrm>
-            <a:off x="7742214" y="1393336"/>
-            <a:ext cx="0" cy="144000"/>
+            <a:off x="7708554" y="1412386"/>
+            <a:ext cx="0" cy="108000"/>
           </a:xfrm>
           <a:prstGeom prst="line">
             <a:avLst/>
           </a:prstGeom>
-          <a:ln w="19050">
+          <a:ln w="9525">
             <a:solidFill>
               <a:schemeClr val="tx1"/>
             </a:solidFill>
@@ -4134,8 +4143,8 @@
         </p:nvSpPr>
         <p:spPr>
           <a:xfrm>
-            <a:off x="1568294" y="1485871"/>
-            <a:ext cx="338284" cy="323165"/>
+            <a:off x="1577819" y="1485871"/>
+            <a:ext cx="338284" cy="307777"/>
           </a:xfrm>
           <a:prstGeom prst="rect">
             <a:avLst/>
@@ -4149,10 +4158,10 @@
           <a:lstStyle/>
           <a:p>
             <a:r>
-              <a:rPr lang="de-CH" sz="1500" b="1" dirty="0" smtClean="0"/>
+              <a:rPr lang="de-CH" sz="1400" dirty="0" smtClean="0"/>
               <a:t>1</a:t>
             </a:r>
-            <a:endParaRPr lang="de-DE" sz="1500" b="1" dirty="0"/>
+            <a:endParaRPr lang="de-DE" sz="1400" dirty="0"/>
           </a:p>
         </p:txBody>
       </p:sp>
@@ -4165,7 +4174,7 @@
         <p:spPr>
           <a:xfrm>
             <a:off x="2141860" y="1485871"/>
-            <a:ext cx="338284" cy="323165"/>
+            <a:ext cx="338284" cy="307777"/>
           </a:xfrm>
           <a:prstGeom prst="rect">
             <a:avLst/>
@@ -4179,10 +4188,10 @@
           <a:lstStyle/>
           <a:p>
             <a:r>
-              <a:rPr lang="de-CH" sz="1500" b="1" dirty="0"/>
+              <a:rPr lang="de-CH" sz="1400" dirty="0"/>
               <a:t>5</a:t>
             </a:r>
-            <a:endParaRPr lang="de-DE" sz="1500" b="1" dirty="0"/>
+            <a:endParaRPr lang="de-DE" sz="1400" dirty="0"/>
           </a:p>
         </p:txBody>
       </p:sp>
@@ -4194,8 +4203,8 @@
         </p:nvSpPr>
         <p:spPr>
           <a:xfrm>
-            <a:off x="2745029" y="1485871"/>
-            <a:ext cx="422426" cy="323165"/>
+            <a:off x="2756249" y="1485871"/>
+            <a:ext cx="422426" cy="307777"/>
           </a:xfrm>
           <a:prstGeom prst="rect">
             <a:avLst/>
@@ -4209,10 +4218,10 @@
           <a:lstStyle/>
           <a:p>
             <a:r>
-              <a:rPr lang="de-CH" sz="1500" b="1" dirty="0" smtClean="0"/>
+              <a:rPr lang="de-CH" sz="1400" dirty="0" smtClean="0"/>
               <a:t>10</a:t>
             </a:r>
-            <a:endParaRPr lang="de-DE" sz="1500" b="1" dirty="0"/>
+            <a:endParaRPr lang="de-DE" sz="1400" dirty="0"/>
           </a:p>
         </p:txBody>
       </p:sp>
@@ -4224,8 +4233,8 @@
         </p:nvSpPr>
         <p:spPr>
           <a:xfrm>
-            <a:off x="3388383" y="1485871"/>
-            <a:ext cx="453392" cy="323165"/>
+            <a:off x="3422043" y="1485871"/>
+            <a:ext cx="453392" cy="307777"/>
           </a:xfrm>
           <a:prstGeom prst="rect">
             <a:avLst/>
@@ -4239,10 +4248,10 @@
           <a:lstStyle/>
           <a:p>
             <a:r>
-              <a:rPr lang="de-CH" sz="1500" b="1" dirty="0" smtClean="0"/>
+              <a:rPr lang="de-CH" sz="1400" dirty="0" smtClean="0"/>
               <a:t>15</a:t>
             </a:r>
-            <a:endParaRPr lang="de-DE" sz="1500" b="1" dirty="0"/>
+            <a:endParaRPr lang="de-DE" sz="1400" dirty="0"/>
           </a:p>
         </p:txBody>
       </p:sp>
@@ -4254,8 +4263,8 @@
         </p:nvSpPr>
         <p:spPr>
           <a:xfrm>
-            <a:off x="4031539" y="1485871"/>
-            <a:ext cx="457200" cy="323165"/>
+            <a:off x="4076419" y="1485871"/>
+            <a:ext cx="457200" cy="307777"/>
           </a:xfrm>
           <a:prstGeom prst="rect">
             <a:avLst/>
@@ -4269,10 +4278,10 @@
           <a:lstStyle/>
           <a:p>
             <a:r>
-              <a:rPr lang="de-CH" sz="1500" b="1" dirty="0" smtClean="0"/>
+              <a:rPr lang="de-CH" sz="1400" dirty="0" smtClean="0"/>
               <a:t>20</a:t>
             </a:r>
-            <a:endParaRPr lang="de-DE" sz="1500" b="1" dirty="0"/>
+            <a:endParaRPr lang="de-DE" sz="1400" dirty="0"/>
           </a:p>
         </p:txBody>
       </p:sp>
@@ -4284,8 +4293,8 @@
         </p:nvSpPr>
         <p:spPr>
           <a:xfrm>
-            <a:off x="4688644" y="1485871"/>
-            <a:ext cx="394760" cy="323165"/>
+            <a:off x="4722304" y="1485871"/>
+            <a:ext cx="394760" cy="307777"/>
           </a:xfrm>
           <a:prstGeom prst="rect">
             <a:avLst/>
@@ -4299,10 +4308,10 @@
           <a:lstStyle/>
           <a:p>
             <a:r>
-              <a:rPr lang="de-CH" sz="1500" b="1" dirty="0" smtClean="0"/>
+              <a:rPr lang="de-CH" sz="1400" dirty="0" smtClean="0"/>
               <a:t>25</a:t>
             </a:r>
-            <a:endParaRPr lang="de-DE" sz="1500" b="1" dirty="0"/>
+            <a:endParaRPr lang="de-DE" sz="1400" dirty="0"/>
           </a:p>
         </p:txBody>
       </p:sp>
@@ -4314,8 +4323,8 @@
         </p:nvSpPr>
         <p:spPr>
           <a:xfrm>
-            <a:off x="5412759" y="1485871"/>
-            <a:ext cx="395584" cy="323165"/>
+            <a:off x="5429589" y="1485871"/>
+            <a:ext cx="395584" cy="307777"/>
           </a:xfrm>
           <a:prstGeom prst="rect">
             <a:avLst/>
@@ -4329,10 +4338,10 @@
           <a:lstStyle/>
           <a:p>
             <a:r>
-              <a:rPr lang="de-CH" sz="1500" b="1" dirty="0" smtClean="0"/>
+              <a:rPr lang="de-CH" sz="1400" dirty="0" smtClean="0"/>
               <a:t>30</a:t>
             </a:r>
-            <a:endParaRPr lang="de-DE" sz="1500" b="1" dirty="0"/>
+            <a:endParaRPr lang="de-DE" sz="1400" dirty="0"/>
           </a:p>
         </p:txBody>
       </p:sp>
@@ -4344,8 +4353,8 @@
         </p:nvSpPr>
         <p:spPr>
           <a:xfrm>
-            <a:off x="6139472" y="1485871"/>
-            <a:ext cx="395196" cy="323165"/>
+            <a:off x="6145082" y="1485871"/>
+            <a:ext cx="395196" cy="307777"/>
           </a:xfrm>
           <a:prstGeom prst="rect">
             <a:avLst/>
@@ -4359,10 +4368,10 @@
           <a:lstStyle/>
           <a:p>
             <a:r>
-              <a:rPr lang="de-CH" sz="1500" b="1" dirty="0" smtClean="0"/>
+              <a:rPr lang="de-CH" sz="1400" dirty="0" smtClean="0"/>
               <a:t>35</a:t>
             </a:r>
-            <a:endParaRPr lang="de-DE" sz="1500" b="1" dirty="0"/>
+            <a:endParaRPr lang="de-DE" sz="1400" dirty="0"/>
           </a:p>
         </p:txBody>
       </p:sp>
@@ -4374,8 +4383,8 @@
         </p:nvSpPr>
         <p:spPr>
           <a:xfrm>
-            <a:off x="6881977" y="1485871"/>
-            <a:ext cx="395196" cy="323165"/>
+            <a:off x="6859537" y="1485871"/>
+            <a:ext cx="395196" cy="307777"/>
           </a:xfrm>
           <a:prstGeom prst="rect">
             <a:avLst/>
@@ -4389,10 +4398,10 @@
           <a:lstStyle/>
           <a:p>
             <a:r>
-              <a:rPr lang="de-CH" sz="1500" b="1" dirty="0" smtClean="0"/>
+              <a:rPr lang="de-CH" sz="1400" dirty="0" smtClean="0"/>
               <a:t>40</a:t>
             </a:r>
-            <a:endParaRPr lang="de-DE" sz="1500" b="1" dirty="0"/>
+            <a:endParaRPr lang="de-DE" sz="1400" dirty="0"/>
           </a:p>
         </p:txBody>
       </p:sp>
@@ -4404,8 +4413,8 @@
         </p:nvSpPr>
         <p:spPr>
           <a:xfrm>
-            <a:off x="7541523" y="1485871"/>
-            <a:ext cx="395196" cy="323165"/>
+            <a:off x="7507863" y="1485871"/>
+            <a:ext cx="395196" cy="307777"/>
           </a:xfrm>
           <a:prstGeom prst="rect">
             <a:avLst/>
@@ -4419,10 +4428,10 @@
           <a:lstStyle/>
           <a:p>
             <a:r>
-              <a:rPr lang="de-CH" sz="1500" b="1" dirty="0" smtClean="0"/>
+              <a:rPr lang="de-CH" sz="1400" dirty="0" smtClean="0"/>
               <a:t>45</a:t>
             </a:r>
-            <a:endParaRPr lang="de-DE" sz="1500" b="1" dirty="0"/>
+            <a:endParaRPr lang="de-DE" sz="1400" dirty="0"/>
           </a:p>
         </p:txBody>
       </p:sp>
@@ -4434,13 +4443,13 @@
         </p:nvCxnSpPr>
         <p:spPr>
           <a:xfrm>
-            <a:off x="1712326" y="1773919"/>
-            <a:ext cx="0" cy="144000"/>
+            <a:off x="1712326" y="1754869"/>
+            <a:ext cx="0" cy="108000"/>
           </a:xfrm>
           <a:prstGeom prst="line">
             <a:avLst/>
           </a:prstGeom>
-          <a:ln w="19050">
+          <a:ln w="9525">
             <a:solidFill>
               <a:schemeClr val="tx1"/>
             </a:solidFill>
@@ -4469,13 +4478,13 @@
         </p:nvCxnSpPr>
         <p:spPr>
           <a:xfrm>
-            <a:off x="2277757" y="1773919"/>
-            <a:ext cx="0" cy="144000"/>
+            <a:off x="2277757" y="1754869"/>
+            <a:ext cx="0" cy="108000"/>
           </a:xfrm>
           <a:prstGeom prst="line">
             <a:avLst/>
           </a:prstGeom>
-          <a:ln w="19050">
+          <a:ln w="9525">
             <a:solidFill>
               <a:schemeClr val="tx1"/>
             </a:solidFill>
@@ -4504,13 +4513,13 @@
         </p:nvCxnSpPr>
         <p:spPr>
           <a:xfrm>
-            <a:off x="2929659" y="1773919"/>
-            <a:ext cx="0" cy="144000"/>
+            <a:off x="2940879" y="1754869"/>
+            <a:ext cx="0" cy="108000"/>
           </a:xfrm>
           <a:prstGeom prst="line">
             <a:avLst/>
           </a:prstGeom>
-          <a:ln w="19050">
+          <a:ln w="9525">
             <a:solidFill>
               <a:schemeClr val="tx1"/>
             </a:solidFill>
@@ -4539,13 +4548,13 @@
         </p:nvCxnSpPr>
         <p:spPr>
           <a:xfrm>
-            <a:off x="3576876" y="1773919"/>
-            <a:ext cx="0" cy="144000"/>
+            <a:off x="3610536" y="1754869"/>
+            <a:ext cx="0" cy="108000"/>
           </a:xfrm>
           <a:prstGeom prst="line">
             <a:avLst/>
           </a:prstGeom>
-          <a:ln w="19050">
+          <a:ln w="9525">
             <a:solidFill>
               <a:schemeClr val="tx1"/>
             </a:solidFill>
@@ -4574,13 +4583,13 @@
         </p:nvCxnSpPr>
         <p:spPr>
           <a:xfrm>
-            <a:off x="4218285" y="1773919"/>
-            <a:ext cx="0" cy="144000"/>
+            <a:off x="4263165" y="1754869"/>
+            <a:ext cx="0" cy="108000"/>
           </a:xfrm>
           <a:prstGeom prst="line">
             <a:avLst/>
           </a:prstGeom>
-          <a:ln w="19050">
+          <a:ln w="9525">
             <a:solidFill>
               <a:schemeClr val="tx1"/>
             </a:solidFill>
@@ -4609,13 +4618,13 @@
         </p:nvCxnSpPr>
         <p:spPr>
           <a:xfrm>
-            <a:off x="4886024" y="1773919"/>
-            <a:ext cx="0" cy="144000"/>
+            <a:off x="4919684" y="1754869"/>
+            <a:ext cx="0" cy="108000"/>
           </a:xfrm>
           <a:prstGeom prst="line">
             <a:avLst/>
           </a:prstGeom>
-          <a:ln w="19050">
+          <a:ln w="9525">
             <a:solidFill>
               <a:schemeClr val="tx1"/>
             </a:solidFill>
@@ -4644,13 +4653,13 @@
         </p:nvCxnSpPr>
         <p:spPr>
           <a:xfrm>
-            <a:off x="5599665" y="1773919"/>
-            <a:ext cx="0" cy="144000"/>
+            <a:off x="5626020" y="1754869"/>
+            <a:ext cx="0" cy="108000"/>
           </a:xfrm>
           <a:prstGeom prst="line">
             <a:avLst/>
           </a:prstGeom>
-          <a:ln w="19050">
+          <a:ln w="9525">
             <a:solidFill>
               <a:schemeClr val="tx1"/>
             </a:solidFill>
@@ -4679,13 +4688,13 @@
         </p:nvCxnSpPr>
         <p:spPr>
           <a:xfrm>
-            <a:off x="6326184" y="1773919"/>
-            <a:ext cx="0" cy="144000"/>
+            <a:off x="6341319" y="1754869"/>
+            <a:ext cx="0" cy="108000"/>
           </a:xfrm>
           <a:prstGeom prst="line">
             <a:avLst/>
           </a:prstGeom>
-          <a:ln w="19050">
+          <a:ln w="9525">
             <a:solidFill>
               <a:schemeClr val="tx1"/>
             </a:solidFill>
@@ -4714,13 +4723,13 @@
         </p:nvCxnSpPr>
         <p:spPr>
           <a:xfrm>
-            <a:off x="7077925" y="1773919"/>
-            <a:ext cx="0" cy="144000"/>
+            <a:off x="7055485" y="1754869"/>
+            <a:ext cx="0" cy="108000"/>
           </a:xfrm>
           <a:prstGeom prst="line">
             <a:avLst/>
           </a:prstGeom>
-          <a:ln w="19050">
+          <a:ln w="9525">
             <a:solidFill>
               <a:schemeClr val="tx1"/>
             </a:solidFill>
@@ -4749,13 +4758,13 @@
         </p:nvCxnSpPr>
         <p:spPr>
           <a:xfrm>
-            <a:off x="7742214" y="1773919"/>
-            <a:ext cx="0" cy="144000"/>
+            <a:off x="7708554" y="1754869"/>
+            <a:ext cx="0" cy="108000"/>
           </a:xfrm>
           <a:prstGeom prst="line">
             <a:avLst/>
           </a:prstGeom>
-          <a:ln w="19050">
+          <a:ln w="9525">
             <a:solidFill>
               <a:schemeClr val="tx1"/>
             </a:solidFill>
@@ -4785,7 +4794,7 @@
         <p:spPr>
           <a:xfrm>
             <a:off x="991993" y="1874375"/>
-            <a:ext cx="9379072" cy="323165"/>
+            <a:ext cx="8044503" cy="323165"/>
           </a:xfrm>
           <a:prstGeom prst="rect">
             <a:avLst/>
@@ -4799,39 +4808,32 @@
           <a:lstStyle/>
           <a:p>
             <a:r>
-              <a:rPr lang="de-DE" sz="1500" b="1" dirty="0" smtClean="0">
+              <a:rPr lang="de-DE" sz="1500" dirty="0" smtClean="0">
                 <a:latin typeface="Arial" panose="020B0604020202020204" pitchFamily="34" charset="0"/>
                 <a:cs typeface="Arial" panose="020B0604020202020204" pitchFamily="34" charset="0"/>
               </a:rPr>
-              <a:t>H</a:t>
+              <a:t>  H</a:t>
             </a:r>
             <a:r>
-              <a:rPr lang="de-DE" sz="1500" b="1" baseline="-25000" dirty="0" smtClean="0">
+              <a:rPr lang="de-DE" sz="1500" baseline="-25000" dirty="0" smtClean="0">
                 <a:latin typeface="Arial" panose="020B0604020202020204" pitchFamily="34" charset="0"/>
                 <a:cs typeface="Arial" panose="020B0604020202020204" pitchFamily="34" charset="0"/>
               </a:rPr>
               <a:t>2</a:t>
             </a:r>
             <a:r>
-              <a:rPr lang="de-DE" sz="1500" b="1" dirty="0" smtClean="0">
+              <a:rPr lang="de-DE" sz="1500" dirty="0" smtClean="0">
                 <a:latin typeface="Arial" panose="020B0604020202020204" pitchFamily="34" charset="0"/>
                 <a:cs typeface="Arial" panose="020B0604020202020204" pitchFamily="34" charset="0"/>
               </a:rPr>
-              <a:t>N    M</a:t>
-            </a:r>
-            <a:r>
-              <a:rPr lang="de-DE" sz="1500" b="1" dirty="0">
-                <a:latin typeface="Arial" panose="020B0604020202020204" pitchFamily="34" charset="0"/>
-                <a:cs typeface="Arial" panose="020B0604020202020204" pitchFamily="34" charset="0"/>
-              </a:rPr>
-              <a:t>S</a:t>
+              <a:t>N</a:t>
             </a:r>
             <a:r>
               <a:rPr lang="de-DE" sz="1500" b="1" dirty="0" smtClean="0">
                 <a:latin typeface="Arial" panose="020B0604020202020204" pitchFamily="34" charset="0"/>
                 <a:cs typeface="Arial" panose="020B0604020202020204" pitchFamily="34" charset="0"/>
               </a:rPr>
-              <a:t>DGTSQPDSGNAVHSAARVERAADGPGGSGG</a:t>
+              <a:t>  MSDGTSQPDSGNAVHSAARVERAADGPGGSGG</a:t>
             </a:r>
             <a:r>
               <a:rPr lang="de-DE" sz="1500" b="1" dirty="0" smtClean="0">
@@ -4848,16 +4850,16 @@
                 <a:latin typeface="Arial" panose="020B0604020202020204" pitchFamily="34" charset="0"/>
                 <a:cs typeface="Arial" panose="020B0604020202020204" pitchFamily="34" charset="0"/>
               </a:rPr>
-              <a:t>GSGGGGVGVSTGS          </a:t>
+              <a:t>GSGGGGVGVSTGS      </a:t>
             </a:r>
             <a:r>
-              <a:rPr lang="de-DE" sz="1500" b="1" dirty="0" smtClean="0">
+              <a:rPr lang="de-DE" sz="1500" dirty="0" smtClean="0">
                 <a:latin typeface="Arial" panose="020B0604020202020204" pitchFamily="34" charset="0"/>
                 <a:cs typeface="Arial" panose="020B0604020202020204" pitchFamily="34" charset="0"/>
               </a:rPr>
               <a:t>COOH</a:t>
             </a:r>
-            <a:endParaRPr lang="de-DE" sz="1500" b="1" dirty="0">
+            <a:endParaRPr lang="de-DE" sz="1500" dirty="0">
               <a:latin typeface="Arial" panose="020B0604020202020204" pitchFamily="34" charset="0"/>
               <a:cs typeface="Arial" panose="020B0604020202020204" pitchFamily="34" charset="0"/>
             </a:endParaRPr>
@@ -4872,8 +4874,8 @@
         </p:nvSpPr>
         <p:spPr>
           <a:xfrm>
-            <a:off x="85748" y="1815009"/>
-            <a:ext cx="1107822" cy="400110"/>
+            <a:off x="295299" y="1815009"/>
+            <a:ext cx="830044" cy="400110"/>
           </a:xfrm>
           <a:prstGeom prst="rect">
             <a:avLst/>
@@ -4886,14 +4888,15 @@
           </a:bodyPr>
           <a:lstStyle/>
           <a:p>
+            <a:pPr algn="r"/>
             <a:r>
-              <a:rPr lang="de-CH" sz="2000" dirty="0" smtClean="0">
+              <a:rPr lang="de-CH" sz="2000" b="1" dirty="0" smtClean="0">
                 <a:latin typeface="Arial" panose="020B0604020202020204" pitchFamily="34" charset="0"/>
                 <a:cs typeface="Arial" panose="020B0604020202020204" pitchFamily="34" charset="0"/>
               </a:rPr>
               <a:t>G33F</a:t>
             </a:r>
-            <a:endParaRPr lang="de-DE" sz="2000" dirty="0">
+            <a:endParaRPr lang="de-DE" sz="2000" b="1" dirty="0">
               <a:latin typeface="Arial" panose="020B0604020202020204" pitchFamily="34" charset="0"/>
               <a:cs typeface="Arial" panose="020B0604020202020204" pitchFamily="34" charset="0"/>
             </a:endParaRPr>
@@ -4908,13 +4911,13 @@
         </p:nvCxnSpPr>
         <p:spPr>
           <a:xfrm>
-            <a:off x="1456952" y="2033471"/>
-            <a:ext cx="144000" cy="0"/>
+            <a:off x="1533152" y="2033471"/>
+            <a:ext cx="72000" cy="0"/>
           </a:xfrm>
           <a:prstGeom prst="line">
             <a:avLst/>
           </a:prstGeom>
-          <a:ln w="38100">
+          <a:ln w="12700">
             <a:prstDash val="solid"/>
           </a:ln>
         </p:spPr>
@@ -4941,13 +4944,13 @@
         </p:nvCxnSpPr>
         <p:spPr>
           <a:xfrm flipH="1">
-            <a:off x="7955361" y="2022585"/>
-            <a:ext cx="432000" cy="0"/>
+            <a:off x="7976627" y="2022585"/>
+            <a:ext cx="252000" cy="0"/>
           </a:xfrm>
           <a:prstGeom prst="line">
             <a:avLst/>
           </a:prstGeom>
-          <a:ln w="38100">
+          <a:ln w="12700">
             <a:prstDash val="dash"/>
           </a:ln>
         </p:spPr>
@@ -4974,7 +4977,7 @@
         </p:nvSpPr>
         <p:spPr>
           <a:xfrm>
-            <a:off x="1773991" y="750727"/>
+            <a:off x="1773991" y="731677"/>
             <a:ext cx="216000" cy="288000"/>
           </a:xfrm>
           <a:prstGeom prst="roundRect">
@@ -5005,7 +5008,7 @@
           <a:lstStyle/>
           <a:p>
             <a:pPr algn="ctr"/>
-            <a:endParaRPr lang="de-DE"/>
+            <a:endParaRPr lang="de-DE" b="1"/>
           </a:p>
         </p:txBody>
       </p:sp>
@@ -5017,7 +5020,7 @@
         </p:nvSpPr>
         <p:spPr>
           <a:xfrm>
-            <a:off x="1720373" y="733172"/>
+            <a:off x="1720373" y="714122"/>
             <a:ext cx="395196" cy="323165"/>
           </a:xfrm>
           <a:prstGeom prst="rect">
@@ -5056,7 +5059,7 @@
         </p:nvCxnSpPr>
         <p:spPr>
           <a:xfrm>
-            <a:off x="1875359" y="1045451"/>
+            <a:off x="1875359" y="1026401"/>
             <a:ext cx="0" cy="144000"/>
           </a:xfrm>
           <a:prstGeom prst="line">
@@ -5091,7 +5094,7 @@
         </p:nvSpPr>
         <p:spPr>
           <a:xfrm>
-            <a:off x="2291699" y="750727"/>
+            <a:off x="2286089" y="731677"/>
             <a:ext cx="216000" cy="288000"/>
           </a:xfrm>
           <a:prstGeom prst="roundRect">
@@ -5122,7 +5125,7 @@
           <a:lstStyle/>
           <a:p>
             <a:pPr algn="ctr"/>
-            <a:endParaRPr lang="de-DE"/>
+            <a:endParaRPr lang="de-DE" b="1"/>
           </a:p>
         </p:txBody>
       </p:sp>
@@ -5134,7 +5137,7 @@
         </p:nvSpPr>
         <p:spPr>
           <a:xfrm>
-            <a:off x="2225188" y="733172"/>
+            <a:off x="2219578" y="714122"/>
             <a:ext cx="395196" cy="323165"/>
           </a:xfrm>
           <a:prstGeom prst="rect">
@@ -5173,7 +5176,7 @@
         </p:nvCxnSpPr>
         <p:spPr>
           <a:xfrm>
-            <a:off x="2401693" y="1045451"/>
+            <a:off x="2396083" y="1026401"/>
             <a:ext cx="0" cy="144000"/>
           </a:xfrm>
           <a:prstGeom prst="line">
@@ -5208,7 +5211,7 @@
         </p:nvSpPr>
         <p:spPr>
           <a:xfrm>
-            <a:off x="3614135" y="750727"/>
+            <a:off x="3631339" y="731677"/>
             <a:ext cx="216000" cy="288000"/>
           </a:xfrm>
           <a:prstGeom prst="roundRect">
@@ -5239,7 +5242,7 @@
           <a:lstStyle/>
           <a:p>
             <a:pPr algn="ctr"/>
-            <a:endParaRPr lang="de-DE"/>
+            <a:endParaRPr lang="de-DE" b="1"/>
           </a:p>
         </p:txBody>
       </p:sp>
@@ -5251,7 +5254,7 @@
         </p:nvSpPr>
         <p:spPr>
           <a:xfrm>
-            <a:off x="3553990" y="733172"/>
+            <a:off x="3571194" y="714122"/>
             <a:ext cx="395196" cy="323165"/>
           </a:xfrm>
           <a:prstGeom prst="rect">
@@ -5290,7 +5293,7 @@
         </p:nvCxnSpPr>
         <p:spPr>
           <a:xfrm>
-            <a:off x="3719862" y="1045451"/>
+            <a:off x="3737066" y="1026401"/>
             <a:ext cx="0" cy="144000"/>
           </a:xfrm>
           <a:prstGeom prst="line">
@@ -5325,7 +5328,7 @@
         </p:nvSpPr>
         <p:spPr>
           <a:xfrm>
-            <a:off x="5428911" y="750727"/>
+            <a:off x="5533941" y="731677"/>
             <a:ext cx="216000" cy="288000"/>
           </a:xfrm>
           <a:prstGeom prst="roundRect">
@@ -5356,7 +5359,7 @@
           <a:lstStyle/>
           <a:p>
             <a:pPr algn="ctr"/>
-            <a:endParaRPr lang="de-DE"/>
+            <a:endParaRPr lang="de-DE" b="1"/>
           </a:p>
         </p:txBody>
       </p:sp>
@@ -5368,7 +5371,7 @@
         </p:nvSpPr>
         <p:spPr>
           <a:xfrm>
-            <a:off x="5373033" y="733172"/>
+            <a:off x="5478063" y="714122"/>
             <a:ext cx="395196" cy="323165"/>
           </a:xfrm>
           <a:prstGeom prst="rect">
@@ -5407,7 +5410,7 @@
         </p:nvCxnSpPr>
         <p:spPr>
           <a:xfrm>
-            <a:off x="5538905" y="1045451"/>
+            <a:off x="5643935" y="1026401"/>
             <a:ext cx="0" cy="144000"/>
           </a:xfrm>
           <a:prstGeom prst="line">
@@ -5442,7 +5445,7 @@
         </p:nvSpPr>
         <p:spPr>
           <a:xfrm>
-            <a:off x="2835178" y="750727"/>
+            <a:off x="2816128" y="731677"/>
             <a:ext cx="216000" cy="288000"/>
           </a:xfrm>
           <a:prstGeom prst="roundRect">
@@ -5473,7 +5476,7 @@
           <a:lstStyle/>
           <a:p>
             <a:pPr algn="ctr"/>
-            <a:endParaRPr lang="de-DE"/>
+            <a:endParaRPr lang="de-DE" b="1"/>
           </a:p>
         </p:txBody>
       </p:sp>
@@ -5485,7 +5488,7 @@
         </p:nvSpPr>
         <p:spPr>
           <a:xfrm>
-            <a:off x="2781560" y="733172"/>
+            <a:off x="2762510" y="714122"/>
             <a:ext cx="395196" cy="323165"/>
           </a:xfrm>
           <a:prstGeom prst="rect">
@@ -5524,7 +5527,7 @@
         </p:nvCxnSpPr>
         <p:spPr>
           <a:xfrm>
-            <a:off x="2951791" y="1045451"/>
+            <a:off x="2932741" y="1026401"/>
             <a:ext cx="0" cy="144000"/>
           </a:xfrm>
           <a:prstGeom prst="line">
@@ -5559,7 +5562,7 @@
         </p:nvGrpSpPr>
         <p:grpSpPr>
           <a:xfrm>
-            <a:off x="5870406" y="2121123"/>
+            <a:off x="5962121" y="2140173"/>
             <a:ext cx="216000" cy="432048"/>
             <a:chOff x="5464998" y="1196752"/>
             <a:chExt cx="216000" cy="432048"/>
@@ -5604,7 +5607,7 @@
             <a:lstStyle/>
             <a:p>
               <a:pPr algn="ctr"/>
-              <a:endParaRPr lang="de-DE"/>
+              <a:endParaRPr lang="de-DE" b="1"/>
             </a:p>
           </p:txBody>
         </p:sp>
@@ -5652,8 +5655,8 @@
         </p:nvSpPr>
         <p:spPr>
           <a:xfrm>
-            <a:off x="5824593" y="2252884"/>
-            <a:ext cx="395196" cy="323165"/>
+            <a:off x="5924576" y="2271934"/>
+            <a:ext cx="253545" cy="323165"/>
           </a:xfrm>
           <a:prstGeom prst="rect">
             <a:avLst/>
@@ -5683,97 +5686,18 @@
           </a:p>
         </p:txBody>
       </p:sp>
-      <p:sp>
-        <p:nvSpPr>
-          <p:cNvPr id="72" name="Textfeld 71"/>
-          <p:cNvSpPr txBox="1"/>
-          <p:nvPr/>
-        </p:nvSpPr>
-        <p:spPr>
-          <a:xfrm>
-            <a:off x="85748" y="158408"/>
-            <a:ext cx="1339672" cy="400110"/>
-          </a:xfrm>
-          <a:prstGeom prst="rect">
-            <a:avLst/>
-          </a:prstGeom>
-          <a:noFill/>
-        </p:spPr>
-        <p:txBody>
-          <a:bodyPr wrap="square" rtlCol="0">
-            <a:spAutoFit/>
-          </a:bodyPr>
-          <a:lstStyle/>
-          <a:p>
-            <a:r>
-              <a:rPr lang="de-CH" sz="2000" dirty="0" smtClean="0">
-                <a:latin typeface="Arial" panose="020B0604020202020204" pitchFamily="34" charset="0"/>
-                <a:cs typeface="Arial" panose="020B0604020202020204" pitchFamily="34" charset="0"/>
-              </a:rPr>
-              <a:t>Mutant</a:t>
-            </a:r>
-            <a:endParaRPr lang="de-DE" sz="2000" dirty="0">
-              <a:latin typeface="Arial" panose="020B0604020202020204" pitchFamily="34" charset="0"/>
-              <a:cs typeface="Arial" panose="020B0604020202020204" pitchFamily="34" charset="0"/>
-            </a:endParaRPr>
-          </a:p>
-        </p:txBody>
-      </p:sp>
-      <p:sp>
-        <p:nvSpPr>
-          <p:cNvPr id="73" name="Textfeld 72"/>
-          <p:cNvSpPr txBox="1"/>
-          <p:nvPr/>
-        </p:nvSpPr>
-        <p:spPr>
-          <a:xfrm>
-            <a:off x="3779912" y="158408"/>
-            <a:ext cx="2767490" cy="400110"/>
-          </a:xfrm>
-          <a:prstGeom prst="rect">
-            <a:avLst/>
-          </a:prstGeom>
-          <a:noFill/>
-        </p:spPr>
-        <p:txBody>
-          <a:bodyPr wrap="square" rtlCol="0">
-            <a:spAutoFit/>
-          </a:bodyPr>
-          <a:lstStyle/>
-          <a:p>
-            <a:r>
-              <a:rPr lang="de-CH" sz="2000" dirty="0" smtClean="0">
-                <a:latin typeface="Arial" panose="020B0604020202020204" pitchFamily="34" charset="0"/>
-                <a:cs typeface="Arial" panose="020B0604020202020204" pitchFamily="34" charset="0"/>
-              </a:rPr>
-              <a:t>N-VP2 </a:t>
-            </a:r>
-            <a:r>
-              <a:rPr lang="de-CH" sz="2000" dirty="0" err="1" smtClean="0">
-                <a:latin typeface="Arial" panose="020B0604020202020204" pitchFamily="34" charset="0"/>
-                <a:cs typeface="Arial" panose="020B0604020202020204" pitchFamily="34" charset="0"/>
-              </a:rPr>
-              <a:t>sequence</a:t>
-            </a:r>
-            <a:endParaRPr lang="de-DE" sz="2000" dirty="0">
-              <a:latin typeface="Arial" panose="020B0604020202020204" pitchFamily="34" charset="0"/>
-              <a:cs typeface="Arial" panose="020B0604020202020204" pitchFamily="34" charset="0"/>
-            </a:endParaRPr>
-          </a:p>
-        </p:txBody>
-      </p:sp>
       <p:grpSp>
         <p:nvGrpSpPr>
-          <p:cNvPr id="162" name="Gruppieren 161"/>
+          <p:cNvPr id="231" name="Gruppieren 230"/>
           <p:cNvGrpSpPr/>
           <p:nvPr/>
         </p:nvGrpSpPr>
         <p:grpSpPr>
-          <a:xfrm rot="-360000">
-            <a:off x="1591590" y="6149350"/>
-            <a:ext cx="385701" cy="144000"/>
-            <a:chOff x="1833287" y="6390465"/>
-            <a:chExt cx="385701" cy="144000"/>
+          <a:xfrm>
+            <a:off x="2520204" y="4846831"/>
+            <a:ext cx="456302" cy="365525"/>
+            <a:chOff x="2546808" y="4846831"/>
+            <a:chExt cx="456302" cy="365525"/>
           </a:xfrm>
         </p:grpSpPr>
         <p:cxnSp>
@@ -5783,9 +5707,9 @@
             <p:nvPr/>
           </p:nvCxnSpPr>
           <p:spPr>
-            <a:xfrm rot="1140000" flipV="1">
-              <a:off x="1833287" y="6390465"/>
-              <a:ext cx="324000" cy="144000"/>
+            <a:xfrm rot="20570005" flipV="1">
+              <a:off x="2546808" y="4946531"/>
+              <a:ext cx="450418" cy="265825"/>
             </a:xfrm>
             <a:prstGeom prst="curvedConnector3">
               <a:avLst>
@@ -5830,9 +5754,9 @@
             <p:nvPr/>
           </p:nvSpPr>
           <p:spPr>
-            <a:xfrm>
-              <a:off x="2131120" y="6435512"/>
-              <a:ext cx="36000" cy="36000"/>
+            <a:xfrm rot="19430005">
+              <a:off x="2875436" y="4862821"/>
+              <a:ext cx="50046" cy="66456"/>
             </a:xfrm>
             <a:prstGeom prst="ellipse">
               <a:avLst/>
@@ -5867,7 +5791,7 @@
             <a:lstStyle/>
             <a:p>
               <a:pPr algn="ctr"/>
-              <a:endParaRPr lang="de-DE">
+              <a:endParaRPr lang="de-DE" b="1">
                 <a:ln>
                   <a:solidFill>
                     <a:schemeClr val="tx1"/>
@@ -5887,9 +5811,9 @@
             <p:nvPr/>
           </p:nvSpPr>
           <p:spPr>
-            <a:xfrm>
-              <a:off x="2067208" y="6404836"/>
-              <a:ext cx="36000" cy="36000"/>
+            <a:xfrm rot="19430005">
+              <a:off x="2804741" y="4913386"/>
+              <a:ext cx="50046" cy="66456"/>
             </a:xfrm>
             <a:prstGeom prst="ellipse">
               <a:avLst/>
@@ -5924,7 +5848,7 @@
             <a:lstStyle/>
             <a:p>
               <a:pPr algn="ctr"/>
-              <a:endParaRPr lang="de-DE">
+              <a:endParaRPr lang="de-DE" b="1">
                 <a:ln>
                   <a:solidFill>
                     <a:schemeClr val="tx1"/>
@@ -5944,9 +5868,9 @@
             <p:nvPr/>
           </p:nvSpPr>
           <p:spPr>
-            <a:xfrm>
-              <a:off x="2010966" y="6420602"/>
-              <a:ext cx="36000" cy="36000"/>
+            <a:xfrm rot="19430005">
+              <a:off x="2758796" y="4983022"/>
+              <a:ext cx="50046" cy="66456"/>
             </a:xfrm>
             <a:prstGeom prst="ellipse">
               <a:avLst/>
@@ -5981,7 +5905,7 @@
             <a:lstStyle/>
             <a:p>
               <a:pPr algn="ctr"/>
-              <a:endParaRPr lang="de-DE">
+              <a:endParaRPr lang="de-DE" b="1">
                 <a:ln>
                   <a:solidFill>
                     <a:schemeClr val="tx1"/>
@@ -6001,9 +5925,9 @@
             <p:nvPr/>
           </p:nvSpPr>
           <p:spPr>
-            <a:xfrm>
-              <a:off x="1971086" y="6464962"/>
-              <a:ext cx="36000" cy="36000"/>
+            <a:xfrm rot="19430005">
+              <a:off x="2762364" y="5081849"/>
+              <a:ext cx="50046" cy="66456"/>
             </a:xfrm>
             <a:prstGeom prst="ellipse">
               <a:avLst/>
@@ -6038,7 +5962,7 @@
             <a:lstStyle/>
             <a:p>
               <a:pPr algn="ctr"/>
-              <a:endParaRPr lang="de-DE">
+              <a:endParaRPr lang="de-DE" b="1">
                 <a:ln>
                   <a:solidFill>
                     <a:schemeClr val="tx1"/>
@@ -6058,9 +5982,9 @@
             <p:nvPr/>
           </p:nvSpPr>
           <p:spPr>
-            <a:xfrm>
-              <a:off x="2182988" y="6453336"/>
-              <a:ext cx="36000" cy="36000"/>
+            <a:xfrm rot="19430005">
+              <a:off x="2953064" y="4846831"/>
+              <a:ext cx="50046" cy="66456"/>
             </a:xfrm>
             <a:prstGeom prst="ellipse">
               <a:avLst/>
@@ -6095,7 +6019,7 @@
             <a:lstStyle/>
             <a:p>
               <a:pPr algn="ctr"/>
-              <a:endParaRPr lang="de-DE">
+              <a:endParaRPr lang="de-DE" b="1">
                 <a:ln>
                   <a:solidFill>
                     <a:schemeClr val="tx1"/>
@@ -6116,9 +6040,9 @@
           <p:nvPr/>
         </p:nvCxnSpPr>
         <p:spPr>
-          <a:xfrm rot="1140000" flipV="1">
-            <a:off x="1617750" y="6694035"/>
-            <a:ext cx="324000" cy="144000"/>
+          <a:xfrm rot="-1080000" flipV="1">
+            <a:off x="6096233" y="4936636"/>
+            <a:ext cx="432000" cy="252000"/>
           </a:xfrm>
           <a:prstGeom prst="curvedConnector3">
             <a:avLst>
@@ -6174,7 +6098,7 @@
         </p:blipFill>
         <p:spPr>
           <a:xfrm>
-            <a:off x="1883014" y="2738171"/>
+            <a:off x="2078455" y="2738171"/>
             <a:ext cx="972208" cy="1116000"/>
           </a:xfrm>
           <a:prstGeom prst="rect">
@@ -6190,7 +6114,7 @@
         </p:nvSpPr>
         <p:spPr>
           <a:xfrm rot="13873920">
-            <a:off x="1988033" y="3203643"/>
+            <a:off x="2183474" y="3203643"/>
             <a:ext cx="828254" cy="158662"/>
           </a:xfrm>
           <a:custGeom>
@@ -6341,7 +6265,7 @@
           <a:lstStyle/>
           <a:p>
             <a:pPr algn="ctr"/>
-            <a:endParaRPr lang="en-US">
+            <a:endParaRPr lang="en-US" b="1">
               <a:solidFill>
                 <a:srgbClr val="000000"/>
               </a:solidFill>
@@ -6357,7 +6281,7 @@
         </p:nvGrpSpPr>
         <p:grpSpPr>
           <a:xfrm rot="15946922">
-            <a:off x="2140899" y="2467125"/>
+            <a:off x="2336340" y="2467125"/>
             <a:ext cx="385701" cy="144000"/>
             <a:chOff x="1833287" y="6390465"/>
             <a:chExt cx="385701" cy="144000"/>
@@ -6454,7 +6378,7 @@
             <a:lstStyle/>
             <a:p>
               <a:pPr algn="ctr"/>
-              <a:endParaRPr lang="de-DE">
+              <a:endParaRPr lang="de-DE" b="1">
                 <a:ln>
                   <a:solidFill>
                     <a:schemeClr val="tx1"/>
@@ -6511,7 +6435,7 @@
             <a:lstStyle/>
             <a:p>
               <a:pPr algn="ctr"/>
-              <a:endParaRPr lang="de-DE">
+              <a:endParaRPr lang="de-DE" b="1">
                 <a:ln>
                   <a:solidFill>
                     <a:schemeClr val="tx1"/>
@@ -6568,7 +6492,7 @@
             <a:lstStyle/>
             <a:p>
               <a:pPr algn="ctr"/>
-              <a:endParaRPr lang="de-DE">
+              <a:endParaRPr lang="de-DE" b="1">
                 <a:ln>
                   <a:solidFill>
                     <a:schemeClr val="tx1"/>
@@ -6625,7 +6549,7 @@
             <a:lstStyle/>
             <a:p>
               <a:pPr algn="ctr"/>
-              <a:endParaRPr lang="de-DE">
+              <a:endParaRPr lang="de-DE" b="1">
                 <a:ln>
                   <a:solidFill>
                     <a:schemeClr val="tx1"/>
@@ -6682,7 +6606,7 @@
             <a:lstStyle/>
             <a:p>
               <a:pPr algn="ctr"/>
-              <a:endParaRPr lang="de-DE">
+              <a:endParaRPr lang="de-DE" b="1">
                 <a:ln>
                   <a:solidFill>
                     <a:schemeClr val="tx1"/>
@@ -6704,7 +6628,7 @@
         </p:nvGrpSpPr>
         <p:grpSpPr>
           <a:xfrm rot="19329006">
-            <a:off x="2800420" y="2806272"/>
+            <a:off x="2995861" y="2806272"/>
             <a:ext cx="385701" cy="144000"/>
             <a:chOff x="1833287" y="6390465"/>
             <a:chExt cx="385701" cy="144000"/>
@@ -6801,7 +6725,7 @@
             <a:lstStyle/>
             <a:p>
               <a:pPr algn="ctr"/>
-              <a:endParaRPr lang="de-DE">
+              <a:endParaRPr lang="de-DE" b="1">
                 <a:ln>
                   <a:solidFill>
                     <a:schemeClr val="tx1"/>
@@ -6858,7 +6782,7 @@
             <a:lstStyle/>
             <a:p>
               <a:pPr algn="ctr"/>
-              <a:endParaRPr lang="de-DE">
+              <a:endParaRPr lang="de-DE" b="1">
                 <a:ln>
                   <a:solidFill>
                     <a:schemeClr val="tx1"/>
@@ -6915,7 +6839,7 @@
             <a:lstStyle/>
             <a:p>
               <a:pPr algn="ctr"/>
-              <a:endParaRPr lang="de-DE">
+              <a:endParaRPr lang="de-DE" b="1">
                 <a:ln>
                   <a:solidFill>
                     <a:schemeClr val="tx1"/>
@@ -6972,7 +6896,7 @@
             <a:lstStyle/>
             <a:p>
               <a:pPr algn="ctr"/>
-              <a:endParaRPr lang="de-DE">
+              <a:endParaRPr lang="de-DE" b="1">
                 <a:ln>
                   <a:solidFill>
                     <a:schemeClr val="tx1"/>
@@ -7029,7 +6953,7 @@
             <a:lstStyle/>
             <a:p>
               <a:pPr algn="ctr"/>
-              <a:endParaRPr lang="de-DE">
+              <a:endParaRPr lang="de-DE" b="1">
                 <a:ln>
                   <a:solidFill>
                     <a:schemeClr val="tx1"/>
@@ -7051,7 +6975,7 @@
         </p:nvGrpSpPr>
         <p:grpSpPr>
           <a:xfrm rot="2204428">
-            <a:off x="2818825" y="3591860"/>
+            <a:off x="3014266" y="3591860"/>
             <a:ext cx="385701" cy="144000"/>
             <a:chOff x="1833287" y="6390465"/>
             <a:chExt cx="385701" cy="144000"/>
@@ -7148,7 +7072,7 @@
             <a:lstStyle/>
             <a:p>
               <a:pPr algn="ctr"/>
-              <a:endParaRPr lang="de-DE">
+              <a:endParaRPr lang="de-DE" b="1">
                 <a:ln>
                   <a:solidFill>
                     <a:schemeClr val="tx1"/>
@@ -7205,7 +7129,7 @@
             <a:lstStyle/>
             <a:p>
               <a:pPr algn="ctr"/>
-              <a:endParaRPr lang="de-DE">
+              <a:endParaRPr lang="de-DE" b="1">
                 <a:ln>
                   <a:solidFill>
                     <a:schemeClr val="tx1"/>
@@ -7262,7 +7186,7 @@
             <a:lstStyle/>
             <a:p>
               <a:pPr algn="ctr"/>
-              <a:endParaRPr lang="de-DE">
+              <a:endParaRPr lang="de-DE" b="1">
                 <a:ln>
                   <a:solidFill>
                     <a:schemeClr val="tx1"/>
@@ -7319,7 +7243,7 @@
             <a:lstStyle/>
             <a:p>
               <a:pPr algn="ctr"/>
-              <a:endParaRPr lang="de-DE">
+              <a:endParaRPr lang="de-DE" b="1">
                 <a:ln>
                   <a:solidFill>
                     <a:schemeClr val="tx1"/>
@@ -7376,7 +7300,7 @@
             <a:lstStyle/>
             <a:p>
               <a:pPr algn="ctr"/>
-              <a:endParaRPr lang="de-DE">
+              <a:endParaRPr lang="de-DE" b="1">
                 <a:ln>
                   <a:solidFill>
                     <a:schemeClr val="tx1"/>
@@ -7398,7 +7322,7 @@
         </p:nvGrpSpPr>
         <p:grpSpPr>
           <a:xfrm rot="5400000">
-            <a:off x="2189158" y="3949360"/>
+            <a:off x="2384599" y="3949360"/>
             <a:ext cx="385701" cy="144000"/>
             <a:chOff x="1833287" y="6390465"/>
             <a:chExt cx="385701" cy="144000"/>
@@ -7495,7 +7419,7 @@
             <a:lstStyle/>
             <a:p>
               <a:pPr algn="ctr"/>
-              <a:endParaRPr lang="de-DE">
+              <a:endParaRPr lang="de-DE" b="1">
                 <a:ln>
                   <a:solidFill>
                     <a:schemeClr val="tx1"/>
@@ -7552,7 +7476,7 @@
             <a:lstStyle/>
             <a:p>
               <a:pPr algn="ctr"/>
-              <a:endParaRPr lang="de-DE">
+              <a:endParaRPr lang="de-DE" b="1">
                 <a:ln>
                   <a:solidFill>
                     <a:schemeClr val="tx1"/>
@@ -7609,7 +7533,7 @@
             <a:lstStyle/>
             <a:p>
               <a:pPr algn="ctr"/>
-              <a:endParaRPr lang="de-DE">
+              <a:endParaRPr lang="de-DE" b="1">
                 <a:ln>
                   <a:solidFill>
                     <a:schemeClr val="tx1"/>
@@ -7666,7 +7590,7 @@
             <a:lstStyle/>
             <a:p>
               <a:pPr algn="ctr"/>
-              <a:endParaRPr lang="de-DE">
+              <a:endParaRPr lang="de-DE" b="1">
                 <a:ln>
                   <a:solidFill>
                     <a:schemeClr val="tx1"/>
@@ -7723,7 +7647,7 @@
             <a:lstStyle/>
             <a:p>
               <a:pPr algn="ctr"/>
-              <a:endParaRPr lang="de-DE">
+              <a:endParaRPr lang="de-DE" b="1">
                 <a:ln>
                   <a:solidFill>
                     <a:schemeClr val="tx1"/>
@@ -7745,7 +7669,7 @@
         </p:nvGrpSpPr>
         <p:grpSpPr>
           <a:xfrm rot="8522858">
-            <a:off x="1552144" y="3614761"/>
+            <a:off x="1747585" y="3614761"/>
             <a:ext cx="385701" cy="144000"/>
             <a:chOff x="1833287" y="6390465"/>
             <a:chExt cx="385701" cy="144000"/>
@@ -7842,7 +7766,7 @@
             <a:lstStyle/>
             <a:p>
               <a:pPr algn="ctr"/>
-              <a:endParaRPr lang="de-DE">
+              <a:endParaRPr lang="de-DE" b="1">
                 <a:ln>
                   <a:solidFill>
                     <a:schemeClr val="tx1"/>
@@ -7899,7 +7823,7 @@
             <a:lstStyle/>
             <a:p>
               <a:pPr algn="ctr"/>
-              <a:endParaRPr lang="de-DE">
+              <a:endParaRPr lang="de-DE" b="1">
                 <a:ln>
                   <a:solidFill>
                     <a:schemeClr val="tx1"/>
@@ -7956,7 +7880,7 @@
             <a:lstStyle/>
             <a:p>
               <a:pPr algn="ctr"/>
-              <a:endParaRPr lang="de-DE">
+              <a:endParaRPr lang="de-DE" b="1">
                 <a:ln>
                   <a:solidFill>
                     <a:schemeClr val="tx1"/>
@@ -8013,7 +7937,7 @@
             <a:lstStyle/>
             <a:p>
               <a:pPr algn="ctr"/>
-              <a:endParaRPr lang="de-DE">
+              <a:endParaRPr lang="de-DE" b="1">
                 <a:ln>
                   <a:solidFill>
                     <a:schemeClr val="tx1"/>
@@ -8070,7 +7994,7 @@
             <a:lstStyle/>
             <a:p>
               <a:pPr algn="ctr"/>
-              <a:endParaRPr lang="de-DE">
+              <a:endParaRPr lang="de-DE" b="1">
                 <a:ln>
                   <a:solidFill>
                     <a:schemeClr val="tx1"/>
@@ -8092,7 +8016,7 @@
         </p:nvGrpSpPr>
         <p:grpSpPr>
           <a:xfrm rot="12514432">
-            <a:off x="1507188" y="2863147"/>
+            <a:off x="1702629" y="2863147"/>
             <a:ext cx="385701" cy="144000"/>
             <a:chOff x="1833287" y="6390465"/>
             <a:chExt cx="385701" cy="144000"/>
@@ -8189,7 +8113,7 @@
             <a:lstStyle/>
             <a:p>
               <a:pPr algn="ctr"/>
-              <a:endParaRPr lang="de-DE">
+              <a:endParaRPr lang="de-DE" b="1">
                 <a:ln>
                   <a:solidFill>
                     <a:schemeClr val="tx1"/>
@@ -8246,7 +8170,7 @@
             <a:lstStyle/>
             <a:p>
               <a:pPr algn="ctr"/>
-              <a:endParaRPr lang="de-DE">
+              <a:endParaRPr lang="de-DE" b="1">
                 <a:ln>
                   <a:solidFill>
                     <a:schemeClr val="tx1"/>
@@ -8303,7 +8227,7 @@
             <a:lstStyle/>
             <a:p>
               <a:pPr algn="ctr"/>
-              <a:endParaRPr lang="de-DE">
+              <a:endParaRPr lang="de-DE" b="1">
                 <a:ln>
                   <a:solidFill>
                     <a:schemeClr val="tx1"/>
@@ -8360,7 +8284,7 @@
             <a:lstStyle/>
             <a:p>
               <a:pPr algn="ctr"/>
-              <a:endParaRPr lang="de-DE">
+              <a:endParaRPr lang="de-DE" b="1">
                 <a:ln>
                   <a:solidFill>
                     <a:schemeClr val="tx1"/>
@@ -8417,7 +8341,7 @@
             <a:lstStyle/>
             <a:p>
               <a:pPr algn="ctr"/>
-              <a:endParaRPr lang="de-DE">
+              <a:endParaRPr lang="de-DE" b="1">
                 <a:ln>
                   <a:solidFill>
                     <a:schemeClr val="tx1"/>
@@ -8439,7 +8363,7 @@
         </p:nvGrpSpPr>
         <p:grpSpPr>
           <a:xfrm rot="12514432">
-            <a:off x="1805275" y="3073515"/>
+            <a:off x="2000716" y="3073515"/>
             <a:ext cx="385701" cy="144000"/>
             <a:chOff x="1833287" y="6390465"/>
             <a:chExt cx="385701" cy="144000"/>
@@ -8538,7 +8462,7 @@
             <a:lstStyle/>
             <a:p>
               <a:pPr algn="ctr"/>
-              <a:endParaRPr lang="de-DE">
+              <a:endParaRPr lang="de-DE" b="1">
                 <a:ln>
                   <a:solidFill>
                     <a:schemeClr val="tx1"/>
@@ -8595,7 +8519,7 @@
             <a:lstStyle/>
             <a:p>
               <a:pPr algn="ctr"/>
-              <a:endParaRPr lang="de-DE">
+              <a:endParaRPr lang="de-DE" b="1">
                 <a:ln>
                   <a:solidFill>
                     <a:schemeClr val="tx1"/>
@@ -8652,7 +8576,7 @@
             <a:lstStyle/>
             <a:p>
               <a:pPr algn="ctr"/>
-              <a:endParaRPr lang="de-DE">
+              <a:endParaRPr lang="de-DE" b="1">
                 <a:ln>
                   <a:solidFill>
                     <a:schemeClr val="tx1"/>
@@ -8709,7 +8633,7 @@
             <a:lstStyle/>
             <a:p>
               <a:pPr algn="ctr"/>
-              <a:endParaRPr lang="de-DE">
+              <a:endParaRPr lang="de-DE" b="1">
                 <a:ln>
                   <a:solidFill>
                     <a:schemeClr val="tx1"/>
@@ -8766,7 +8690,7 @@
             <a:lstStyle/>
             <a:p>
               <a:pPr algn="ctr"/>
-              <a:endParaRPr lang="de-DE">
+              <a:endParaRPr lang="de-DE" b="1">
                 <a:ln>
                   <a:solidFill>
                     <a:schemeClr val="tx1"/>
@@ -8788,7 +8712,7 @@
         </p:nvCxnSpPr>
         <p:spPr>
           <a:xfrm rot="20821342" flipV="1">
-            <a:off x="2533689" y="2893221"/>
+            <a:off x="2729130" y="2893221"/>
             <a:ext cx="324000" cy="144000"/>
           </a:xfrm>
           <a:prstGeom prst="curvedConnector3">
@@ -8837,7 +8761,7 @@
         </p:nvGrpSpPr>
         <p:grpSpPr>
           <a:xfrm>
-            <a:off x="2674658" y="2797776"/>
+            <a:off x="2870099" y="2797776"/>
             <a:ext cx="130276" cy="206116"/>
             <a:chOff x="3729766" y="5756981"/>
             <a:chExt cx="130276" cy="206116"/>
@@ -8893,7 +8817,7 @@
             <a:lstStyle/>
             <a:p>
               <a:pPr algn="ctr"/>
-              <a:endParaRPr lang="de-DE">
+              <a:endParaRPr lang="de-DE" b="1">
                 <a:ln>
                   <a:solidFill>
                     <a:schemeClr val="tx1"/>
@@ -8956,7 +8880,7 @@
             <a:lstStyle/>
             <a:p>
               <a:pPr algn="ctr"/>
-              <a:endParaRPr lang="de-DE">
+              <a:endParaRPr lang="de-DE" b="1">
                 <a:ln>
                   <a:solidFill>
                     <a:schemeClr val="tx1"/>
@@ -9019,7 +8943,7 @@
             <a:lstStyle/>
             <a:p>
               <a:pPr algn="ctr"/>
-              <a:endParaRPr lang="de-DE">
+              <a:endParaRPr lang="de-DE" b="1">
                 <a:ln>
                   <a:solidFill>
                     <a:schemeClr val="tx1"/>
@@ -9082,7 +9006,7 @@
             <a:lstStyle/>
             <a:p>
               <a:pPr algn="ctr"/>
-              <a:endParaRPr lang="de-DE">
+              <a:endParaRPr lang="de-DE" b="1">
                 <a:ln>
                   <a:solidFill>
                     <a:schemeClr val="tx1"/>
@@ -9145,7 +9069,7 @@
             <a:lstStyle/>
             <a:p>
               <a:pPr algn="ctr"/>
-              <a:endParaRPr lang="de-DE">
+              <a:endParaRPr lang="de-DE" b="1">
                 <a:ln>
                   <a:solidFill>
                     <a:schemeClr val="tx1"/>
@@ -9167,7 +9091,7 @@
         </p:nvGrpSpPr>
         <p:grpSpPr>
           <a:xfrm rot="12514432">
-            <a:off x="2112130" y="3597823"/>
+            <a:off x="2307571" y="3597823"/>
             <a:ext cx="385701" cy="144000"/>
             <a:chOff x="1833287" y="6390465"/>
             <a:chExt cx="385701" cy="144000"/>
@@ -9266,7 +9190,7 @@
             <a:lstStyle/>
             <a:p>
               <a:pPr algn="ctr"/>
-              <a:endParaRPr lang="de-DE">
+              <a:endParaRPr lang="de-DE" b="1">
                 <a:ln>
                   <a:solidFill>
                     <a:schemeClr val="tx1"/>
@@ -9323,7 +9247,7 @@
             <a:lstStyle/>
             <a:p>
               <a:pPr algn="ctr"/>
-              <a:endParaRPr lang="de-DE">
+              <a:endParaRPr lang="de-DE" b="1">
                 <a:ln>
                   <a:solidFill>
                     <a:schemeClr val="tx1"/>
@@ -9380,7 +9304,7 @@
             <a:lstStyle/>
             <a:p>
               <a:pPr algn="ctr"/>
-              <a:endParaRPr lang="de-DE">
+              <a:endParaRPr lang="de-DE" b="1">
                 <a:ln>
                   <a:solidFill>
                     <a:schemeClr val="tx1"/>
@@ -9437,7 +9361,7 @@
             <a:lstStyle/>
             <a:p>
               <a:pPr algn="ctr"/>
-              <a:endParaRPr lang="de-DE">
+              <a:endParaRPr lang="de-DE" b="1">
                 <a:ln>
                   <a:solidFill>
                     <a:schemeClr val="tx1"/>
@@ -9494,7 +9418,7 @@
             <a:lstStyle/>
             <a:p>
               <a:pPr algn="ctr"/>
-              <a:endParaRPr lang="de-DE">
+              <a:endParaRPr lang="de-DE" b="1">
                 <a:ln>
                   <a:solidFill>
                     <a:schemeClr val="tx1"/>
@@ -9526,7 +9450,7 @@
         </p:blipFill>
         <p:spPr>
           <a:xfrm>
-            <a:off x="4341877" y="2738171"/>
+            <a:off x="4537318" y="2738171"/>
             <a:ext cx="972208" cy="1116000"/>
           </a:xfrm>
           <a:prstGeom prst="rect">
@@ -9542,7 +9466,7 @@
         </p:nvSpPr>
         <p:spPr>
           <a:xfrm rot="13873920">
-            <a:off x="4436263" y="3199579"/>
+            <a:off x="4631704" y="3199579"/>
             <a:ext cx="828254" cy="158662"/>
           </a:xfrm>
           <a:custGeom>
@@ -9693,7 +9617,7 @@
           <a:lstStyle/>
           <a:p>
             <a:pPr algn="ctr"/>
-            <a:endParaRPr lang="en-US">
+            <a:endParaRPr lang="en-US" b="1">
               <a:solidFill>
                 <a:srgbClr val="000000"/>
               </a:solidFill>
@@ -9709,7 +9633,7 @@
         </p:nvCxnSpPr>
         <p:spPr>
           <a:xfrm rot="17086922" flipV="1">
-            <a:off x="4651932" y="2504461"/>
+            <a:off x="4847373" y="2504461"/>
             <a:ext cx="324000" cy="144000"/>
           </a:xfrm>
           <a:prstGeom prst="curvedConnector3">
@@ -9756,7 +9680,7 @@
         </p:nvCxnSpPr>
         <p:spPr>
           <a:xfrm rot="20469006" flipV="1">
-            <a:off x="5265773" y="2821138"/>
+            <a:off x="5461214" y="2821138"/>
             <a:ext cx="324000" cy="144000"/>
           </a:xfrm>
           <a:prstGeom prst="curvedConnector3">
@@ -9803,7 +9727,7 @@
         </p:nvCxnSpPr>
         <p:spPr>
           <a:xfrm rot="3344428" flipV="1">
-            <a:off x="5294449" y="3569342"/>
+            <a:off x="5489890" y="3569342"/>
             <a:ext cx="324000" cy="144000"/>
           </a:xfrm>
           <a:prstGeom prst="curvedConnector3">
@@ -9850,7 +9774,7 @@
         </p:nvCxnSpPr>
         <p:spPr>
           <a:xfrm rot="6540000" flipV="1">
-            <a:off x="4678872" y="3925079"/>
+            <a:off x="4874313" y="3925079"/>
             <a:ext cx="324000" cy="144000"/>
           </a:xfrm>
           <a:prstGeom prst="curvedConnector3">
@@ -9897,7 +9821,7 @@
         </p:nvCxnSpPr>
         <p:spPr>
           <a:xfrm rot="9662858" flipV="1">
-            <a:off x="4066184" y="3591724"/>
+            <a:off x="4261625" y="3591724"/>
             <a:ext cx="324000" cy="144000"/>
           </a:xfrm>
           <a:prstGeom prst="curvedConnector3">
@@ -9944,7 +9868,7 @@
         </p:nvCxnSpPr>
         <p:spPr>
           <a:xfrm rot="13654432" flipV="1">
-            <a:off x="4023994" y="2873839"/>
+            <a:off x="4219435" y="2873839"/>
             <a:ext cx="324000" cy="144000"/>
           </a:xfrm>
           <a:prstGeom prst="curvedConnector3">
@@ -9991,7 +9915,7 @@
         </p:nvCxnSpPr>
         <p:spPr>
           <a:xfrm rot="13654432" flipV="1">
-            <a:off x="4296203" y="3110085"/>
+            <a:off x="4491644" y="3110085"/>
             <a:ext cx="324000" cy="144000"/>
           </a:xfrm>
           <a:prstGeom prst="curvedConnector3">
@@ -10040,7 +9964,7 @@
         </p:nvCxnSpPr>
         <p:spPr>
           <a:xfrm rot="20821342" flipV="1">
-            <a:off x="4992552" y="2889157"/>
+            <a:off x="5187993" y="2889157"/>
             <a:ext cx="324000" cy="144000"/>
           </a:xfrm>
           <a:prstGeom prst="curvedConnector3">
@@ -10089,7 +10013,7 @@
         </p:nvCxnSpPr>
         <p:spPr>
           <a:xfrm rot="13654432" flipV="1">
-            <a:off x="4628936" y="3608515"/>
+            <a:off x="4824377" y="3608515"/>
             <a:ext cx="324000" cy="144000"/>
           </a:xfrm>
           <a:prstGeom prst="curvedConnector3">
@@ -10130,32 +10054,6 @@
           </a:fontRef>
         </p:style>
       </p:cxnSp>
-      <p:pic>
-        <p:nvPicPr>
-          <p:cNvPr id="302" name="Picture 2"/>
-          <p:cNvPicPr>
-            <a:picLocks noChangeAspect="1"/>
-          </p:cNvPicPr>
-          <p:nvPr/>
-        </p:nvPicPr>
-        <p:blipFill>
-          <a:blip r:embed="rId3">
-            <a:grayscl/>
-          </a:blip>
-          <a:stretch>
-            <a:fillRect/>
-          </a:stretch>
-        </p:blipFill>
-        <p:spPr>
-          <a:xfrm>
-            <a:off x="6403732" y="2734107"/>
-            <a:ext cx="972208" cy="1116000"/>
-          </a:xfrm>
-          <a:prstGeom prst="rect">
-            <a:avLst/>
-          </a:prstGeom>
-        </p:spPr>
-      </p:pic>
       <p:sp>
         <p:nvSpPr>
           <p:cNvPr id="402" name="Textfeld 401"/>
@@ -10164,8 +10062,8 @@
         </p:nvSpPr>
         <p:spPr>
           <a:xfrm>
-            <a:off x="1979712" y="4286218"/>
-            <a:ext cx="1156111" cy="461665"/>
+            <a:off x="2241828" y="4286218"/>
+            <a:ext cx="1156111" cy="400110"/>
           </a:xfrm>
           <a:prstGeom prst="rect">
             <a:avLst/>
@@ -10179,13 +10077,13 @@
           <a:lstStyle/>
           <a:p>
             <a:r>
-              <a:rPr lang="de-CH" sz="2400" dirty="0" smtClean="0">
+              <a:rPr lang="de-CH" sz="2000" b="1" dirty="0" smtClean="0">
                 <a:latin typeface="Arial" panose="020B0604020202020204" pitchFamily="34" charset="0"/>
                 <a:cs typeface="Arial" panose="020B0604020202020204" pitchFamily="34" charset="0"/>
               </a:rPr>
               <a:t>WT</a:t>
             </a:r>
-            <a:endParaRPr lang="de-DE" sz="2400" dirty="0">
+            <a:endParaRPr lang="de-DE" sz="2000" b="1" dirty="0">
               <a:latin typeface="Arial" panose="020B0604020202020204" pitchFamily="34" charset="0"/>
               <a:cs typeface="Arial" panose="020B0604020202020204" pitchFamily="34" charset="0"/>
             </a:endParaRPr>
@@ -10200,8 +10098,8 @@
         </p:nvSpPr>
         <p:spPr>
           <a:xfrm>
-            <a:off x="4427984" y="4286218"/>
-            <a:ext cx="1156111" cy="461665"/>
+            <a:off x="4667766" y="4286218"/>
+            <a:ext cx="1156111" cy="400110"/>
           </a:xfrm>
           <a:prstGeom prst="rect">
             <a:avLst/>
@@ -10215,13 +10113,13 @@
           <a:lstStyle/>
           <a:p>
             <a:r>
-              <a:rPr lang="de-CH" sz="2400" dirty="0" smtClean="0">
+              <a:rPr lang="de-CH" sz="2000" b="1" dirty="0" smtClean="0">
                 <a:latin typeface="Arial" panose="020B0604020202020204" pitchFamily="34" charset="0"/>
                 <a:cs typeface="Arial" panose="020B0604020202020204" pitchFamily="34" charset="0"/>
               </a:rPr>
               <a:t>5SG</a:t>
             </a:r>
-            <a:endParaRPr lang="de-DE" sz="2400" dirty="0">
+            <a:endParaRPr lang="de-DE" sz="2000" b="1" dirty="0">
               <a:latin typeface="Arial" panose="020B0604020202020204" pitchFamily="34" charset="0"/>
               <a:cs typeface="Arial" panose="020B0604020202020204" pitchFamily="34" charset="0"/>
             </a:endParaRPr>
@@ -10236,8 +10134,8 @@
         </p:nvSpPr>
         <p:spPr>
           <a:xfrm>
-            <a:off x="6516216" y="4286218"/>
-            <a:ext cx="1156111" cy="461665"/>
+            <a:off x="6749757" y="4286218"/>
+            <a:ext cx="1156111" cy="400110"/>
           </a:xfrm>
           <a:prstGeom prst="rect">
             <a:avLst/>
@@ -10251,28 +10149,284 @@
           <a:lstStyle/>
           <a:p>
             <a:r>
-              <a:rPr lang="de-CH" sz="2400" dirty="0" smtClean="0">
+              <a:rPr lang="de-CH" sz="2000" b="1" dirty="0" smtClean="0">
                 <a:latin typeface="Arial" panose="020B0604020202020204" pitchFamily="34" charset="0"/>
                 <a:cs typeface="Arial" panose="020B0604020202020204" pitchFamily="34" charset="0"/>
               </a:rPr>
               <a:t>G33F</a:t>
             </a:r>
-            <a:endParaRPr lang="de-DE" sz="2400" dirty="0">
+            <a:endParaRPr lang="de-DE" sz="2000" b="1" dirty="0">
               <a:latin typeface="Arial" panose="020B0604020202020204" pitchFamily="34" charset="0"/>
               <a:cs typeface="Arial" panose="020B0604020202020204" pitchFamily="34" charset="0"/>
             </a:endParaRPr>
           </a:p>
         </p:txBody>
       </p:sp>
+      <p:grpSp>
+        <p:nvGrpSpPr>
+          <p:cNvPr id="230" name="Gruppieren 229"/>
+          <p:cNvGrpSpPr/>
+          <p:nvPr/>
+        </p:nvGrpSpPr>
+        <p:grpSpPr>
+          <a:xfrm rot="18827400">
+            <a:off x="979037" y="5075302"/>
+            <a:ext cx="843439" cy="271485"/>
+            <a:chOff x="241100" y="5079487"/>
+            <a:chExt cx="971577" cy="428865"/>
+          </a:xfrm>
+        </p:grpSpPr>
+        <p:sp>
+          <p:nvSpPr>
+            <p:cNvPr id="251" name="Freeform 40"/>
+            <p:cNvSpPr/>
+            <p:nvPr/>
+          </p:nvSpPr>
+          <p:spPr>
+            <a:xfrm rot="10800000">
+              <a:off x="384423" y="5137241"/>
+              <a:ext cx="828254" cy="158662"/>
+            </a:xfrm>
+            <a:custGeom>
+              <a:avLst/>
+              <a:gdLst>
+                <a:gd name="connsiteX0" fmla="*/ 0 w 3017212"/>
+                <a:gd name="connsiteY0" fmla="*/ 446425 h 885159"/>
+                <a:gd name="connsiteX1" fmla="*/ 323272 w 3017212"/>
+                <a:gd name="connsiteY1" fmla="*/ 15395 h 885159"/>
+                <a:gd name="connsiteX2" fmla="*/ 692727 w 3017212"/>
+                <a:gd name="connsiteY2" fmla="*/ 885153 h 885159"/>
+                <a:gd name="connsiteX3" fmla="*/ 1016000 w 3017212"/>
+                <a:gd name="connsiteY3" fmla="*/ 1 h 885159"/>
+                <a:gd name="connsiteX4" fmla="*/ 1354666 w 3017212"/>
+                <a:gd name="connsiteY4" fmla="*/ 885153 h 885159"/>
+                <a:gd name="connsiteX5" fmla="*/ 1662545 w 3017212"/>
+                <a:gd name="connsiteY5" fmla="*/ 1 h 885159"/>
+                <a:gd name="connsiteX6" fmla="*/ 1893454 w 3017212"/>
+                <a:gd name="connsiteY6" fmla="*/ 885153 h 885159"/>
+                <a:gd name="connsiteX7" fmla="*/ 2201333 w 3017212"/>
+                <a:gd name="connsiteY7" fmla="*/ 1 h 885159"/>
+                <a:gd name="connsiteX8" fmla="*/ 2493818 w 3017212"/>
+                <a:gd name="connsiteY8" fmla="*/ 877456 h 885159"/>
+                <a:gd name="connsiteX9" fmla="*/ 2770909 w 3017212"/>
+                <a:gd name="connsiteY9" fmla="*/ 15395 h 885159"/>
+                <a:gd name="connsiteX10" fmla="*/ 3017212 w 3017212"/>
+                <a:gd name="connsiteY10" fmla="*/ 523395 h 885159"/>
+              </a:gdLst>
+              <a:ahLst/>
+              <a:cxnLst>
+                <a:cxn ang="0">
+                  <a:pos x="connsiteX0" y="connsiteY0"/>
+                </a:cxn>
+                <a:cxn ang="0">
+                  <a:pos x="connsiteX1" y="connsiteY1"/>
+                </a:cxn>
+                <a:cxn ang="0">
+                  <a:pos x="connsiteX2" y="connsiteY2"/>
+                </a:cxn>
+                <a:cxn ang="0">
+                  <a:pos x="connsiteX3" y="connsiteY3"/>
+                </a:cxn>
+                <a:cxn ang="0">
+                  <a:pos x="connsiteX4" y="connsiteY4"/>
+                </a:cxn>
+                <a:cxn ang="0">
+                  <a:pos x="connsiteX5" y="connsiteY5"/>
+                </a:cxn>
+                <a:cxn ang="0">
+                  <a:pos x="connsiteX6" y="connsiteY6"/>
+                </a:cxn>
+                <a:cxn ang="0">
+                  <a:pos x="connsiteX7" y="connsiteY7"/>
+                </a:cxn>
+                <a:cxn ang="0">
+                  <a:pos x="connsiteX8" y="connsiteY8"/>
+                </a:cxn>
+                <a:cxn ang="0">
+                  <a:pos x="connsiteX9" y="connsiteY9"/>
+                </a:cxn>
+                <a:cxn ang="0">
+                  <a:pos x="connsiteX10" y="connsiteY10"/>
+                </a:cxn>
+              </a:cxnLst>
+              <a:rect l="l" t="t" r="r" b="b"/>
+              <a:pathLst>
+                <a:path w="3017212" h="885159">
+                  <a:moveTo>
+                    <a:pt x="0" y="446425"/>
+                  </a:moveTo>
+                  <a:cubicBezTo>
+                    <a:pt x="103909" y="194349"/>
+                    <a:pt x="207818" y="-57726"/>
+                    <a:pt x="323272" y="15395"/>
+                  </a:cubicBezTo>
+                  <a:cubicBezTo>
+                    <a:pt x="438727" y="88516"/>
+                    <a:pt x="577272" y="887719"/>
+                    <a:pt x="692727" y="885153"/>
+                  </a:cubicBezTo>
+                  <a:cubicBezTo>
+                    <a:pt x="808182" y="882587"/>
+                    <a:pt x="905677" y="1"/>
+                    <a:pt x="1016000" y="1"/>
+                  </a:cubicBezTo>
+                  <a:cubicBezTo>
+                    <a:pt x="1126323" y="1"/>
+                    <a:pt x="1246909" y="885153"/>
+                    <a:pt x="1354666" y="885153"/>
+                  </a:cubicBezTo>
+                  <a:cubicBezTo>
+                    <a:pt x="1462423" y="885153"/>
+                    <a:pt x="1572747" y="1"/>
+                    <a:pt x="1662545" y="1"/>
+                  </a:cubicBezTo>
+                  <a:cubicBezTo>
+                    <a:pt x="1752343" y="1"/>
+                    <a:pt x="1803656" y="885153"/>
+                    <a:pt x="1893454" y="885153"/>
+                  </a:cubicBezTo>
+                  <a:cubicBezTo>
+                    <a:pt x="1983252" y="885153"/>
+                    <a:pt x="2101272" y="1284"/>
+                    <a:pt x="2201333" y="1"/>
+                  </a:cubicBezTo>
+                  <a:cubicBezTo>
+                    <a:pt x="2301394" y="-1282"/>
+                    <a:pt x="2398889" y="874890"/>
+                    <a:pt x="2493818" y="877456"/>
+                  </a:cubicBezTo>
+                  <a:cubicBezTo>
+                    <a:pt x="2588747" y="880022"/>
+                    <a:pt x="2683677" y="74405"/>
+                    <a:pt x="2770909" y="15395"/>
+                  </a:cubicBezTo>
+                  <a:cubicBezTo>
+                    <a:pt x="2858141" y="-43615"/>
+                    <a:pt x="3017212" y="523395"/>
+                    <a:pt x="3017212" y="523395"/>
+                  </a:cubicBezTo>
+                </a:path>
+              </a:pathLst>
+            </a:custGeom>
+            <a:ln>
+              <a:solidFill>
+                <a:schemeClr val="dk1">
+                  <a:alpha val="40000"/>
+                </a:schemeClr>
+              </a:solidFill>
+            </a:ln>
+          </p:spPr>
+          <p:style>
+            <a:lnRef idx="3">
+              <a:schemeClr val="dk1"/>
+            </a:lnRef>
+            <a:fillRef idx="0">
+              <a:schemeClr val="dk1"/>
+            </a:fillRef>
+            <a:effectRef idx="2">
+              <a:schemeClr val="dk1"/>
+            </a:effectRef>
+            <a:fontRef idx="minor">
+              <a:schemeClr val="tx1"/>
+            </a:fontRef>
+          </p:style>
+          <p:txBody>
+            <a:bodyPr rtlCol="0" anchor="ctr"/>
+            <a:lstStyle/>
+            <a:p>
+              <a:pPr algn="ctr"/>
+              <a:endParaRPr lang="en-US" b="1">
+                <a:solidFill>
+                  <a:srgbClr val="000000"/>
+                </a:solidFill>
+              </a:endParaRPr>
+            </a:p>
+          </p:txBody>
+        </p:sp>
+        <p:sp>
+          <p:nvSpPr>
+            <p:cNvPr id="2" name="Rechteck 1"/>
+            <p:cNvSpPr/>
+            <p:nvPr/>
+          </p:nvSpPr>
+          <p:spPr>
+            <a:xfrm rot="21024225">
+              <a:off x="241100" y="5079487"/>
+              <a:ext cx="390809" cy="428865"/>
+            </a:xfrm>
+            <a:prstGeom prst="rect">
+              <a:avLst/>
+            </a:prstGeom>
+            <a:solidFill>
+              <a:schemeClr val="bg1"/>
+            </a:solidFill>
+            <a:ln>
+              <a:solidFill>
+                <a:schemeClr val="bg1"/>
+              </a:solidFill>
+            </a:ln>
+          </p:spPr>
+          <p:style>
+            <a:lnRef idx="2">
+              <a:schemeClr val="accent1">
+                <a:shade val="50000"/>
+              </a:schemeClr>
+            </a:lnRef>
+            <a:fillRef idx="1">
+              <a:schemeClr val="accent1"/>
+            </a:fillRef>
+            <a:effectRef idx="0">
+              <a:schemeClr val="accent1"/>
+            </a:effectRef>
+            <a:fontRef idx="minor">
+              <a:schemeClr val="lt1"/>
+            </a:fontRef>
+          </p:style>
+          <p:txBody>
+            <a:bodyPr rtlCol="0" anchor="ctr"/>
+            <a:lstStyle/>
+            <a:p>
+              <a:pPr algn="ctr"/>
+              <a:endParaRPr lang="de-DE" b="1"/>
+            </a:p>
+          </p:txBody>
+        </p:sp>
+      </p:grpSp>
+      <p:pic>
+        <p:nvPicPr>
+          <p:cNvPr id="153" name="Picture 2"/>
+          <p:cNvPicPr>
+            <a:picLocks noChangeAspect="1"/>
+          </p:cNvPicPr>
+          <p:nvPr/>
+        </p:nvPicPr>
+        <p:blipFill>
+          <a:blip r:embed="rId3">
+            <a:lum contrast="40000"/>
+          </a:blip>
+          <a:stretch>
+            <a:fillRect/>
+          </a:stretch>
+        </p:blipFill>
+        <p:spPr>
+          <a:xfrm>
+            <a:off x="6689270" y="2742828"/>
+            <a:ext cx="972208" cy="1116000"/>
+          </a:xfrm>
+          <a:prstGeom prst="rect">
+            <a:avLst/>
+          </a:prstGeom>
+        </p:spPr>
+      </p:pic>
       <p:sp>
         <p:nvSpPr>
-          <p:cNvPr id="250" name="Freeform 40"/>
+          <p:cNvPr id="154" name="Freeform 40"/>
           <p:cNvSpPr/>
           <p:nvPr/>
         </p:nvSpPr>
         <p:spPr>
-          <a:xfrm rot="13873920">
-            <a:off x="6490002" y="3213750"/>
+          <a:xfrm rot="14472464">
+            <a:off x="6759484" y="3205812"/>
             <a:ext cx="828254" cy="158662"/>
           </a:xfrm>
           <a:custGeom>
@@ -10423,7 +10577,7 @@
           <a:lstStyle/>
           <a:p>
             <a:pPr algn="ctr"/>
-            <a:endParaRPr lang="en-US">
+            <a:endParaRPr lang="en-US" b="1">
               <a:solidFill>
                 <a:srgbClr val="000000"/>
               </a:solidFill>
@@ -10431,145 +10585,43 @@
           </a:p>
         </p:txBody>
       </p:sp>
-      <p:sp>
-        <p:nvSpPr>
-          <p:cNvPr id="251" name="Freeform 40"/>
-          <p:cNvSpPr/>
+      <p:cxnSp>
+        <p:nvCxnSpPr>
+          <p:cNvPr id="155" name="Curved Connector 9"/>
+          <p:cNvCxnSpPr/>
           <p:nvPr/>
-        </p:nvSpPr>
+        </p:nvCxnSpPr>
         <p:spPr>
-          <a:xfrm rot="10800000">
-            <a:off x="1207097" y="5598568"/>
-            <a:ext cx="828254" cy="158662"/>
-          </a:xfrm>
-          <a:custGeom>
-            <a:avLst/>
-            <a:gdLst>
-              <a:gd name="connsiteX0" fmla="*/ 0 w 3017212"/>
-              <a:gd name="connsiteY0" fmla="*/ 446425 h 885159"/>
-              <a:gd name="connsiteX1" fmla="*/ 323272 w 3017212"/>
-              <a:gd name="connsiteY1" fmla="*/ 15395 h 885159"/>
-              <a:gd name="connsiteX2" fmla="*/ 692727 w 3017212"/>
-              <a:gd name="connsiteY2" fmla="*/ 885153 h 885159"/>
-              <a:gd name="connsiteX3" fmla="*/ 1016000 w 3017212"/>
-              <a:gd name="connsiteY3" fmla="*/ 1 h 885159"/>
-              <a:gd name="connsiteX4" fmla="*/ 1354666 w 3017212"/>
-              <a:gd name="connsiteY4" fmla="*/ 885153 h 885159"/>
-              <a:gd name="connsiteX5" fmla="*/ 1662545 w 3017212"/>
-              <a:gd name="connsiteY5" fmla="*/ 1 h 885159"/>
-              <a:gd name="connsiteX6" fmla="*/ 1893454 w 3017212"/>
-              <a:gd name="connsiteY6" fmla="*/ 885153 h 885159"/>
-              <a:gd name="connsiteX7" fmla="*/ 2201333 w 3017212"/>
-              <a:gd name="connsiteY7" fmla="*/ 1 h 885159"/>
-              <a:gd name="connsiteX8" fmla="*/ 2493818 w 3017212"/>
-              <a:gd name="connsiteY8" fmla="*/ 877456 h 885159"/>
-              <a:gd name="connsiteX9" fmla="*/ 2770909 w 3017212"/>
-              <a:gd name="connsiteY9" fmla="*/ 15395 h 885159"/>
-              <a:gd name="connsiteX10" fmla="*/ 3017212 w 3017212"/>
-              <a:gd name="connsiteY10" fmla="*/ 523395 h 885159"/>
-            </a:gdLst>
-            <a:ahLst/>
-            <a:cxnLst>
-              <a:cxn ang="0">
-                <a:pos x="connsiteX0" y="connsiteY0"/>
-              </a:cxn>
-              <a:cxn ang="0">
-                <a:pos x="connsiteX1" y="connsiteY1"/>
-              </a:cxn>
-              <a:cxn ang="0">
-                <a:pos x="connsiteX2" y="connsiteY2"/>
-              </a:cxn>
-              <a:cxn ang="0">
-                <a:pos x="connsiteX3" y="connsiteY3"/>
-              </a:cxn>
-              <a:cxn ang="0">
-                <a:pos x="connsiteX4" y="connsiteY4"/>
-              </a:cxn>
-              <a:cxn ang="0">
-                <a:pos x="connsiteX5" y="connsiteY5"/>
-              </a:cxn>
-              <a:cxn ang="0">
-                <a:pos x="connsiteX6" y="connsiteY6"/>
-              </a:cxn>
-              <a:cxn ang="0">
-                <a:pos x="connsiteX7" y="connsiteY7"/>
-              </a:cxn>
-              <a:cxn ang="0">
-                <a:pos x="connsiteX8" y="connsiteY8"/>
-              </a:cxn>
-              <a:cxn ang="0">
-                <a:pos x="connsiteX9" y="connsiteY9"/>
-              </a:cxn>
-              <a:cxn ang="0">
-                <a:pos x="connsiteX10" y="connsiteY10"/>
-              </a:cxn>
-            </a:cxnLst>
-            <a:rect l="l" t="t" r="r" b="b"/>
-            <a:pathLst>
-              <a:path w="3017212" h="885159">
-                <a:moveTo>
-                  <a:pt x="0" y="446425"/>
-                </a:moveTo>
-                <a:cubicBezTo>
-                  <a:pt x="103909" y="194349"/>
-                  <a:pt x="207818" y="-57726"/>
-                  <a:pt x="323272" y="15395"/>
-                </a:cubicBezTo>
-                <a:cubicBezTo>
-                  <a:pt x="438727" y="88516"/>
-                  <a:pt x="577272" y="887719"/>
-                  <a:pt x="692727" y="885153"/>
-                </a:cubicBezTo>
-                <a:cubicBezTo>
-                  <a:pt x="808182" y="882587"/>
-                  <a:pt x="905677" y="1"/>
-                  <a:pt x="1016000" y="1"/>
-                </a:cubicBezTo>
-                <a:cubicBezTo>
-                  <a:pt x="1126323" y="1"/>
-                  <a:pt x="1246909" y="885153"/>
-                  <a:pt x="1354666" y="885153"/>
-                </a:cubicBezTo>
-                <a:cubicBezTo>
-                  <a:pt x="1462423" y="885153"/>
-                  <a:pt x="1572747" y="1"/>
-                  <a:pt x="1662545" y="1"/>
-                </a:cubicBezTo>
-                <a:cubicBezTo>
-                  <a:pt x="1752343" y="1"/>
-                  <a:pt x="1803656" y="885153"/>
-                  <a:pt x="1893454" y="885153"/>
-                </a:cubicBezTo>
-                <a:cubicBezTo>
-                  <a:pt x="1983252" y="885153"/>
-                  <a:pt x="2101272" y="1284"/>
-                  <a:pt x="2201333" y="1"/>
-                </a:cubicBezTo>
-                <a:cubicBezTo>
-                  <a:pt x="2301394" y="-1282"/>
-                  <a:pt x="2398889" y="874890"/>
-                  <a:pt x="2493818" y="877456"/>
-                </a:cubicBezTo>
-                <a:cubicBezTo>
-                  <a:pt x="2588747" y="880022"/>
-                  <a:pt x="2683677" y="74405"/>
-                  <a:pt x="2770909" y="15395"/>
-                </a:cubicBezTo>
-                <a:cubicBezTo>
-                  <a:pt x="2858141" y="-43615"/>
-                  <a:pt x="3017212" y="523395"/>
-                  <a:pt x="3017212" y="523395"/>
-                </a:cubicBezTo>
-              </a:path>
-            </a:pathLst>
-          </a:custGeom>
-          <a:ln>
+          <a:xfrm flipV="1">
+            <a:off x="6717845" y="3446496"/>
+            <a:ext cx="252238" cy="109999"/>
+          </a:xfrm>
+          <a:prstGeom prst="curvedConnector3">
+            <a:avLst>
+              <a:gd name="adj1" fmla="val 50000"/>
+            </a:avLst>
+          </a:prstGeom>
+          <a:ln w="19050" cmpd="sng">
             <a:solidFill>
               <a:schemeClr val="dk1">
-                <a:alpha val="40000"/>
+                <a:alpha val="50000"/>
               </a:schemeClr>
             </a:solidFill>
           </a:ln>
+          <a:effectLst>
+            <a:outerShdw blurRad="40000" dist="23000" dir="5400000" rotWithShape="0">
+              <a:srgbClr val="000000">
+                <a:alpha val="35000"/>
+              </a:srgbClr>
+            </a:outerShdw>
+          </a:effectLst>
+          <a:scene3d>
+            <a:camera prst="orthographicFront"/>
+            <a:lightRig rig="threePt" dir="t"/>
+          </a:scene3d>
+          <a:sp3d>
+            <a:bevelT/>
+          </a:sp3d>
         </p:spPr>
         <p:style>
           <a:lnRef idx="3">
@@ -10585,276 +10637,1561 @@
             <a:schemeClr val="tx1"/>
           </a:fontRef>
         </p:style>
-        <p:txBody>
-          <a:bodyPr rtlCol="0" anchor="ctr"/>
-          <a:lstStyle/>
-          <a:p>
-            <a:pPr algn="ctr"/>
-            <a:endParaRPr lang="en-US">
+      </p:cxnSp>
+      <p:cxnSp>
+        <p:nvCxnSpPr>
+          <p:cNvPr id="156" name="Curved Connector 11"/>
+          <p:cNvCxnSpPr/>
+          <p:nvPr/>
+        </p:nvCxnSpPr>
+        <p:spPr>
+          <a:xfrm rot="13500000" flipV="1">
+            <a:off x="6912579" y="3024927"/>
+            <a:ext cx="252238" cy="109999"/>
+          </a:xfrm>
+          <a:prstGeom prst="curvedConnector3">
+            <a:avLst>
+              <a:gd name="adj1" fmla="val 50000"/>
+            </a:avLst>
+          </a:prstGeom>
+          <a:ln w="9525" cmpd="sng">
+            <a:solidFill>
+              <a:schemeClr val="dk1">
+                <a:alpha val="50000"/>
+              </a:schemeClr>
+            </a:solidFill>
+          </a:ln>
+          <a:effectLst>
+            <a:outerShdw blurRad="40000" dist="23000" dir="5400000" rotWithShape="0">
+              <a:srgbClr val="000000">
+                <a:alpha val="35000"/>
+              </a:srgbClr>
+            </a:outerShdw>
+          </a:effectLst>
+          <a:scene3d>
+            <a:camera prst="orthographicFront">
+              <a:rot lat="3600000" lon="1800000" rev="3600000"/>
+            </a:camera>
+            <a:lightRig rig="threePt" dir="t"/>
+          </a:scene3d>
+          <a:sp3d>
+            <a:bevelT/>
+          </a:sp3d>
+        </p:spPr>
+        <p:style>
+          <a:lnRef idx="3">
+            <a:schemeClr val="dk1"/>
+          </a:lnRef>
+          <a:fillRef idx="0">
+            <a:schemeClr val="dk1"/>
+          </a:fillRef>
+          <a:effectRef idx="2">
+            <a:schemeClr val="dk1"/>
+          </a:effectRef>
+          <a:fontRef idx="minor">
+            <a:schemeClr val="tx1"/>
+          </a:fontRef>
+        </p:style>
+      </p:cxnSp>
+      <p:cxnSp>
+        <p:nvCxnSpPr>
+          <p:cNvPr id="157" name="Curved Connector 8"/>
+          <p:cNvCxnSpPr/>
+          <p:nvPr/>
+        </p:nvCxnSpPr>
+        <p:spPr>
+          <a:xfrm rot="13500000" flipV="1">
+            <a:off x="6725130" y="3032435"/>
+            <a:ext cx="252238" cy="109999"/>
+          </a:xfrm>
+          <a:prstGeom prst="curvedConnector3">
+            <a:avLst>
+              <a:gd name="adj1" fmla="val 50000"/>
+            </a:avLst>
+          </a:prstGeom>
+          <a:ln w="19050" cmpd="sng">
+            <a:solidFill>
+              <a:schemeClr val="dk1">
+                <a:alpha val="50000"/>
+              </a:schemeClr>
+            </a:solidFill>
+          </a:ln>
+          <a:effectLst>
+            <a:outerShdw blurRad="40000" dist="23000" dir="5400000" rotWithShape="0">
+              <a:srgbClr val="000000">
+                <a:alpha val="35000"/>
+              </a:srgbClr>
+            </a:outerShdw>
+          </a:effectLst>
+          <a:scene3d>
+            <a:camera prst="orthographicFront"/>
+            <a:lightRig rig="threePt" dir="t"/>
+          </a:scene3d>
+          <a:sp3d>
+            <a:bevelT/>
+          </a:sp3d>
+        </p:spPr>
+        <p:style>
+          <a:lnRef idx="3">
+            <a:schemeClr val="dk1"/>
+          </a:lnRef>
+          <a:fillRef idx="0">
+            <a:schemeClr val="dk1"/>
+          </a:fillRef>
+          <a:effectRef idx="2">
+            <a:schemeClr val="dk1"/>
+          </a:effectRef>
+          <a:fontRef idx="minor">
+            <a:schemeClr val="tx1"/>
+          </a:fontRef>
+        </p:style>
+      </p:cxnSp>
+      <p:cxnSp>
+        <p:nvCxnSpPr>
+          <p:cNvPr id="158" name="Curved Connector 6"/>
+          <p:cNvCxnSpPr/>
+          <p:nvPr/>
+        </p:nvCxnSpPr>
+        <p:spPr>
+          <a:xfrm rot="6960000" flipV="1">
+            <a:off x="7027912" y="2854641"/>
+            <a:ext cx="252238" cy="109999"/>
+          </a:xfrm>
+          <a:prstGeom prst="curvedConnector3">
+            <a:avLst>
+              <a:gd name="adj1" fmla="val 50000"/>
+            </a:avLst>
+          </a:prstGeom>
+          <a:ln w="19050" cmpd="sng">
+            <a:solidFill>
+              <a:schemeClr val="dk1">
+                <a:alpha val="50000"/>
+              </a:schemeClr>
+            </a:solidFill>
+          </a:ln>
+          <a:effectLst>
+            <a:outerShdw blurRad="40000" dist="23000" dir="5400000" rotWithShape="0">
+              <a:srgbClr val="000000">
+                <a:alpha val="35000"/>
+              </a:srgbClr>
+            </a:outerShdw>
+          </a:effectLst>
+          <a:scene3d>
+            <a:camera prst="orthographicFront"/>
+            <a:lightRig rig="threePt" dir="t"/>
+          </a:scene3d>
+          <a:sp3d>
+            <a:bevelT/>
+          </a:sp3d>
+        </p:spPr>
+        <p:style>
+          <a:lnRef idx="3">
+            <a:schemeClr val="dk1"/>
+          </a:lnRef>
+          <a:fillRef idx="0">
+            <a:schemeClr val="dk1"/>
+          </a:fillRef>
+          <a:effectRef idx="2">
+            <a:schemeClr val="dk1"/>
+          </a:effectRef>
+          <a:fontRef idx="minor">
+            <a:schemeClr val="tx1"/>
+          </a:fontRef>
+        </p:style>
+      </p:cxnSp>
+      <p:cxnSp>
+        <p:nvCxnSpPr>
+          <p:cNvPr id="159" name="Curved Connector 12"/>
+          <p:cNvCxnSpPr/>
+          <p:nvPr/>
+        </p:nvCxnSpPr>
+        <p:spPr>
+          <a:xfrm flipV="1">
+            <a:off x="7255809" y="3229222"/>
+            <a:ext cx="252238" cy="109999"/>
+          </a:xfrm>
+          <a:prstGeom prst="curvedConnector3">
+            <a:avLst>
+              <a:gd name="adj1" fmla="val 50000"/>
+            </a:avLst>
+          </a:prstGeom>
+          <a:ln w="19050" cmpd="sng">
+            <a:solidFill>
+              <a:schemeClr val="dk1">
+                <a:alpha val="50000"/>
+              </a:schemeClr>
+            </a:solidFill>
+          </a:ln>
+          <a:effectLst>
+            <a:outerShdw blurRad="40000" dist="23000" dir="5400000" rotWithShape="0">
+              <a:srgbClr val="000000">
+                <a:alpha val="35000"/>
+              </a:srgbClr>
+            </a:outerShdw>
+          </a:effectLst>
+          <a:scene3d>
+            <a:camera prst="orthographicFront">
+              <a:rot lat="1800000" lon="1800000" rev="3000000"/>
+            </a:camera>
+            <a:lightRig rig="threePt" dir="t"/>
+          </a:scene3d>
+          <a:sp3d>
+            <a:bevelT/>
+          </a:sp3d>
+        </p:spPr>
+        <p:style>
+          <a:lnRef idx="3">
+            <a:schemeClr val="dk1"/>
+          </a:lnRef>
+          <a:fillRef idx="0">
+            <a:schemeClr val="dk1"/>
+          </a:fillRef>
+          <a:effectRef idx="2">
+            <a:schemeClr val="dk1"/>
+          </a:effectRef>
+          <a:fontRef idx="minor">
+            <a:schemeClr val="tx1"/>
+          </a:fontRef>
+        </p:style>
+      </p:cxnSp>
+      <p:cxnSp>
+        <p:nvCxnSpPr>
+          <p:cNvPr id="160" name="Curved Connector 5"/>
+          <p:cNvCxnSpPr/>
+          <p:nvPr/>
+        </p:nvCxnSpPr>
+        <p:spPr>
+          <a:xfrm rot="10800000">
+            <a:off x="7422312" y="3390484"/>
+            <a:ext cx="230462" cy="144380"/>
+          </a:xfrm>
+          <a:prstGeom prst="curvedConnector3">
+            <a:avLst>
+              <a:gd name="adj1" fmla="val 50000"/>
+            </a:avLst>
+          </a:prstGeom>
+          <a:ln w="19050" cmpd="sng">
+            <a:solidFill>
+              <a:schemeClr val="dk1">
+                <a:alpha val="50000"/>
+              </a:schemeClr>
+            </a:solidFill>
+          </a:ln>
+          <a:effectLst>
+            <a:outerShdw blurRad="40000" dist="23000" dir="5400000" rotWithShape="0">
+              <a:srgbClr val="000000">
+                <a:alpha val="35000"/>
+              </a:srgbClr>
+            </a:outerShdw>
+          </a:effectLst>
+          <a:scene3d>
+            <a:camera prst="orthographicFront"/>
+            <a:lightRig rig="threePt" dir="t"/>
+          </a:scene3d>
+          <a:sp3d>
+            <a:bevelT/>
+          </a:sp3d>
+        </p:spPr>
+        <p:style>
+          <a:lnRef idx="3">
+            <a:schemeClr val="dk1"/>
+          </a:lnRef>
+          <a:fillRef idx="0">
+            <a:schemeClr val="dk1"/>
+          </a:fillRef>
+          <a:effectRef idx="2">
+            <a:schemeClr val="dk1"/>
+          </a:effectRef>
+          <a:fontRef idx="minor">
+            <a:schemeClr val="tx1"/>
+          </a:fontRef>
+        </p:style>
+      </p:cxnSp>
+      <p:cxnSp>
+        <p:nvCxnSpPr>
+          <p:cNvPr id="161" name="Curved Connector 7"/>
+          <p:cNvCxnSpPr/>
+          <p:nvPr/>
+        </p:nvCxnSpPr>
+        <p:spPr>
+          <a:xfrm rot="6960000" flipV="1">
+            <a:off x="7056487" y="3622346"/>
+            <a:ext cx="252238" cy="109999"/>
+          </a:xfrm>
+          <a:prstGeom prst="curvedConnector3">
+            <a:avLst>
+              <a:gd name="adj1" fmla="val 50000"/>
+            </a:avLst>
+          </a:prstGeom>
+          <a:ln w="19050" cmpd="sng">
+            <a:solidFill>
+              <a:schemeClr val="dk1">
+                <a:alpha val="50000"/>
+              </a:schemeClr>
+            </a:solidFill>
+          </a:ln>
+          <a:effectLst>
+            <a:outerShdw blurRad="40000" dist="23000" dir="5400000" rotWithShape="0">
+              <a:srgbClr val="000000">
+                <a:alpha val="35000"/>
+              </a:srgbClr>
+            </a:outerShdw>
+          </a:effectLst>
+          <a:scene3d>
+            <a:camera prst="orthographicFront"/>
+            <a:lightRig rig="threePt" dir="t"/>
+          </a:scene3d>
+          <a:sp3d>
+            <a:bevelT/>
+          </a:sp3d>
+        </p:spPr>
+        <p:style>
+          <a:lnRef idx="3">
+            <a:schemeClr val="dk1"/>
+          </a:lnRef>
+          <a:fillRef idx="0">
+            <a:schemeClr val="dk1"/>
+          </a:fillRef>
+          <a:effectRef idx="2">
+            <a:schemeClr val="dk1"/>
+          </a:effectRef>
+          <a:fontRef idx="minor">
+            <a:schemeClr val="tx1"/>
+          </a:fontRef>
+        </p:style>
+      </p:cxnSp>
+      <p:cxnSp>
+        <p:nvCxnSpPr>
+          <p:cNvPr id="212" name="Curved Connector 10"/>
+          <p:cNvCxnSpPr/>
+          <p:nvPr/>
+        </p:nvCxnSpPr>
+        <p:spPr>
+          <a:xfrm flipV="1">
+            <a:off x="6914819" y="3484596"/>
+            <a:ext cx="252238" cy="109999"/>
+          </a:xfrm>
+          <a:prstGeom prst="curvedConnector3">
+            <a:avLst>
+              <a:gd name="adj1" fmla="val 50000"/>
+            </a:avLst>
+          </a:prstGeom>
+          <a:ln w="12700" cmpd="sng">
+            <a:solidFill>
+              <a:schemeClr val="dk1">
+                <a:alpha val="50000"/>
+              </a:schemeClr>
+            </a:solidFill>
+          </a:ln>
+          <a:effectLst>
+            <a:outerShdw blurRad="40000" dist="23000" dir="5400000" rotWithShape="0">
+              <a:srgbClr val="000000">
+                <a:alpha val="35000"/>
+              </a:srgbClr>
+            </a:outerShdw>
+          </a:effectLst>
+          <a:scene3d>
+            <a:camera prst="orthographicFront">
+              <a:rot lat="0" lon="7200000" rev="0"/>
+            </a:camera>
+            <a:lightRig rig="threePt" dir="t"/>
+          </a:scene3d>
+          <a:sp3d>
+            <a:bevelT/>
+          </a:sp3d>
+        </p:spPr>
+        <p:style>
+          <a:lnRef idx="3">
+            <a:schemeClr val="dk1"/>
+          </a:lnRef>
+          <a:fillRef idx="0">
+            <a:schemeClr val="dk1"/>
+          </a:fillRef>
+          <a:effectRef idx="2">
+            <a:schemeClr val="dk1"/>
+          </a:effectRef>
+          <a:fontRef idx="minor">
+            <a:schemeClr val="tx1"/>
+          </a:fontRef>
+        </p:style>
+      </p:cxnSp>
+      <p:cxnSp>
+        <p:nvCxnSpPr>
+          <p:cNvPr id="219" name="Curved Connector 4"/>
+          <p:cNvCxnSpPr/>
+          <p:nvPr/>
+        </p:nvCxnSpPr>
+        <p:spPr>
+          <a:xfrm flipV="1">
+            <a:off x="7399825" y="3037690"/>
+            <a:ext cx="252238" cy="109999"/>
+          </a:xfrm>
+          <a:prstGeom prst="curvedConnector3">
+            <a:avLst>
+              <a:gd name="adj1" fmla="val 50000"/>
+            </a:avLst>
+          </a:prstGeom>
+          <a:ln w="19050" cmpd="sng">
+            <a:solidFill>
+              <a:schemeClr val="dk1">
+                <a:alpha val="50000"/>
+              </a:schemeClr>
+            </a:solidFill>
+          </a:ln>
+          <a:effectLst>
+            <a:outerShdw blurRad="40000" dist="23000" dir="5400000" rotWithShape="0">
+              <a:srgbClr val="000000">
+                <a:alpha val="35000"/>
+              </a:srgbClr>
+            </a:outerShdw>
+          </a:effectLst>
+          <a:scene3d>
+            <a:camera prst="orthographicFront"/>
+            <a:lightRig rig="threePt" dir="t"/>
+          </a:scene3d>
+          <a:sp3d>
+            <a:bevelT/>
+          </a:sp3d>
+        </p:spPr>
+        <p:style>
+          <a:lnRef idx="3">
+            <a:schemeClr val="dk1"/>
+          </a:lnRef>
+          <a:fillRef idx="0">
+            <a:schemeClr val="dk1"/>
+          </a:fillRef>
+          <a:effectRef idx="2">
+            <a:schemeClr val="dk1"/>
+          </a:effectRef>
+          <a:fontRef idx="minor">
+            <a:schemeClr val="tx1"/>
+          </a:fontRef>
+        </p:style>
+      </p:cxnSp>
+      <p:grpSp>
+        <p:nvGrpSpPr>
+          <p:cNvPr id="239" name="Gruppieren 238"/>
+          <p:cNvGrpSpPr/>
+          <p:nvPr/>
+        </p:nvGrpSpPr>
+        <p:grpSpPr>
+          <a:xfrm>
+            <a:off x="7407570" y="3376240"/>
+            <a:ext cx="156154" cy="66676"/>
+            <a:chOff x="8100392" y="4236854"/>
+            <a:chExt cx="156154" cy="66676"/>
+          </a:xfrm>
+        </p:grpSpPr>
+        <p:sp>
+          <p:nvSpPr>
+            <p:cNvPr id="241" name="Ellipse 240"/>
+            <p:cNvSpPr/>
+            <p:nvPr/>
+          </p:nvSpPr>
+          <p:spPr>
+            <a:xfrm>
+              <a:off x="8220546" y="4267530"/>
+              <a:ext cx="36000" cy="36000"/>
+            </a:xfrm>
+            <a:prstGeom prst="ellipse">
+              <a:avLst/>
+            </a:prstGeom>
+            <a:solidFill>
+              <a:schemeClr val="tx1"/>
+            </a:solidFill>
+            <a:ln>
               <a:solidFill>
-                <a:srgbClr val="000000"/>
+                <a:schemeClr val="tx1">
+                  <a:lumMod val="75000"/>
+                  <a:lumOff val="25000"/>
+                </a:schemeClr>
               </a:solidFill>
-            </a:endParaRPr>
-          </a:p>
-        </p:txBody>
-      </p:sp>
+            </a:ln>
+          </p:spPr>
+          <p:style>
+            <a:lnRef idx="2">
+              <a:schemeClr val="accent1">
+                <a:shade val="50000"/>
+              </a:schemeClr>
+            </a:lnRef>
+            <a:fillRef idx="1">
+              <a:schemeClr val="accent1"/>
+            </a:fillRef>
+            <a:effectRef idx="0">
+              <a:schemeClr val="accent1"/>
+            </a:effectRef>
+            <a:fontRef idx="minor">
+              <a:schemeClr val="lt1"/>
+            </a:fontRef>
+          </p:style>
+          <p:txBody>
+            <a:bodyPr rtlCol="0" anchor="ctr"/>
+            <a:lstStyle/>
+            <a:p>
+              <a:pPr algn="ctr"/>
+              <a:endParaRPr lang="de-DE" b="1">
+                <a:ln>
+                  <a:solidFill>
+                    <a:schemeClr val="tx1"/>
+                  </a:solidFill>
+                </a:ln>
+                <a:solidFill>
+                  <a:schemeClr val="tx1"/>
+                </a:solidFill>
+              </a:endParaRPr>
+            </a:p>
+          </p:txBody>
+        </p:sp>
+        <p:sp>
+          <p:nvSpPr>
+            <p:cNvPr id="242" name="Ellipse 241"/>
+            <p:cNvSpPr/>
+            <p:nvPr/>
+          </p:nvSpPr>
+          <p:spPr>
+            <a:xfrm>
+              <a:off x="8156634" y="4236854"/>
+              <a:ext cx="36000" cy="36000"/>
+            </a:xfrm>
+            <a:prstGeom prst="ellipse">
+              <a:avLst/>
+            </a:prstGeom>
+            <a:solidFill>
+              <a:schemeClr val="tx1"/>
+            </a:solidFill>
+            <a:ln>
+              <a:solidFill>
+                <a:schemeClr val="tx1">
+                  <a:lumMod val="75000"/>
+                  <a:lumOff val="25000"/>
+                </a:schemeClr>
+              </a:solidFill>
+            </a:ln>
+          </p:spPr>
+          <p:style>
+            <a:lnRef idx="2">
+              <a:schemeClr val="accent1">
+                <a:shade val="50000"/>
+              </a:schemeClr>
+            </a:lnRef>
+            <a:fillRef idx="1">
+              <a:schemeClr val="accent1"/>
+            </a:fillRef>
+            <a:effectRef idx="0">
+              <a:schemeClr val="accent1"/>
+            </a:effectRef>
+            <a:fontRef idx="minor">
+              <a:schemeClr val="lt1"/>
+            </a:fontRef>
+          </p:style>
+          <p:txBody>
+            <a:bodyPr rtlCol="0" anchor="ctr"/>
+            <a:lstStyle/>
+            <a:p>
+              <a:pPr algn="ctr"/>
+              <a:endParaRPr lang="de-DE" b="1">
+                <a:ln>
+                  <a:solidFill>
+                    <a:schemeClr val="tx1"/>
+                  </a:solidFill>
+                </a:ln>
+                <a:solidFill>
+                  <a:schemeClr val="tx1"/>
+                </a:solidFill>
+              </a:endParaRPr>
+            </a:p>
+          </p:txBody>
+        </p:sp>
+        <p:sp>
+          <p:nvSpPr>
+            <p:cNvPr id="243" name="Ellipse 242"/>
+            <p:cNvSpPr/>
+            <p:nvPr/>
+          </p:nvSpPr>
+          <p:spPr>
+            <a:xfrm>
+              <a:off x="8100392" y="4252620"/>
+              <a:ext cx="36000" cy="36000"/>
+            </a:xfrm>
+            <a:prstGeom prst="ellipse">
+              <a:avLst/>
+            </a:prstGeom>
+            <a:solidFill>
+              <a:schemeClr val="tx1"/>
+            </a:solidFill>
+            <a:ln>
+              <a:solidFill>
+                <a:schemeClr val="tx1">
+                  <a:lumMod val="75000"/>
+                  <a:lumOff val="25000"/>
+                </a:schemeClr>
+              </a:solidFill>
+            </a:ln>
+          </p:spPr>
+          <p:style>
+            <a:lnRef idx="2">
+              <a:schemeClr val="accent1">
+                <a:shade val="50000"/>
+              </a:schemeClr>
+            </a:lnRef>
+            <a:fillRef idx="1">
+              <a:schemeClr val="accent1"/>
+            </a:fillRef>
+            <a:effectRef idx="0">
+              <a:schemeClr val="accent1"/>
+            </a:effectRef>
+            <a:fontRef idx="minor">
+              <a:schemeClr val="lt1"/>
+            </a:fontRef>
+          </p:style>
+          <p:txBody>
+            <a:bodyPr rtlCol="0" anchor="ctr"/>
+            <a:lstStyle/>
+            <a:p>
+              <a:pPr algn="ctr"/>
+              <a:endParaRPr lang="de-DE" b="1">
+                <a:ln>
+                  <a:solidFill>
+                    <a:schemeClr val="tx1"/>
+                  </a:solidFill>
+                </a:ln>
+                <a:solidFill>
+                  <a:schemeClr val="tx1"/>
+                </a:solidFill>
+              </a:endParaRPr>
+            </a:p>
+          </p:txBody>
+        </p:sp>
+      </p:grpSp>
+      <p:grpSp>
+        <p:nvGrpSpPr>
+          <p:cNvPr id="244" name="Gruppieren 243"/>
+          <p:cNvGrpSpPr/>
+          <p:nvPr/>
+        </p:nvGrpSpPr>
+        <p:grpSpPr>
+          <a:xfrm rot="5400000">
+            <a:off x="7090565" y="2934251"/>
+            <a:ext cx="156154" cy="66676"/>
+            <a:chOff x="8100392" y="4236854"/>
+            <a:chExt cx="156154" cy="66676"/>
+          </a:xfrm>
+        </p:grpSpPr>
+        <p:sp>
+          <p:nvSpPr>
+            <p:cNvPr id="245" name="Ellipse 244"/>
+            <p:cNvSpPr/>
+            <p:nvPr/>
+          </p:nvSpPr>
+          <p:spPr>
+            <a:xfrm>
+              <a:off x="8220546" y="4267530"/>
+              <a:ext cx="36000" cy="36000"/>
+            </a:xfrm>
+            <a:prstGeom prst="ellipse">
+              <a:avLst/>
+            </a:prstGeom>
+            <a:solidFill>
+              <a:schemeClr val="tx1"/>
+            </a:solidFill>
+            <a:ln>
+              <a:solidFill>
+                <a:schemeClr val="tx1">
+                  <a:lumMod val="75000"/>
+                  <a:lumOff val="25000"/>
+                </a:schemeClr>
+              </a:solidFill>
+            </a:ln>
+          </p:spPr>
+          <p:style>
+            <a:lnRef idx="2">
+              <a:schemeClr val="accent1">
+                <a:shade val="50000"/>
+              </a:schemeClr>
+            </a:lnRef>
+            <a:fillRef idx="1">
+              <a:schemeClr val="accent1"/>
+            </a:fillRef>
+            <a:effectRef idx="0">
+              <a:schemeClr val="accent1"/>
+            </a:effectRef>
+            <a:fontRef idx="minor">
+              <a:schemeClr val="lt1"/>
+            </a:fontRef>
+          </p:style>
+          <p:txBody>
+            <a:bodyPr rtlCol="0" anchor="ctr"/>
+            <a:lstStyle/>
+            <a:p>
+              <a:pPr algn="ctr"/>
+              <a:endParaRPr lang="de-DE" b="1">
+                <a:ln>
+                  <a:solidFill>
+                    <a:schemeClr val="tx1"/>
+                  </a:solidFill>
+                </a:ln>
+                <a:solidFill>
+                  <a:schemeClr val="tx1"/>
+                </a:solidFill>
+              </a:endParaRPr>
+            </a:p>
+          </p:txBody>
+        </p:sp>
+        <p:sp>
+          <p:nvSpPr>
+            <p:cNvPr id="246" name="Ellipse 245"/>
+            <p:cNvSpPr/>
+            <p:nvPr/>
+          </p:nvSpPr>
+          <p:spPr>
+            <a:xfrm>
+              <a:off x="8156634" y="4236854"/>
+              <a:ext cx="36000" cy="36000"/>
+            </a:xfrm>
+            <a:prstGeom prst="ellipse">
+              <a:avLst/>
+            </a:prstGeom>
+            <a:solidFill>
+              <a:schemeClr val="tx1"/>
+            </a:solidFill>
+            <a:ln>
+              <a:solidFill>
+                <a:schemeClr val="tx1">
+                  <a:lumMod val="75000"/>
+                  <a:lumOff val="25000"/>
+                </a:schemeClr>
+              </a:solidFill>
+            </a:ln>
+          </p:spPr>
+          <p:style>
+            <a:lnRef idx="2">
+              <a:schemeClr val="accent1">
+                <a:shade val="50000"/>
+              </a:schemeClr>
+            </a:lnRef>
+            <a:fillRef idx="1">
+              <a:schemeClr val="accent1"/>
+            </a:fillRef>
+            <a:effectRef idx="0">
+              <a:schemeClr val="accent1"/>
+            </a:effectRef>
+            <a:fontRef idx="minor">
+              <a:schemeClr val="lt1"/>
+            </a:fontRef>
+          </p:style>
+          <p:txBody>
+            <a:bodyPr rtlCol="0" anchor="ctr"/>
+            <a:lstStyle/>
+            <a:p>
+              <a:pPr algn="ctr"/>
+              <a:endParaRPr lang="de-DE" b="1">
+                <a:ln>
+                  <a:solidFill>
+                    <a:schemeClr val="tx1"/>
+                  </a:solidFill>
+                </a:ln>
+                <a:solidFill>
+                  <a:schemeClr val="tx1"/>
+                </a:solidFill>
+              </a:endParaRPr>
+            </a:p>
+          </p:txBody>
+        </p:sp>
+        <p:sp>
+          <p:nvSpPr>
+            <p:cNvPr id="248" name="Ellipse 247"/>
+            <p:cNvSpPr/>
+            <p:nvPr/>
+          </p:nvSpPr>
+          <p:spPr>
+            <a:xfrm>
+              <a:off x="8100392" y="4252620"/>
+              <a:ext cx="36000" cy="36000"/>
+            </a:xfrm>
+            <a:prstGeom prst="ellipse">
+              <a:avLst/>
+            </a:prstGeom>
+            <a:solidFill>
+              <a:schemeClr val="tx1"/>
+            </a:solidFill>
+            <a:ln>
+              <a:solidFill>
+                <a:schemeClr val="tx1">
+                  <a:lumMod val="75000"/>
+                  <a:lumOff val="25000"/>
+                </a:schemeClr>
+              </a:solidFill>
+            </a:ln>
+          </p:spPr>
+          <p:style>
+            <a:lnRef idx="2">
+              <a:schemeClr val="accent1">
+                <a:shade val="50000"/>
+              </a:schemeClr>
+            </a:lnRef>
+            <a:fillRef idx="1">
+              <a:schemeClr val="accent1"/>
+            </a:fillRef>
+            <a:effectRef idx="0">
+              <a:schemeClr val="accent1"/>
+            </a:effectRef>
+            <a:fontRef idx="minor">
+              <a:schemeClr val="lt1"/>
+            </a:fontRef>
+          </p:style>
+          <p:txBody>
+            <a:bodyPr rtlCol="0" anchor="ctr"/>
+            <a:lstStyle/>
+            <a:p>
+              <a:pPr algn="ctr"/>
+              <a:endParaRPr lang="de-DE" b="1">
+                <a:ln>
+                  <a:solidFill>
+                    <a:schemeClr val="tx1"/>
+                  </a:solidFill>
+                </a:ln>
+                <a:solidFill>
+                  <a:schemeClr val="tx1"/>
+                </a:solidFill>
+              </a:endParaRPr>
+            </a:p>
+          </p:txBody>
+        </p:sp>
+      </p:grpSp>
+      <p:grpSp>
+        <p:nvGrpSpPr>
+          <p:cNvPr id="249" name="Gruppieren 248"/>
+          <p:cNvGrpSpPr/>
+          <p:nvPr/>
+        </p:nvGrpSpPr>
+        <p:grpSpPr>
+          <a:xfrm rot="18000000">
+            <a:off x="6796630" y="3442954"/>
+            <a:ext cx="156154" cy="66676"/>
+            <a:chOff x="8100392" y="4236854"/>
+            <a:chExt cx="156154" cy="66676"/>
+          </a:xfrm>
+        </p:grpSpPr>
+        <p:sp>
+          <p:nvSpPr>
+            <p:cNvPr id="253" name="Ellipse 252"/>
+            <p:cNvSpPr/>
+            <p:nvPr/>
+          </p:nvSpPr>
+          <p:spPr>
+            <a:xfrm>
+              <a:off x="8220546" y="4267530"/>
+              <a:ext cx="36000" cy="36000"/>
+            </a:xfrm>
+            <a:prstGeom prst="ellipse">
+              <a:avLst/>
+            </a:prstGeom>
+            <a:solidFill>
+              <a:schemeClr val="tx1"/>
+            </a:solidFill>
+            <a:ln>
+              <a:solidFill>
+                <a:schemeClr val="tx1">
+                  <a:lumMod val="75000"/>
+                  <a:lumOff val="25000"/>
+                </a:schemeClr>
+              </a:solidFill>
+            </a:ln>
+          </p:spPr>
+          <p:style>
+            <a:lnRef idx="2">
+              <a:schemeClr val="accent1">
+                <a:shade val="50000"/>
+              </a:schemeClr>
+            </a:lnRef>
+            <a:fillRef idx="1">
+              <a:schemeClr val="accent1"/>
+            </a:fillRef>
+            <a:effectRef idx="0">
+              <a:schemeClr val="accent1"/>
+            </a:effectRef>
+            <a:fontRef idx="minor">
+              <a:schemeClr val="lt1"/>
+            </a:fontRef>
+          </p:style>
+          <p:txBody>
+            <a:bodyPr rtlCol="0" anchor="ctr"/>
+            <a:lstStyle/>
+            <a:p>
+              <a:pPr algn="ctr"/>
+              <a:endParaRPr lang="de-DE" b="1">
+                <a:ln>
+                  <a:solidFill>
+                    <a:schemeClr val="tx1"/>
+                  </a:solidFill>
+                </a:ln>
+                <a:solidFill>
+                  <a:schemeClr val="tx1"/>
+                </a:solidFill>
+              </a:endParaRPr>
+            </a:p>
+          </p:txBody>
+        </p:sp>
+        <p:sp>
+          <p:nvSpPr>
+            <p:cNvPr id="255" name="Ellipse 254"/>
+            <p:cNvSpPr/>
+            <p:nvPr/>
+          </p:nvSpPr>
+          <p:spPr>
+            <a:xfrm>
+              <a:off x="8156634" y="4236854"/>
+              <a:ext cx="36000" cy="36000"/>
+            </a:xfrm>
+            <a:prstGeom prst="ellipse">
+              <a:avLst/>
+            </a:prstGeom>
+            <a:solidFill>
+              <a:schemeClr val="tx1"/>
+            </a:solidFill>
+            <a:ln>
+              <a:solidFill>
+                <a:schemeClr val="tx1">
+                  <a:lumMod val="75000"/>
+                  <a:lumOff val="25000"/>
+                </a:schemeClr>
+              </a:solidFill>
+            </a:ln>
+          </p:spPr>
+          <p:style>
+            <a:lnRef idx="2">
+              <a:schemeClr val="accent1">
+                <a:shade val="50000"/>
+              </a:schemeClr>
+            </a:lnRef>
+            <a:fillRef idx="1">
+              <a:schemeClr val="accent1"/>
+            </a:fillRef>
+            <a:effectRef idx="0">
+              <a:schemeClr val="accent1"/>
+            </a:effectRef>
+            <a:fontRef idx="minor">
+              <a:schemeClr val="lt1"/>
+            </a:fontRef>
+          </p:style>
+          <p:txBody>
+            <a:bodyPr rtlCol="0" anchor="ctr"/>
+            <a:lstStyle/>
+            <a:p>
+              <a:pPr algn="ctr"/>
+              <a:endParaRPr lang="de-DE" b="1">
+                <a:ln>
+                  <a:solidFill>
+                    <a:schemeClr val="tx1"/>
+                  </a:solidFill>
+                </a:ln>
+                <a:solidFill>
+                  <a:schemeClr val="tx1"/>
+                </a:solidFill>
+              </a:endParaRPr>
+            </a:p>
+          </p:txBody>
+        </p:sp>
+        <p:sp>
+          <p:nvSpPr>
+            <p:cNvPr id="256" name="Ellipse 255"/>
+            <p:cNvSpPr/>
+            <p:nvPr/>
+          </p:nvSpPr>
+          <p:spPr>
+            <a:xfrm>
+              <a:off x="8100392" y="4252620"/>
+              <a:ext cx="36000" cy="36000"/>
+            </a:xfrm>
+            <a:prstGeom prst="ellipse">
+              <a:avLst/>
+            </a:prstGeom>
+            <a:solidFill>
+              <a:schemeClr val="tx1"/>
+            </a:solidFill>
+            <a:ln>
+              <a:solidFill>
+                <a:schemeClr val="tx1">
+                  <a:lumMod val="75000"/>
+                  <a:lumOff val="25000"/>
+                </a:schemeClr>
+              </a:solidFill>
+            </a:ln>
+          </p:spPr>
+          <p:style>
+            <a:lnRef idx="2">
+              <a:schemeClr val="accent1">
+                <a:shade val="50000"/>
+              </a:schemeClr>
+            </a:lnRef>
+            <a:fillRef idx="1">
+              <a:schemeClr val="accent1"/>
+            </a:fillRef>
+            <a:effectRef idx="0">
+              <a:schemeClr val="accent1"/>
+            </a:effectRef>
+            <a:fontRef idx="minor">
+              <a:schemeClr val="lt1"/>
+            </a:fontRef>
+          </p:style>
+          <p:txBody>
+            <a:bodyPr rtlCol="0" anchor="ctr"/>
+            <a:lstStyle/>
+            <a:p>
+              <a:pPr algn="ctr"/>
+              <a:endParaRPr lang="de-DE" b="1">
+                <a:ln>
+                  <a:solidFill>
+                    <a:schemeClr val="tx1"/>
+                  </a:solidFill>
+                </a:ln>
+                <a:solidFill>
+                  <a:schemeClr val="tx1"/>
+                </a:solidFill>
+              </a:endParaRPr>
+            </a:p>
+          </p:txBody>
+        </p:sp>
+      </p:grpSp>
+      <p:grpSp>
+        <p:nvGrpSpPr>
+          <p:cNvPr id="257" name="Gruppieren 256"/>
+          <p:cNvGrpSpPr/>
+          <p:nvPr/>
+        </p:nvGrpSpPr>
+        <p:grpSpPr>
+          <a:xfrm rot="-360000">
+            <a:off x="6825620" y="3055711"/>
+            <a:ext cx="156154" cy="66676"/>
+            <a:chOff x="8100392" y="4236854"/>
+            <a:chExt cx="156154" cy="66676"/>
+          </a:xfrm>
+        </p:grpSpPr>
+        <p:sp>
+          <p:nvSpPr>
+            <p:cNvPr id="258" name="Ellipse 257"/>
+            <p:cNvSpPr/>
+            <p:nvPr/>
+          </p:nvSpPr>
+          <p:spPr>
+            <a:xfrm>
+              <a:off x="8220546" y="4267530"/>
+              <a:ext cx="36000" cy="36000"/>
+            </a:xfrm>
+            <a:prstGeom prst="ellipse">
+              <a:avLst/>
+            </a:prstGeom>
+            <a:solidFill>
+              <a:schemeClr val="tx1"/>
+            </a:solidFill>
+            <a:ln>
+              <a:solidFill>
+                <a:schemeClr val="tx1">
+                  <a:lumMod val="75000"/>
+                  <a:lumOff val="25000"/>
+                </a:schemeClr>
+              </a:solidFill>
+            </a:ln>
+          </p:spPr>
+          <p:style>
+            <a:lnRef idx="2">
+              <a:schemeClr val="accent1">
+                <a:shade val="50000"/>
+              </a:schemeClr>
+            </a:lnRef>
+            <a:fillRef idx="1">
+              <a:schemeClr val="accent1"/>
+            </a:fillRef>
+            <a:effectRef idx="0">
+              <a:schemeClr val="accent1"/>
+            </a:effectRef>
+            <a:fontRef idx="minor">
+              <a:schemeClr val="lt1"/>
+            </a:fontRef>
+          </p:style>
+          <p:txBody>
+            <a:bodyPr rtlCol="0" anchor="ctr"/>
+            <a:lstStyle/>
+            <a:p>
+              <a:pPr algn="ctr"/>
+              <a:endParaRPr lang="de-DE" b="1">
+                <a:ln>
+                  <a:solidFill>
+                    <a:schemeClr val="tx1"/>
+                  </a:solidFill>
+                </a:ln>
+                <a:solidFill>
+                  <a:schemeClr val="tx1"/>
+                </a:solidFill>
+              </a:endParaRPr>
+            </a:p>
+          </p:txBody>
+        </p:sp>
+        <p:sp>
+          <p:nvSpPr>
+            <p:cNvPr id="259" name="Ellipse 258"/>
+            <p:cNvSpPr/>
+            <p:nvPr/>
+          </p:nvSpPr>
+          <p:spPr>
+            <a:xfrm>
+              <a:off x="8156634" y="4236854"/>
+              <a:ext cx="36000" cy="36000"/>
+            </a:xfrm>
+            <a:prstGeom prst="ellipse">
+              <a:avLst/>
+            </a:prstGeom>
+            <a:solidFill>
+              <a:schemeClr val="tx1"/>
+            </a:solidFill>
+            <a:ln>
+              <a:solidFill>
+                <a:schemeClr val="tx1">
+                  <a:lumMod val="75000"/>
+                  <a:lumOff val="25000"/>
+                </a:schemeClr>
+              </a:solidFill>
+            </a:ln>
+          </p:spPr>
+          <p:style>
+            <a:lnRef idx="2">
+              <a:schemeClr val="accent1">
+                <a:shade val="50000"/>
+              </a:schemeClr>
+            </a:lnRef>
+            <a:fillRef idx="1">
+              <a:schemeClr val="accent1"/>
+            </a:fillRef>
+            <a:effectRef idx="0">
+              <a:schemeClr val="accent1"/>
+            </a:effectRef>
+            <a:fontRef idx="minor">
+              <a:schemeClr val="lt1"/>
+            </a:fontRef>
+          </p:style>
+          <p:txBody>
+            <a:bodyPr rtlCol="0" anchor="ctr"/>
+            <a:lstStyle/>
+            <a:p>
+              <a:pPr algn="ctr"/>
+              <a:endParaRPr lang="de-DE" b="1">
+                <a:ln>
+                  <a:solidFill>
+                    <a:schemeClr val="tx1"/>
+                  </a:solidFill>
+                </a:ln>
+                <a:solidFill>
+                  <a:schemeClr val="tx1"/>
+                </a:solidFill>
+              </a:endParaRPr>
+            </a:p>
+          </p:txBody>
+        </p:sp>
+        <p:sp>
+          <p:nvSpPr>
+            <p:cNvPr id="260" name="Ellipse 259"/>
+            <p:cNvSpPr/>
+            <p:nvPr/>
+          </p:nvSpPr>
+          <p:spPr>
+            <a:xfrm>
+              <a:off x="8100392" y="4252620"/>
+              <a:ext cx="36000" cy="36000"/>
+            </a:xfrm>
+            <a:prstGeom prst="ellipse">
+              <a:avLst/>
+            </a:prstGeom>
+            <a:solidFill>
+              <a:schemeClr val="tx1"/>
+            </a:solidFill>
+            <a:ln>
+              <a:solidFill>
+                <a:schemeClr val="tx1">
+                  <a:lumMod val="75000"/>
+                  <a:lumOff val="25000"/>
+                </a:schemeClr>
+              </a:solidFill>
+            </a:ln>
+          </p:spPr>
+          <p:style>
+            <a:lnRef idx="2">
+              <a:schemeClr val="accent1">
+                <a:shade val="50000"/>
+              </a:schemeClr>
+            </a:lnRef>
+            <a:fillRef idx="1">
+              <a:schemeClr val="accent1"/>
+            </a:fillRef>
+            <a:effectRef idx="0">
+              <a:schemeClr val="accent1"/>
+            </a:effectRef>
+            <a:fontRef idx="minor">
+              <a:schemeClr val="lt1"/>
+            </a:fontRef>
+          </p:style>
+          <p:txBody>
+            <a:bodyPr rtlCol="0" anchor="ctr"/>
+            <a:lstStyle/>
+            <a:p>
+              <a:pPr algn="ctr"/>
+              <a:endParaRPr lang="de-DE" b="1">
+                <a:ln>
+                  <a:solidFill>
+                    <a:schemeClr val="tx1"/>
+                  </a:solidFill>
+                </a:ln>
+                <a:solidFill>
+                  <a:schemeClr val="tx1"/>
+                </a:solidFill>
+              </a:endParaRPr>
+            </a:p>
+          </p:txBody>
+        </p:sp>
+      </p:grpSp>
+      <p:grpSp>
+        <p:nvGrpSpPr>
+          <p:cNvPr id="262" name="Gruppieren 261"/>
+          <p:cNvGrpSpPr/>
+          <p:nvPr/>
+        </p:nvGrpSpPr>
+        <p:grpSpPr>
+          <a:xfrm rot="4980000">
+            <a:off x="7131364" y="3649428"/>
+            <a:ext cx="156154" cy="66676"/>
+            <a:chOff x="8100392" y="4236854"/>
+            <a:chExt cx="156154" cy="66676"/>
+          </a:xfrm>
+        </p:grpSpPr>
+        <p:sp>
+          <p:nvSpPr>
+            <p:cNvPr id="263" name="Ellipse 262"/>
+            <p:cNvSpPr/>
+            <p:nvPr/>
+          </p:nvSpPr>
+          <p:spPr>
+            <a:xfrm>
+              <a:off x="8220546" y="4267530"/>
+              <a:ext cx="36000" cy="36000"/>
+            </a:xfrm>
+            <a:prstGeom prst="ellipse">
+              <a:avLst/>
+            </a:prstGeom>
+            <a:solidFill>
+              <a:schemeClr val="tx1"/>
+            </a:solidFill>
+            <a:ln>
+              <a:solidFill>
+                <a:schemeClr val="tx1">
+                  <a:lumMod val="75000"/>
+                  <a:lumOff val="25000"/>
+                </a:schemeClr>
+              </a:solidFill>
+            </a:ln>
+          </p:spPr>
+          <p:style>
+            <a:lnRef idx="2">
+              <a:schemeClr val="accent1">
+                <a:shade val="50000"/>
+              </a:schemeClr>
+            </a:lnRef>
+            <a:fillRef idx="1">
+              <a:schemeClr val="accent1"/>
+            </a:fillRef>
+            <a:effectRef idx="0">
+              <a:schemeClr val="accent1"/>
+            </a:effectRef>
+            <a:fontRef idx="minor">
+              <a:schemeClr val="lt1"/>
+            </a:fontRef>
+          </p:style>
+          <p:txBody>
+            <a:bodyPr rtlCol="0" anchor="ctr"/>
+            <a:lstStyle/>
+            <a:p>
+              <a:pPr algn="ctr"/>
+              <a:endParaRPr lang="de-DE" b="1">
+                <a:ln>
+                  <a:solidFill>
+                    <a:schemeClr val="tx1"/>
+                  </a:solidFill>
+                </a:ln>
+                <a:solidFill>
+                  <a:schemeClr val="tx1"/>
+                </a:solidFill>
+              </a:endParaRPr>
+            </a:p>
+          </p:txBody>
+        </p:sp>
+        <p:sp>
+          <p:nvSpPr>
+            <p:cNvPr id="264" name="Ellipse 263"/>
+            <p:cNvSpPr/>
+            <p:nvPr/>
+          </p:nvSpPr>
+          <p:spPr>
+            <a:xfrm>
+              <a:off x="8156634" y="4236854"/>
+              <a:ext cx="36000" cy="36000"/>
+            </a:xfrm>
+            <a:prstGeom prst="ellipse">
+              <a:avLst/>
+            </a:prstGeom>
+            <a:solidFill>
+              <a:schemeClr val="tx1"/>
+            </a:solidFill>
+            <a:ln>
+              <a:solidFill>
+                <a:schemeClr val="tx1">
+                  <a:lumMod val="75000"/>
+                  <a:lumOff val="25000"/>
+                </a:schemeClr>
+              </a:solidFill>
+            </a:ln>
+          </p:spPr>
+          <p:style>
+            <a:lnRef idx="2">
+              <a:schemeClr val="accent1">
+                <a:shade val="50000"/>
+              </a:schemeClr>
+            </a:lnRef>
+            <a:fillRef idx="1">
+              <a:schemeClr val="accent1"/>
+            </a:fillRef>
+            <a:effectRef idx="0">
+              <a:schemeClr val="accent1"/>
+            </a:effectRef>
+            <a:fontRef idx="minor">
+              <a:schemeClr val="lt1"/>
+            </a:fontRef>
+          </p:style>
+          <p:txBody>
+            <a:bodyPr rtlCol="0" anchor="ctr"/>
+            <a:lstStyle/>
+            <a:p>
+              <a:pPr algn="ctr"/>
+              <a:endParaRPr lang="de-DE" b="1">
+                <a:ln>
+                  <a:solidFill>
+                    <a:schemeClr val="tx1"/>
+                  </a:solidFill>
+                </a:ln>
+                <a:solidFill>
+                  <a:schemeClr val="tx1"/>
+                </a:solidFill>
+              </a:endParaRPr>
+            </a:p>
+          </p:txBody>
+        </p:sp>
+        <p:sp>
+          <p:nvSpPr>
+            <p:cNvPr id="265" name="Ellipse 264"/>
+            <p:cNvSpPr/>
+            <p:nvPr/>
+          </p:nvSpPr>
+          <p:spPr>
+            <a:xfrm>
+              <a:off x="8100392" y="4252620"/>
+              <a:ext cx="36000" cy="36000"/>
+            </a:xfrm>
+            <a:prstGeom prst="ellipse">
+              <a:avLst/>
+            </a:prstGeom>
+            <a:solidFill>
+              <a:schemeClr val="tx1"/>
+            </a:solidFill>
+            <a:ln>
+              <a:solidFill>
+                <a:schemeClr val="tx1">
+                  <a:lumMod val="75000"/>
+                  <a:lumOff val="25000"/>
+                </a:schemeClr>
+              </a:solidFill>
+            </a:ln>
+          </p:spPr>
+          <p:style>
+            <a:lnRef idx="2">
+              <a:schemeClr val="accent1">
+                <a:shade val="50000"/>
+              </a:schemeClr>
+            </a:lnRef>
+            <a:fillRef idx="1">
+              <a:schemeClr val="accent1"/>
+            </a:fillRef>
+            <a:effectRef idx="0">
+              <a:schemeClr val="accent1"/>
+            </a:effectRef>
+            <a:fontRef idx="minor">
+              <a:schemeClr val="lt1"/>
+            </a:fontRef>
+          </p:style>
+          <p:txBody>
+            <a:bodyPr rtlCol="0" anchor="ctr"/>
+            <a:lstStyle/>
+            <a:p>
+              <a:pPr algn="ctr"/>
+              <a:endParaRPr lang="de-DE" b="1">
+                <a:ln>
+                  <a:solidFill>
+                    <a:schemeClr val="tx1"/>
+                  </a:solidFill>
+                </a:ln>
+                <a:solidFill>
+                  <a:schemeClr val="tx1"/>
+                </a:solidFill>
+              </a:endParaRPr>
+            </a:p>
+          </p:txBody>
+        </p:sp>
+      </p:grpSp>
       <p:sp>
         <p:nvSpPr>
-          <p:cNvPr id="2" name="Rechteck 1"/>
+          <p:cNvPr id="3" name="Rechteck 2"/>
           <p:cNvSpPr/>
           <p:nvPr/>
         </p:nvSpPr>
         <p:spPr>
           <a:xfrm>
-            <a:off x="805353" y="5556036"/>
-            <a:ext cx="776684" cy="428865"/>
+            <a:off x="1566783" y="4947925"/>
+            <a:ext cx="772969" cy="307777"/>
           </a:xfrm>
           <a:prstGeom prst="rect">
             <a:avLst/>
           </a:prstGeom>
-          <a:solidFill>
-            <a:schemeClr val="bg1"/>
-          </a:solidFill>
-          <a:ln>
-            <a:solidFill>
-              <a:schemeClr val="bg1"/>
-            </a:solidFill>
-          </a:ln>
-        </p:spPr>
-        <p:style>
-          <a:lnRef idx="2">
-            <a:schemeClr val="accent1">
-              <a:shade val="50000"/>
-            </a:schemeClr>
-          </a:lnRef>
-          <a:fillRef idx="1">
-            <a:schemeClr val="accent1"/>
-          </a:fillRef>
-          <a:effectRef idx="0">
-            <a:schemeClr val="accent1"/>
-          </a:effectRef>
-          <a:fontRef idx="minor">
-            <a:schemeClr val="lt1"/>
-          </a:fontRef>
-        </p:style>
-        <p:txBody>
-          <a:bodyPr rtlCol="0" anchor="ctr"/>
-          <a:lstStyle/>
-          <a:p>
-            <a:pPr algn="ctr"/>
-            <a:endParaRPr lang="de-DE"/>
-          </a:p>
-        </p:txBody>
-      </p:sp>
-      <p:sp>
-        <p:nvSpPr>
-          <p:cNvPr id="252" name="Textfeld 251"/>
-          <p:cNvSpPr txBox="1"/>
-          <p:nvPr/>
-        </p:nvSpPr>
-        <p:spPr>
-          <a:xfrm>
-            <a:off x="1162063" y="4912766"/>
-            <a:ext cx="7196723" cy="2539157"/>
-          </a:xfrm>
-          <a:prstGeom prst="rect">
-            <a:avLst/>
-          </a:prstGeom>
-          <a:noFill/>
         </p:spPr>
         <p:txBody>
-          <a:bodyPr wrap="square" rtlCol="0">
+          <a:bodyPr wrap="none">
             <a:spAutoFit/>
           </a:bodyPr>
           <a:lstStyle/>
           <a:p>
-            <a:pPr>
-              <a:lnSpc>
-                <a:spcPct val="150000"/>
-              </a:lnSpc>
-            </a:pPr>
             <a:r>
-              <a:rPr lang="de-CH" sz="2000" b="1" dirty="0" smtClean="0">
-                <a:latin typeface="Arial" panose="020B0604020202020204" pitchFamily="34" charset="0"/>
-                <a:cs typeface="Arial" panose="020B0604020202020204" pitchFamily="34" charset="0"/>
-              </a:rPr>
-              <a:t>       	</a:t>
-            </a:r>
-            <a:r>
-              <a:rPr lang="de-CH" sz="2000" dirty="0" smtClean="0">
-                <a:latin typeface="Arial" panose="020B0604020202020204" pitchFamily="34" charset="0"/>
-                <a:cs typeface="Arial" panose="020B0604020202020204" pitchFamily="34" charset="0"/>
-              </a:rPr>
-              <a:t>Legend</a:t>
-            </a:r>
-            <a:r>
-              <a:rPr lang="de-CH" sz="2000" b="1" dirty="0" smtClean="0">
-                <a:latin typeface="Arial" panose="020B0604020202020204" pitchFamily="34" charset="0"/>
-                <a:cs typeface="Arial" panose="020B0604020202020204" pitchFamily="34" charset="0"/>
-              </a:rPr>
-              <a:t>:</a:t>
-            </a:r>
-            <a:endParaRPr lang="de-CH" sz="2000" dirty="0">
-              <a:latin typeface="Arial" panose="020B0604020202020204" pitchFamily="34" charset="0"/>
-              <a:cs typeface="Arial" panose="020B0604020202020204" pitchFamily="34" charset="0"/>
-            </a:endParaRPr>
-          </a:p>
-          <a:p>
-            <a:pPr>
-              <a:lnSpc>
-                <a:spcPct val="150000"/>
-              </a:lnSpc>
-              <a:spcAft>
-                <a:spcPts val="600"/>
-              </a:spcAft>
-            </a:pPr>
-            <a:r>
-              <a:rPr lang="de-CH" b="1" dirty="0" smtClean="0">
-                <a:latin typeface="Arial" panose="020B0604020202020204" pitchFamily="34" charset="0"/>
-                <a:cs typeface="Arial" panose="020B0604020202020204" pitchFamily="34" charset="0"/>
-              </a:rPr>
-              <a:t>	</a:t>
-            </a:r>
-            <a:r>
-              <a:rPr lang="de-CH" sz="2000" dirty="0" err="1" smtClean="0">
+              <a:rPr lang="de-CH" sz="1400" dirty="0" err="1" smtClean="0">
                 <a:latin typeface="Arial" panose="020B0604020202020204" pitchFamily="34" charset="0"/>
                 <a:cs typeface="Arial" panose="020B0604020202020204" pitchFamily="34" charset="0"/>
               </a:rPr>
               <a:t>ssDNA</a:t>
             </a:r>
+            <a:endParaRPr lang="de-DE" sz="1400" dirty="0"/>
+          </a:p>
+        </p:txBody>
+      </p:sp>
+      <p:sp>
+        <p:nvSpPr>
+          <p:cNvPr id="5" name="Rechteck 4"/>
+          <p:cNvSpPr/>
+          <p:nvPr/>
+        </p:nvSpPr>
+        <p:spPr>
+          <a:xfrm>
+            <a:off x="2896425" y="4947925"/>
+            <a:ext cx="3021981" cy="307777"/>
+          </a:xfrm>
+          <a:prstGeom prst="rect">
+            <a:avLst/>
+          </a:prstGeom>
+        </p:spPr>
+        <p:txBody>
+          <a:bodyPr wrap="none">
+            <a:spAutoFit/>
+          </a:bodyPr>
+          <a:lstStyle/>
+          <a:p>
             <a:r>
-              <a:rPr lang="de-CH" sz="2000" dirty="0" smtClean="0">
+              <a:rPr lang="de-CH" sz="1400" dirty="0">
+                <a:latin typeface="Arial" panose="020B0604020202020204" pitchFamily="34" charset="0"/>
+                <a:cs typeface="Arial" panose="020B0604020202020204" pitchFamily="34" charset="0"/>
+              </a:rPr>
+              <a:t>N-VP2 </a:t>
+            </a:r>
+            <a:r>
+              <a:rPr lang="de-CH" sz="1400" dirty="0" err="1">
+                <a:latin typeface="Arial" panose="020B0604020202020204" pitchFamily="34" charset="0"/>
+                <a:cs typeface="Arial" panose="020B0604020202020204" pitchFamily="34" charset="0"/>
+              </a:rPr>
+              <a:t>with</a:t>
+            </a:r>
+            <a:r>
+              <a:rPr lang="de-CH" sz="1400" dirty="0">
                 <a:latin typeface="Arial" panose="020B0604020202020204" pitchFamily="34" charset="0"/>
                 <a:cs typeface="Arial" panose="020B0604020202020204" pitchFamily="34" charset="0"/>
               </a:rPr>
               <a:t> </a:t>
             </a:r>
             <a:r>
-              <a:rPr lang="de-CH" sz="2000" dirty="0" err="1" smtClean="0">
+              <a:rPr lang="de-CH" sz="1400" dirty="0" err="1">
                 <a:latin typeface="Arial" panose="020B0604020202020204" pitchFamily="34" charset="0"/>
                 <a:cs typeface="Arial" panose="020B0604020202020204" pitchFamily="34" charset="0"/>
               </a:rPr>
-              <a:t>genome</a:t>
+              <a:t>serine</a:t>
             </a:r>
-            <a:endParaRPr lang="de-CH" sz="2000" dirty="0" smtClean="0">
-              <a:latin typeface="Arial" panose="020B0604020202020204" pitchFamily="34" charset="0"/>
-              <a:cs typeface="Arial" panose="020B0604020202020204" pitchFamily="34" charset="0"/>
-            </a:endParaRPr>
-          </a:p>
-          <a:p>
-            <a:pPr>
-              <a:lnSpc>
-                <a:spcPct val="150000"/>
-              </a:lnSpc>
-              <a:spcAft>
-                <a:spcPts val="600"/>
-              </a:spcAft>
-            </a:pPr>
             <a:r>
-              <a:rPr lang="de-CH" sz="2000" dirty="0">
+              <a:rPr lang="de-CH" sz="1400" dirty="0">
                 <a:latin typeface="Arial" panose="020B0604020202020204" pitchFamily="34" charset="0"/>
                 <a:cs typeface="Arial" panose="020B0604020202020204" pitchFamily="34" charset="0"/>
               </a:rPr>
-              <a:t>	</a:t>
+              <a:t> </a:t>
             </a:r>
             <a:r>
-              <a:rPr lang="de-CH" sz="2000" dirty="0" smtClean="0">
+              <a:rPr lang="de-CH" sz="1400" dirty="0" err="1">
+                <a:latin typeface="Arial" panose="020B0604020202020204" pitchFamily="34" charset="0"/>
+                <a:cs typeface="Arial" panose="020B0604020202020204" pitchFamily="34" charset="0"/>
+              </a:rPr>
+              <a:t>phosphorylations</a:t>
+            </a:r>
+            <a:endParaRPr lang="de-DE" sz="1400" dirty="0"/>
+          </a:p>
+        </p:txBody>
+      </p:sp>
+      <p:sp>
+        <p:nvSpPr>
+          <p:cNvPr id="8" name="Rechteck 7"/>
+          <p:cNvSpPr/>
+          <p:nvPr/>
+        </p:nvSpPr>
+        <p:spPr>
+          <a:xfrm>
+            <a:off x="6386327" y="4947925"/>
+            <a:ext cx="1986441" cy="307777"/>
+          </a:xfrm>
+          <a:prstGeom prst="rect">
+            <a:avLst/>
+          </a:prstGeom>
+        </p:spPr>
+        <p:txBody>
+          <a:bodyPr wrap="none">
+            <a:spAutoFit/>
+          </a:bodyPr>
+          <a:lstStyle/>
+          <a:p>
+            <a:r>
+              <a:rPr lang="de-CH" sz="1400" dirty="0">
                 <a:latin typeface="Arial" panose="020B0604020202020204" pitchFamily="34" charset="0"/>
                 <a:cs typeface="Arial" panose="020B0604020202020204" pitchFamily="34" charset="0"/>
               </a:rPr>
               <a:t>N-VP2 </a:t>
             </a:r>
             <a:r>
-              <a:rPr lang="de-CH" sz="2000" dirty="0" err="1" smtClean="0">
-                <a:latin typeface="Arial" panose="020B0604020202020204" pitchFamily="34" charset="0"/>
-                <a:cs typeface="Arial" panose="020B0604020202020204" pitchFamily="34" charset="0"/>
-              </a:rPr>
-              <a:t>harboring</a:t>
-            </a:r>
-            <a:r>
-              <a:rPr lang="de-CH" sz="2000" dirty="0" smtClean="0">
-                <a:latin typeface="Arial" panose="020B0604020202020204" pitchFamily="34" charset="0"/>
-                <a:cs typeface="Arial" panose="020B0604020202020204" pitchFamily="34" charset="0"/>
-              </a:rPr>
-              <a:t> distal </a:t>
-            </a:r>
-            <a:r>
-              <a:rPr lang="de-CH" sz="2000" dirty="0" err="1" smtClean="0">
-                <a:latin typeface="Arial" panose="020B0604020202020204" pitchFamily="34" charset="0"/>
-                <a:cs typeface="Arial" panose="020B0604020202020204" pitchFamily="34" charset="0"/>
-              </a:rPr>
-              <a:t>serine</a:t>
-            </a:r>
-            <a:r>
-              <a:rPr lang="de-CH" sz="2000" dirty="0" smtClean="0">
-                <a:latin typeface="Arial" panose="020B0604020202020204" pitchFamily="34" charset="0"/>
-                <a:cs typeface="Arial" panose="020B0604020202020204" pitchFamily="34" charset="0"/>
-              </a:rPr>
-              <a:t> </a:t>
-            </a:r>
-            <a:r>
-              <a:rPr lang="de-CH" sz="2000" dirty="0" err="1" smtClean="0">
-                <a:latin typeface="Arial" panose="020B0604020202020204" pitchFamily="34" charset="0"/>
-                <a:cs typeface="Arial" panose="020B0604020202020204" pitchFamily="34" charset="0"/>
-              </a:rPr>
-              <a:t>phosphorylations</a:t>
-            </a:r>
-            <a:endParaRPr lang="de-CH" sz="2000" dirty="0" smtClean="0">
-              <a:latin typeface="Arial" panose="020B0604020202020204" pitchFamily="34" charset="0"/>
-              <a:cs typeface="Arial" panose="020B0604020202020204" pitchFamily="34" charset="0"/>
-            </a:endParaRPr>
-          </a:p>
-          <a:p>
-            <a:pPr>
-              <a:lnSpc>
-                <a:spcPct val="150000"/>
-              </a:lnSpc>
-              <a:spcAft>
-                <a:spcPts val="600"/>
-              </a:spcAft>
-            </a:pPr>
-            <a:r>
-              <a:rPr lang="de-CH" sz="2000" dirty="0">
-                <a:latin typeface="Arial" panose="020B0604020202020204" pitchFamily="34" charset="0"/>
-                <a:cs typeface="Arial" panose="020B0604020202020204" pitchFamily="34" charset="0"/>
-              </a:rPr>
-              <a:t>	</a:t>
-            </a:r>
-            <a:r>
-              <a:rPr lang="de-CH" sz="2000" dirty="0" smtClean="0">
-                <a:latin typeface="Arial" panose="020B0604020202020204" pitchFamily="34" charset="0"/>
-                <a:cs typeface="Arial" panose="020B0604020202020204" pitchFamily="34" charset="0"/>
-              </a:rPr>
-              <a:t>N-VP2 </a:t>
-            </a:r>
-            <a:r>
-              <a:rPr lang="de-CH" sz="2000" dirty="0" err="1" smtClean="0">
+              <a:rPr lang="de-CH" sz="1400" dirty="0" err="1">
                 <a:latin typeface="Arial" panose="020B0604020202020204" pitchFamily="34" charset="0"/>
                 <a:cs typeface="Arial" panose="020B0604020202020204" pitchFamily="34" charset="0"/>
               </a:rPr>
               <a:t>of</a:t>
             </a:r>
             <a:r>
-              <a:rPr lang="de-CH" sz="2000" dirty="0" smtClean="0">
+              <a:rPr lang="de-CH" sz="1400" dirty="0">
                 <a:latin typeface="Arial" panose="020B0604020202020204" pitchFamily="34" charset="0"/>
                 <a:cs typeface="Arial" panose="020B0604020202020204" pitchFamily="34" charset="0"/>
               </a:rPr>
               <a:t> 5SG </a:t>
             </a:r>
             <a:r>
-              <a:rPr lang="de-CH" sz="2000" dirty="0" err="1" smtClean="0">
+              <a:rPr lang="de-CH" sz="1400" dirty="0" err="1">
                 <a:latin typeface="Arial" panose="020B0604020202020204" pitchFamily="34" charset="0"/>
                 <a:cs typeface="Arial" panose="020B0604020202020204" pitchFamily="34" charset="0"/>
               </a:rPr>
               <a:t>mutant</a:t>
             </a:r>
-            <a:endParaRPr lang="de-CH" sz="2000" dirty="0" smtClean="0">
-              <a:latin typeface="Arial" panose="020B0604020202020204" pitchFamily="34" charset="0"/>
-              <a:cs typeface="Arial" panose="020B0604020202020204" pitchFamily="34" charset="0"/>
-            </a:endParaRPr>
-          </a:p>
-          <a:p>
-            <a:endParaRPr lang="de-DE" dirty="0"/>
+            <a:endParaRPr lang="de-DE" sz="1400" dirty="0"/>
           </a:p>
         </p:txBody>
       </p:sp>
@@ -10875,6 +12212,100 @@
       </p:par>
     </p:tnLst>
   </p:timing>
+</p:sld>
+</file>
+
+<file path=ppt/slides/slide2.xml><?xml version="1.0" encoding="utf-8"?>
+<p:sld xmlns:a="http://schemas.openxmlformats.org/drawingml/2006/main" xmlns:r="http://schemas.openxmlformats.org/officeDocument/2006/relationships" xmlns:p="http://schemas.openxmlformats.org/presentationml/2006/main">
+  <p:cSld>
+    <p:spTree>
+      <p:nvGrpSpPr>
+        <p:cNvPr id="1" name=""/>
+        <p:cNvGrpSpPr/>
+        <p:nvPr/>
+      </p:nvGrpSpPr>
+      <p:grpSpPr>
+        <a:xfrm>
+          <a:off x="0" y="0"/>
+          <a:ext cx="0" cy="0"/>
+          <a:chOff x="0" y="0"/>
+          <a:chExt cx="0" cy="0"/>
+        </a:xfrm>
+      </p:grpSpPr>
+      <p:pic>
+        <p:nvPicPr>
+          <p:cNvPr id="1026" name="Picture 2"/>
+          <p:cNvPicPr>
+            <a:picLocks noChangeAspect="1" noChangeArrowheads="1"/>
+          </p:cNvPicPr>
+          <p:nvPr/>
+        </p:nvPicPr>
+        <p:blipFill>
+          <a:blip r:embed="rId2" cstate="print">
+            <a:extLst>
+              <a:ext uri="{28A0092B-C50C-407E-A947-70E740481C1C}">
+                <a14:useLocalDpi xmlns:a14="http://schemas.microsoft.com/office/drawing/2010/main" val="0"/>
+              </a:ext>
+            </a:extLst>
+          </a:blip>
+          <a:srcRect/>
+          <a:stretch>
+            <a:fillRect/>
+          </a:stretch>
+        </p:blipFill>
+        <p:spPr bwMode="auto">
+          <a:xfrm>
+            <a:off x="1547664" y="836712"/>
+            <a:ext cx="5335191" cy="2985511"/>
+          </a:xfrm>
+          <a:prstGeom prst="rect">
+            <a:avLst/>
+          </a:prstGeom>
+          <a:noFill/>
+          <a:ln>
+            <a:noFill/>
+          </a:ln>
+          <a:effectLst/>
+          <a:extLst>
+            <a:ext uri="{909E8E84-426E-40DD-AFC4-6F175D3DCCD1}">
+              <a14:hiddenFill xmlns:a14="http://schemas.microsoft.com/office/drawing/2010/main">
+                <a:solidFill>
+                  <a:schemeClr val="accent1"/>
+                </a:solidFill>
+              </a14:hiddenFill>
+            </a:ext>
+            <a:ext uri="{91240B29-F687-4F45-9708-019B960494DF}">
+              <a14:hiddenLine xmlns:a14="http://schemas.microsoft.com/office/drawing/2010/main" w="9525">
+                <a:solidFill>
+                  <a:schemeClr val="tx1"/>
+                </a:solidFill>
+                <a:miter lim="800000"/>
+                <a:headEnd/>
+                <a:tailEnd/>
+              </a14:hiddenLine>
+            </a:ext>
+            <a:ext uri="{AF507438-7753-43E0-B8FC-AC1667EBCBE1}">
+              <a14:hiddenEffects xmlns:a14="http://schemas.microsoft.com/office/drawing/2010/main">
+                <a:effectLst>
+                  <a:outerShdw dist="35921" dir="2700000" algn="ctr" rotWithShape="0">
+                    <a:schemeClr val="bg2"/>
+                  </a:outerShdw>
+                </a:effectLst>
+              </a14:hiddenEffects>
+            </a:ext>
+          </a:extLst>
+        </p:spPr>
+      </p:pic>
+    </p:spTree>
+    <p:extLst>
+      <p:ext uri="{BB962C8B-B14F-4D97-AF65-F5344CB8AC3E}">
+        <p14:creationId xmlns:p14="http://schemas.microsoft.com/office/powerpoint/2010/main" val="1287601319"/>
+      </p:ext>
+    </p:extLst>
+  </p:cSld>
+  <p:clrMapOvr>
+    <a:masterClrMapping/>
+  </p:clrMapOvr>
 </p:sld>
 </file>
 

--- a/Fig. 10.pptx
+++ b/Fig. 10.pptx
@@ -193,7 +193,7 @@
           <a:p>
             <a:fld id="{FC38EABC-6C4D-4F1A-8263-82F1F8615404}" type="datetimeFigureOut">
               <a:rPr lang="de-DE" smtClean="0"/>
-              <a:t>03.09.2015</a:t>
+              <a:t>01.10.2015</a:t>
             </a:fld>
             <a:endParaRPr lang="de-DE"/>
           </a:p>
@@ -726,7 +726,7 @@
           <a:p>
             <a:fld id="{B410A92C-BAED-4158-BF36-472EEE26D0BC}" type="datetimeFigureOut">
               <a:rPr lang="de-DE" smtClean="0"/>
-              <a:t>03.09.2015</a:t>
+              <a:t>01.10.2015</a:t>
             </a:fld>
             <a:endParaRPr lang="de-DE"/>
           </a:p>
@@ -896,7 +896,7 @@
           <a:p>
             <a:fld id="{B410A92C-BAED-4158-BF36-472EEE26D0BC}" type="datetimeFigureOut">
               <a:rPr lang="de-DE" smtClean="0"/>
-              <a:t>03.09.2015</a:t>
+              <a:t>01.10.2015</a:t>
             </a:fld>
             <a:endParaRPr lang="de-DE"/>
           </a:p>
@@ -1076,7 +1076,7 @@
           <a:p>
             <a:fld id="{B410A92C-BAED-4158-BF36-472EEE26D0BC}" type="datetimeFigureOut">
               <a:rPr lang="de-DE" smtClean="0"/>
-              <a:t>03.09.2015</a:t>
+              <a:t>01.10.2015</a:t>
             </a:fld>
             <a:endParaRPr lang="de-DE"/>
           </a:p>
@@ -1246,7 +1246,7 @@
           <a:p>
             <a:fld id="{B410A92C-BAED-4158-BF36-472EEE26D0BC}" type="datetimeFigureOut">
               <a:rPr lang="de-DE" smtClean="0"/>
-              <a:t>03.09.2015</a:t>
+              <a:t>01.10.2015</a:t>
             </a:fld>
             <a:endParaRPr lang="de-DE"/>
           </a:p>
@@ -1492,7 +1492,7 @@
           <a:p>
             <a:fld id="{B410A92C-BAED-4158-BF36-472EEE26D0BC}" type="datetimeFigureOut">
               <a:rPr lang="de-DE" smtClean="0"/>
-              <a:t>03.09.2015</a:t>
+              <a:t>01.10.2015</a:t>
             </a:fld>
             <a:endParaRPr lang="de-DE"/>
           </a:p>
@@ -1780,7 +1780,7 @@
           <a:p>
             <a:fld id="{B410A92C-BAED-4158-BF36-472EEE26D0BC}" type="datetimeFigureOut">
               <a:rPr lang="de-DE" smtClean="0"/>
-              <a:t>03.09.2015</a:t>
+              <a:t>01.10.2015</a:t>
             </a:fld>
             <a:endParaRPr lang="de-DE"/>
           </a:p>
@@ -2202,7 +2202,7 @@
           <a:p>
             <a:fld id="{B410A92C-BAED-4158-BF36-472EEE26D0BC}" type="datetimeFigureOut">
               <a:rPr lang="de-DE" smtClean="0"/>
-              <a:t>03.09.2015</a:t>
+              <a:t>01.10.2015</a:t>
             </a:fld>
             <a:endParaRPr lang="de-DE"/>
           </a:p>
@@ -2320,7 +2320,7 @@
           <a:p>
             <a:fld id="{B410A92C-BAED-4158-BF36-472EEE26D0BC}" type="datetimeFigureOut">
               <a:rPr lang="de-DE" smtClean="0"/>
-              <a:t>03.09.2015</a:t>
+              <a:t>01.10.2015</a:t>
             </a:fld>
             <a:endParaRPr lang="de-DE"/>
           </a:p>
@@ -2415,7 +2415,7 @@
           <a:p>
             <a:fld id="{B410A92C-BAED-4158-BF36-472EEE26D0BC}" type="datetimeFigureOut">
               <a:rPr lang="de-DE" smtClean="0"/>
-              <a:t>03.09.2015</a:t>
+              <a:t>01.10.2015</a:t>
             </a:fld>
             <a:endParaRPr lang="de-DE"/>
           </a:p>
@@ -2692,7 +2692,7 @@
           <a:p>
             <a:fld id="{B410A92C-BAED-4158-BF36-472EEE26D0BC}" type="datetimeFigureOut">
               <a:rPr lang="de-DE" smtClean="0"/>
-              <a:t>03.09.2015</a:t>
+              <a:t>01.10.2015</a:t>
             </a:fld>
             <a:endParaRPr lang="de-DE"/>
           </a:p>
@@ -2945,7 +2945,7 @@
           <a:p>
             <a:fld id="{B410A92C-BAED-4158-BF36-472EEE26D0BC}" type="datetimeFigureOut">
               <a:rPr lang="de-DE" smtClean="0"/>
-              <a:t>03.09.2015</a:t>
+              <a:t>01.10.2015</a:t>
             </a:fld>
             <a:endParaRPr lang="de-DE"/>
           </a:p>
@@ -3158,7 +3158,7 @@
           <a:p>
             <a:fld id="{B410A92C-BAED-4158-BF36-472EEE26D0BC}" type="datetimeFigureOut">
               <a:rPr lang="de-DE" smtClean="0"/>
-              <a:t>03.09.2015</a:t>
+              <a:t>01.10.2015</a:t>
             </a:fld>
             <a:endParaRPr lang="de-DE"/>
           </a:p>
@@ -3541,7 +3541,7 @@
         </p:nvSpPr>
         <p:spPr>
           <a:xfrm>
-            <a:off x="991993" y="1121637"/>
+            <a:off x="1092230" y="1163450"/>
             <a:ext cx="8044503" cy="323165"/>
           </a:xfrm>
           <a:prstGeom prst="rect">
@@ -3690,7 +3690,7 @@
         </p:nvCxnSpPr>
         <p:spPr>
           <a:xfrm>
-            <a:off x="1533152" y="1275298"/>
+            <a:off x="1633389" y="1317111"/>
             <a:ext cx="72000" cy="0"/>
           </a:xfrm>
           <a:prstGeom prst="line">
@@ -3723,7 +3723,7 @@
         </p:nvCxnSpPr>
         <p:spPr>
           <a:xfrm flipH="1">
-            <a:off x="7976627" y="1275298"/>
+            <a:off x="8076864" y="1317111"/>
             <a:ext cx="252000" cy="0"/>
           </a:xfrm>
           <a:prstGeom prst="line">
@@ -3756,7 +3756,7 @@
         </p:nvSpPr>
         <p:spPr>
           <a:xfrm>
-            <a:off x="384053" y="1069947"/>
+            <a:off x="484290" y="1111760"/>
             <a:ext cx="741290" cy="400110"/>
           </a:xfrm>
           <a:prstGeom prst="rect">
@@ -3793,7 +3793,7 @@
         </p:nvCxnSpPr>
         <p:spPr>
           <a:xfrm>
-            <a:off x="1712326" y="1412386"/>
+            <a:off x="1812563" y="1454199"/>
             <a:ext cx="0" cy="108000"/>
           </a:xfrm>
           <a:prstGeom prst="line">
@@ -3828,7 +3828,7 @@
         </p:nvCxnSpPr>
         <p:spPr>
           <a:xfrm>
-            <a:off x="2277757" y="1412386"/>
+            <a:off x="2377994" y="1454199"/>
             <a:ext cx="0" cy="108000"/>
           </a:xfrm>
           <a:prstGeom prst="line">
@@ -3863,7 +3863,7 @@
         </p:nvCxnSpPr>
         <p:spPr>
           <a:xfrm>
-            <a:off x="2940879" y="1412386"/>
+            <a:off x="3041116" y="1454199"/>
             <a:ext cx="0" cy="108000"/>
           </a:xfrm>
           <a:prstGeom prst="line">
@@ -3898,7 +3898,7 @@
         </p:nvCxnSpPr>
         <p:spPr>
           <a:xfrm>
-            <a:off x="3610536" y="1412386"/>
+            <a:off x="3710773" y="1454199"/>
             <a:ext cx="0" cy="108000"/>
           </a:xfrm>
           <a:prstGeom prst="line">
@@ -3933,7 +3933,7 @@
         </p:nvCxnSpPr>
         <p:spPr>
           <a:xfrm>
-            <a:off x="4263165" y="1412386"/>
+            <a:off x="4363402" y="1454199"/>
             <a:ext cx="0" cy="108000"/>
           </a:xfrm>
           <a:prstGeom prst="line">
@@ -3968,7 +3968,7 @@
         </p:nvCxnSpPr>
         <p:spPr>
           <a:xfrm>
-            <a:off x="4919684" y="1412386"/>
+            <a:off x="5019921" y="1454199"/>
             <a:ext cx="0" cy="108000"/>
           </a:xfrm>
           <a:prstGeom prst="line">
@@ -4003,7 +4003,7 @@
         </p:nvCxnSpPr>
         <p:spPr>
           <a:xfrm>
-            <a:off x="5626020" y="1412386"/>
+            <a:off x="5726257" y="1454199"/>
             <a:ext cx="0" cy="108000"/>
           </a:xfrm>
           <a:prstGeom prst="line">
@@ -4038,7 +4038,7 @@
         </p:nvCxnSpPr>
         <p:spPr>
           <a:xfrm>
-            <a:off x="6341319" y="1412386"/>
+            <a:off x="6441556" y="1454199"/>
             <a:ext cx="0" cy="108000"/>
           </a:xfrm>
           <a:prstGeom prst="line">
@@ -4073,7 +4073,7 @@
         </p:nvCxnSpPr>
         <p:spPr>
           <a:xfrm>
-            <a:off x="7055485" y="1412386"/>
+            <a:off x="7155722" y="1454199"/>
             <a:ext cx="0" cy="108000"/>
           </a:xfrm>
           <a:prstGeom prst="line">
@@ -4108,7 +4108,7 @@
         </p:nvCxnSpPr>
         <p:spPr>
           <a:xfrm>
-            <a:off x="7708554" y="1412386"/>
+            <a:off x="7808791" y="1454199"/>
             <a:ext cx="0" cy="108000"/>
           </a:xfrm>
           <a:prstGeom prst="line">
@@ -4143,7 +4143,7 @@
         </p:nvSpPr>
         <p:spPr>
           <a:xfrm>
-            <a:off x="1577819" y="1485871"/>
+            <a:off x="1678056" y="1527684"/>
             <a:ext cx="338284" cy="307777"/>
           </a:xfrm>
           <a:prstGeom prst="rect">
@@ -4173,7 +4173,7 @@
         </p:nvSpPr>
         <p:spPr>
           <a:xfrm>
-            <a:off x="2141860" y="1485871"/>
+            <a:off x="2242097" y="1527684"/>
             <a:ext cx="338284" cy="307777"/>
           </a:xfrm>
           <a:prstGeom prst="rect">
@@ -4203,7 +4203,7 @@
         </p:nvSpPr>
         <p:spPr>
           <a:xfrm>
-            <a:off x="2756249" y="1485871"/>
+            <a:off x="2856486" y="1527684"/>
             <a:ext cx="422426" cy="307777"/>
           </a:xfrm>
           <a:prstGeom prst="rect">
@@ -4233,7 +4233,7 @@
         </p:nvSpPr>
         <p:spPr>
           <a:xfrm>
-            <a:off x="3422043" y="1485871"/>
+            <a:off x="3522280" y="1527684"/>
             <a:ext cx="453392" cy="307777"/>
           </a:xfrm>
           <a:prstGeom prst="rect">
@@ -4263,7 +4263,7 @@
         </p:nvSpPr>
         <p:spPr>
           <a:xfrm>
-            <a:off x="4076419" y="1485871"/>
+            <a:off x="4176656" y="1527684"/>
             <a:ext cx="457200" cy="307777"/>
           </a:xfrm>
           <a:prstGeom prst="rect">
@@ -4293,7 +4293,7 @@
         </p:nvSpPr>
         <p:spPr>
           <a:xfrm>
-            <a:off x="4722304" y="1485871"/>
+            <a:off x="4822541" y="1527684"/>
             <a:ext cx="394760" cy="307777"/>
           </a:xfrm>
           <a:prstGeom prst="rect">
@@ -4323,7 +4323,7 @@
         </p:nvSpPr>
         <p:spPr>
           <a:xfrm>
-            <a:off x="5429589" y="1485871"/>
+            <a:off x="5529826" y="1527684"/>
             <a:ext cx="395584" cy="307777"/>
           </a:xfrm>
           <a:prstGeom prst="rect">
@@ -4353,7 +4353,7 @@
         </p:nvSpPr>
         <p:spPr>
           <a:xfrm>
-            <a:off x="6145082" y="1485871"/>
+            <a:off x="6245319" y="1527684"/>
             <a:ext cx="395196" cy="307777"/>
           </a:xfrm>
           <a:prstGeom prst="rect">
@@ -4383,7 +4383,7 @@
         </p:nvSpPr>
         <p:spPr>
           <a:xfrm>
-            <a:off x="6859537" y="1485871"/>
+            <a:off x="6959774" y="1527684"/>
             <a:ext cx="395196" cy="307777"/>
           </a:xfrm>
           <a:prstGeom prst="rect">
@@ -4413,7 +4413,7 @@
         </p:nvSpPr>
         <p:spPr>
           <a:xfrm>
-            <a:off x="7507863" y="1485871"/>
+            <a:off x="7608100" y="1527684"/>
             <a:ext cx="395196" cy="307777"/>
           </a:xfrm>
           <a:prstGeom prst="rect">
@@ -4443,7 +4443,7 @@
         </p:nvCxnSpPr>
         <p:spPr>
           <a:xfrm>
-            <a:off x="1712326" y="1754869"/>
+            <a:off x="1812563" y="1796682"/>
             <a:ext cx="0" cy="108000"/>
           </a:xfrm>
           <a:prstGeom prst="line">
@@ -4478,7 +4478,7 @@
         </p:nvCxnSpPr>
         <p:spPr>
           <a:xfrm>
-            <a:off x="2277757" y="1754869"/>
+            <a:off x="2377994" y="1796682"/>
             <a:ext cx="0" cy="108000"/>
           </a:xfrm>
           <a:prstGeom prst="line">
@@ -4513,7 +4513,7 @@
         </p:nvCxnSpPr>
         <p:spPr>
           <a:xfrm>
-            <a:off x="2940879" y="1754869"/>
+            <a:off x="3041116" y="1796682"/>
             <a:ext cx="0" cy="108000"/>
           </a:xfrm>
           <a:prstGeom prst="line">
@@ -4548,7 +4548,7 @@
         </p:nvCxnSpPr>
         <p:spPr>
           <a:xfrm>
-            <a:off x="3610536" y="1754869"/>
+            <a:off x="3710773" y="1796682"/>
             <a:ext cx="0" cy="108000"/>
           </a:xfrm>
           <a:prstGeom prst="line">
@@ -4583,7 +4583,7 @@
         </p:nvCxnSpPr>
         <p:spPr>
           <a:xfrm>
-            <a:off x="4263165" y="1754869"/>
+            <a:off x="4363402" y="1796682"/>
             <a:ext cx="0" cy="108000"/>
           </a:xfrm>
           <a:prstGeom prst="line">
@@ -4618,7 +4618,7 @@
         </p:nvCxnSpPr>
         <p:spPr>
           <a:xfrm>
-            <a:off x="4919684" y="1754869"/>
+            <a:off x="5019921" y="1796682"/>
             <a:ext cx="0" cy="108000"/>
           </a:xfrm>
           <a:prstGeom prst="line">
@@ -4653,7 +4653,7 @@
         </p:nvCxnSpPr>
         <p:spPr>
           <a:xfrm>
-            <a:off x="5626020" y="1754869"/>
+            <a:off x="5726257" y="1796682"/>
             <a:ext cx="0" cy="108000"/>
           </a:xfrm>
           <a:prstGeom prst="line">
@@ -4688,7 +4688,7 @@
         </p:nvCxnSpPr>
         <p:spPr>
           <a:xfrm>
-            <a:off x="6341319" y="1754869"/>
+            <a:off x="6441556" y="1796682"/>
             <a:ext cx="0" cy="108000"/>
           </a:xfrm>
           <a:prstGeom prst="line">
@@ -4723,7 +4723,7 @@
         </p:nvCxnSpPr>
         <p:spPr>
           <a:xfrm>
-            <a:off x="7055485" y="1754869"/>
+            <a:off x="7155722" y="1796682"/>
             <a:ext cx="0" cy="108000"/>
           </a:xfrm>
           <a:prstGeom prst="line">
@@ -4758,7 +4758,7 @@
         </p:nvCxnSpPr>
         <p:spPr>
           <a:xfrm>
-            <a:off x="7708554" y="1754869"/>
+            <a:off x="7808791" y="1796682"/>
             <a:ext cx="0" cy="108000"/>
           </a:xfrm>
           <a:prstGeom prst="line">
@@ -4793,7 +4793,7 @@
         </p:nvSpPr>
         <p:spPr>
           <a:xfrm>
-            <a:off x="991993" y="1874375"/>
+            <a:off x="1092230" y="1916188"/>
             <a:ext cx="8044503" cy="323165"/>
           </a:xfrm>
           <a:prstGeom prst="rect">
@@ -4874,7 +4874,7 @@
         </p:nvSpPr>
         <p:spPr>
           <a:xfrm>
-            <a:off x="295299" y="1815009"/>
+            <a:off x="395536" y="1856822"/>
             <a:ext cx="830044" cy="400110"/>
           </a:xfrm>
           <a:prstGeom prst="rect">
@@ -4911,7 +4911,7 @@
         </p:nvCxnSpPr>
         <p:spPr>
           <a:xfrm>
-            <a:off x="1533152" y="2033471"/>
+            <a:off x="1633389" y="2075284"/>
             <a:ext cx="72000" cy="0"/>
           </a:xfrm>
           <a:prstGeom prst="line">
@@ -4944,7 +4944,7 @@
         </p:nvCxnSpPr>
         <p:spPr>
           <a:xfrm flipH="1">
-            <a:off x="7976627" y="2022585"/>
+            <a:off x="8076864" y="2064398"/>
             <a:ext cx="252000" cy="0"/>
           </a:xfrm>
           <a:prstGeom prst="line">
@@ -4977,7 +4977,7 @@
         </p:nvSpPr>
         <p:spPr>
           <a:xfrm>
-            <a:off x="1773991" y="731677"/>
+            <a:off x="1874228" y="773490"/>
             <a:ext cx="216000" cy="288000"/>
           </a:xfrm>
           <a:prstGeom prst="roundRect">
@@ -5020,7 +5020,7 @@
         </p:nvSpPr>
         <p:spPr>
           <a:xfrm>
-            <a:off x="1720373" y="714122"/>
+            <a:off x="1820610" y="755935"/>
             <a:ext cx="395196" cy="323165"/>
           </a:xfrm>
           <a:prstGeom prst="rect">
@@ -5059,7 +5059,7 @@
         </p:nvCxnSpPr>
         <p:spPr>
           <a:xfrm>
-            <a:off x="1875359" y="1026401"/>
+            <a:off x="1975596" y="1068214"/>
             <a:ext cx="0" cy="144000"/>
           </a:xfrm>
           <a:prstGeom prst="line">
@@ -5094,7 +5094,7 @@
         </p:nvSpPr>
         <p:spPr>
           <a:xfrm>
-            <a:off x="2286089" y="731677"/>
+            <a:off x="2386326" y="773490"/>
             <a:ext cx="216000" cy="288000"/>
           </a:xfrm>
           <a:prstGeom prst="roundRect">
@@ -5137,7 +5137,7 @@
         </p:nvSpPr>
         <p:spPr>
           <a:xfrm>
-            <a:off x="2219578" y="714122"/>
+            <a:off x="2319815" y="755935"/>
             <a:ext cx="395196" cy="323165"/>
           </a:xfrm>
           <a:prstGeom prst="rect">
@@ -5176,7 +5176,7 @@
         </p:nvCxnSpPr>
         <p:spPr>
           <a:xfrm>
-            <a:off x="2396083" y="1026401"/>
+            <a:off x="2496320" y="1068214"/>
             <a:ext cx="0" cy="144000"/>
           </a:xfrm>
           <a:prstGeom prst="line">
@@ -5211,7 +5211,7 @@
         </p:nvSpPr>
         <p:spPr>
           <a:xfrm>
-            <a:off x="3631339" y="731677"/>
+            <a:off x="3731576" y="773490"/>
             <a:ext cx="216000" cy="288000"/>
           </a:xfrm>
           <a:prstGeom prst="roundRect">
@@ -5254,7 +5254,7 @@
         </p:nvSpPr>
         <p:spPr>
           <a:xfrm>
-            <a:off x="3571194" y="714122"/>
+            <a:off x="3671431" y="755935"/>
             <a:ext cx="395196" cy="323165"/>
           </a:xfrm>
           <a:prstGeom prst="rect">
@@ -5293,7 +5293,7 @@
         </p:nvCxnSpPr>
         <p:spPr>
           <a:xfrm>
-            <a:off x="3737066" y="1026401"/>
+            <a:off x="3837303" y="1068214"/>
             <a:ext cx="0" cy="144000"/>
           </a:xfrm>
           <a:prstGeom prst="line">
@@ -5328,7 +5328,7 @@
         </p:nvSpPr>
         <p:spPr>
           <a:xfrm>
-            <a:off x="5533941" y="731677"/>
+            <a:off x="5634178" y="773490"/>
             <a:ext cx="216000" cy="288000"/>
           </a:xfrm>
           <a:prstGeom prst="roundRect">
@@ -5371,7 +5371,7 @@
         </p:nvSpPr>
         <p:spPr>
           <a:xfrm>
-            <a:off x="5478063" y="714122"/>
+            <a:off x="5578300" y="755935"/>
             <a:ext cx="395196" cy="323165"/>
           </a:xfrm>
           <a:prstGeom prst="rect">
@@ -5410,7 +5410,7 @@
         </p:nvCxnSpPr>
         <p:spPr>
           <a:xfrm>
-            <a:off x="5643935" y="1026401"/>
+            <a:off x="5744172" y="1068214"/>
             <a:ext cx="0" cy="144000"/>
           </a:xfrm>
           <a:prstGeom prst="line">
@@ -5445,7 +5445,7 @@
         </p:nvSpPr>
         <p:spPr>
           <a:xfrm>
-            <a:off x="2816128" y="731677"/>
+            <a:off x="2916365" y="773490"/>
             <a:ext cx="216000" cy="288000"/>
           </a:xfrm>
           <a:prstGeom prst="roundRect">
@@ -5488,7 +5488,7 @@
         </p:nvSpPr>
         <p:spPr>
           <a:xfrm>
-            <a:off x="2762510" y="714122"/>
+            <a:off x="2862747" y="755935"/>
             <a:ext cx="395196" cy="323165"/>
           </a:xfrm>
           <a:prstGeom prst="rect">
@@ -5527,7 +5527,7 @@
         </p:nvCxnSpPr>
         <p:spPr>
           <a:xfrm>
-            <a:off x="2932741" y="1026401"/>
+            <a:off x="3032978" y="1068214"/>
             <a:ext cx="0" cy="144000"/>
           </a:xfrm>
           <a:prstGeom prst="line">
@@ -5562,7 +5562,7 @@
         </p:nvGrpSpPr>
         <p:grpSpPr>
           <a:xfrm>
-            <a:off x="5962121" y="2140173"/>
+            <a:off x="6062358" y="2181986"/>
             <a:ext cx="216000" cy="432048"/>
             <a:chOff x="5464998" y="1196752"/>
             <a:chExt cx="216000" cy="432048"/>
@@ -5655,7 +5655,7 @@
         </p:nvSpPr>
         <p:spPr>
           <a:xfrm>
-            <a:off x="5924576" y="2271934"/>
+            <a:off x="6024813" y="2313747"/>
             <a:ext cx="253545" cy="323165"/>
           </a:xfrm>
           <a:prstGeom prst="rect">
@@ -5694,7 +5694,7 @@
         </p:nvGrpSpPr>
         <p:grpSpPr>
           <a:xfrm>
-            <a:off x="2520204" y="4846831"/>
+            <a:off x="2222999" y="4846831"/>
             <a:ext cx="456302" cy="365525"/>
             <a:chOff x="2546808" y="4846831"/>
             <a:chExt cx="456302" cy="365525"/>
@@ -6041,7 +6041,7 @@
         </p:nvCxnSpPr>
         <p:spPr>
           <a:xfrm rot="-1080000" flipV="1">
-            <a:off x="6096233" y="4936636"/>
+            <a:off x="6052451" y="4936636"/>
             <a:ext cx="432000" cy="252000"/>
           </a:xfrm>
           <a:prstGeom prst="curvedConnector3">
@@ -6098,7 +6098,7 @@
         </p:blipFill>
         <p:spPr>
           <a:xfrm>
-            <a:off x="2078455" y="2738171"/>
+            <a:off x="1934439" y="2738171"/>
             <a:ext cx="972208" cy="1116000"/>
           </a:xfrm>
           <a:prstGeom prst="rect">
@@ -6114,7 +6114,7 @@
         </p:nvSpPr>
         <p:spPr>
           <a:xfrm rot="13873920">
-            <a:off x="2183474" y="3203643"/>
+            <a:off x="2039458" y="3203643"/>
             <a:ext cx="828254" cy="158662"/>
           </a:xfrm>
           <a:custGeom>
@@ -6281,7 +6281,7 @@
         </p:nvGrpSpPr>
         <p:grpSpPr>
           <a:xfrm rot="15946922">
-            <a:off x="2336340" y="2467125"/>
+            <a:off x="2192324" y="2467125"/>
             <a:ext cx="385701" cy="144000"/>
             <a:chOff x="1833287" y="6390465"/>
             <a:chExt cx="385701" cy="144000"/>
@@ -6628,7 +6628,7 @@
         </p:nvGrpSpPr>
         <p:grpSpPr>
           <a:xfrm rot="19329006">
-            <a:off x="2995861" y="2806272"/>
+            <a:off x="2851845" y="2806272"/>
             <a:ext cx="385701" cy="144000"/>
             <a:chOff x="1833287" y="6390465"/>
             <a:chExt cx="385701" cy="144000"/>
@@ -6975,7 +6975,7 @@
         </p:nvGrpSpPr>
         <p:grpSpPr>
           <a:xfrm rot="2204428">
-            <a:off x="3014266" y="3591860"/>
+            <a:off x="2870250" y="3591860"/>
             <a:ext cx="385701" cy="144000"/>
             <a:chOff x="1833287" y="6390465"/>
             <a:chExt cx="385701" cy="144000"/>
@@ -7322,7 +7322,7 @@
         </p:nvGrpSpPr>
         <p:grpSpPr>
           <a:xfrm rot="5400000">
-            <a:off x="2384599" y="3949360"/>
+            <a:off x="2240583" y="3949360"/>
             <a:ext cx="385701" cy="144000"/>
             <a:chOff x="1833287" y="6390465"/>
             <a:chExt cx="385701" cy="144000"/>
@@ -7669,7 +7669,7 @@
         </p:nvGrpSpPr>
         <p:grpSpPr>
           <a:xfrm rot="8522858">
-            <a:off x="1747585" y="3614761"/>
+            <a:off x="1603569" y="3614761"/>
             <a:ext cx="385701" cy="144000"/>
             <a:chOff x="1833287" y="6390465"/>
             <a:chExt cx="385701" cy="144000"/>
@@ -8016,7 +8016,7 @@
         </p:nvGrpSpPr>
         <p:grpSpPr>
           <a:xfrm rot="12514432">
-            <a:off x="1702629" y="2863147"/>
+            <a:off x="1558613" y="2863147"/>
             <a:ext cx="385701" cy="144000"/>
             <a:chOff x="1833287" y="6390465"/>
             <a:chExt cx="385701" cy="144000"/>
@@ -8363,7 +8363,7 @@
         </p:nvGrpSpPr>
         <p:grpSpPr>
           <a:xfrm rot="12514432">
-            <a:off x="2000716" y="3073515"/>
+            <a:off x="1856700" y="3073515"/>
             <a:ext cx="385701" cy="144000"/>
             <a:chOff x="1833287" y="6390465"/>
             <a:chExt cx="385701" cy="144000"/>
@@ -8712,7 +8712,7 @@
         </p:nvCxnSpPr>
         <p:spPr>
           <a:xfrm rot="20821342" flipV="1">
-            <a:off x="2729130" y="2893221"/>
+            <a:off x="2585114" y="2893221"/>
             <a:ext cx="324000" cy="144000"/>
           </a:xfrm>
           <a:prstGeom prst="curvedConnector3">
@@ -8761,7 +8761,7 @@
         </p:nvGrpSpPr>
         <p:grpSpPr>
           <a:xfrm>
-            <a:off x="2870099" y="2797776"/>
+            <a:off x="2726083" y="2797776"/>
             <a:ext cx="130276" cy="206116"/>
             <a:chOff x="3729766" y="5756981"/>
             <a:chExt cx="130276" cy="206116"/>
@@ -9091,7 +9091,7 @@
         </p:nvGrpSpPr>
         <p:grpSpPr>
           <a:xfrm rot="12514432">
-            <a:off x="2307571" y="3597823"/>
+            <a:off x="2163555" y="3597823"/>
             <a:ext cx="385701" cy="144000"/>
             <a:chOff x="1833287" y="6390465"/>
             <a:chExt cx="385701" cy="144000"/>
@@ -9450,7 +9450,7 @@
         </p:blipFill>
         <p:spPr>
           <a:xfrm>
-            <a:off x="4537318" y="2738171"/>
+            <a:off x="4393302" y="2738171"/>
             <a:ext cx="972208" cy="1116000"/>
           </a:xfrm>
           <a:prstGeom prst="rect">
@@ -9466,7 +9466,7 @@
         </p:nvSpPr>
         <p:spPr>
           <a:xfrm rot="13873920">
-            <a:off x="4631704" y="3199579"/>
+            <a:off x="4487688" y="3199579"/>
             <a:ext cx="828254" cy="158662"/>
           </a:xfrm>
           <a:custGeom>
@@ -9633,7 +9633,7 @@
         </p:nvCxnSpPr>
         <p:spPr>
           <a:xfrm rot="17086922" flipV="1">
-            <a:off x="4847373" y="2504461"/>
+            <a:off x="4703357" y="2504461"/>
             <a:ext cx="324000" cy="144000"/>
           </a:xfrm>
           <a:prstGeom prst="curvedConnector3">
@@ -9680,7 +9680,7 @@
         </p:nvCxnSpPr>
         <p:spPr>
           <a:xfrm rot="20469006" flipV="1">
-            <a:off x="5461214" y="2821138"/>
+            <a:off x="5317198" y="2821138"/>
             <a:ext cx="324000" cy="144000"/>
           </a:xfrm>
           <a:prstGeom prst="curvedConnector3">
@@ -9727,7 +9727,7 @@
         </p:nvCxnSpPr>
         <p:spPr>
           <a:xfrm rot="3344428" flipV="1">
-            <a:off x="5489890" y="3569342"/>
+            <a:off x="5345874" y="3569342"/>
             <a:ext cx="324000" cy="144000"/>
           </a:xfrm>
           <a:prstGeom prst="curvedConnector3">
@@ -9774,7 +9774,7 @@
         </p:nvCxnSpPr>
         <p:spPr>
           <a:xfrm rot="6540000" flipV="1">
-            <a:off x="4874313" y="3925079"/>
+            <a:off x="4730297" y="3925079"/>
             <a:ext cx="324000" cy="144000"/>
           </a:xfrm>
           <a:prstGeom prst="curvedConnector3">
@@ -9821,7 +9821,7 @@
         </p:nvCxnSpPr>
         <p:spPr>
           <a:xfrm rot="9662858" flipV="1">
-            <a:off x="4261625" y="3591724"/>
+            <a:off x="4117609" y="3591724"/>
             <a:ext cx="324000" cy="144000"/>
           </a:xfrm>
           <a:prstGeom prst="curvedConnector3">
@@ -9868,7 +9868,7 @@
         </p:nvCxnSpPr>
         <p:spPr>
           <a:xfrm rot="13654432" flipV="1">
-            <a:off x="4219435" y="2873839"/>
+            <a:off x="4075419" y="2873839"/>
             <a:ext cx="324000" cy="144000"/>
           </a:xfrm>
           <a:prstGeom prst="curvedConnector3">
@@ -9915,7 +9915,7 @@
         </p:nvCxnSpPr>
         <p:spPr>
           <a:xfrm rot="13654432" flipV="1">
-            <a:off x="4491644" y="3110085"/>
+            <a:off x="4347628" y="3110085"/>
             <a:ext cx="324000" cy="144000"/>
           </a:xfrm>
           <a:prstGeom prst="curvedConnector3">
@@ -9964,7 +9964,7 @@
         </p:nvCxnSpPr>
         <p:spPr>
           <a:xfrm rot="20821342" flipV="1">
-            <a:off x="5187993" y="2889157"/>
+            <a:off x="5043977" y="2889157"/>
             <a:ext cx="324000" cy="144000"/>
           </a:xfrm>
           <a:prstGeom prst="curvedConnector3">
@@ -10013,7 +10013,7 @@
         </p:nvCxnSpPr>
         <p:spPr>
           <a:xfrm rot="13654432" flipV="1">
-            <a:off x="4824377" y="3608515"/>
+            <a:off x="4680361" y="3608515"/>
             <a:ext cx="324000" cy="144000"/>
           </a:xfrm>
           <a:prstGeom prst="curvedConnector3">
@@ -10062,7 +10062,7 @@
         </p:nvSpPr>
         <p:spPr>
           <a:xfrm>
-            <a:off x="2241828" y="4286218"/>
+            <a:off x="2097812" y="4286218"/>
             <a:ext cx="1156111" cy="400110"/>
           </a:xfrm>
           <a:prstGeom prst="rect">
@@ -10098,7 +10098,7 @@
         </p:nvSpPr>
         <p:spPr>
           <a:xfrm>
-            <a:off x="4667766" y="4286218"/>
+            <a:off x="4523750" y="4286218"/>
             <a:ext cx="1156111" cy="400110"/>
           </a:xfrm>
           <a:prstGeom prst="rect">
@@ -10134,7 +10134,7 @@
         </p:nvSpPr>
         <p:spPr>
           <a:xfrm>
-            <a:off x="6749757" y="4286218"/>
+            <a:off x="6605741" y="4286218"/>
             <a:ext cx="1156111" cy="400110"/>
           </a:xfrm>
           <a:prstGeom prst="rect">
@@ -10170,7 +10170,7 @@
         </p:nvGrpSpPr>
         <p:grpSpPr>
           <a:xfrm rot="18827400">
-            <a:off x="979037" y="5075302"/>
+            <a:off x="751896" y="5075302"/>
             <a:ext cx="843439" cy="271485"/>
             <a:chOff x="241100" y="5079487"/>
             <a:chExt cx="971577" cy="428865"/>
@@ -10410,7 +10410,7 @@
         </p:blipFill>
         <p:spPr>
           <a:xfrm>
-            <a:off x="6689270" y="2742828"/>
+            <a:off x="6545254" y="2742828"/>
             <a:ext cx="972208" cy="1116000"/>
           </a:xfrm>
           <a:prstGeom prst="rect">
@@ -10426,7 +10426,7 @@
         </p:nvSpPr>
         <p:spPr>
           <a:xfrm rot="14472464">
-            <a:off x="6759484" y="3205812"/>
+            <a:off x="6615468" y="3205812"/>
             <a:ext cx="828254" cy="158662"/>
           </a:xfrm>
           <a:custGeom>
@@ -10593,7 +10593,7 @@
         </p:nvCxnSpPr>
         <p:spPr>
           <a:xfrm flipV="1">
-            <a:off x="6717845" y="3446496"/>
+            <a:off x="6573829" y="3446496"/>
             <a:ext cx="252238" cy="109999"/>
           </a:xfrm>
           <a:prstGeom prst="curvedConnector3">
@@ -10646,7 +10646,7 @@
         </p:nvCxnSpPr>
         <p:spPr>
           <a:xfrm rot="13500000" flipV="1">
-            <a:off x="6912579" y="3024927"/>
+            <a:off x="6768563" y="3024927"/>
             <a:ext cx="252238" cy="109999"/>
           </a:xfrm>
           <a:prstGeom prst="curvedConnector3">
@@ -10701,7 +10701,7 @@
         </p:nvCxnSpPr>
         <p:spPr>
           <a:xfrm rot="13500000" flipV="1">
-            <a:off x="6725130" y="3032435"/>
+            <a:off x="6581114" y="3032435"/>
             <a:ext cx="252238" cy="109999"/>
           </a:xfrm>
           <a:prstGeom prst="curvedConnector3">
@@ -10754,7 +10754,7 @@
         </p:nvCxnSpPr>
         <p:spPr>
           <a:xfrm rot="6960000" flipV="1">
-            <a:off x="7027912" y="2854641"/>
+            <a:off x="6883896" y="2854641"/>
             <a:ext cx="252238" cy="109999"/>
           </a:xfrm>
           <a:prstGeom prst="curvedConnector3">
@@ -10807,7 +10807,7 @@
         </p:nvCxnSpPr>
         <p:spPr>
           <a:xfrm flipV="1">
-            <a:off x="7255809" y="3229222"/>
+            <a:off x="7111793" y="3229222"/>
             <a:ext cx="252238" cy="109999"/>
           </a:xfrm>
           <a:prstGeom prst="curvedConnector3">
@@ -10862,7 +10862,7 @@
         </p:nvCxnSpPr>
         <p:spPr>
           <a:xfrm rot="10800000">
-            <a:off x="7422312" y="3390484"/>
+            <a:off x="7278296" y="3390484"/>
             <a:ext cx="230462" cy="144380"/>
           </a:xfrm>
           <a:prstGeom prst="curvedConnector3">
@@ -10915,7 +10915,7 @@
         </p:nvCxnSpPr>
         <p:spPr>
           <a:xfrm rot="6960000" flipV="1">
-            <a:off x="7056487" y="3622346"/>
+            <a:off x="6912471" y="3622346"/>
             <a:ext cx="252238" cy="109999"/>
           </a:xfrm>
           <a:prstGeom prst="curvedConnector3">
@@ -10968,7 +10968,7 @@
         </p:nvCxnSpPr>
         <p:spPr>
           <a:xfrm flipV="1">
-            <a:off x="6914819" y="3484596"/>
+            <a:off x="6770803" y="3484596"/>
             <a:ext cx="252238" cy="109999"/>
           </a:xfrm>
           <a:prstGeom prst="curvedConnector3">
@@ -11023,7 +11023,7 @@
         </p:nvCxnSpPr>
         <p:spPr>
           <a:xfrm flipV="1">
-            <a:off x="7399825" y="3037690"/>
+            <a:off x="7255809" y="3037690"/>
             <a:ext cx="252238" cy="109999"/>
           </a:xfrm>
           <a:prstGeom prst="curvedConnector3">
@@ -11076,7 +11076,7 @@
         </p:nvGrpSpPr>
         <p:grpSpPr>
           <a:xfrm>
-            <a:off x="7407570" y="3376240"/>
+            <a:off x="7263554" y="3376240"/>
             <a:ext cx="156154" cy="66676"/>
             <a:chOff x="8100392" y="4236854"/>
             <a:chExt cx="156154" cy="66676"/>
@@ -11271,7 +11271,7 @@
         </p:nvGrpSpPr>
         <p:grpSpPr>
           <a:xfrm rot="5400000">
-            <a:off x="7090565" y="2934251"/>
+            <a:off x="6946549" y="2934251"/>
             <a:ext cx="156154" cy="66676"/>
             <a:chOff x="8100392" y="4236854"/>
             <a:chExt cx="156154" cy="66676"/>
@@ -11466,7 +11466,7 @@
         </p:nvGrpSpPr>
         <p:grpSpPr>
           <a:xfrm rot="18000000">
-            <a:off x="6796630" y="3442954"/>
+            <a:off x="6652614" y="3442954"/>
             <a:ext cx="156154" cy="66676"/>
             <a:chOff x="8100392" y="4236854"/>
             <a:chExt cx="156154" cy="66676"/>
@@ -11661,7 +11661,7 @@
         </p:nvGrpSpPr>
         <p:grpSpPr>
           <a:xfrm rot="-360000">
-            <a:off x="6825620" y="3055711"/>
+            <a:off x="6681604" y="3055711"/>
             <a:ext cx="156154" cy="66676"/>
             <a:chOff x="8100392" y="4236854"/>
             <a:chExt cx="156154" cy="66676"/>
@@ -11856,7 +11856,7 @@
         </p:nvGrpSpPr>
         <p:grpSpPr>
           <a:xfrm rot="4980000">
-            <a:off x="7131364" y="3649428"/>
+            <a:off x="6987348" y="3649428"/>
             <a:ext cx="156154" cy="66676"/>
             <a:chOff x="8100392" y="4236854"/>
             <a:chExt cx="156154" cy="66676"/>
@@ -12051,8 +12051,8 @@
         </p:nvSpPr>
         <p:spPr>
           <a:xfrm>
-            <a:off x="1566783" y="4947925"/>
-            <a:ext cx="772969" cy="307777"/>
+            <a:off x="1339642" y="4947925"/>
+            <a:ext cx="817853" cy="323165"/>
           </a:xfrm>
           <a:prstGeom prst="rect">
             <a:avLst/>
@@ -12065,13 +12065,13 @@
           <a:lstStyle/>
           <a:p>
             <a:r>
-              <a:rPr lang="de-CH" sz="1400" dirty="0" err="1" smtClean="0">
+              <a:rPr lang="de-CH" sz="1500" b="1" dirty="0" err="1" smtClean="0">
                 <a:latin typeface="Arial" panose="020B0604020202020204" pitchFamily="34" charset="0"/>
                 <a:cs typeface="Arial" panose="020B0604020202020204" pitchFamily="34" charset="0"/>
               </a:rPr>
               <a:t>ssDNA</a:t>
             </a:r>
-            <a:endParaRPr lang="de-DE" sz="1400" dirty="0"/>
+            <a:endParaRPr lang="de-DE" sz="1500" b="1" dirty="0"/>
           </a:p>
         </p:txBody>
       </p:sp>
@@ -12083,8 +12083,8 @@
         </p:nvSpPr>
         <p:spPr>
           <a:xfrm>
-            <a:off x="2896425" y="4947925"/>
-            <a:ext cx="3021981" cy="307777"/>
+            <a:off x="2599220" y="4947925"/>
+            <a:ext cx="3472425" cy="323165"/>
           </a:xfrm>
           <a:prstGeom prst="rect">
             <a:avLst/>
@@ -12097,48 +12097,48 @@
           <a:lstStyle/>
           <a:p>
             <a:r>
-              <a:rPr lang="de-CH" sz="1400" dirty="0">
+              <a:rPr lang="de-CH" sz="1500" b="1" dirty="0">
                 <a:latin typeface="Arial" panose="020B0604020202020204" pitchFamily="34" charset="0"/>
                 <a:cs typeface="Arial" panose="020B0604020202020204" pitchFamily="34" charset="0"/>
               </a:rPr>
               <a:t>N-VP2 </a:t>
             </a:r>
             <a:r>
-              <a:rPr lang="de-CH" sz="1400" dirty="0" err="1">
+              <a:rPr lang="de-CH" sz="1500" b="1" dirty="0" err="1">
                 <a:latin typeface="Arial" panose="020B0604020202020204" pitchFamily="34" charset="0"/>
                 <a:cs typeface="Arial" panose="020B0604020202020204" pitchFamily="34" charset="0"/>
               </a:rPr>
               <a:t>with</a:t>
             </a:r>
             <a:r>
-              <a:rPr lang="de-CH" sz="1400" dirty="0">
+              <a:rPr lang="de-CH" sz="1500" b="1" dirty="0">
                 <a:latin typeface="Arial" panose="020B0604020202020204" pitchFamily="34" charset="0"/>
                 <a:cs typeface="Arial" panose="020B0604020202020204" pitchFamily="34" charset="0"/>
               </a:rPr>
               <a:t> </a:t>
             </a:r>
             <a:r>
-              <a:rPr lang="de-CH" sz="1400" dirty="0" err="1">
+              <a:rPr lang="de-CH" sz="1500" b="1" dirty="0" err="1">
                 <a:latin typeface="Arial" panose="020B0604020202020204" pitchFamily="34" charset="0"/>
                 <a:cs typeface="Arial" panose="020B0604020202020204" pitchFamily="34" charset="0"/>
               </a:rPr>
               <a:t>serine</a:t>
             </a:r>
             <a:r>
-              <a:rPr lang="de-CH" sz="1400" dirty="0">
+              <a:rPr lang="de-CH" sz="1500" b="1" dirty="0">
                 <a:latin typeface="Arial" panose="020B0604020202020204" pitchFamily="34" charset="0"/>
                 <a:cs typeface="Arial" panose="020B0604020202020204" pitchFamily="34" charset="0"/>
               </a:rPr>
               <a:t> </a:t>
             </a:r>
             <a:r>
-              <a:rPr lang="de-CH" sz="1400" dirty="0" err="1">
+              <a:rPr lang="de-CH" sz="1500" b="1" dirty="0" err="1">
                 <a:latin typeface="Arial" panose="020B0604020202020204" pitchFamily="34" charset="0"/>
                 <a:cs typeface="Arial" panose="020B0604020202020204" pitchFamily="34" charset="0"/>
               </a:rPr>
               <a:t>phosphorylations</a:t>
             </a:r>
-            <a:endParaRPr lang="de-DE" sz="1400" dirty="0"/>
+            <a:endParaRPr lang="de-DE" sz="1500" b="1" dirty="0"/>
           </a:p>
         </p:txBody>
       </p:sp>
@@ -12150,8 +12150,8 @@
         </p:nvSpPr>
         <p:spPr>
           <a:xfrm>
-            <a:off x="6386327" y="4947925"/>
-            <a:ext cx="1986441" cy="307777"/>
+            <a:off x="6342545" y="4947925"/>
+            <a:ext cx="2117887" cy="323165"/>
           </a:xfrm>
           <a:prstGeom prst="rect">
             <a:avLst/>
@@ -12164,34 +12164,34 @@
           <a:lstStyle/>
           <a:p>
             <a:r>
-              <a:rPr lang="de-CH" sz="1400" dirty="0">
+              <a:rPr lang="de-CH" sz="1500" b="1" dirty="0">
                 <a:latin typeface="Arial" panose="020B0604020202020204" pitchFamily="34" charset="0"/>
                 <a:cs typeface="Arial" panose="020B0604020202020204" pitchFamily="34" charset="0"/>
               </a:rPr>
               <a:t>N-VP2 </a:t>
             </a:r>
             <a:r>
-              <a:rPr lang="de-CH" sz="1400" dirty="0" err="1">
+              <a:rPr lang="de-CH" sz="1500" b="1" dirty="0" err="1">
                 <a:latin typeface="Arial" panose="020B0604020202020204" pitchFamily="34" charset="0"/>
                 <a:cs typeface="Arial" panose="020B0604020202020204" pitchFamily="34" charset="0"/>
               </a:rPr>
               <a:t>of</a:t>
             </a:r>
             <a:r>
-              <a:rPr lang="de-CH" sz="1400" dirty="0">
+              <a:rPr lang="de-CH" sz="1500" b="1" dirty="0">
                 <a:latin typeface="Arial" panose="020B0604020202020204" pitchFamily="34" charset="0"/>
                 <a:cs typeface="Arial" panose="020B0604020202020204" pitchFamily="34" charset="0"/>
               </a:rPr>
               <a:t> 5SG </a:t>
             </a:r>
             <a:r>
-              <a:rPr lang="de-CH" sz="1400" dirty="0" err="1">
+              <a:rPr lang="de-CH" sz="1500" b="1" dirty="0" err="1">
                 <a:latin typeface="Arial" panose="020B0604020202020204" pitchFamily="34" charset="0"/>
                 <a:cs typeface="Arial" panose="020B0604020202020204" pitchFamily="34" charset="0"/>
               </a:rPr>
               <a:t>mutant</a:t>
             </a:r>
-            <a:endParaRPr lang="de-DE" sz="1400" dirty="0"/>
+            <a:endParaRPr lang="de-DE" sz="1500" b="1" dirty="0"/>
           </a:p>
         </p:txBody>
       </p:sp>
